--- a/Guided Capstone Project Slide Deck.pptx
+++ b/Guided Capstone Project Slide Deck.pptx
@@ -2,21 +2,24 @@
 <file path=ppt/presentation.xml><?xml version="1.0" encoding="utf-8"?>
 <p:presentation xmlns:a="http://schemas.openxmlformats.org/drawingml/2006/main" xmlns:r="http://schemas.openxmlformats.org/officeDocument/2006/relationships" xmlns:p="http://schemas.openxmlformats.org/presentationml/2006/main" saveSubsetFonts="1" autoCompressPictures="0">
   <p:sldMasterIdLst>
-    <p:sldMasterId id="2147483648" r:id="rId1"/>
+    <p:sldMasterId id="2147483696" r:id="rId1"/>
   </p:sldMasterIdLst>
   <p:notesMasterIdLst>
-    <p:notesMasterId r:id="rId11"/>
+    <p:notesMasterId r:id="rId14"/>
   </p:notesMasterIdLst>
   <p:sldIdLst>
-    <p:sldId id="256" r:id="rId2"/>
-    <p:sldId id="257" r:id="rId3"/>
-    <p:sldId id="260" r:id="rId4"/>
-    <p:sldId id="258" r:id="rId5"/>
-    <p:sldId id="265" r:id="rId6"/>
-    <p:sldId id="264" r:id="rId7"/>
-    <p:sldId id="259" r:id="rId8"/>
-    <p:sldId id="261" r:id="rId9"/>
-    <p:sldId id="262" r:id="rId10"/>
+    <p:sldId id="266" r:id="rId2"/>
+    <p:sldId id="256" r:id="rId3"/>
+    <p:sldId id="257" r:id="rId4"/>
+    <p:sldId id="267" r:id="rId5"/>
+    <p:sldId id="258" r:id="rId6"/>
+    <p:sldId id="265" r:id="rId7"/>
+    <p:sldId id="264" r:id="rId8"/>
+    <p:sldId id="268" r:id="rId9"/>
+    <p:sldId id="269" r:id="rId10"/>
+    <p:sldId id="270" r:id="rId11"/>
+    <p:sldId id="271" r:id="rId12"/>
+    <p:sldId id="262" r:id="rId13"/>
   </p:sldIdLst>
   <p:sldSz cx="12192000" cy="6858000"/>
   <p:notesSz cx="6858000" cy="9144000"/>
@@ -115,6 +118,11 @@
       </a:defRPr>
     </a:lvl9pPr>
   </p:defaultTextStyle>
+  <p:extLst>
+    <p:ext uri="{EFAFB233-063F-42B5-8137-9DF3F51BA10A}">
+      <p15:sldGuideLst xmlns:p15="http://schemas.microsoft.com/office/powerpoint/2012/main"/>
+    </p:ext>
+  </p:extLst>
 </p:presentation>
 </file>
 
@@ -200,7 +208,7 @@
           <a:p>
             <a:fld id="{827F8CE9-3AF6-354D-BBD4-4051F9B814BA}" type="datetimeFigureOut">
               <a:rPr lang="en-US" smtClean="0"/>
-              <a:t>8/8/23</a:t>
+              <a:t>8/9/23</a:t>
             </a:fld>
             <a:endParaRPr lang="en-US"/>
           </a:p>
@@ -532,7 +540,7 @@
           <a:p>
             <a:fld id="{AA499EE4-AFF7-DB4F-BE58-31406A547856}" type="slidenum">
               <a:rPr lang="en-US" smtClean="0"/>
-              <a:t>1</a:t>
+              <a:t>2</a:t>
             </a:fld>
             <a:endParaRPr lang="en-US"/>
           </a:p>
@@ -616,7 +624,7 @@
           <a:p>
             <a:fld id="{AA499EE4-AFF7-DB4F-BE58-31406A547856}" type="slidenum">
               <a:rPr lang="en-US" smtClean="0"/>
-              <a:t>4</a:t>
+              <a:t>5</a:t>
             </a:fld>
             <a:endParaRPr lang="en-US"/>
           </a:p>
@@ -657,7 +665,7 @@
           <p:cNvPr id="2" name="Title 1">
             <a:extLst>
               <a:ext uri="{FF2B5EF4-FFF2-40B4-BE49-F238E27FC236}">
-                <a16:creationId xmlns:a16="http://schemas.microsoft.com/office/drawing/2014/main" id="{B70A37A2-0186-FCD0-9A2C-AF800DA36B18}"/>
+                <a16:creationId xmlns:a16="http://schemas.microsoft.com/office/drawing/2014/main" id="{8BBF70B5-B257-2389-85FC-52818A7F32A8}"/>
               </a:ext>
             </a:extLst>
           </p:cNvPr>
@@ -694,7 +702,7 @@
           <p:cNvPr id="3" name="Subtitle 2">
             <a:extLst>
               <a:ext uri="{FF2B5EF4-FFF2-40B4-BE49-F238E27FC236}">
-                <a16:creationId xmlns:a16="http://schemas.microsoft.com/office/drawing/2014/main" id="{0503B237-D276-410F-F2F0-43F9674BB49C}"/>
+                <a16:creationId xmlns:a16="http://schemas.microsoft.com/office/drawing/2014/main" id="{B198B704-E16F-CE0B-F514-D39E596BA968}"/>
               </a:ext>
             </a:extLst>
           </p:cNvPr>
@@ -764,7 +772,7 @@
           <p:cNvPr id="4" name="Date Placeholder 3">
             <a:extLst>
               <a:ext uri="{FF2B5EF4-FFF2-40B4-BE49-F238E27FC236}">
-                <a16:creationId xmlns:a16="http://schemas.microsoft.com/office/drawing/2014/main" id="{CC977591-C6F8-92B0-1E18-4737EEA5EA9D}"/>
+                <a16:creationId xmlns:a16="http://schemas.microsoft.com/office/drawing/2014/main" id="{2C180618-4F44-25AA-03EE-E70381C96926}"/>
               </a:ext>
             </a:extLst>
           </p:cNvPr>
@@ -782,7 +790,7 @@
           <a:p>
             <a:fld id="{B6BBDD36-2CF7-3246-B0ED-EA973E490608}" type="datetimeFigureOut">
               <a:rPr lang="en-US" smtClean="0"/>
-              <a:t>8/8/23</a:t>
+              <a:t>8/9/23</a:t>
             </a:fld>
             <a:endParaRPr lang="en-US"/>
           </a:p>
@@ -793,7 +801,7 @@
           <p:cNvPr id="5" name="Footer Placeholder 4">
             <a:extLst>
               <a:ext uri="{FF2B5EF4-FFF2-40B4-BE49-F238E27FC236}">
-                <a16:creationId xmlns:a16="http://schemas.microsoft.com/office/drawing/2014/main" id="{225939F0-4905-1AD1-003B-1577F3A05580}"/>
+                <a16:creationId xmlns:a16="http://schemas.microsoft.com/office/drawing/2014/main" id="{AC3B90A9-4A2B-F50E-73A6-298A190A5776}"/>
               </a:ext>
             </a:extLst>
           </p:cNvPr>
@@ -818,7 +826,7 @@
           <p:cNvPr id="6" name="Slide Number Placeholder 5">
             <a:extLst>
               <a:ext uri="{FF2B5EF4-FFF2-40B4-BE49-F238E27FC236}">
-                <a16:creationId xmlns:a16="http://schemas.microsoft.com/office/drawing/2014/main" id="{A591A14E-4FD8-DAFD-4DF6-21171ECABC1C}"/>
+                <a16:creationId xmlns:a16="http://schemas.microsoft.com/office/drawing/2014/main" id="{C9D5CF8F-939B-E9D4-B475-6DAD6D475596}"/>
               </a:ext>
             </a:extLst>
           </p:cNvPr>
@@ -845,7 +853,7 @@
     </p:spTree>
     <p:extLst>
       <p:ext uri="{BB962C8B-B14F-4D97-AF65-F5344CB8AC3E}">
-        <p14:creationId xmlns:p14="http://schemas.microsoft.com/office/powerpoint/2010/main" val="975458990"/>
+        <p14:creationId xmlns:p14="http://schemas.microsoft.com/office/powerpoint/2010/main" val="2495259265"/>
       </p:ext>
     </p:extLst>
   </p:cSld>
@@ -877,7 +885,7 @@
           <p:cNvPr id="2" name="Title 1">
             <a:extLst>
               <a:ext uri="{FF2B5EF4-FFF2-40B4-BE49-F238E27FC236}">
-                <a16:creationId xmlns:a16="http://schemas.microsoft.com/office/drawing/2014/main" id="{1AF4F8CD-FAC2-EC97-0E6F-756E78CDDAEC}"/>
+                <a16:creationId xmlns:a16="http://schemas.microsoft.com/office/drawing/2014/main" id="{1D1AB744-14AF-6DD1-2449-8DDFCFCC01B9}"/>
               </a:ext>
             </a:extLst>
           </p:cNvPr>
@@ -905,7 +913,7 @@
           <p:cNvPr id="3" name="Vertical Text Placeholder 2">
             <a:extLst>
               <a:ext uri="{FF2B5EF4-FFF2-40B4-BE49-F238E27FC236}">
-                <a16:creationId xmlns:a16="http://schemas.microsoft.com/office/drawing/2014/main" id="{9A4BA639-3792-78F5-37CA-67853E376C13}"/>
+                <a16:creationId xmlns:a16="http://schemas.microsoft.com/office/drawing/2014/main" id="{FFB61E13-3E3B-D853-B3BE-76FCF3C8FAB8}"/>
               </a:ext>
             </a:extLst>
           </p:cNvPr>
@@ -962,7 +970,7 @@
           <p:cNvPr id="4" name="Date Placeholder 3">
             <a:extLst>
               <a:ext uri="{FF2B5EF4-FFF2-40B4-BE49-F238E27FC236}">
-                <a16:creationId xmlns:a16="http://schemas.microsoft.com/office/drawing/2014/main" id="{15F7F4C7-C7D8-73C3-B524-0348447FE1EB}"/>
+                <a16:creationId xmlns:a16="http://schemas.microsoft.com/office/drawing/2014/main" id="{64429390-810B-01E8-C95B-2696C05EAF98}"/>
               </a:ext>
             </a:extLst>
           </p:cNvPr>
@@ -980,7 +988,7 @@
           <a:p>
             <a:fld id="{B6BBDD36-2CF7-3246-B0ED-EA973E490608}" type="datetimeFigureOut">
               <a:rPr lang="en-US" smtClean="0"/>
-              <a:t>8/8/23</a:t>
+              <a:t>8/9/23</a:t>
             </a:fld>
             <a:endParaRPr lang="en-US"/>
           </a:p>
@@ -991,7 +999,7 @@
           <p:cNvPr id="5" name="Footer Placeholder 4">
             <a:extLst>
               <a:ext uri="{FF2B5EF4-FFF2-40B4-BE49-F238E27FC236}">
-                <a16:creationId xmlns:a16="http://schemas.microsoft.com/office/drawing/2014/main" id="{977A17A3-C0D5-E815-BE74-B4ABC950DAB1}"/>
+                <a16:creationId xmlns:a16="http://schemas.microsoft.com/office/drawing/2014/main" id="{868FF5CE-0A30-AFF0-59E6-77987536B749}"/>
               </a:ext>
             </a:extLst>
           </p:cNvPr>
@@ -1016,7 +1024,7 @@
           <p:cNvPr id="6" name="Slide Number Placeholder 5">
             <a:extLst>
               <a:ext uri="{FF2B5EF4-FFF2-40B4-BE49-F238E27FC236}">
-                <a16:creationId xmlns:a16="http://schemas.microsoft.com/office/drawing/2014/main" id="{37CAF21D-9BD4-FF0B-2102-798E9CF8049D}"/>
+                <a16:creationId xmlns:a16="http://schemas.microsoft.com/office/drawing/2014/main" id="{04DD2794-D59B-B0F3-693B-21E4E0228F8A}"/>
               </a:ext>
             </a:extLst>
           </p:cNvPr>
@@ -1043,7 +1051,7 @@
     </p:spTree>
     <p:extLst>
       <p:ext uri="{BB962C8B-B14F-4D97-AF65-F5344CB8AC3E}">
-        <p14:creationId xmlns:p14="http://schemas.microsoft.com/office/powerpoint/2010/main" val="40141985"/>
+        <p14:creationId xmlns:p14="http://schemas.microsoft.com/office/powerpoint/2010/main" val="1278100540"/>
       </p:ext>
     </p:extLst>
   </p:cSld>
@@ -1075,7 +1083,7 @@
           <p:cNvPr id="2" name="Vertical Title 1">
             <a:extLst>
               <a:ext uri="{FF2B5EF4-FFF2-40B4-BE49-F238E27FC236}">
-                <a16:creationId xmlns:a16="http://schemas.microsoft.com/office/drawing/2014/main" id="{0E279461-0C06-8A70-84C3-A64B0D4FEF51}"/>
+                <a16:creationId xmlns:a16="http://schemas.microsoft.com/office/drawing/2014/main" id="{0FB59A51-4E49-7DCC-3256-21DA1D9DB2C3}"/>
               </a:ext>
             </a:extLst>
           </p:cNvPr>
@@ -1108,7 +1116,7 @@
           <p:cNvPr id="3" name="Vertical Text Placeholder 2">
             <a:extLst>
               <a:ext uri="{FF2B5EF4-FFF2-40B4-BE49-F238E27FC236}">
-                <a16:creationId xmlns:a16="http://schemas.microsoft.com/office/drawing/2014/main" id="{C6AD9F41-ED6C-17A7-628D-FF9BC4C98E5A}"/>
+                <a16:creationId xmlns:a16="http://schemas.microsoft.com/office/drawing/2014/main" id="{4CD50504-9BE4-3167-029A-5C49A16433F1}"/>
               </a:ext>
             </a:extLst>
           </p:cNvPr>
@@ -1170,7 +1178,7 @@
           <p:cNvPr id="4" name="Date Placeholder 3">
             <a:extLst>
               <a:ext uri="{FF2B5EF4-FFF2-40B4-BE49-F238E27FC236}">
-                <a16:creationId xmlns:a16="http://schemas.microsoft.com/office/drawing/2014/main" id="{13092DA5-783F-5B69-D884-2DC7252BC98E}"/>
+                <a16:creationId xmlns:a16="http://schemas.microsoft.com/office/drawing/2014/main" id="{B829A434-5F0B-612B-D53B-AD6633021161}"/>
               </a:ext>
             </a:extLst>
           </p:cNvPr>
@@ -1188,7 +1196,7 @@
           <a:p>
             <a:fld id="{B6BBDD36-2CF7-3246-B0ED-EA973E490608}" type="datetimeFigureOut">
               <a:rPr lang="en-US" smtClean="0"/>
-              <a:t>8/8/23</a:t>
+              <a:t>8/9/23</a:t>
             </a:fld>
             <a:endParaRPr lang="en-US"/>
           </a:p>
@@ -1199,7 +1207,7 @@
           <p:cNvPr id="5" name="Footer Placeholder 4">
             <a:extLst>
               <a:ext uri="{FF2B5EF4-FFF2-40B4-BE49-F238E27FC236}">
-                <a16:creationId xmlns:a16="http://schemas.microsoft.com/office/drawing/2014/main" id="{D7892F06-8753-6DE0-8EC3-F606554C95D2}"/>
+                <a16:creationId xmlns:a16="http://schemas.microsoft.com/office/drawing/2014/main" id="{48E4601F-570F-2B80-E5D4-CB4D395628CC}"/>
               </a:ext>
             </a:extLst>
           </p:cNvPr>
@@ -1224,7 +1232,7 @@
           <p:cNvPr id="6" name="Slide Number Placeholder 5">
             <a:extLst>
               <a:ext uri="{FF2B5EF4-FFF2-40B4-BE49-F238E27FC236}">
-                <a16:creationId xmlns:a16="http://schemas.microsoft.com/office/drawing/2014/main" id="{1DCEC578-89A3-3EDE-2186-3396F9EC8D0D}"/>
+                <a16:creationId xmlns:a16="http://schemas.microsoft.com/office/drawing/2014/main" id="{A01DE950-A5FC-240C-61D6-307E3BE03BAE}"/>
               </a:ext>
             </a:extLst>
           </p:cNvPr>
@@ -1251,7 +1259,7 @@
     </p:spTree>
     <p:extLst>
       <p:ext uri="{BB962C8B-B14F-4D97-AF65-F5344CB8AC3E}">
-        <p14:creationId xmlns:p14="http://schemas.microsoft.com/office/powerpoint/2010/main" val="240743322"/>
+        <p14:creationId xmlns:p14="http://schemas.microsoft.com/office/powerpoint/2010/main" val="2562617656"/>
       </p:ext>
     </p:extLst>
   </p:cSld>
@@ -1283,7 +1291,7 @@
           <p:cNvPr id="2" name="Title 1">
             <a:extLst>
               <a:ext uri="{FF2B5EF4-FFF2-40B4-BE49-F238E27FC236}">
-                <a16:creationId xmlns:a16="http://schemas.microsoft.com/office/drawing/2014/main" id="{2CDDD391-4A38-2CAE-2A83-C1BF7C09238C}"/>
+                <a16:creationId xmlns:a16="http://schemas.microsoft.com/office/drawing/2014/main" id="{DA6B519C-0901-8925-68B7-A40BE6E3C687}"/>
               </a:ext>
             </a:extLst>
           </p:cNvPr>
@@ -1311,7 +1319,7 @@
           <p:cNvPr id="3" name="Content Placeholder 2">
             <a:extLst>
               <a:ext uri="{FF2B5EF4-FFF2-40B4-BE49-F238E27FC236}">
-                <a16:creationId xmlns:a16="http://schemas.microsoft.com/office/drawing/2014/main" id="{1601E018-0E8B-AA2B-9C9A-35E21E81C360}"/>
+                <a16:creationId xmlns:a16="http://schemas.microsoft.com/office/drawing/2014/main" id="{8F2106F3-0D5E-7304-25E2-8453229C9051}"/>
               </a:ext>
             </a:extLst>
           </p:cNvPr>
@@ -1368,7 +1376,7 @@
           <p:cNvPr id="4" name="Date Placeholder 3">
             <a:extLst>
               <a:ext uri="{FF2B5EF4-FFF2-40B4-BE49-F238E27FC236}">
-                <a16:creationId xmlns:a16="http://schemas.microsoft.com/office/drawing/2014/main" id="{0529AACA-7C7F-723E-9A4F-15DF7D2A5C07}"/>
+                <a16:creationId xmlns:a16="http://schemas.microsoft.com/office/drawing/2014/main" id="{FAA89192-6A17-0311-1394-52B1CC2C8F4D}"/>
               </a:ext>
             </a:extLst>
           </p:cNvPr>
@@ -1386,7 +1394,7 @@
           <a:p>
             <a:fld id="{B6BBDD36-2CF7-3246-B0ED-EA973E490608}" type="datetimeFigureOut">
               <a:rPr lang="en-US" smtClean="0"/>
-              <a:t>8/8/23</a:t>
+              <a:t>8/9/23</a:t>
             </a:fld>
             <a:endParaRPr lang="en-US"/>
           </a:p>
@@ -1397,7 +1405,7 @@
           <p:cNvPr id="5" name="Footer Placeholder 4">
             <a:extLst>
               <a:ext uri="{FF2B5EF4-FFF2-40B4-BE49-F238E27FC236}">
-                <a16:creationId xmlns:a16="http://schemas.microsoft.com/office/drawing/2014/main" id="{619C5AF3-CD42-2D6D-07F3-6CB3C272B20D}"/>
+                <a16:creationId xmlns:a16="http://schemas.microsoft.com/office/drawing/2014/main" id="{ADE23950-22C1-662F-08CD-6D4037439BD9}"/>
               </a:ext>
             </a:extLst>
           </p:cNvPr>
@@ -1422,7 +1430,7 @@
           <p:cNvPr id="6" name="Slide Number Placeholder 5">
             <a:extLst>
               <a:ext uri="{FF2B5EF4-FFF2-40B4-BE49-F238E27FC236}">
-                <a16:creationId xmlns:a16="http://schemas.microsoft.com/office/drawing/2014/main" id="{F3D19B5E-D38B-9A11-A04A-5CB5BE3DBF06}"/>
+                <a16:creationId xmlns:a16="http://schemas.microsoft.com/office/drawing/2014/main" id="{6AFD8941-6887-8E18-D456-17FAFB9D937F}"/>
               </a:ext>
             </a:extLst>
           </p:cNvPr>
@@ -1449,7 +1457,7 @@
     </p:spTree>
     <p:extLst>
       <p:ext uri="{BB962C8B-B14F-4D97-AF65-F5344CB8AC3E}">
-        <p14:creationId xmlns:p14="http://schemas.microsoft.com/office/powerpoint/2010/main" val="3240955356"/>
+        <p14:creationId xmlns:p14="http://schemas.microsoft.com/office/powerpoint/2010/main" val="2477789359"/>
       </p:ext>
     </p:extLst>
   </p:cSld>
@@ -1481,7 +1489,7 @@
           <p:cNvPr id="2" name="Title 1">
             <a:extLst>
               <a:ext uri="{FF2B5EF4-FFF2-40B4-BE49-F238E27FC236}">
-                <a16:creationId xmlns:a16="http://schemas.microsoft.com/office/drawing/2014/main" id="{E4D905E3-C70B-07E3-4B10-9C1CF9D87630}"/>
+                <a16:creationId xmlns:a16="http://schemas.microsoft.com/office/drawing/2014/main" id="{30658E3D-30FF-3EF1-563C-56DBBDA4DA7F}"/>
               </a:ext>
             </a:extLst>
           </p:cNvPr>
@@ -1518,7 +1526,7 @@
           <p:cNvPr id="3" name="Text Placeholder 2">
             <a:extLst>
               <a:ext uri="{FF2B5EF4-FFF2-40B4-BE49-F238E27FC236}">
-                <a16:creationId xmlns:a16="http://schemas.microsoft.com/office/drawing/2014/main" id="{75623DB1-06B0-69F6-76F1-22FD56363F4F}"/>
+                <a16:creationId xmlns:a16="http://schemas.microsoft.com/office/drawing/2014/main" id="{8E1346D3-98B9-155D-D570-68D835FE119E}"/>
               </a:ext>
             </a:extLst>
           </p:cNvPr>
@@ -1643,7 +1651,7 @@
           <p:cNvPr id="4" name="Date Placeholder 3">
             <a:extLst>
               <a:ext uri="{FF2B5EF4-FFF2-40B4-BE49-F238E27FC236}">
-                <a16:creationId xmlns:a16="http://schemas.microsoft.com/office/drawing/2014/main" id="{50CB94B3-5EE8-3D44-D0B9-7368260CF41E}"/>
+                <a16:creationId xmlns:a16="http://schemas.microsoft.com/office/drawing/2014/main" id="{5ADE829E-70C7-402F-E147-32C97CB04AF1}"/>
               </a:ext>
             </a:extLst>
           </p:cNvPr>
@@ -1661,7 +1669,7 @@
           <a:p>
             <a:fld id="{B6BBDD36-2CF7-3246-B0ED-EA973E490608}" type="datetimeFigureOut">
               <a:rPr lang="en-US" smtClean="0"/>
-              <a:t>8/8/23</a:t>
+              <a:t>8/9/23</a:t>
             </a:fld>
             <a:endParaRPr lang="en-US"/>
           </a:p>
@@ -1672,7 +1680,7 @@
           <p:cNvPr id="5" name="Footer Placeholder 4">
             <a:extLst>
               <a:ext uri="{FF2B5EF4-FFF2-40B4-BE49-F238E27FC236}">
-                <a16:creationId xmlns:a16="http://schemas.microsoft.com/office/drawing/2014/main" id="{0F86A559-3950-B0E5-7B95-50212EAE445F}"/>
+                <a16:creationId xmlns:a16="http://schemas.microsoft.com/office/drawing/2014/main" id="{7DD3972D-8EFE-50A4-7E14-10A760A6662C}"/>
               </a:ext>
             </a:extLst>
           </p:cNvPr>
@@ -1697,7 +1705,7 @@
           <p:cNvPr id="6" name="Slide Number Placeholder 5">
             <a:extLst>
               <a:ext uri="{FF2B5EF4-FFF2-40B4-BE49-F238E27FC236}">
-                <a16:creationId xmlns:a16="http://schemas.microsoft.com/office/drawing/2014/main" id="{1492610F-C700-90B7-2146-C243868AB481}"/>
+                <a16:creationId xmlns:a16="http://schemas.microsoft.com/office/drawing/2014/main" id="{4A3F729B-91D5-E6E5-C12C-06AD49F2C887}"/>
               </a:ext>
             </a:extLst>
           </p:cNvPr>
@@ -1724,7 +1732,7 @@
     </p:spTree>
     <p:extLst>
       <p:ext uri="{BB962C8B-B14F-4D97-AF65-F5344CB8AC3E}">
-        <p14:creationId xmlns:p14="http://schemas.microsoft.com/office/powerpoint/2010/main" val="1090048859"/>
+        <p14:creationId xmlns:p14="http://schemas.microsoft.com/office/powerpoint/2010/main" val="289136388"/>
       </p:ext>
     </p:extLst>
   </p:cSld>
@@ -1756,7 +1764,7 @@
           <p:cNvPr id="2" name="Title 1">
             <a:extLst>
               <a:ext uri="{FF2B5EF4-FFF2-40B4-BE49-F238E27FC236}">
-                <a16:creationId xmlns:a16="http://schemas.microsoft.com/office/drawing/2014/main" id="{53C5F38A-0503-D6CD-8942-12FECF132BEA}"/>
+                <a16:creationId xmlns:a16="http://schemas.microsoft.com/office/drawing/2014/main" id="{5882A190-1A3C-4A3C-690A-848CE3FFACCE}"/>
               </a:ext>
             </a:extLst>
           </p:cNvPr>
@@ -1784,7 +1792,7 @@
           <p:cNvPr id="3" name="Content Placeholder 2">
             <a:extLst>
               <a:ext uri="{FF2B5EF4-FFF2-40B4-BE49-F238E27FC236}">
-                <a16:creationId xmlns:a16="http://schemas.microsoft.com/office/drawing/2014/main" id="{A73ABE30-719A-91BD-6886-5844A25C2B84}"/>
+                <a16:creationId xmlns:a16="http://schemas.microsoft.com/office/drawing/2014/main" id="{A04A7884-7D10-6D88-9862-2741431A61A9}"/>
               </a:ext>
             </a:extLst>
           </p:cNvPr>
@@ -1846,7 +1854,7 @@
           <p:cNvPr id="4" name="Content Placeholder 3">
             <a:extLst>
               <a:ext uri="{FF2B5EF4-FFF2-40B4-BE49-F238E27FC236}">
-                <a16:creationId xmlns:a16="http://schemas.microsoft.com/office/drawing/2014/main" id="{E08D9383-E69C-F42A-29AC-31F2AFA1165C}"/>
+                <a16:creationId xmlns:a16="http://schemas.microsoft.com/office/drawing/2014/main" id="{6927E747-ABF5-9EED-E27A-4250FB88B77C}"/>
               </a:ext>
             </a:extLst>
           </p:cNvPr>
@@ -1908,7 +1916,7 @@
           <p:cNvPr id="5" name="Date Placeholder 4">
             <a:extLst>
               <a:ext uri="{FF2B5EF4-FFF2-40B4-BE49-F238E27FC236}">
-                <a16:creationId xmlns:a16="http://schemas.microsoft.com/office/drawing/2014/main" id="{243A331F-93B9-30E1-BBBB-E054D38C7D64}"/>
+                <a16:creationId xmlns:a16="http://schemas.microsoft.com/office/drawing/2014/main" id="{F786AA93-6D8F-BC8B-5F6B-BB6F78FECE53}"/>
               </a:ext>
             </a:extLst>
           </p:cNvPr>
@@ -1926,7 +1934,7 @@
           <a:p>
             <a:fld id="{B6BBDD36-2CF7-3246-B0ED-EA973E490608}" type="datetimeFigureOut">
               <a:rPr lang="en-US" smtClean="0"/>
-              <a:t>8/8/23</a:t>
+              <a:t>8/9/23</a:t>
             </a:fld>
             <a:endParaRPr lang="en-US"/>
           </a:p>
@@ -1937,7 +1945,7 @@
           <p:cNvPr id="6" name="Footer Placeholder 5">
             <a:extLst>
               <a:ext uri="{FF2B5EF4-FFF2-40B4-BE49-F238E27FC236}">
-                <a16:creationId xmlns:a16="http://schemas.microsoft.com/office/drawing/2014/main" id="{1D43A355-C78F-E186-FC09-ED54E316185A}"/>
+                <a16:creationId xmlns:a16="http://schemas.microsoft.com/office/drawing/2014/main" id="{AEBDA671-D00C-7EC4-40DA-645FBBAD1A89}"/>
               </a:ext>
             </a:extLst>
           </p:cNvPr>
@@ -1962,7 +1970,7 @@
           <p:cNvPr id="7" name="Slide Number Placeholder 6">
             <a:extLst>
               <a:ext uri="{FF2B5EF4-FFF2-40B4-BE49-F238E27FC236}">
-                <a16:creationId xmlns:a16="http://schemas.microsoft.com/office/drawing/2014/main" id="{7A0F2D54-1661-308D-B777-7A2ECD0589FA}"/>
+                <a16:creationId xmlns:a16="http://schemas.microsoft.com/office/drawing/2014/main" id="{1B76FE21-3030-E632-2FB2-57D540E49DDF}"/>
               </a:ext>
             </a:extLst>
           </p:cNvPr>
@@ -1989,7 +1997,7 @@
     </p:spTree>
     <p:extLst>
       <p:ext uri="{BB962C8B-B14F-4D97-AF65-F5344CB8AC3E}">
-        <p14:creationId xmlns:p14="http://schemas.microsoft.com/office/powerpoint/2010/main" val="3460561582"/>
+        <p14:creationId xmlns:p14="http://schemas.microsoft.com/office/powerpoint/2010/main" val="3788879985"/>
       </p:ext>
     </p:extLst>
   </p:cSld>
@@ -2021,7 +2029,7 @@
           <p:cNvPr id="2" name="Title 1">
             <a:extLst>
               <a:ext uri="{FF2B5EF4-FFF2-40B4-BE49-F238E27FC236}">
-                <a16:creationId xmlns:a16="http://schemas.microsoft.com/office/drawing/2014/main" id="{3C707215-0F6D-E310-2DAA-753114D52B87}"/>
+                <a16:creationId xmlns:a16="http://schemas.microsoft.com/office/drawing/2014/main" id="{78BC2D76-48BE-9C03-ABE2-0605AA44E0F8}"/>
               </a:ext>
             </a:extLst>
           </p:cNvPr>
@@ -2054,7 +2062,7 @@
           <p:cNvPr id="3" name="Text Placeholder 2">
             <a:extLst>
               <a:ext uri="{FF2B5EF4-FFF2-40B4-BE49-F238E27FC236}">
-                <a16:creationId xmlns:a16="http://schemas.microsoft.com/office/drawing/2014/main" id="{D7263982-7DCC-BB1E-B499-12BB525D32C8}"/>
+                <a16:creationId xmlns:a16="http://schemas.microsoft.com/office/drawing/2014/main" id="{E09E2F94-2827-431F-85C9-51A6342C6893}"/>
               </a:ext>
             </a:extLst>
           </p:cNvPr>
@@ -2125,7 +2133,7 @@
           <p:cNvPr id="4" name="Content Placeholder 3">
             <a:extLst>
               <a:ext uri="{FF2B5EF4-FFF2-40B4-BE49-F238E27FC236}">
-                <a16:creationId xmlns:a16="http://schemas.microsoft.com/office/drawing/2014/main" id="{2212C461-31CC-4BBB-ABAD-CD7F28D38DBD}"/>
+                <a16:creationId xmlns:a16="http://schemas.microsoft.com/office/drawing/2014/main" id="{9488B118-D91A-4B2B-154E-ED1CE5AD2D87}"/>
               </a:ext>
             </a:extLst>
           </p:cNvPr>
@@ -2187,7 +2195,7 @@
           <p:cNvPr id="5" name="Text Placeholder 4">
             <a:extLst>
               <a:ext uri="{FF2B5EF4-FFF2-40B4-BE49-F238E27FC236}">
-                <a16:creationId xmlns:a16="http://schemas.microsoft.com/office/drawing/2014/main" id="{64ACB5A7-2FB1-AA8B-1461-7D6DFA29D8B3}"/>
+                <a16:creationId xmlns:a16="http://schemas.microsoft.com/office/drawing/2014/main" id="{093EE0B5-944F-51D6-6C35-885EC1EC2989}"/>
               </a:ext>
             </a:extLst>
           </p:cNvPr>
@@ -2258,7 +2266,7 @@
           <p:cNvPr id="6" name="Content Placeholder 5">
             <a:extLst>
               <a:ext uri="{FF2B5EF4-FFF2-40B4-BE49-F238E27FC236}">
-                <a16:creationId xmlns:a16="http://schemas.microsoft.com/office/drawing/2014/main" id="{E8497015-928E-771B-5D1C-A9DA8B1B65A7}"/>
+                <a16:creationId xmlns:a16="http://schemas.microsoft.com/office/drawing/2014/main" id="{204068BB-F38A-7239-0D8B-4C6201B65657}"/>
               </a:ext>
             </a:extLst>
           </p:cNvPr>
@@ -2320,7 +2328,7 @@
           <p:cNvPr id="7" name="Date Placeholder 6">
             <a:extLst>
               <a:ext uri="{FF2B5EF4-FFF2-40B4-BE49-F238E27FC236}">
-                <a16:creationId xmlns:a16="http://schemas.microsoft.com/office/drawing/2014/main" id="{634EA9DC-D5F8-6C18-58E5-BB68D9DEC9E1}"/>
+                <a16:creationId xmlns:a16="http://schemas.microsoft.com/office/drawing/2014/main" id="{58EF04E3-254A-2F7B-1376-B0E92F709B91}"/>
               </a:ext>
             </a:extLst>
           </p:cNvPr>
@@ -2338,7 +2346,7 @@
           <a:p>
             <a:fld id="{B6BBDD36-2CF7-3246-B0ED-EA973E490608}" type="datetimeFigureOut">
               <a:rPr lang="en-US" smtClean="0"/>
-              <a:t>8/8/23</a:t>
+              <a:t>8/9/23</a:t>
             </a:fld>
             <a:endParaRPr lang="en-US"/>
           </a:p>
@@ -2349,7 +2357,7 @@
           <p:cNvPr id="8" name="Footer Placeholder 7">
             <a:extLst>
               <a:ext uri="{FF2B5EF4-FFF2-40B4-BE49-F238E27FC236}">
-                <a16:creationId xmlns:a16="http://schemas.microsoft.com/office/drawing/2014/main" id="{A9E5EB4B-BFFE-DAC8-E5F6-363838E89A4F}"/>
+                <a16:creationId xmlns:a16="http://schemas.microsoft.com/office/drawing/2014/main" id="{B2E6BF43-0B73-D2DE-F93C-960F41240930}"/>
               </a:ext>
             </a:extLst>
           </p:cNvPr>
@@ -2374,7 +2382,7 @@
           <p:cNvPr id="9" name="Slide Number Placeholder 8">
             <a:extLst>
               <a:ext uri="{FF2B5EF4-FFF2-40B4-BE49-F238E27FC236}">
-                <a16:creationId xmlns:a16="http://schemas.microsoft.com/office/drawing/2014/main" id="{32BFB4A1-D659-D0A1-B670-F25804757818}"/>
+                <a16:creationId xmlns:a16="http://schemas.microsoft.com/office/drawing/2014/main" id="{FCBAFDC0-00DF-9A54-CDAA-2F5009940351}"/>
               </a:ext>
             </a:extLst>
           </p:cNvPr>
@@ -2401,7 +2409,7 @@
     </p:spTree>
     <p:extLst>
       <p:ext uri="{BB962C8B-B14F-4D97-AF65-F5344CB8AC3E}">
-        <p14:creationId xmlns:p14="http://schemas.microsoft.com/office/powerpoint/2010/main" val="2044253883"/>
+        <p14:creationId xmlns:p14="http://schemas.microsoft.com/office/powerpoint/2010/main" val="3743564113"/>
       </p:ext>
     </p:extLst>
   </p:cSld>
@@ -2433,7 +2441,7 @@
           <p:cNvPr id="2" name="Title 1">
             <a:extLst>
               <a:ext uri="{FF2B5EF4-FFF2-40B4-BE49-F238E27FC236}">
-                <a16:creationId xmlns:a16="http://schemas.microsoft.com/office/drawing/2014/main" id="{46D0247B-6C95-1555-6CF7-F737EEB00CC8}"/>
+                <a16:creationId xmlns:a16="http://schemas.microsoft.com/office/drawing/2014/main" id="{840AA871-EBBE-6277-8565-C1C101326FD2}"/>
               </a:ext>
             </a:extLst>
           </p:cNvPr>
@@ -2461,7 +2469,7 @@
           <p:cNvPr id="3" name="Date Placeholder 2">
             <a:extLst>
               <a:ext uri="{FF2B5EF4-FFF2-40B4-BE49-F238E27FC236}">
-                <a16:creationId xmlns:a16="http://schemas.microsoft.com/office/drawing/2014/main" id="{C0FF6B21-511C-FCA3-C04F-CDFA7E0BA6CA}"/>
+                <a16:creationId xmlns:a16="http://schemas.microsoft.com/office/drawing/2014/main" id="{A9B26C6F-84BD-7E90-3AEB-FE3D0A46A954}"/>
               </a:ext>
             </a:extLst>
           </p:cNvPr>
@@ -2479,7 +2487,7 @@
           <a:p>
             <a:fld id="{B6BBDD36-2CF7-3246-B0ED-EA973E490608}" type="datetimeFigureOut">
               <a:rPr lang="en-US" smtClean="0"/>
-              <a:t>8/8/23</a:t>
+              <a:t>8/9/23</a:t>
             </a:fld>
             <a:endParaRPr lang="en-US"/>
           </a:p>
@@ -2490,7 +2498,7 @@
           <p:cNvPr id="4" name="Footer Placeholder 3">
             <a:extLst>
               <a:ext uri="{FF2B5EF4-FFF2-40B4-BE49-F238E27FC236}">
-                <a16:creationId xmlns:a16="http://schemas.microsoft.com/office/drawing/2014/main" id="{196417F2-4ABC-E3D8-115A-7317DA127D17}"/>
+                <a16:creationId xmlns:a16="http://schemas.microsoft.com/office/drawing/2014/main" id="{88DE0B5F-FF3C-D229-FAB6-053DF48CE697}"/>
               </a:ext>
             </a:extLst>
           </p:cNvPr>
@@ -2515,7 +2523,7 @@
           <p:cNvPr id="5" name="Slide Number Placeholder 4">
             <a:extLst>
               <a:ext uri="{FF2B5EF4-FFF2-40B4-BE49-F238E27FC236}">
-                <a16:creationId xmlns:a16="http://schemas.microsoft.com/office/drawing/2014/main" id="{AB1EA469-6CA6-4A5F-1C2D-B52737D5BB00}"/>
+                <a16:creationId xmlns:a16="http://schemas.microsoft.com/office/drawing/2014/main" id="{546D2DAF-75F6-F868-B017-686BE6756422}"/>
               </a:ext>
             </a:extLst>
           </p:cNvPr>
@@ -2542,7 +2550,7 @@
     </p:spTree>
     <p:extLst>
       <p:ext uri="{BB962C8B-B14F-4D97-AF65-F5344CB8AC3E}">
-        <p14:creationId xmlns:p14="http://schemas.microsoft.com/office/powerpoint/2010/main" val="3582389558"/>
+        <p14:creationId xmlns:p14="http://schemas.microsoft.com/office/powerpoint/2010/main" val="2765231490"/>
       </p:ext>
     </p:extLst>
   </p:cSld>
@@ -2574,7 +2582,7 @@
           <p:cNvPr id="2" name="Date Placeholder 1">
             <a:extLst>
               <a:ext uri="{FF2B5EF4-FFF2-40B4-BE49-F238E27FC236}">
-                <a16:creationId xmlns:a16="http://schemas.microsoft.com/office/drawing/2014/main" id="{BEC95C5A-1CCD-6378-93EC-3C4BB2CD79B3}"/>
+                <a16:creationId xmlns:a16="http://schemas.microsoft.com/office/drawing/2014/main" id="{05C29115-D452-98B4-DC32-82EEE3A68A75}"/>
               </a:ext>
             </a:extLst>
           </p:cNvPr>
@@ -2592,7 +2600,7 @@
           <a:p>
             <a:fld id="{B6BBDD36-2CF7-3246-B0ED-EA973E490608}" type="datetimeFigureOut">
               <a:rPr lang="en-US" smtClean="0"/>
-              <a:t>8/8/23</a:t>
+              <a:t>8/9/23</a:t>
             </a:fld>
             <a:endParaRPr lang="en-US"/>
           </a:p>
@@ -2603,7 +2611,7 @@
           <p:cNvPr id="3" name="Footer Placeholder 2">
             <a:extLst>
               <a:ext uri="{FF2B5EF4-FFF2-40B4-BE49-F238E27FC236}">
-                <a16:creationId xmlns:a16="http://schemas.microsoft.com/office/drawing/2014/main" id="{BA66DCF3-E5B3-3A90-BD46-25D9F67F7888}"/>
+                <a16:creationId xmlns:a16="http://schemas.microsoft.com/office/drawing/2014/main" id="{456ED1F0-C7FD-B213-9748-195408A500DB}"/>
               </a:ext>
             </a:extLst>
           </p:cNvPr>
@@ -2628,7 +2636,7 @@
           <p:cNvPr id="4" name="Slide Number Placeholder 3">
             <a:extLst>
               <a:ext uri="{FF2B5EF4-FFF2-40B4-BE49-F238E27FC236}">
-                <a16:creationId xmlns:a16="http://schemas.microsoft.com/office/drawing/2014/main" id="{48CB6132-7CA3-7E66-7D62-8DEB4E893FA5}"/>
+                <a16:creationId xmlns:a16="http://schemas.microsoft.com/office/drawing/2014/main" id="{574DE2B3-EFAC-2218-755A-4396E1926122}"/>
               </a:ext>
             </a:extLst>
           </p:cNvPr>
@@ -2655,7 +2663,7 @@
     </p:spTree>
     <p:extLst>
       <p:ext uri="{BB962C8B-B14F-4D97-AF65-F5344CB8AC3E}">
-        <p14:creationId xmlns:p14="http://schemas.microsoft.com/office/powerpoint/2010/main" val="1200468118"/>
+        <p14:creationId xmlns:p14="http://schemas.microsoft.com/office/powerpoint/2010/main" val="2048409107"/>
       </p:ext>
     </p:extLst>
   </p:cSld>
@@ -2687,7 +2695,7 @@
           <p:cNvPr id="2" name="Title 1">
             <a:extLst>
               <a:ext uri="{FF2B5EF4-FFF2-40B4-BE49-F238E27FC236}">
-                <a16:creationId xmlns:a16="http://schemas.microsoft.com/office/drawing/2014/main" id="{7FB8F9D8-7883-FD04-675D-D473C5B59D8C}"/>
+                <a16:creationId xmlns:a16="http://schemas.microsoft.com/office/drawing/2014/main" id="{392FD131-644F-65DC-619B-786B7E9FCFF1}"/>
               </a:ext>
             </a:extLst>
           </p:cNvPr>
@@ -2724,7 +2732,7 @@
           <p:cNvPr id="3" name="Content Placeholder 2">
             <a:extLst>
               <a:ext uri="{FF2B5EF4-FFF2-40B4-BE49-F238E27FC236}">
-                <a16:creationId xmlns:a16="http://schemas.microsoft.com/office/drawing/2014/main" id="{E4656D97-292E-30AD-5466-E41545651D58}"/>
+                <a16:creationId xmlns:a16="http://schemas.microsoft.com/office/drawing/2014/main" id="{90D1032D-C0BD-69B3-8E14-A2B8ED2924EC}"/>
               </a:ext>
             </a:extLst>
           </p:cNvPr>
@@ -2814,7 +2822,7 @@
           <p:cNvPr id="4" name="Text Placeholder 3">
             <a:extLst>
               <a:ext uri="{FF2B5EF4-FFF2-40B4-BE49-F238E27FC236}">
-                <a16:creationId xmlns:a16="http://schemas.microsoft.com/office/drawing/2014/main" id="{8A7A07DA-11E6-0861-D60A-A4662858E2EA}"/>
+                <a16:creationId xmlns:a16="http://schemas.microsoft.com/office/drawing/2014/main" id="{52EFCCD1-6C9C-E4FD-F557-14AA6455C701}"/>
               </a:ext>
             </a:extLst>
           </p:cNvPr>
@@ -2885,7 +2893,7 @@
           <p:cNvPr id="5" name="Date Placeholder 4">
             <a:extLst>
               <a:ext uri="{FF2B5EF4-FFF2-40B4-BE49-F238E27FC236}">
-                <a16:creationId xmlns:a16="http://schemas.microsoft.com/office/drawing/2014/main" id="{3F18246F-AD1B-2255-44B2-761FB396359A}"/>
+                <a16:creationId xmlns:a16="http://schemas.microsoft.com/office/drawing/2014/main" id="{C802F1FC-6333-E436-3522-204078F035AF}"/>
               </a:ext>
             </a:extLst>
           </p:cNvPr>
@@ -2903,7 +2911,7 @@
           <a:p>
             <a:fld id="{B6BBDD36-2CF7-3246-B0ED-EA973E490608}" type="datetimeFigureOut">
               <a:rPr lang="en-US" smtClean="0"/>
-              <a:t>8/8/23</a:t>
+              <a:t>8/9/23</a:t>
             </a:fld>
             <a:endParaRPr lang="en-US"/>
           </a:p>
@@ -2914,7 +2922,7 @@
           <p:cNvPr id="6" name="Footer Placeholder 5">
             <a:extLst>
               <a:ext uri="{FF2B5EF4-FFF2-40B4-BE49-F238E27FC236}">
-                <a16:creationId xmlns:a16="http://schemas.microsoft.com/office/drawing/2014/main" id="{149394C0-8038-3523-8679-D8ACF3D1E13B}"/>
+                <a16:creationId xmlns:a16="http://schemas.microsoft.com/office/drawing/2014/main" id="{85920134-97C8-B1AD-A2AA-54BBDF1511A3}"/>
               </a:ext>
             </a:extLst>
           </p:cNvPr>
@@ -2939,7 +2947,7 @@
           <p:cNvPr id="7" name="Slide Number Placeholder 6">
             <a:extLst>
               <a:ext uri="{FF2B5EF4-FFF2-40B4-BE49-F238E27FC236}">
-                <a16:creationId xmlns:a16="http://schemas.microsoft.com/office/drawing/2014/main" id="{26743924-007F-3FFF-0261-46A3E2E107D6}"/>
+                <a16:creationId xmlns:a16="http://schemas.microsoft.com/office/drawing/2014/main" id="{3BBCB413-8C8B-25B3-C3FA-14FA54FB874E}"/>
               </a:ext>
             </a:extLst>
           </p:cNvPr>
@@ -2966,7 +2974,7 @@
     </p:spTree>
     <p:extLst>
       <p:ext uri="{BB962C8B-B14F-4D97-AF65-F5344CB8AC3E}">
-        <p14:creationId xmlns:p14="http://schemas.microsoft.com/office/powerpoint/2010/main" val="1466783519"/>
+        <p14:creationId xmlns:p14="http://schemas.microsoft.com/office/powerpoint/2010/main" val="852840165"/>
       </p:ext>
     </p:extLst>
   </p:cSld>
@@ -2998,7 +3006,7 @@
           <p:cNvPr id="2" name="Title 1">
             <a:extLst>
               <a:ext uri="{FF2B5EF4-FFF2-40B4-BE49-F238E27FC236}">
-                <a16:creationId xmlns:a16="http://schemas.microsoft.com/office/drawing/2014/main" id="{67E5B264-1224-9A3F-238C-D3727672BD26}"/>
+                <a16:creationId xmlns:a16="http://schemas.microsoft.com/office/drawing/2014/main" id="{A560A809-3E4B-09BB-FC1E-96E33BB683E3}"/>
               </a:ext>
             </a:extLst>
           </p:cNvPr>
@@ -3035,7 +3043,7 @@
           <p:cNvPr id="3" name="Picture Placeholder 2">
             <a:extLst>
               <a:ext uri="{FF2B5EF4-FFF2-40B4-BE49-F238E27FC236}">
-                <a16:creationId xmlns:a16="http://schemas.microsoft.com/office/drawing/2014/main" id="{37701757-405E-9599-C8EC-9B5DBBB1B87A}"/>
+                <a16:creationId xmlns:a16="http://schemas.microsoft.com/office/drawing/2014/main" id="{1C205D72-AC97-8CFF-3B8D-EA31FCD80D5C}"/>
               </a:ext>
             </a:extLst>
           </p:cNvPr>
@@ -3102,7 +3110,7 @@
           <p:cNvPr id="4" name="Text Placeholder 3">
             <a:extLst>
               <a:ext uri="{FF2B5EF4-FFF2-40B4-BE49-F238E27FC236}">
-                <a16:creationId xmlns:a16="http://schemas.microsoft.com/office/drawing/2014/main" id="{CF44495D-4305-B1F7-663B-CE23CF266B38}"/>
+                <a16:creationId xmlns:a16="http://schemas.microsoft.com/office/drawing/2014/main" id="{9F9FE274-E45E-CF58-F768-9AC322F46B8C}"/>
               </a:ext>
             </a:extLst>
           </p:cNvPr>
@@ -3173,7 +3181,7 @@
           <p:cNvPr id="5" name="Date Placeholder 4">
             <a:extLst>
               <a:ext uri="{FF2B5EF4-FFF2-40B4-BE49-F238E27FC236}">
-                <a16:creationId xmlns:a16="http://schemas.microsoft.com/office/drawing/2014/main" id="{C6AABE69-CD06-2853-5E8C-9BA95B4B6F95}"/>
+                <a16:creationId xmlns:a16="http://schemas.microsoft.com/office/drawing/2014/main" id="{E103327D-FB75-B691-5D47-0CA144AD9A70}"/>
               </a:ext>
             </a:extLst>
           </p:cNvPr>
@@ -3191,7 +3199,7 @@
           <a:p>
             <a:fld id="{B6BBDD36-2CF7-3246-B0ED-EA973E490608}" type="datetimeFigureOut">
               <a:rPr lang="en-US" smtClean="0"/>
-              <a:t>8/8/23</a:t>
+              <a:t>8/9/23</a:t>
             </a:fld>
             <a:endParaRPr lang="en-US"/>
           </a:p>
@@ -3202,7 +3210,7 @@
           <p:cNvPr id="6" name="Footer Placeholder 5">
             <a:extLst>
               <a:ext uri="{FF2B5EF4-FFF2-40B4-BE49-F238E27FC236}">
-                <a16:creationId xmlns:a16="http://schemas.microsoft.com/office/drawing/2014/main" id="{CF1FA0E4-1301-D602-9D2D-60B72F5FFD25}"/>
+                <a16:creationId xmlns:a16="http://schemas.microsoft.com/office/drawing/2014/main" id="{26BDD7D2-21E1-4083-2343-2C09D2D88A7A}"/>
               </a:ext>
             </a:extLst>
           </p:cNvPr>
@@ -3227,7 +3235,7 @@
           <p:cNvPr id="7" name="Slide Number Placeholder 6">
             <a:extLst>
               <a:ext uri="{FF2B5EF4-FFF2-40B4-BE49-F238E27FC236}">
-                <a16:creationId xmlns:a16="http://schemas.microsoft.com/office/drawing/2014/main" id="{1CACAF61-2B71-317D-C707-28441F472928}"/>
+                <a16:creationId xmlns:a16="http://schemas.microsoft.com/office/drawing/2014/main" id="{3DB5544B-3D2B-1B08-A1A6-36A7671312BB}"/>
               </a:ext>
             </a:extLst>
           </p:cNvPr>
@@ -3254,7 +3262,7 @@
     </p:spTree>
     <p:extLst>
       <p:ext uri="{BB962C8B-B14F-4D97-AF65-F5344CB8AC3E}">
-        <p14:creationId xmlns:p14="http://schemas.microsoft.com/office/powerpoint/2010/main" val="1634496514"/>
+        <p14:creationId xmlns:p14="http://schemas.microsoft.com/office/powerpoint/2010/main" val="4125201446"/>
       </p:ext>
     </p:extLst>
   </p:cSld>
@@ -3291,7 +3299,7 @@
           <p:cNvPr id="2" name="Title Placeholder 1">
             <a:extLst>
               <a:ext uri="{FF2B5EF4-FFF2-40B4-BE49-F238E27FC236}">
-                <a16:creationId xmlns:a16="http://schemas.microsoft.com/office/drawing/2014/main" id="{3BEC0590-EFF3-6790-BA72-ACC92B5888BF}"/>
+                <a16:creationId xmlns:a16="http://schemas.microsoft.com/office/drawing/2014/main" id="{A80069E1-26A7-5C34-2403-AE7A6D3BEB16}"/>
               </a:ext>
             </a:extLst>
           </p:cNvPr>
@@ -3329,7 +3337,7 @@
           <p:cNvPr id="3" name="Text Placeholder 2">
             <a:extLst>
               <a:ext uri="{FF2B5EF4-FFF2-40B4-BE49-F238E27FC236}">
-                <a16:creationId xmlns:a16="http://schemas.microsoft.com/office/drawing/2014/main" id="{56822995-7CE8-FE50-C87D-52CB0F8C569C}"/>
+                <a16:creationId xmlns:a16="http://schemas.microsoft.com/office/drawing/2014/main" id="{61A12FB7-4643-7FE3-164F-0ED5D4953EE1}"/>
               </a:ext>
             </a:extLst>
           </p:cNvPr>
@@ -3396,7 +3404,7 @@
           <p:cNvPr id="4" name="Date Placeholder 3">
             <a:extLst>
               <a:ext uri="{FF2B5EF4-FFF2-40B4-BE49-F238E27FC236}">
-                <a16:creationId xmlns:a16="http://schemas.microsoft.com/office/drawing/2014/main" id="{4B2E46C0-7710-2983-C5A3-485FF7010A2B}"/>
+                <a16:creationId xmlns:a16="http://schemas.microsoft.com/office/drawing/2014/main" id="{A564BFA1-916A-06B4-8B35-B2FBE5090104}"/>
               </a:ext>
             </a:extLst>
           </p:cNvPr>
@@ -3432,7 +3440,7 @@
           <a:p>
             <a:fld id="{B6BBDD36-2CF7-3246-B0ED-EA973E490608}" type="datetimeFigureOut">
               <a:rPr lang="en-US" smtClean="0"/>
-              <a:t>8/8/23</a:t>
+              <a:t>8/9/23</a:t>
             </a:fld>
             <a:endParaRPr lang="en-US"/>
           </a:p>
@@ -3443,7 +3451,7 @@
           <p:cNvPr id="5" name="Footer Placeholder 4">
             <a:extLst>
               <a:ext uri="{FF2B5EF4-FFF2-40B4-BE49-F238E27FC236}">
-                <a16:creationId xmlns:a16="http://schemas.microsoft.com/office/drawing/2014/main" id="{1B0DB944-F413-4F1F-A393-8EF4D0FA9030}"/>
+                <a16:creationId xmlns:a16="http://schemas.microsoft.com/office/drawing/2014/main" id="{4AF182BD-7EED-F26C-A0BE-2D59073BA3D3}"/>
               </a:ext>
             </a:extLst>
           </p:cNvPr>
@@ -3486,7 +3494,7 @@
           <p:cNvPr id="6" name="Slide Number Placeholder 5">
             <a:extLst>
               <a:ext uri="{FF2B5EF4-FFF2-40B4-BE49-F238E27FC236}">
-                <a16:creationId xmlns:a16="http://schemas.microsoft.com/office/drawing/2014/main" id="{2F5BF820-7FE4-1B43-97C3-887762062C12}"/>
+                <a16:creationId xmlns:a16="http://schemas.microsoft.com/office/drawing/2014/main" id="{49763611-9E9E-4064-8AC1-601B0C610258}"/>
               </a:ext>
             </a:extLst>
           </p:cNvPr>
@@ -3531,23 +3539,23 @@
     </p:spTree>
     <p:extLst>
       <p:ext uri="{BB962C8B-B14F-4D97-AF65-F5344CB8AC3E}">
-        <p14:creationId xmlns:p14="http://schemas.microsoft.com/office/powerpoint/2010/main" val="1502131419"/>
+        <p14:creationId xmlns:p14="http://schemas.microsoft.com/office/powerpoint/2010/main" val="1984579420"/>
       </p:ext>
     </p:extLst>
   </p:cSld>
   <p:clrMap bg1="lt1" tx1="dk1" bg2="lt2" tx2="dk2" accent1="accent1" accent2="accent2" accent3="accent3" accent4="accent4" accent5="accent5" accent6="accent6" hlink="hlink" folHlink="folHlink"/>
   <p:sldLayoutIdLst>
-    <p:sldLayoutId id="2147483649" r:id="rId1"/>
-    <p:sldLayoutId id="2147483650" r:id="rId2"/>
-    <p:sldLayoutId id="2147483651" r:id="rId3"/>
-    <p:sldLayoutId id="2147483652" r:id="rId4"/>
-    <p:sldLayoutId id="2147483653" r:id="rId5"/>
-    <p:sldLayoutId id="2147483654" r:id="rId6"/>
-    <p:sldLayoutId id="2147483655" r:id="rId7"/>
-    <p:sldLayoutId id="2147483656" r:id="rId8"/>
-    <p:sldLayoutId id="2147483657" r:id="rId9"/>
-    <p:sldLayoutId id="2147483658" r:id="rId10"/>
-    <p:sldLayoutId id="2147483659" r:id="rId11"/>
+    <p:sldLayoutId id="2147483697" r:id="rId1"/>
+    <p:sldLayoutId id="2147483698" r:id="rId2"/>
+    <p:sldLayoutId id="2147483699" r:id="rId3"/>
+    <p:sldLayoutId id="2147483700" r:id="rId4"/>
+    <p:sldLayoutId id="2147483701" r:id="rId5"/>
+    <p:sldLayoutId id="2147483702" r:id="rId6"/>
+    <p:sldLayoutId id="2147483703" r:id="rId7"/>
+    <p:sldLayoutId id="2147483704" r:id="rId8"/>
+    <p:sldLayoutId id="2147483705" r:id="rId9"/>
+    <p:sldLayoutId id="2147483706" r:id="rId10"/>
+    <p:sldLayoutId id="2147483707" r:id="rId11"/>
   </p:sldLayoutIdLst>
   <p:txStyles>
     <p:titleStyle>
@@ -3835,6 +3843,14 @@
 <file path=ppt/slides/slide1.xml><?xml version="1.0" encoding="utf-8"?>
 <p:sld xmlns:a="http://schemas.openxmlformats.org/drawingml/2006/main" xmlns:r="http://schemas.openxmlformats.org/officeDocument/2006/relationships" xmlns:p="http://schemas.openxmlformats.org/presentationml/2006/main">
   <p:cSld>
+    <p:bg>
+      <p:bgPr>
+        <a:solidFill>
+          <a:schemeClr val="bg1"/>
+        </a:solidFill>
+        <a:effectLst/>
+      </p:bgPr>
+    </p:bg>
     <p:spTree>
       <p:nvGrpSpPr>
         <p:cNvPr id="1" name=""/>
@@ -3849,83 +3865,39 @@
           <a:chExt cx="0" cy="0"/>
         </a:xfrm>
       </p:grpSpPr>
-      <p:sp>
-        <p:nvSpPr>
-          <p:cNvPr id="2" name="Title 1">
-            <a:extLst>
-              <a:ext uri="{FF2B5EF4-FFF2-40B4-BE49-F238E27FC236}">
-                <a16:creationId xmlns:a16="http://schemas.microsoft.com/office/drawing/2014/main" id="{DF1D4BE3-61EE-47E5-53C8-8B4D319D06F2}"/>
-              </a:ext>
-            </a:extLst>
-          </p:cNvPr>
-          <p:cNvSpPr>
-            <a:spLocks noGrp="1"/>
-          </p:cNvSpPr>
-          <p:nvPr>
-            <p:ph type="ctrTitle"/>
-          </p:nvPr>
-        </p:nvSpPr>
+      <p:pic>
+        <p:nvPicPr>
+          <p:cNvPr id="5" name="Picture 4" descr="A snowy mountain range with blue sky&#10;&#10;Description automatically generated">
+            <a:extLst>
+              <a:ext uri="{FF2B5EF4-FFF2-40B4-BE49-F238E27FC236}">
+                <a16:creationId xmlns:a16="http://schemas.microsoft.com/office/drawing/2014/main" id="{90E62D9E-548E-3976-8820-2E274D0A9F5C}"/>
+              </a:ext>
+            </a:extLst>
+          </p:cNvPr>
+          <p:cNvPicPr>
+            <a:picLocks noChangeAspect="1"/>
+          </p:cNvPicPr>
+          <p:nvPr/>
+        </p:nvPicPr>
+        <p:blipFill rotWithShape="1">
+          <a:blip r:embed="rId2"/>
+          <a:srcRect t="10938" r="1" b="1"/>
+          <a:stretch/>
+        </p:blipFill>
         <p:spPr>
           <a:xfrm>
-            <a:off x="1524000" y="2235200"/>
-            <a:ext cx="9144000" cy="2387600"/>
+            <a:off x="122716" y="115738"/>
+            <a:ext cx="11938653" cy="6618898"/>
           </a:xfrm>
+          <a:prstGeom prst="rect">
+            <a:avLst/>
+          </a:prstGeom>
         </p:spPr>
-        <p:txBody>
-          <a:bodyPr>
-            <a:normAutofit/>
-          </a:bodyPr>
-          <a:lstStyle/>
-          <a:p>
-            <a:r>
-              <a:rPr lang="en-US" b="0" i="0" dirty="0">
-                <a:effectLst/>
-                <a:latin typeface="+mn-lt"/>
-                <a:cs typeface="Arial" panose="020B0604020202020204" pitchFamily="34" charset="0"/>
-              </a:rPr>
-              <a:t>Big Mountain Resort Project</a:t>
-            </a:r>
-            <a:br>
-              <a:rPr lang="en-US" b="0" i="0" dirty="0">
-                <a:effectLst/>
-                <a:latin typeface="+mn-lt"/>
-                <a:cs typeface="Arial" panose="020B0604020202020204" pitchFamily="34" charset="0"/>
-              </a:rPr>
-            </a:br>
-            <a:r>
-              <a:rPr lang="en-US" sz="3200" b="0" i="0" dirty="0">
-                <a:effectLst/>
-                <a:latin typeface="+mn-lt"/>
-                <a:cs typeface="Arial" panose="020B0604020202020204" pitchFamily="34" charset="0"/>
-              </a:rPr>
-              <a:t>Presenter: Hui Zhang</a:t>
-            </a:r>
-            <a:br>
-              <a:rPr lang="en-US" sz="3200" b="0" i="0" dirty="0">
-                <a:effectLst/>
-                <a:latin typeface="+mn-lt"/>
-                <a:cs typeface="Arial" panose="020B0604020202020204" pitchFamily="34" charset="0"/>
-              </a:rPr>
-            </a:br>
-            <a:r>
-              <a:rPr lang="en-US" sz="3200" b="0" i="0" dirty="0">
-                <a:effectLst/>
-                <a:latin typeface="+mn-lt"/>
-                <a:cs typeface="Arial" panose="020B0604020202020204" pitchFamily="34" charset="0"/>
-              </a:rPr>
-              <a:t>Date: August 08,2023</a:t>
-            </a:r>
-            <a:endParaRPr lang="en-US" dirty="0">
-              <a:latin typeface="+mn-lt"/>
-              <a:cs typeface="Arial" panose="020B0604020202020204" pitchFamily="34" charset="0"/>
-            </a:endParaRPr>
-          </a:p>
-        </p:txBody>
-      </p:sp>
+      </p:pic>
     </p:spTree>
     <p:extLst>
       <p:ext uri="{BB962C8B-B14F-4D97-AF65-F5344CB8AC3E}">
-        <p14:creationId xmlns:p14="http://schemas.microsoft.com/office/powerpoint/2010/main" val="1258329866"/>
+        <p14:creationId xmlns:p14="http://schemas.microsoft.com/office/powerpoint/2010/main" val="1883042182"/>
       </p:ext>
     </p:extLst>
   </p:cSld>
@@ -3935,7 +3907,7 @@
 </p:sld>
 </file>
 
-<file path=ppt/slides/slide2.xml><?xml version="1.0" encoding="utf-8"?>
+<file path=ppt/slides/slide10.xml><?xml version="1.0" encoding="utf-8"?>
 <p:sld xmlns:a="http://schemas.openxmlformats.org/drawingml/2006/main" xmlns:r="http://schemas.openxmlformats.org/officeDocument/2006/relationships" xmlns:p="http://schemas.openxmlformats.org/presentationml/2006/main">
   <p:cSld>
     <p:spTree>
@@ -3952,84 +3924,153 @@
           <a:chExt cx="0" cy="0"/>
         </a:xfrm>
       </p:grpSpPr>
-      <p:sp>
-        <p:nvSpPr>
-          <p:cNvPr id="2" name="Title 1">
-            <a:extLst>
-              <a:ext uri="{FF2B5EF4-FFF2-40B4-BE49-F238E27FC236}">
-                <a16:creationId xmlns:a16="http://schemas.microsoft.com/office/drawing/2014/main" id="{8AB6C3E7-43BD-A57F-8473-EBDBB58339F0}"/>
-              </a:ext>
-            </a:extLst>
-          </p:cNvPr>
-          <p:cNvSpPr>
-            <a:spLocks noGrp="1"/>
-          </p:cNvSpPr>
-          <p:nvPr>
-            <p:ph type="title"/>
-          </p:nvPr>
-        </p:nvSpPr>
+      <p:pic>
+        <p:nvPicPr>
+          <p:cNvPr id="15" name="Picture 14">
+            <a:extLst>
+              <a:ext uri="{FF2B5EF4-FFF2-40B4-BE49-F238E27FC236}">
+                <a16:creationId xmlns:a16="http://schemas.microsoft.com/office/drawing/2014/main" id="{D7CEA2D1-EA7A-EE38-42A1-E047C1A0A9A0}"/>
+              </a:ext>
+            </a:extLst>
+          </p:cNvPr>
+          <p:cNvPicPr>
+            <a:picLocks noChangeAspect="1"/>
+          </p:cNvPicPr>
+          <p:nvPr/>
+        </p:nvPicPr>
+        <p:blipFill>
+          <a:blip r:embed="rId2"/>
+          <a:srcRect/>
+          <a:stretch/>
+        </p:blipFill>
         <p:spPr>
           <a:xfrm>
-            <a:off x="838200" y="381453"/>
-            <a:ext cx="10515600" cy="1325563"/>
+            <a:off x="6465852" y="241961"/>
+            <a:ext cx="5701965" cy="3163549"/>
+          </a:xfrm>
+          <a:prstGeom prst="rect">
+            <a:avLst/>
+          </a:prstGeom>
+        </p:spPr>
+      </p:pic>
+      <p:pic>
+        <p:nvPicPr>
+          <p:cNvPr id="17" name="Picture 16">
+            <a:extLst>
+              <a:ext uri="{FF2B5EF4-FFF2-40B4-BE49-F238E27FC236}">
+                <a16:creationId xmlns:a16="http://schemas.microsoft.com/office/drawing/2014/main" id="{22F6911D-9F7A-FC6F-9D83-444A81D709D8}"/>
+              </a:ext>
+            </a:extLst>
+          </p:cNvPr>
+          <p:cNvPicPr>
+            <a:picLocks noChangeAspect="1"/>
+          </p:cNvPicPr>
+          <p:nvPr/>
+        </p:nvPicPr>
+        <p:blipFill>
+          <a:blip r:embed="rId3"/>
+          <a:srcRect/>
+          <a:stretch/>
+        </p:blipFill>
+        <p:spPr>
+          <a:xfrm>
+            <a:off x="6437437" y="3680496"/>
+            <a:ext cx="5754564" cy="3161224"/>
+          </a:xfrm>
+          <a:prstGeom prst="rect">
+            <a:avLst/>
+          </a:prstGeom>
+        </p:spPr>
+      </p:pic>
+      <p:sp>
+        <p:nvSpPr>
+          <p:cNvPr id="18" name="Title 1">
+            <a:extLst>
+              <a:ext uri="{FF2B5EF4-FFF2-40B4-BE49-F238E27FC236}">
+                <a16:creationId xmlns:a16="http://schemas.microsoft.com/office/drawing/2014/main" id="{AC7E46E1-A036-8216-7765-2CBE689D1ACC}"/>
+              </a:ext>
+            </a:extLst>
+          </p:cNvPr>
+          <p:cNvSpPr>
+            <a:spLocks noGrp="1"/>
+          </p:cNvSpPr>
+          <p:nvPr>
+            <p:ph type="title"/>
+          </p:nvPr>
+        </p:nvSpPr>
+        <p:spPr>
+          <a:xfrm>
+            <a:off x="685050" y="734807"/>
+            <a:ext cx="5266045" cy="2177856"/>
           </a:xfrm>
         </p:spPr>
         <p:txBody>
-          <a:bodyPr/>
+          <a:bodyPr anchor="b">
+            <a:noAutofit/>
+          </a:bodyPr>
           <a:lstStyle/>
           <a:p>
             <a:r>
-              <a:rPr lang="en-US" b="0" i="0" dirty="0">
-                <a:effectLst/>
+              <a:rPr lang="en-US" sz="3000" dirty="0">
                 <a:latin typeface="+mn-lt"/>
-                <a:cs typeface="Arial" panose="020B0604020202020204" pitchFamily="34" charset="0"/>
               </a:rPr>
-              <a:t>Problem Identification</a:t>
+              <a:t>Big Mountain has one of the longest runs. Although it is just over half the length of the longest, the longer ones are rare.</a:t>
             </a:r>
-            <a:endParaRPr lang="en-US" dirty="0">
-              <a:latin typeface="+mn-lt"/>
-              <a:cs typeface="Arial" panose="020B0604020202020204" pitchFamily="34" charset="0"/>
-            </a:endParaRPr>
           </a:p>
         </p:txBody>
       </p:sp>
       <p:sp>
         <p:nvSpPr>
-          <p:cNvPr id="3" name="Content Placeholder 2">
-            <a:extLst>
-              <a:ext uri="{FF2B5EF4-FFF2-40B4-BE49-F238E27FC236}">
-                <a16:creationId xmlns:a16="http://schemas.microsoft.com/office/drawing/2014/main" id="{254252FE-46D2-E549-120E-47118A28DB9A}"/>
-              </a:ext>
-            </a:extLst>
-          </p:cNvPr>
-          <p:cNvSpPr>
-            <a:spLocks noGrp="1"/>
-          </p:cNvSpPr>
-          <p:nvPr>
-            <p:ph idx="1"/>
-          </p:nvPr>
+          <p:cNvPr id="19" name="Title 1">
+            <a:extLst>
+              <a:ext uri="{FF2B5EF4-FFF2-40B4-BE49-F238E27FC236}">
+                <a16:creationId xmlns:a16="http://schemas.microsoft.com/office/drawing/2014/main" id="{CC99FE75-516F-3DCE-6080-7FE02D010618}"/>
+              </a:ext>
+            </a:extLst>
+          </p:cNvPr>
+          <p:cNvSpPr txBox="1">
+            <a:spLocks/>
+          </p:cNvSpPr>
+          <p:nvPr/>
         </p:nvSpPr>
         <p:spPr>
           <a:xfrm>
-            <a:off x="838200" y="1825625"/>
-            <a:ext cx="10515600" cy="4313918"/>
+            <a:off x="685049" y="4172180"/>
+            <a:ext cx="5266045" cy="2177855"/>
           </a:xfrm>
+          <a:prstGeom prst="rect">
+            <a:avLst/>
+          </a:prstGeom>
         </p:spPr>
         <p:txBody>
-          <a:bodyPr>
-            <a:normAutofit/>
+          <a:bodyPr vert="horz" lIns="91440" tIns="45720" rIns="91440" bIns="45720" rtlCol="0" anchor="b">
+            <a:normAutofit fontScale="97500"/>
           </a:bodyPr>
-          <a:lstStyle/>
-          <a:p>
-            <a:pPr>
-              <a:buFont typeface="Wingdings" pitchFamily="2" charset="2"/>
-              <a:buChar char="q"/>
-            </a:pPr>
+          <a:lstStyle>
+            <a:lvl1pPr algn="l" defTabSz="914400" rtl="0" eaLnBrk="1" latinLnBrk="0" hangingPunct="1">
+              <a:lnSpc>
+                <a:spcPct val="90000"/>
+              </a:lnSpc>
+              <a:spcBef>
+                <a:spcPct val="0"/>
+              </a:spcBef>
+              <a:buNone/>
+              <a:defRPr sz="4400" kern="1200">
+                <a:solidFill>
+                  <a:schemeClr val="tx1"/>
+                </a:solidFill>
+                <a:latin typeface="+mj-lt"/>
+                <a:ea typeface="+mj-ea"/>
+                <a:cs typeface="+mj-cs"/>
+              </a:defRPr>
+            </a:lvl1pPr>
+          </a:lstStyle>
+          <a:p>
             <a:r>
-              <a:rPr lang="en-US" sz="3200" dirty="0">
-                <a:cs typeface="Arial" panose="020B0604020202020204" pitchFamily="34" charset="0"/>
+              <a:rPr lang="en-US" sz="3100" dirty="0">
+                <a:latin typeface="+mn-lt"/>
               </a:rPr>
-              <a:t>Big Mountain resort is a ski resort located in Montana, which has 105 trails and serves 350000 people every year. There's a suspicion that the resort is not capitalized on its facilities as much as it could. The management want some guidance on how to select a better value for their ticket price. They are also considering changes that can either cut costs without undermining the ticket price or support an even higher ticket price.</a:t>
+              <a:t>Big Mountain has one of the longest runs. Although it is just over half the length of the longest, the longer ones are rare.</a:t>
             </a:r>
           </a:p>
         </p:txBody>
@@ -4037,17 +4078,157 @@
     </p:spTree>
     <p:extLst>
       <p:ext uri="{BB962C8B-B14F-4D97-AF65-F5344CB8AC3E}">
-        <p14:creationId xmlns:p14="http://schemas.microsoft.com/office/powerpoint/2010/main" val="2534264149"/>
+        <p14:creationId xmlns:p14="http://schemas.microsoft.com/office/powerpoint/2010/main" val="3688093235"/>
       </p:ext>
     </p:extLst>
   </p:cSld>
   <p:clrMapOvr>
     <a:masterClrMapping/>
   </p:clrMapOvr>
+  <p:timing>
+    <p:tnLst>
+      <p:par>
+        <p:cTn id="1" dur="indefinite" restart="never" nodeType="tmRoot">
+          <p:childTnLst>
+            <p:seq concurrent="1" nextAc="seek">
+              <p:cTn id="2" dur="indefinite" nodeType="mainSeq">
+                <p:childTnLst>
+                  <p:par>
+                    <p:cTn id="3" fill="hold">
+                      <p:stCondLst>
+                        <p:cond delay="indefinite"/>
+                      </p:stCondLst>
+                      <p:childTnLst>
+                        <p:par>
+                          <p:cTn id="4" fill="hold">
+                            <p:stCondLst>
+                              <p:cond delay="0"/>
+                            </p:stCondLst>
+                            <p:childTnLst>
+                              <p:par>
+                                <p:cTn id="5" presetID="10" presetClass="entr" presetSubtype="0" fill="hold" grpId="0" nodeType="clickEffect">
+                                  <p:stCondLst>
+                                    <p:cond delay="0"/>
+                                  </p:stCondLst>
+                                  <p:childTnLst>
+                                    <p:set>
+                                      <p:cBhvr>
+                                        <p:cTn id="6" dur="1" fill="hold">
+                                          <p:stCondLst>
+                                            <p:cond delay="0"/>
+                                          </p:stCondLst>
+                                        </p:cTn>
+                                        <p:tgtEl>
+                                          <p:spTgt spid="18"/>
+                                        </p:tgtEl>
+                                        <p:attrNameLst>
+                                          <p:attrName>style.visibility</p:attrName>
+                                        </p:attrNameLst>
+                                      </p:cBhvr>
+                                      <p:to>
+                                        <p:strVal val="visible"/>
+                                      </p:to>
+                                    </p:set>
+                                    <p:animEffect transition="in" filter="fade">
+                                      <p:cBhvr>
+                                        <p:cTn id="7" dur="500"/>
+                                        <p:tgtEl>
+                                          <p:spTgt spid="18"/>
+                                        </p:tgtEl>
+                                      </p:cBhvr>
+                                    </p:animEffect>
+                                  </p:childTnLst>
+                                </p:cTn>
+                              </p:par>
+                            </p:childTnLst>
+                          </p:cTn>
+                        </p:par>
+                      </p:childTnLst>
+                    </p:cTn>
+                  </p:par>
+                  <p:par>
+                    <p:cTn id="8" fill="hold">
+                      <p:stCondLst>
+                        <p:cond delay="indefinite"/>
+                      </p:stCondLst>
+                      <p:childTnLst>
+                        <p:par>
+                          <p:cTn id="9" fill="hold">
+                            <p:stCondLst>
+                              <p:cond delay="0"/>
+                            </p:stCondLst>
+                            <p:childTnLst>
+                              <p:par>
+                                <p:cTn id="10" presetID="10" presetClass="entr" presetSubtype="0" fill="hold" grpId="0" nodeType="clickEffect">
+                                  <p:stCondLst>
+                                    <p:cond delay="0"/>
+                                  </p:stCondLst>
+                                  <p:childTnLst>
+                                    <p:set>
+                                      <p:cBhvr>
+                                        <p:cTn id="11" dur="1" fill="hold">
+                                          <p:stCondLst>
+                                            <p:cond delay="0"/>
+                                          </p:stCondLst>
+                                        </p:cTn>
+                                        <p:tgtEl>
+                                          <p:spTgt spid="19"/>
+                                        </p:tgtEl>
+                                        <p:attrNameLst>
+                                          <p:attrName>style.visibility</p:attrName>
+                                        </p:attrNameLst>
+                                      </p:cBhvr>
+                                      <p:to>
+                                        <p:strVal val="visible"/>
+                                      </p:to>
+                                    </p:set>
+                                    <p:animEffect transition="in" filter="fade">
+                                      <p:cBhvr>
+                                        <p:cTn id="12" dur="500"/>
+                                        <p:tgtEl>
+                                          <p:spTgt spid="19"/>
+                                        </p:tgtEl>
+                                      </p:cBhvr>
+                                    </p:animEffect>
+                                  </p:childTnLst>
+                                </p:cTn>
+                              </p:par>
+                            </p:childTnLst>
+                          </p:cTn>
+                        </p:par>
+                      </p:childTnLst>
+                    </p:cTn>
+                  </p:par>
+                </p:childTnLst>
+              </p:cTn>
+              <p:prevCondLst>
+                <p:cond evt="onPrev" delay="0">
+                  <p:tgtEl>
+                    <p:sldTgt/>
+                  </p:tgtEl>
+                </p:cond>
+              </p:prevCondLst>
+              <p:nextCondLst>
+                <p:cond evt="onNext" delay="0">
+                  <p:tgtEl>
+                    <p:sldTgt/>
+                  </p:tgtEl>
+                </p:cond>
+              </p:nextCondLst>
+            </p:seq>
+          </p:childTnLst>
+        </p:cTn>
+      </p:par>
+    </p:tnLst>
+    <p:bldLst>
+      <p:bldP spid="18" grpId="0"/>
+      <p:bldP spid="19" grpId="0"/>
+    </p:bldLst>
+  </p:timing>
 </p:sld>
 </file>
 
-<file path=ppt/slides/slide3.xml><?xml version="1.0" encoding="utf-8"?>
+<file path=ppt/slides/slide11.xml><?xml version="1.0" encoding="utf-8"?>
 <p:sld xmlns:a="http://schemas.openxmlformats.org/drawingml/2006/main" xmlns:r="http://schemas.openxmlformats.org/officeDocument/2006/relationships" xmlns:p="http://schemas.openxmlformats.org/presentationml/2006/main">
   <p:cSld>
     <p:spTree>
@@ -4064,81 +4245,10 @@
           <a:chExt cx="0" cy="0"/>
         </a:xfrm>
       </p:grpSpPr>
-      <p:sp>
-        <p:nvSpPr>
-          <p:cNvPr id="2" name="Title 1">
-            <a:extLst>
-              <a:ext uri="{FF2B5EF4-FFF2-40B4-BE49-F238E27FC236}">
-                <a16:creationId xmlns:a16="http://schemas.microsoft.com/office/drawing/2014/main" id="{13132A43-445B-4EC5-B28D-09CC3937B53E}"/>
-              </a:ext>
-            </a:extLst>
-          </p:cNvPr>
-          <p:cNvSpPr>
-            <a:spLocks noGrp="1"/>
-          </p:cNvSpPr>
-          <p:nvPr>
-            <p:ph type="title"/>
-          </p:nvPr>
-        </p:nvSpPr>
-        <p:spPr/>
-        <p:txBody>
-          <a:bodyPr>
-            <a:normAutofit/>
-          </a:bodyPr>
-          <a:lstStyle/>
-          <a:p>
-            <a:r>
-              <a:rPr lang="en-US" dirty="0">
-                <a:latin typeface="+mn-lt"/>
-              </a:rPr>
-              <a:t>Project Goals:</a:t>
-            </a:r>
-          </a:p>
-        </p:txBody>
-      </p:sp>
-      <p:sp>
-        <p:nvSpPr>
-          <p:cNvPr id="3" name="Content Placeholder 2">
-            <a:extLst>
-              <a:ext uri="{FF2B5EF4-FFF2-40B4-BE49-F238E27FC236}">
-                <a16:creationId xmlns:a16="http://schemas.microsoft.com/office/drawing/2014/main" id="{B281BA6E-5301-F8C1-595F-7AD0987D2F10}"/>
-              </a:ext>
-            </a:extLst>
-          </p:cNvPr>
-          <p:cNvSpPr>
-            <a:spLocks noGrp="1"/>
-          </p:cNvSpPr>
-          <p:nvPr>
-            <p:ph idx="1"/>
-          </p:nvPr>
-        </p:nvSpPr>
-        <p:spPr>
-          <a:xfrm>
-            <a:off x="838200" y="1825624"/>
-            <a:ext cx="10515600" cy="4052661"/>
-          </a:xfrm>
-        </p:spPr>
-        <p:txBody>
-          <a:bodyPr>
-            <a:normAutofit/>
-          </a:bodyPr>
-          <a:lstStyle/>
-          <a:p>
-            <a:pPr>
-              <a:buFont typeface="Wingdings" pitchFamily="2" charset="2"/>
-              <a:buChar char="q"/>
-            </a:pPr>
-            <a:r>
-              <a:rPr lang="en-US" sz="3200" dirty="0"/>
-              <a:t>Build a ticket price prediction model and give facilities investment suggestions.</a:t>
-            </a:r>
-          </a:p>
-        </p:txBody>
-      </p:sp>
     </p:spTree>
     <p:extLst>
       <p:ext uri="{BB962C8B-B14F-4D97-AF65-F5344CB8AC3E}">
-        <p14:creationId xmlns:p14="http://schemas.microsoft.com/office/powerpoint/2010/main" val="1362886201"/>
+        <p14:creationId xmlns:p14="http://schemas.microsoft.com/office/powerpoint/2010/main" val="4037194338"/>
       </p:ext>
     </p:extLst>
   </p:cSld>
@@ -4148,9 +4258,625 @@
 </p:sld>
 </file>
 
-<file path=ppt/slides/slide4.xml><?xml version="1.0" encoding="utf-8"?>
+<file path=ppt/slides/slide12.xml><?xml version="1.0" encoding="utf-8"?>
 <p:sld xmlns:a="http://schemas.openxmlformats.org/drawingml/2006/main" xmlns:r="http://schemas.openxmlformats.org/officeDocument/2006/relationships" xmlns:p="http://schemas.openxmlformats.org/presentationml/2006/main">
   <p:cSld>
+    <p:bg>
+      <p:bgPr>
+        <a:solidFill>
+          <a:schemeClr val="bg1"/>
+        </a:solidFill>
+        <a:effectLst/>
+      </p:bgPr>
+    </p:bg>
+    <p:spTree>
+      <p:nvGrpSpPr>
+        <p:cNvPr id="1" name=""/>
+        <p:cNvGrpSpPr/>
+        <p:nvPr/>
+      </p:nvGrpSpPr>
+      <p:grpSpPr>
+        <a:xfrm>
+          <a:off x="0" y="0"/>
+          <a:ext cx="0" cy="0"/>
+          <a:chOff x="0" y="0"/>
+          <a:chExt cx="0" cy="0"/>
+        </a:xfrm>
+      </p:grpSpPr>
+      <p:sp useBgFill="1">
+        <p:nvSpPr>
+          <p:cNvPr id="9" name="Rectangle 8">
+            <a:extLst>
+              <a:ext uri="{FF2B5EF4-FFF2-40B4-BE49-F238E27FC236}">
+                <a16:creationId xmlns:a16="http://schemas.microsoft.com/office/drawing/2014/main" id="{F13C74B1-5B17-4795-BED0-7140497B445A}"/>
+              </a:ext>
+              <a:ext uri="{C183D7F6-B498-43B3-948B-1728B52AA6E4}">
+                <adec:decorative xmlns:adec="http://schemas.microsoft.com/office/drawing/2017/decorative" val="1"/>
+              </a:ext>
+            </a:extLst>
+          </p:cNvPr>
+          <p:cNvSpPr>
+            <a:spLocks noGrp="1" noRot="1" noChangeAspect="1" noMove="1" noResize="1" noEditPoints="1" noAdjustHandles="1" noChangeArrowheads="1" noChangeShapeType="1" noTextEdit="1"/>
+          </p:cNvSpPr>
+          <p:nvPr>
+            <p:extLst>
+              <p:ext uri="{386F3935-93C4-4BCD-93E2-E3B085C9AB24}">
+                <p16:designElem xmlns:p16="http://schemas.microsoft.com/office/powerpoint/2015/main" val="1"/>
+              </p:ext>
+            </p:extLst>
+          </p:nvPr>
+        </p:nvSpPr>
+        <p:spPr>
+          <a:xfrm>
+            <a:off x="0" y="0"/>
+            <a:ext cx="12188952" cy="6858000"/>
+          </a:xfrm>
+          <a:prstGeom prst="rect">
+            <a:avLst/>
+          </a:prstGeom>
+          <a:ln>
+            <a:noFill/>
+          </a:ln>
+        </p:spPr>
+        <p:style>
+          <a:lnRef idx="2">
+            <a:schemeClr val="accent1">
+              <a:shade val="50000"/>
+            </a:schemeClr>
+          </a:lnRef>
+          <a:fillRef idx="1">
+            <a:schemeClr val="accent1"/>
+          </a:fillRef>
+          <a:effectRef idx="0">
+            <a:schemeClr val="accent1"/>
+          </a:effectRef>
+          <a:fontRef idx="minor">
+            <a:schemeClr val="lt1"/>
+          </a:fontRef>
+        </p:style>
+        <p:txBody>
+          <a:bodyPr rtlCol="0" anchor="ctr"/>
+          <a:lstStyle/>
+          <a:p>
+            <a:pPr algn="ctr"/>
+            <a:endParaRPr lang="en-US"/>
+          </a:p>
+        </p:txBody>
+      </p:sp>
+      <p:sp>
+        <p:nvSpPr>
+          <p:cNvPr id="2" name="Title 1">
+            <a:extLst>
+              <a:ext uri="{FF2B5EF4-FFF2-40B4-BE49-F238E27FC236}">
+                <a16:creationId xmlns:a16="http://schemas.microsoft.com/office/drawing/2014/main" id="{4BC87D8F-3277-AAD6-2480-C887D1D302F9}"/>
+              </a:ext>
+            </a:extLst>
+          </p:cNvPr>
+          <p:cNvSpPr>
+            <a:spLocks noGrp="1"/>
+          </p:cNvSpPr>
+          <p:nvPr>
+            <p:ph type="title"/>
+          </p:nvPr>
+        </p:nvSpPr>
+        <p:spPr>
+          <a:xfrm>
+            <a:off x="640080" y="325369"/>
+            <a:ext cx="4368602" cy="1956841"/>
+          </a:xfrm>
+        </p:spPr>
+        <p:txBody>
+          <a:bodyPr anchor="b">
+            <a:normAutofit/>
+          </a:bodyPr>
+          <a:lstStyle/>
+          <a:p>
+            <a:r>
+              <a:rPr lang="en-US" sz="5400">
+                <a:latin typeface="+mn-lt"/>
+              </a:rPr>
+              <a:t>Conclusion </a:t>
+            </a:r>
+          </a:p>
+        </p:txBody>
+      </p:sp>
+      <p:sp>
+        <p:nvSpPr>
+          <p:cNvPr id="11" name="sketchy line">
+            <a:extLst>
+              <a:ext uri="{FF2B5EF4-FFF2-40B4-BE49-F238E27FC236}">
+                <a16:creationId xmlns:a16="http://schemas.microsoft.com/office/drawing/2014/main" id="{D4974D33-8DC5-464E-8C6D-BE58F0669C17}"/>
+              </a:ext>
+              <a:ext uri="{C183D7F6-B498-43B3-948B-1728B52AA6E4}">
+                <adec:decorative xmlns:adec="http://schemas.microsoft.com/office/drawing/2017/decorative" val="1"/>
+              </a:ext>
+            </a:extLst>
+          </p:cNvPr>
+          <p:cNvSpPr>
+            <a:spLocks noGrp="1" noRot="1" noChangeAspect="1" noMove="1" noResize="1" noEditPoints="1" noAdjustHandles="1" noChangeArrowheads="1" noChangeShapeType="1" noTextEdit="1"/>
+          </p:cNvSpPr>
+          <p:nvPr>
+            <p:extLst>
+              <p:ext uri="{386F3935-93C4-4BCD-93E2-E3B085C9AB24}">
+                <p16:designElem xmlns:p16="http://schemas.microsoft.com/office/powerpoint/2015/main" val="1"/>
+              </p:ext>
+            </p:extLst>
+          </p:nvPr>
+        </p:nvSpPr>
+        <p:spPr>
+          <a:xfrm>
+            <a:off x="640080" y="2586994"/>
+            <a:ext cx="3474720" cy="18288"/>
+          </a:xfrm>
+          <a:custGeom>
+            <a:avLst/>
+            <a:gdLst>
+              <a:gd name="connsiteX0" fmla="*/ 0 w 3474720"/>
+              <a:gd name="connsiteY0" fmla="*/ 0 h 18288"/>
+              <a:gd name="connsiteX1" fmla="*/ 694944 w 3474720"/>
+              <a:gd name="connsiteY1" fmla="*/ 0 h 18288"/>
+              <a:gd name="connsiteX2" fmla="*/ 1355141 w 3474720"/>
+              <a:gd name="connsiteY2" fmla="*/ 0 h 18288"/>
+              <a:gd name="connsiteX3" fmla="*/ 2015338 w 3474720"/>
+              <a:gd name="connsiteY3" fmla="*/ 0 h 18288"/>
+              <a:gd name="connsiteX4" fmla="*/ 2779776 w 3474720"/>
+              <a:gd name="connsiteY4" fmla="*/ 0 h 18288"/>
+              <a:gd name="connsiteX5" fmla="*/ 3474720 w 3474720"/>
+              <a:gd name="connsiteY5" fmla="*/ 0 h 18288"/>
+              <a:gd name="connsiteX6" fmla="*/ 3474720 w 3474720"/>
+              <a:gd name="connsiteY6" fmla="*/ 18288 h 18288"/>
+              <a:gd name="connsiteX7" fmla="*/ 2779776 w 3474720"/>
+              <a:gd name="connsiteY7" fmla="*/ 18288 h 18288"/>
+              <a:gd name="connsiteX8" fmla="*/ 2189074 w 3474720"/>
+              <a:gd name="connsiteY8" fmla="*/ 18288 h 18288"/>
+              <a:gd name="connsiteX9" fmla="*/ 1528877 w 3474720"/>
+              <a:gd name="connsiteY9" fmla="*/ 18288 h 18288"/>
+              <a:gd name="connsiteX10" fmla="*/ 868680 w 3474720"/>
+              <a:gd name="connsiteY10" fmla="*/ 18288 h 18288"/>
+              <a:gd name="connsiteX11" fmla="*/ 0 w 3474720"/>
+              <a:gd name="connsiteY11" fmla="*/ 18288 h 18288"/>
+              <a:gd name="connsiteX12" fmla="*/ 0 w 3474720"/>
+              <a:gd name="connsiteY12" fmla="*/ 0 h 18288"/>
+            </a:gdLst>
+            <a:ahLst/>
+            <a:cxnLst>
+              <a:cxn ang="0">
+                <a:pos x="connsiteX0" y="connsiteY0"/>
+              </a:cxn>
+              <a:cxn ang="0">
+                <a:pos x="connsiteX1" y="connsiteY1"/>
+              </a:cxn>
+              <a:cxn ang="0">
+                <a:pos x="connsiteX2" y="connsiteY2"/>
+              </a:cxn>
+              <a:cxn ang="0">
+                <a:pos x="connsiteX3" y="connsiteY3"/>
+              </a:cxn>
+              <a:cxn ang="0">
+                <a:pos x="connsiteX4" y="connsiteY4"/>
+              </a:cxn>
+              <a:cxn ang="0">
+                <a:pos x="connsiteX5" y="connsiteY5"/>
+              </a:cxn>
+              <a:cxn ang="0">
+                <a:pos x="connsiteX6" y="connsiteY6"/>
+              </a:cxn>
+              <a:cxn ang="0">
+                <a:pos x="connsiteX7" y="connsiteY7"/>
+              </a:cxn>
+              <a:cxn ang="0">
+                <a:pos x="connsiteX8" y="connsiteY8"/>
+              </a:cxn>
+              <a:cxn ang="0">
+                <a:pos x="connsiteX9" y="connsiteY9"/>
+              </a:cxn>
+              <a:cxn ang="0">
+                <a:pos x="connsiteX10" y="connsiteY10"/>
+              </a:cxn>
+              <a:cxn ang="0">
+                <a:pos x="connsiteX11" y="connsiteY11"/>
+              </a:cxn>
+              <a:cxn ang="0">
+                <a:pos x="connsiteX12" y="connsiteY12"/>
+              </a:cxn>
+            </a:cxnLst>
+            <a:rect l="l" t="t" r="r" b="b"/>
+            <a:pathLst>
+              <a:path w="3474720" h="18288" fill="none" extrusionOk="0">
+                <a:moveTo>
+                  <a:pt x="0" y="0"/>
+                </a:moveTo>
+                <a:cubicBezTo>
+                  <a:pt x="224454" y="-14544"/>
+                  <a:pt x="495407" y="26540"/>
+                  <a:pt x="694944" y="0"/>
+                </a:cubicBezTo>
+                <a:cubicBezTo>
+                  <a:pt x="894481" y="-26540"/>
+                  <a:pt x="1130063" y="24713"/>
+                  <a:pt x="1355141" y="0"/>
+                </a:cubicBezTo>
+                <a:cubicBezTo>
+                  <a:pt x="1580219" y="-24713"/>
+                  <a:pt x="1820099" y="26695"/>
+                  <a:pt x="2015338" y="0"/>
+                </a:cubicBezTo>
+                <a:cubicBezTo>
+                  <a:pt x="2210577" y="-26695"/>
+                  <a:pt x="2402045" y="165"/>
+                  <a:pt x="2779776" y="0"/>
+                </a:cubicBezTo>
+                <a:cubicBezTo>
+                  <a:pt x="3157507" y="-165"/>
+                  <a:pt x="3286859" y="-15571"/>
+                  <a:pt x="3474720" y="0"/>
+                </a:cubicBezTo>
+                <a:cubicBezTo>
+                  <a:pt x="3474286" y="7551"/>
+                  <a:pt x="3474253" y="9822"/>
+                  <a:pt x="3474720" y="18288"/>
+                </a:cubicBezTo>
+                <a:cubicBezTo>
+                  <a:pt x="3233904" y="29845"/>
+                  <a:pt x="2945134" y="-5256"/>
+                  <a:pt x="2779776" y="18288"/>
+                </a:cubicBezTo>
+                <a:cubicBezTo>
+                  <a:pt x="2614418" y="41832"/>
+                  <a:pt x="2339768" y="22709"/>
+                  <a:pt x="2189074" y="18288"/>
+                </a:cubicBezTo>
+                <a:cubicBezTo>
+                  <a:pt x="2038380" y="13867"/>
+                  <a:pt x="1817434" y="-4947"/>
+                  <a:pt x="1528877" y="18288"/>
+                </a:cubicBezTo>
+                <a:cubicBezTo>
+                  <a:pt x="1240320" y="41523"/>
+                  <a:pt x="1042447" y="37198"/>
+                  <a:pt x="868680" y="18288"/>
+                </a:cubicBezTo>
+                <a:cubicBezTo>
+                  <a:pt x="694913" y="-622"/>
+                  <a:pt x="233232" y="44909"/>
+                  <a:pt x="0" y="18288"/>
+                </a:cubicBezTo>
+                <a:cubicBezTo>
+                  <a:pt x="60" y="11696"/>
+                  <a:pt x="66" y="3758"/>
+                  <a:pt x="0" y="0"/>
+                </a:cubicBezTo>
+                <a:close/>
+              </a:path>
+              <a:path w="3474720" h="18288" stroke="0" extrusionOk="0">
+                <a:moveTo>
+                  <a:pt x="0" y="0"/>
+                </a:moveTo>
+                <a:cubicBezTo>
+                  <a:pt x="202328" y="-14716"/>
+                  <a:pt x="332722" y="-11499"/>
+                  <a:pt x="625450" y="0"/>
+                </a:cubicBezTo>
+                <a:cubicBezTo>
+                  <a:pt x="918178" y="11499"/>
+                  <a:pt x="1096688" y="5123"/>
+                  <a:pt x="1389888" y="0"/>
+                </a:cubicBezTo>
+                <a:cubicBezTo>
+                  <a:pt x="1683088" y="-5123"/>
+                  <a:pt x="1835981" y="-14038"/>
+                  <a:pt x="1980590" y="0"/>
+                </a:cubicBezTo>
+                <a:cubicBezTo>
+                  <a:pt x="2125199" y="14038"/>
+                  <a:pt x="2396099" y="-7203"/>
+                  <a:pt x="2571293" y="0"/>
+                </a:cubicBezTo>
+                <a:cubicBezTo>
+                  <a:pt x="2746487" y="7203"/>
+                  <a:pt x="3041609" y="-12036"/>
+                  <a:pt x="3474720" y="0"/>
+                </a:cubicBezTo>
+                <a:cubicBezTo>
+                  <a:pt x="3474638" y="4406"/>
+                  <a:pt x="3474631" y="9982"/>
+                  <a:pt x="3474720" y="18288"/>
+                </a:cubicBezTo>
+                <a:cubicBezTo>
+                  <a:pt x="3324873" y="21876"/>
+                  <a:pt x="3136771" y="12587"/>
+                  <a:pt x="2814523" y="18288"/>
+                </a:cubicBezTo>
+                <a:cubicBezTo>
+                  <a:pt x="2492275" y="23989"/>
+                  <a:pt x="2294402" y="47111"/>
+                  <a:pt x="2154326" y="18288"/>
+                </a:cubicBezTo>
+                <a:cubicBezTo>
+                  <a:pt x="2014250" y="-10535"/>
+                  <a:pt x="1820317" y="33903"/>
+                  <a:pt x="1494130" y="18288"/>
+                </a:cubicBezTo>
+                <a:cubicBezTo>
+                  <a:pt x="1167943" y="2673"/>
+                  <a:pt x="948432" y="14868"/>
+                  <a:pt x="729691" y="18288"/>
+                </a:cubicBezTo>
+                <a:cubicBezTo>
+                  <a:pt x="510950" y="21708"/>
+                  <a:pt x="264032" y="24354"/>
+                  <a:pt x="0" y="18288"/>
+                </a:cubicBezTo>
+                <a:cubicBezTo>
+                  <a:pt x="189" y="14288"/>
+                  <a:pt x="-703" y="3747"/>
+                  <a:pt x="0" y="0"/>
+                </a:cubicBezTo>
+                <a:close/>
+              </a:path>
+            </a:pathLst>
+          </a:custGeom>
+          <a:solidFill>
+            <a:schemeClr val="accent2"/>
+          </a:solidFill>
+          <a:ln w="44450" cap="rnd">
+            <a:solidFill>
+              <a:schemeClr val="accent2"/>
+            </a:solidFill>
+            <a:round/>
+            <a:extLst>
+              <a:ext uri="{C807C97D-BFC1-408E-A445-0C87EB9F89A2}">
+                <ask:lineSketchStyleProps xmlns:ask="http://schemas.microsoft.com/office/drawing/2018/sketchyshapes" sd="2863741219">
+                  <a:prstGeom prst="rect">
+                    <a:avLst/>
+                  </a:prstGeom>
+                  <ask:type>
+                    <ask:lineSketchFreehand/>
+                  </ask:type>
+                </ask:lineSketchStyleProps>
+              </a:ext>
+            </a:extLst>
+          </a:ln>
+        </p:spPr>
+        <p:style>
+          <a:lnRef idx="2">
+            <a:schemeClr val="accent1">
+              <a:shade val="50000"/>
+            </a:schemeClr>
+          </a:lnRef>
+          <a:fillRef idx="1">
+            <a:schemeClr val="accent1"/>
+          </a:fillRef>
+          <a:effectRef idx="0">
+            <a:schemeClr val="accent1"/>
+          </a:effectRef>
+          <a:fontRef idx="minor">
+            <a:schemeClr val="lt1"/>
+          </a:fontRef>
+        </p:style>
+        <p:txBody>
+          <a:bodyPr rtlCol="0" anchor="ctr"/>
+          <a:lstStyle/>
+          <a:p>
+            <a:pPr algn="ctr"/>
+            <a:endParaRPr lang="en-US"/>
+          </a:p>
+        </p:txBody>
+      </p:sp>
+      <p:sp>
+        <p:nvSpPr>
+          <p:cNvPr id="3" name="Content Placeholder 2">
+            <a:extLst>
+              <a:ext uri="{FF2B5EF4-FFF2-40B4-BE49-F238E27FC236}">
+                <a16:creationId xmlns:a16="http://schemas.microsoft.com/office/drawing/2014/main" id="{247882B2-0D23-323E-A5F8-AD206D3F2E04}"/>
+              </a:ext>
+            </a:extLst>
+          </p:cNvPr>
+          <p:cNvSpPr>
+            <a:spLocks noGrp="1"/>
+          </p:cNvSpPr>
+          <p:nvPr>
+            <p:ph idx="1"/>
+          </p:nvPr>
+        </p:nvSpPr>
+        <p:spPr>
+          <a:xfrm>
+            <a:off x="640080" y="2872899"/>
+            <a:ext cx="4243589" cy="3320668"/>
+          </a:xfrm>
+        </p:spPr>
+        <p:txBody>
+          <a:bodyPr>
+            <a:normAutofit/>
+          </a:bodyPr>
+          <a:lstStyle/>
+          <a:p>
+            <a:pPr>
+              <a:buFont typeface="Wingdings" pitchFamily="2" charset="2"/>
+              <a:buChar char="q"/>
+            </a:pPr>
+            <a:r>
+              <a:rPr lang="en-US" sz="2200"/>
+              <a:t>The ticket price has room for increasing and the revenues can be increased by facilities improvement. </a:t>
+            </a:r>
+          </a:p>
+          <a:p>
+            <a:pPr>
+              <a:buFont typeface="Wingdings" pitchFamily="2" charset="2"/>
+              <a:buChar char="q"/>
+            </a:pPr>
+            <a:r>
+              <a:rPr lang="en-US" sz="2200"/>
+              <a:t>The primary goal of this object is achieved. </a:t>
+            </a:r>
+          </a:p>
+        </p:txBody>
+      </p:sp>
+      <p:pic>
+        <p:nvPicPr>
+          <p:cNvPr id="5" name="Picture 4" descr="Graph">
+            <a:extLst>
+              <a:ext uri="{FF2B5EF4-FFF2-40B4-BE49-F238E27FC236}">
+                <a16:creationId xmlns:a16="http://schemas.microsoft.com/office/drawing/2014/main" id="{1C2896E6-FE74-B348-11CB-78C9DAA08CC1}"/>
+              </a:ext>
+            </a:extLst>
+          </p:cNvPr>
+          <p:cNvPicPr>
+            <a:picLocks noChangeAspect="1"/>
+          </p:cNvPicPr>
+          <p:nvPr/>
+        </p:nvPicPr>
+        <p:blipFill rotWithShape="1">
+          <a:blip r:embed="rId2"/>
+          <a:srcRect l="13022" r="24288"/>
+          <a:stretch/>
+        </p:blipFill>
+        <p:spPr>
+          <a:xfrm>
+            <a:off x="5311702" y="10"/>
+            <a:ext cx="6878775" cy="6857990"/>
+          </a:xfrm>
+          <a:custGeom>
+            <a:avLst/>
+            <a:gdLst/>
+            <a:ahLst/>
+            <a:cxnLst/>
+            <a:rect l="l" t="t" r="r" b="b"/>
+            <a:pathLst>
+              <a:path w="6878775" h="6858000">
+                <a:moveTo>
+                  <a:pt x="1102973" y="0"/>
+                </a:moveTo>
+                <a:lnTo>
+                  <a:pt x="1160688" y="0"/>
+                </a:lnTo>
+                <a:lnTo>
+                  <a:pt x="983189" y="331786"/>
+                </a:lnTo>
+                <a:cubicBezTo>
+                  <a:pt x="914866" y="469145"/>
+                  <a:pt x="850355" y="608712"/>
+                  <a:pt x="789261" y="750263"/>
+                </a:cubicBezTo>
+                <a:cubicBezTo>
+                  <a:pt x="774307" y="784928"/>
+                  <a:pt x="759992" y="819849"/>
+                  <a:pt x="745295" y="854514"/>
+                </a:cubicBezTo>
+                <a:cubicBezTo>
+                  <a:pt x="756682" y="845393"/>
+                  <a:pt x="765489" y="833492"/>
+                  <a:pt x="770857" y="819975"/>
+                </a:cubicBezTo>
+                <a:cubicBezTo>
+                  <a:pt x="879943" y="589569"/>
+                  <a:pt x="999605" y="365513"/>
+                  <a:pt x="1131329" y="148742"/>
+                </a:cubicBezTo>
+                <a:lnTo>
+                  <a:pt x="1227589" y="0"/>
+                </a:lnTo>
+                <a:lnTo>
+                  <a:pt x="6878775" y="0"/>
+                </a:lnTo>
+                <a:lnTo>
+                  <a:pt x="6878775" y="6858000"/>
+                </a:lnTo>
+                <a:lnTo>
+                  <a:pt x="713521" y="6858000"/>
+                </a:lnTo>
+                <a:lnTo>
+                  <a:pt x="625642" y="6670527"/>
+                </a:lnTo>
+                <a:cubicBezTo>
+                  <a:pt x="507232" y="6398531"/>
+                  <a:pt x="403083" y="6118381"/>
+                  <a:pt x="312785" y="5830359"/>
+                </a:cubicBezTo>
+                <a:cubicBezTo>
+                  <a:pt x="278149" y="5719759"/>
+                  <a:pt x="248879" y="5607635"/>
+                  <a:pt x="212198" y="5480401"/>
+                </a:cubicBezTo>
+                <a:cubicBezTo>
+                  <a:pt x="212208" y="5491601"/>
+                  <a:pt x="212803" y="5502788"/>
+                  <a:pt x="213988" y="5513923"/>
+                </a:cubicBezTo>
+                <a:cubicBezTo>
+                  <a:pt x="264089" y="5723695"/>
+                  <a:pt x="307290" y="5935370"/>
+                  <a:pt x="365826" y="6142729"/>
+                </a:cubicBezTo>
+                <a:cubicBezTo>
+                  <a:pt x="433152" y="6380817"/>
+                  <a:pt x="510068" y="6614016"/>
+                  <a:pt x="597975" y="6841549"/>
+                </a:cubicBezTo>
+                <a:lnTo>
+                  <a:pt x="604824" y="6858000"/>
+                </a:lnTo>
+                <a:lnTo>
+                  <a:pt x="552056" y="6858000"/>
+                </a:lnTo>
+                <a:lnTo>
+                  <a:pt x="539576" y="6828295"/>
+                </a:lnTo>
+                <a:cubicBezTo>
+                  <a:pt x="380597" y="6414594"/>
+                  <a:pt x="260223" y="5988893"/>
+                  <a:pt x="171555" y="5552906"/>
+                </a:cubicBezTo>
+                <a:cubicBezTo>
+                  <a:pt x="91163" y="5157998"/>
+                  <a:pt x="43746" y="4758899"/>
+                  <a:pt x="12305" y="4357388"/>
+                </a:cubicBezTo>
+                <a:cubicBezTo>
+                  <a:pt x="-14281" y="4013908"/>
+                  <a:pt x="4507" y="3672965"/>
+                  <a:pt x="46684" y="3331516"/>
+                </a:cubicBezTo>
+                <a:cubicBezTo>
+                  <a:pt x="127203" y="2664286"/>
+                  <a:pt x="277819" y="2007265"/>
+                  <a:pt x="496065" y="1371196"/>
+                </a:cubicBezTo>
+                <a:cubicBezTo>
+                  <a:pt x="636273" y="966066"/>
+                  <a:pt x="800445" y="573253"/>
+                  <a:pt x="995723" y="196614"/>
+                </a:cubicBezTo>
+                <a:close/>
+              </a:path>
+            </a:pathLst>
+          </a:custGeom>
+        </p:spPr>
+      </p:pic>
+    </p:spTree>
+    <p:extLst>
+      <p:ext uri="{BB962C8B-B14F-4D97-AF65-F5344CB8AC3E}">
+        <p14:creationId xmlns:p14="http://schemas.microsoft.com/office/powerpoint/2010/main" val="2933237685"/>
+      </p:ext>
+    </p:extLst>
+  </p:cSld>
+  <p:clrMapOvr>
+    <a:masterClrMapping/>
+  </p:clrMapOvr>
+</p:sld>
+</file>
+
+<file path=ppt/slides/slide2.xml><?xml version="1.0" encoding="utf-8"?>
+<p:sld xmlns:a="http://schemas.openxmlformats.org/drawingml/2006/main" xmlns:r="http://schemas.openxmlformats.org/officeDocument/2006/relationships" xmlns:p="http://schemas.openxmlformats.org/presentationml/2006/main">
+  <p:cSld>
+    <p:bg>
+      <p:bgPr>
+        <a:solidFill>
+          <a:schemeClr val="bg1"/>
+        </a:solidFill>
+        <a:effectLst/>
+      </p:bgPr>
+    </p:bg>
     <p:spTree>
       <p:nvGrpSpPr>
         <p:cNvPr id="1" name=""/>
@@ -4170,7 +4896,7 @@
           <p:cNvPr id="2" name="Title 1">
             <a:extLst>
               <a:ext uri="{FF2B5EF4-FFF2-40B4-BE49-F238E27FC236}">
-                <a16:creationId xmlns:a16="http://schemas.microsoft.com/office/drawing/2014/main" id="{FB508003-9523-4B8A-591A-24366636A5EA}"/>
+                <a16:creationId xmlns:a16="http://schemas.microsoft.com/office/drawing/2014/main" id="{DF1D4BE3-61EE-47E5-53C8-8B4D319D06F2}"/>
               </a:ext>
             </a:extLst>
           </p:cNvPr>
@@ -4178,80 +4904,149 @@
             <a:spLocks noGrp="1"/>
           </p:cNvSpPr>
           <p:nvPr>
-            <p:ph type="title"/>
-          </p:nvPr>
-        </p:nvSpPr>
-        <p:spPr/>
-        <p:txBody>
-          <a:bodyPr/>
-          <a:lstStyle/>
-          <a:p>
-            <a:r>
-              <a:rPr lang="en-US" b="0" i="0" dirty="0">
-                <a:effectLst/>
-                <a:latin typeface="+mn-lt"/>
-              </a:rPr>
-              <a:t>Recommendations</a:t>
-            </a:r>
-            <a:endParaRPr lang="en-US" dirty="0">
-              <a:latin typeface="+mn-lt"/>
-            </a:endParaRPr>
-          </a:p>
-        </p:txBody>
-      </p:sp>
-      <p:sp>
-        <p:nvSpPr>
-          <p:cNvPr id="3" name="Content Placeholder 2">
-            <a:extLst>
-              <a:ext uri="{FF2B5EF4-FFF2-40B4-BE49-F238E27FC236}">
-                <a16:creationId xmlns:a16="http://schemas.microsoft.com/office/drawing/2014/main" id="{2BC221F5-6945-FC1F-9D5D-1F3835231E49}"/>
-              </a:ext>
-            </a:extLst>
-          </p:cNvPr>
-          <p:cNvSpPr>
-            <a:spLocks noGrp="1"/>
-          </p:cNvSpPr>
-          <p:nvPr>
-            <p:ph idx="1"/>
+            <p:ph type="ctrTitle"/>
           </p:nvPr>
         </p:nvSpPr>
         <p:spPr>
           <a:xfrm>
-            <a:off x="838200" y="1825625"/>
-            <a:ext cx="10515600" cy="4667250"/>
+            <a:off x="6590662" y="4267832"/>
+            <a:ext cx="4805996" cy="1297115"/>
           </a:xfrm>
         </p:spPr>
         <p:txBody>
-          <a:bodyPr>
+          <a:bodyPr anchor="t">
             <a:normAutofit/>
           </a:bodyPr>
           <a:lstStyle/>
           <a:p>
-            <a:pPr>
-              <a:buFont typeface="Wingdings" pitchFamily="2" charset="2"/>
-              <a:buChar char="q"/>
-            </a:pPr>
+            <a:pPr algn="l"/>
             <a:r>
-              <a:rPr lang="en-US" sz="3200" dirty="0"/>
-              <a:t>Pricing Strategy</a:t>
+              <a:rPr lang="en-US" sz="2800" b="0" i="0">
+                <a:solidFill>
+                  <a:schemeClr val="tx2"/>
+                </a:solidFill>
+                <a:effectLst/>
+                <a:latin typeface="+mn-lt"/>
+                <a:cs typeface="Arial" panose="020B0604020202020204" pitchFamily="34" charset="0"/>
+              </a:rPr>
+              <a:t>Big Mountain Resort Project</a:t>
             </a:r>
-          </a:p>
-          <a:p>
-            <a:pPr>
-              <a:buFont typeface="Wingdings" pitchFamily="2" charset="2"/>
-              <a:buChar char="Ø"/>
-            </a:pPr>
+            <a:br>
+              <a:rPr lang="en-US" sz="2800" b="0" i="0">
+                <a:solidFill>
+                  <a:schemeClr val="tx2"/>
+                </a:solidFill>
+                <a:effectLst/>
+                <a:latin typeface="+mn-lt"/>
+                <a:cs typeface="Arial" panose="020B0604020202020204" pitchFamily="34" charset="0"/>
+              </a:rPr>
+            </a:br>
             <a:r>
-              <a:rPr lang="en-US" dirty="0"/>
-              <a:t>based on the market position and facilities of Big Mountain resort, the model suggest the ticket price of Big Mountain should be $95.87, compared with current $81.00, there is room for the increase of ticket price.</a:t>
+              <a:rPr lang="en-US" sz="2800" b="0" i="0">
+                <a:solidFill>
+                  <a:schemeClr val="tx2"/>
+                </a:solidFill>
+                <a:effectLst/>
+                <a:latin typeface="+mn-lt"/>
+                <a:cs typeface="Arial" panose="020B0604020202020204" pitchFamily="34" charset="0"/>
+              </a:rPr>
+              <a:t>Presenter: Hui Zhang</a:t>
             </a:r>
-          </a:p>
-        </p:txBody>
-      </p:sp>
+            <a:br>
+              <a:rPr lang="en-US" sz="2800" b="0" i="0">
+                <a:solidFill>
+                  <a:schemeClr val="tx2"/>
+                </a:solidFill>
+                <a:effectLst/>
+                <a:latin typeface="+mn-lt"/>
+                <a:cs typeface="Arial" panose="020B0604020202020204" pitchFamily="34" charset="0"/>
+              </a:rPr>
+            </a:br>
+            <a:r>
+              <a:rPr lang="en-US" sz="2800" b="0" i="0">
+                <a:solidFill>
+                  <a:schemeClr val="tx2"/>
+                </a:solidFill>
+                <a:effectLst/>
+                <a:latin typeface="+mn-lt"/>
+                <a:cs typeface="Arial" panose="020B0604020202020204" pitchFamily="34" charset="0"/>
+              </a:rPr>
+              <a:t>Date: August 08,2023</a:t>
+            </a:r>
+            <a:endParaRPr lang="en-US" sz="2800">
+              <a:solidFill>
+                <a:schemeClr val="tx2"/>
+              </a:solidFill>
+              <a:latin typeface="+mn-lt"/>
+              <a:cs typeface="Arial" panose="020B0604020202020204" pitchFamily="34" charset="0"/>
+            </a:endParaRPr>
+          </a:p>
+        </p:txBody>
+      </p:sp>
+      <p:pic>
+        <p:nvPicPr>
+          <p:cNvPr id="6" name="Graphic 5" descr="Mountains">
+            <a:extLst>
+              <a:ext uri="{FF2B5EF4-FFF2-40B4-BE49-F238E27FC236}">
+                <a16:creationId xmlns:a16="http://schemas.microsoft.com/office/drawing/2014/main" id="{2C4AED66-2E7C-C1F2-0A96-AE6604270F9C}"/>
+              </a:ext>
+            </a:extLst>
+          </p:cNvPr>
+          <p:cNvPicPr>
+            <a:picLocks noChangeAspect="1"/>
+          </p:cNvPicPr>
+          <p:nvPr/>
+        </p:nvPicPr>
+        <p:blipFill>
+          <a:blip r:embed="rId3">
+            <a:extLst>
+              <a:ext uri="{28A0092B-C50C-407E-A947-70E740481C1C}">
+                <a14:useLocalDpi xmlns:a14="http://schemas.microsoft.com/office/drawing/2010/main" val="0"/>
+              </a:ext>
+              <a:ext uri="{96DAC541-7B7A-43D3-8B79-37D633B846F1}">
+                <asvg:svgBlip xmlns:asvg="http://schemas.microsoft.com/office/drawing/2016/SVG/main" r:embed="rId4"/>
+              </a:ext>
+            </a:extLst>
+          </a:blip>
+          <a:stretch>
+            <a:fillRect/>
+          </a:stretch>
+        </p:blipFill>
+        <p:spPr>
+          <a:xfrm>
+            <a:off x="340470" y="1815320"/>
+            <a:ext cx="4141760" cy="4141760"/>
+          </a:xfrm>
+          <a:custGeom>
+            <a:avLst/>
+            <a:gdLst/>
+            <a:ahLst/>
+            <a:cxnLst/>
+            <a:rect l="l" t="t" r="r" b="b"/>
+            <a:pathLst>
+              <a:path w="4141760" h="4377846">
+                <a:moveTo>
+                  <a:pt x="0" y="0"/>
+                </a:moveTo>
+                <a:lnTo>
+                  <a:pt x="4141760" y="0"/>
+                </a:lnTo>
+                <a:lnTo>
+                  <a:pt x="4141760" y="4377846"/>
+                </a:lnTo>
+                <a:lnTo>
+                  <a:pt x="0" y="4377846"/>
+                </a:lnTo>
+                <a:close/>
+              </a:path>
+            </a:pathLst>
+          </a:custGeom>
+        </p:spPr>
+      </p:pic>
     </p:spTree>
     <p:extLst>
       <p:ext uri="{BB962C8B-B14F-4D97-AF65-F5344CB8AC3E}">
-        <p14:creationId xmlns:p14="http://schemas.microsoft.com/office/powerpoint/2010/main" val="1755927776"/>
+        <p14:creationId xmlns:p14="http://schemas.microsoft.com/office/powerpoint/2010/main" val="1258329866"/>
       </p:ext>
     </p:extLst>
   </p:cSld>
@@ -4261,9 +5056,17 @@
 </p:sld>
 </file>
 
-<file path=ppt/slides/slide5.xml><?xml version="1.0" encoding="utf-8"?>
+<file path=ppt/slides/slide3.xml><?xml version="1.0" encoding="utf-8"?>
 <p:sld xmlns:a="http://schemas.openxmlformats.org/drawingml/2006/main" xmlns:r="http://schemas.openxmlformats.org/officeDocument/2006/relationships" xmlns:p="http://schemas.openxmlformats.org/presentationml/2006/main">
   <p:cSld>
+    <p:bg>
+      <p:bgPr>
+        <a:solidFill>
+          <a:schemeClr val="bg1"/>
+        </a:solidFill>
+        <a:effectLst/>
+      </p:bgPr>
+    </p:bg>
     <p:spTree>
       <p:nvGrpSpPr>
         <p:cNvPr id="1" name=""/>
@@ -4278,12 +5081,72 @@
           <a:chExt cx="0" cy="0"/>
         </a:xfrm>
       </p:grpSpPr>
+      <p:sp useBgFill="1">
+        <p:nvSpPr>
+          <p:cNvPr id="10" name="Rectangle 9">
+            <a:extLst>
+              <a:ext uri="{FF2B5EF4-FFF2-40B4-BE49-F238E27FC236}">
+                <a16:creationId xmlns:a16="http://schemas.microsoft.com/office/drawing/2014/main" id="{F13C74B1-5B17-4795-BED0-7140497B445A}"/>
+              </a:ext>
+              <a:ext uri="{C183D7F6-B498-43B3-948B-1728B52AA6E4}">
+                <adec:decorative xmlns:adec="http://schemas.microsoft.com/office/drawing/2017/decorative" val="1"/>
+              </a:ext>
+            </a:extLst>
+          </p:cNvPr>
+          <p:cNvSpPr>
+            <a:spLocks noGrp="1" noRot="1" noChangeAspect="1" noMove="1" noResize="1" noEditPoints="1" noAdjustHandles="1" noChangeArrowheads="1" noChangeShapeType="1" noTextEdit="1"/>
+          </p:cNvSpPr>
+          <p:nvPr>
+            <p:extLst>
+              <p:ext uri="{386F3935-93C4-4BCD-93E2-E3B085C9AB24}">
+                <p16:designElem xmlns:p16="http://schemas.microsoft.com/office/powerpoint/2015/main" val="1"/>
+              </p:ext>
+            </p:extLst>
+          </p:nvPr>
+        </p:nvSpPr>
+        <p:spPr>
+          <a:xfrm>
+            <a:off x="0" y="0"/>
+            <a:ext cx="12188952" cy="6858000"/>
+          </a:xfrm>
+          <a:prstGeom prst="rect">
+            <a:avLst/>
+          </a:prstGeom>
+          <a:ln>
+            <a:noFill/>
+          </a:ln>
+        </p:spPr>
+        <p:style>
+          <a:lnRef idx="2">
+            <a:schemeClr val="accent1">
+              <a:shade val="50000"/>
+            </a:schemeClr>
+          </a:lnRef>
+          <a:fillRef idx="1">
+            <a:schemeClr val="accent1"/>
+          </a:fillRef>
+          <a:effectRef idx="0">
+            <a:schemeClr val="accent1"/>
+          </a:effectRef>
+          <a:fontRef idx="minor">
+            <a:schemeClr val="lt1"/>
+          </a:fontRef>
+        </p:style>
+        <p:txBody>
+          <a:bodyPr rtlCol="0" anchor="ctr"/>
+          <a:lstStyle/>
+          <a:p>
+            <a:pPr algn="ctr"/>
+            <a:endParaRPr lang="en-US"/>
+          </a:p>
+        </p:txBody>
+      </p:sp>
       <p:sp>
         <p:nvSpPr>
           <p:cNvPr id="2" name="Title 1">
             <a:extLst>
               <a:ext uri="{FF2B5EF4-FFF2-40B4-BE49-F238E27FC236}">
-                <a16:creationId xmlns:a16="http://schemas.microsoft.com/office/drawing/2014/main" id="{6626752F-C456-CA81-833B-996BDAD4FC92}"/>
+                <a16:creationId xmlns:a16="http://schemas.microsoft.com/office/drawing/2014/main" id="{8AB6C3E7-43BD-A57F-8473-EBDBB58339F0}"/>
               </a:ext>
             </a:extLst>
           </p:cNvPr>
@@ -4294,28 +5157,322 @@
             <p:ph type="title"/>
           </p:nvPr>
         </p:nvSpPr>
-        <p:spPr/>
-        <p:txBody>
-          <a:bodyPr/>
+        <p:spPr>
+          <a:xfrm>
+            <a:off x="640080" y="325369"/>
+            <a:ext cx="4368602" cy="1956841"/>
+          </a:xfrm>
+        </p:spPr>
+        <p:txBody>
+          <a:bodyPr anchor="b">
+            <a:normAutofit/>
+          </a:bodyPr>
           <a:lstStyle/>
           <a:p>
             <a:r>
-              <a:rPr lang="en-US" b="0" i="0" dirty="0">
+              <a:rPr lang="en-US" sz="5400" b="0" i="0" dirty="0">
                 <a:effectLst/>
                 <a:latin typeface="+mn-lt"/>
+                <a:cs typeface="Arial" panose="020B0604020202020204" pitchFamily="34" charset="0"/>
               </a:rPr>
-              <a:t>Recommendations</a:t>
+              <a:t>Problem Identification</a:t>
             </a:r>
-            <a:endParaRPr lang="en-US" dirty="0"/>
+            <a:endParaRPr lang="en-US" sz="5400" dirty="0">
+              <a:latin typeface="+mn-lt"/>
+              <a:cs typeface="Arial" panose="020B0604020202020204" pitchFamily="34" charset="0"/>
+            </a:endParaRPr>
           </a:p>
         </p:txBody>
       </p:sp>
       <p:sp>
         <p:nvSpPr>
+          <p:cNvPr id="12" name="sketchy line">
+            <a:extLst>
+              <a:ext uri="{FF2B5EF4-FFF2-40B4-BE49-F238E27FC236}">
+                <a16:creationId xmlns:a16="http://schemas.microsoft.com/office/drawing/2014/main" id="{D4974D33-8DC5-464E-8C6D-BE58F0669C17}"/>
+              </a:ext>
+              <a:ext uri="{C183D7F6-B498-43B3-948B-1728B52AA6E4}">
+                <adec:decorative xmlns:adec="http://schemas.microsoft.com/office/drawing/2017/decorative" val="1"/>
+              </a:ext>
+            </a:extLst>
+          </p:cNvPr>
+          <p:cNvSpPr>
+            <a:spLocks noGrp="1" noRot="1" noChangeAspect="1" noMove="1" noResize="1" noEditPoints="1" noAdjustHandles="1" noChangeArrowheads="1" noChangeShapeType="1" noTextEdit="1"/>
+          </p:cNvSpPr>
+          <p:nvPr>
+            <p:extLst>
+              <p:ext uri="{386F3935-93C4-4BCD-93E2-E3B085C9AB24}">
+                <p16:designElem xmlns:p16="http://schemas.microsoft.com/office/powerpoint/2015/main" val="1"/>
+              </p:ext>
+            </p:extLst>
+          </p:nvPr>
+        </p:nvSpPr>
+        <p:spPr>
+          <a:xfrm>
+            <a:off x="640080" y="2586994"/>
+            <a:ext cx="3474720" cy="18288"/>
+          </a:xfrm>
+          <a:custGeom>
+            <a:avLst/>
+            <a:gdLst>
+              <a:gd name="connsiteX0" fmla="*/ 0 w 3474720"/>
+              <a:gd name="connsiteY0" fmla="*/ 0 h 18288"/>
+              <a:gd name="connsiteX1" fmla="*/ 694944 w 3474720"/>
+              <a:gd name="connsiteY1" fmla="*/ 0 h 18288"/>
+              <a:gd name="connsiteX2" fmla="*/ 1355141 w 3474720"/>
+              <a:gd name="connsiteY2" fmla="*/ 0 h 18288"/>
+              <a:gd name="connsiteX3" fmla="*/ 2015338 w 3474720"/>
+              <a:gd name="connsiteY3" fmla="*/ 0 h 18288"/>
+              <a:gd name="connsiteX4" fmla="*/ 2779776 w 3474720"/>
+              <a:gd name="connsiteY4" fmla="*/ 0 h 18288"/>
+              <a:gd name="connsiteX5" fmla="*/ 3474720 w 3474720"/>
+              <a:gd name="connsiteY5" fmla="*/ 0 h 18288"/>
+              <a:gd name="connsiteX6" fmla="*/ 3474720 w 3474720"/>
+              <a:gd name="connsiteY6" fmla="*/ 18288 h 18288"/>
+              <a:gd name="connsiteX7" fmla="*/ 2779776 w 3474720"/>
+              <a:gd name="connsiteY7" fmla="*/ 18288 h 18288"/>
+              <a:gd name="connsiteX8" fmla="*/ 2189074 w 3474720"/>
+              <a:gd name="connsiteY8" fmla="*/ 18288 h 18288"/>
+              <a:gd name="connsiteX9" fmla="*/ 1528877 w 3474720"/>
+              <a:gd name="connsiteY9" fmla="*/ 18288 h 18288"/>
+              <a:gd name="connsiteX10" fmla="*/ 868680 w 3474720"/>
+              <a:gd name="connsiteY10" fmla="*/ 18288 h 18288"/>
+              <a:gd name="connsiteX11" fmla="*/ 0 w 3474720"/>
+              <a:gd name="connsiteY11" fmla="*/ 18288 h 18288"/>
+              <a:gd name="connsiteX12" fmla="*/ 0 w 3474720"/>
+              <a:gd name="connsiteY12" fmla="*/ 0 h 18288"/>
+            </a:gdLst>
+            <a:ahLst/>
+            <a:cxnLst>
+              <a:cxn ang="0">
+                <a:pos x="connsiteX0" y="connsiteY0"/>
+              </a:cxn>
+              <a:cxn ang="0">
+                <a:pos x="connsiteX1" y="connsiteY1"/>
+              </a:cxn>
+              <a:cxn ang="0">
+                <a:pos x="connsiteX2" y="connsiteY2"/>
+              </a:cxn>
+              <a:cxn ang="0">
+                <a:pos x="connsiteX3" y="connsiteY3"/>
+              </a:cxn>
+              <a:cxn ang="0">
+                <a:pos x="connsiteX4" y="connsiteY4"/>
+              </a:cxn>
+              <a:cxn ang="0">
+                <a:pos x="connsiteX5" y="connsiteY5"/>
+              </a:cxn>
+              <a:cxn ang="0">
+                <a:pos x="connsiteX6" y="connsiteY6"/>
+              </a:cxn>
+              <a:cxn ang="0">
+                <a:pos x="connsiteX7" y="connsiteY7"/>
+              </a:cxn>
+              <a:cxn ang="0">
+                <a:pos x="connsiteX8" y="connsiteY8"/>
+              </a:cxn>
+              <a:cxn ang="0">
+                <a:pos x="connsiteX9" y="connsiteY9"/>
+              </a:cxn>
+              <a:cxn ang="0">
+                <a:pos x="connsiteX10" y="connsiteY10"/>
+              </a:cxn>
+              <a:cxn ang="0">
+                <a:pos x="connsiteX11" y="connsiteY11"/>
+              </a:cxn>
+              <a:cxn ang="0">
+                <a:pos x="connsiteX12" y="connsiteY12"/>
+              </a:cxn>
+            </a:cxnLst>
+            <a:rect l="l" t="t" r="r" b="b"/>
+            <a:pathLst>
+              <a:path w="3474720" h="18288" fill="none" extrusionOk="0">
+                <a:moveTo>
+                  <a:pt x="0" y="0"/>
+                </a:moveTo>
+                <a:cubicBezTo>
+                  <a:pt x="224454" y="-14544"/>
+                  <a:pt x="495407" y="26540"/>
+                  <a:pt x="694944" y="0"/>
+                </a:cubicBezTo>
+                <a:cubicBezTo>
+                  <a:pt x="894481" y="-26540"/>
+                  <a:pt x="1130063" y="24713"/>
+                  <a:pt x="1355141" y="0"/>
+                </a:cubicBezTo>
+                <a:cubicBezTo>
+                  <a:pt x="1580219" y="-24713"/>
+                  <a:pt x="1820099" y="26695"/>
+                  <a:pt x="2015338" y="0"/>
+                </a:cubicBezTo>
+                <a:cubicBezTo>
+                  <a:pt x="2210577" y="-26695"/>
+                  <a:pt x="2402045" y="165"/>
+                  <a:pt x="2779776" y="0"/>
+                </a:cubicBezTo>
+                <a:cubicBezTo>
+                  <a:pt x="3157507" y="-165"/>
+                  <a:pt x="3286859" y="-15571"/>
+                  <a:pt x="3474720" y="0"/>
+                </a:cubicBezTo>
+                <a:cubicBezTo>
+                  <a:pt x="3474286" y="7551"/>
+                  <a:pt x="3474253" y="9822"/>
+                  <a:pt x="3474720" y="18288"/>
+                </a:cubicBezTo>
+                <a:cubicBezTo>
+                  <a:pt x="3233904" y="29845"/>
+                  <a:pt x="2945134" y="-5256"/>
+                  <a:pt x="2779776" y="18288"/>
+                </a:cubicBezTo>
+                <a:cubicBezTo>
+                  <a:pt x="2614418" y="41832"/>
+                  <a:pt x="2339768" y="22709"/>
+                  <a:pt x="2189074" y="18288"/>
+                </a:cubicBezTo>
+                <a:cubicBezTo>
+                  <a:pt x="2038380" y="13867"/>
+                  <a:pt x="1817434" y="-4947"/>
+                  <a:pt x="1528877" y="18288"/>
+                </a:cubicBezTo>
+                <a:cubicBezTo>
+                  <a:pt x="1240320" y="41523"/>
+                  <a:pt x="1042447" y="37198"/>
+                  <a:pt x="868680" y="18288"/>
+                </a:cubicBezTo>
+                <a:cubicBezTo>
+                  <a:pt x="694913" y="-622"/>
+                  <a:pt x="233232" y="44909"/>
+                  <a:pt x="0" y="18288"/>
+                </a:cubicBezTo>
+                <a:cubicBezTo>
+                  <a:pt x="60" y="11696"/>
+                  <a:pt x="66" y="3758"/>
+                  <a:pt x="0" y="0"/>
+                </a:cubicBezTo>
+                <a:close/>
+              </a:path>
+              <a:path w="3474720" h="18288" stroke="0" extrusionOk="0">
+                <a:moveTo>
+                  <a:pt x="0" y="0"/>
+                </a:moveTo>
+                <a:cubicBezTo>
+                  <a:pt x="202328" y="-14716"/>
+                  <a:pt x="332722" y="-11499"/>
+                  <a:pt x="625450" y="0"/>
+                </a:cubicBezTo>
+                <a:cubicBezTo>
+                  <a:pt x="918178" y="11499"/>
+                  <a:pt x="1096688" y="5123"/>
+                  <a:pt x="1389888" y="0"/>
+                </a:cubicBezTo>
+                <a:cubicBezTo>
+                  <a:pt x="1683088" y="-5123"/>
+                  <a:pt x="1835981" y="-14038"/>
+                  <a:pt x="1980590" y="0"/>
+                </a:cubicBezTo>
+                <a:cubicBezTo>
+                  <a:pt x="2125199" y="14038"/>
+                  <a:pt x="2396099" y="-7203"/>
+                  <a:pt x="2571293" y="0"/>
+                </a:cubicBezTo>
+                <a:cubicBezTo>
+                  <a:pt x="2746487" y="7203"/>
+                  <a:pt x="3041609" y="-12036"/>
+                  <a:pt x="3474720" y="0"/>
+                </a:cubicBezTo>
+                <a:cubicBezTo>
+                  <a:pt x="3474638" y="4406"/>
+                  <a:pt x="3474631" y="9982"/>
+                  <a:pt x="3474720" y="18288"/>
+                </a:cubicBezTo>
+                <a:cubicBezTo>
+                  <a:pt x="3324873" y="21876"/>
+                  <a:pt x="3136771" y="12587"/>
+                  <a:pt x="2814523" y="18288"/>
+                </a:cubicBezTo>
+                <a:cubicBezTo>
+                  <a:pt x="2492275" y="23989"/>
+                  <a:pt x="2294402" y="47111"/>
+                  <a:pt x="2154326" y="18288"/>
+                </a:cubicBezTo>
+                <a:cubicBezTo>
+                  <a:pt x="2014250" y="-10535"/>
+                  <a:pt x="1820317" y="33903"/>
+                  <a:pt x="1494130" y="18288"/>
+                </a:cubicBezTo>
+                <a:cubicBezTo>
+                  <a:pt x="1167943" y="2673"/>
+                  <a:pt x="948432" y="14868"/>
+                  <a:pt x="729691" y="18288"/>
+                </a:cubicBezTo>
+                <a:cubicBezTo>
+                  <a:pt x="510950" y="21708"/>
+                  <a:pt x="264032" y="24354"/>
+                  <a:pt x="0" y="18288"/>
+                </a:cubicBezTo>
+                <a:cubicBezTo>
+                  <a:pt x="189" y="14288"/>
+                  <a:pt x="-703" y="3747"/>
+                  <a:pt x="0" y="0"/>
+                </a:cubicBezTo>
+                <a:close/>
+              </a:path>
+            </a:pathLst>
+          </a:custGeom>
+          <a:solidFill>
+            <a:schemeClr val="accent2"/>
+          </a:solidFill>
+          <a:ln w="44450" cap="rnd">
+            <a:solidFill>
+              <a:schemeClr val="accent2"/>
+            </a:solidFill>
+            <a:round/>
+            <a:extLst>
+              <a:ext uri="{C807C97D-BFC1-408E-A445-0C87EB9F89A2}">
+                <ask:lineSketchStyleProps xmlns:ask="http://schemas.microsoft.com/office/drawing/2018/sketchyshapes" sd="2863741219">
+                  <a:prstGeom prst="rect">
+                    <a:avLst/>
+                  </a:prstGeom>
+                  <ask:type>
+                    <ask:lineSketchFreehand/>
+                  </ask:type>
+                </ask:lineSketchStyleProps>
+              </a:ext>
+            </a:extLst>
+          </a:ln>
+        </p:spPr>
+        <p:style>
+          <a:lnRef idx="2">
+            <a:schemeClr val="accent1">
+              <a:shade val="50000"/>
+            </a:schemeClr>
+          </a:lnRef>
+          <a:fillRef idx="1">
+            <a:schemeClr val="accent1"/>
+          </a:fillRef>
+          <a:effectRef idx="0">
+            <a:schemeClr val="accent1"/>
+          </a:effectRef>
+          <a:fontRef idx="minor">
+            <a:schemeClr val="lt1"/>
+          </a:fontRef>
+        </p:style>
+        <p:txBody>
+          <a:bodyPr rtlCol="0" anchor="ctr"/>
+          <a:lstStyle/>
+          <a:p>
+            <a:pPr algn="ctr"/>
+            <a:endParaRPr lang="en-US"/>
+          </a:p>
+        </p:txBody>
+      </p:sp>
+      <p:sp>
+        <p:nvSpPr>
           <p:cNvPr id="3" name="Content Placeholder 2">
             <a:extLst>
               <a:ext uri="{FF2B5EF4-FFF2-40B4-BE49-F238E27FC236}">
-                <a16:creationId xmlns:a16="http://schemas.microsoft.com/office/drawing/2014/main" id="{112776E7-483C-2307-459B-C1B07BFA770F}"/>
+                <a16:creationId xmlns:a16="http://schemas.microsoft.com/office/drawing/2014/main" id="{254252FE-46D2-E549-120E-47118A28DB9A}"/>
               </a:ext>
             </a:extLst>
           </p:cNvPr>
@@ -4326,9 +5483,16 @@
             <p:ph idx="1"/>
           </p:nvPr>
         </p:nvSpPr>
-        <p:spPr/>
-        <p:txBody>
-          <a:bodyPr/>
+        <p:spPr>
+          <a:xfrm>
+            <a:off x="640080" y="2872899"/>
+            <a:ext cx="4243589" cy="3659732"/>
+          </a:xfrm>
+        </p:spPr>
+        <p:txBody>
+          <a:bodyPr>
+            <a:noAutofit/>
+          </a:bodyPr>
           <a:lstStyle/>
           <a:p>
             <a:pPr>
@@ -4336,48 +5500,327 @@
               <a:buChar char="q"/>
             </a:pPr>
             <a:r>
-              <a:rPr lang="en-US" sz="3200" dirty="0"/>
-              <a:t>Facilities Investments</a:t>
+              <a:rPr lang="en-US" sz="2000" dirty="0">
+                <a:cs typeface="Arial" panose="020B0604020202020204" pitchFamily="34" charset="0"/>
+              </a:rPr>
+              <a:t>Big Mountain resort is a ski resort located in Montana, which has 105 trails and serves 350000 people every year. There's a suspicion that the resort is not capitalized on its facilities as much as it could. The management want some guidance on how to select a better value for their ticket price. They are also considering changes that can either cut costs without undermining the ticket price or support an even higher ticket price.</a:t>
             </a:r>
           </a:p>
-          <a:p>
-            <a:pPr>
-              <a:buFont typeface="Wingdings" pitchFamily="2" charset="2"/>
-              <a:buChar char="Ø"/>
-            </a:pPr>
-            <a:r>
-              <a:rPr lang="en-US" dirty="0"/>
-              <a:t> close one least used run, which will not influence the revenue.</a:t>
-            </a:r>
-          </a:p>
-          <a:p>
-            <a:pPr>
-              <a:buFont typeface="Wingdings" pitchFamily="2" charset="2"/>
-              <a:buChar char="Ø"/>
-            </a:pPr>
-            <a:r>
-              <a:rPr lang="en-US" dirty="0"/>
-              <a:t> increase the vertical drop by adding a run to a point 150 feet lower down with installation of an additional chair lift without additional snow making coverage, which will increase revenue roughly $3 million.</a:t>
-            </a:r>
-          </a:p>
-        </p:txBody>
-      </p:sp>
+        </p:txBody>
+      </p:sp>
+      <p:pic>
+        <p:nvPicPr>
+          <p:cNvPr id="5" name="Picture 4" descr="Panoramic view of snowy mountains">
+            <a:extLst>
+              <a:ext uri="{FF2B5EF4-FFF2-40B4-BE49-F238E27FC236}">
+                <a16:creationId xmlns:a16="http://schemas.microsoft.com/office/drawing/2014/main" id="{48BC81DA-B377-1735-6646-086A0A325698}"/>
+              </a:ext>
+            </a:extLst>
+          </p:cNvPr>
+          <p:cNvPicPr>
+            <a:picLocks noChangeAspect="1"/>
+          </p:cNvPicPr>
+          <p:nvPr/>
+        </p:nvPicPr>
+        <p:blipFill rotWithShape="1">
+          <a:blip r:embed="rId2"/>
+          <a:srcRect l="11601" r="21445" b="-1"/>
+          <a:stretch/>
+        </p:blipFill>
+        <p:spPr>
+          <a:xfrm>
+            <a:off x="5311702" y="10"/>
+            <a:ext cx="6878775" cy="6857990"/>
+          </a:xfrm>
+          <a:custGeom>
+            <a:avLst/>
+            <a:gdLst/>
+            <a:ahLst/>
+            <a:cxnLst/>
+            <a:rect l="l" t="t" r="r" b="b"/>
+            <a:pathLst>
+              <a:path w="6878775" h="6858000">
+                <a:moveTo>
+                  <a:pt x="1102973" y="0"/>
+                </a:moveTo>
+                <a:lnTo>
+                  <a:pt x="1160688" y="0"/>
+                </a:lnTo>
+                <a:lnTo>
+                  <a:pt x="983189" y="331786"/>
+                </a:lnTo>
+                <a:cubicBezTo>
+                  <a:pt x="914866" y="469145"/>
+                  <a:pt x="850355" y="608712"/>
+                  <a:pt x="789261" y="750263"/>
+                </a:cubicBezTo>
+                <a:cubicBezTo>
+                  <a:pt x="774307" y="784928"/>
+                  <a:pt x="759992" y="819849"/>
+                  <a:pt x="745295" y="854514"/>
+                </a:cubicBezTo>
+                <a:cubicBezTo>
+                  <a:pt x="756682" y="845393"/>
+                  <a:pt x="765489" y="833492"/>
+                  <a:pt x="770857" y="819975"/>
+                </a:cubicBezTo>
+                <a:cubicBezTo>
+                  <a:pt x="879943" y="589569"/>
+                  <a:pt x="999605" y="365513"/>
+                  <a:pt x="1131329" y="148742"/>
+                </a:cubicBezTo>
+                <a:lnTo>
+                  <a:pt x="1227589" y="0"/>
+                </a:lnTo>
+                <a:lnTo>
+                  <a:pt x="6878775" y="0"/>
+                </a:lnTo>
+                <a:lnTo>
+                  <a:pt x="6878775" y="6858000"/>
+                </a:lnTo>
+                <a:lnTo>
+                  <a:pt x="713521" y="6858000"/>
+                </a:lnTo>
+                <a:lnTo>
+                  <a:pt x="625642" y="6670527"/>
+                </a:lnTo>
+                <a:cubicBezTo>
+                  <a:pt x="507232" y="6398531"/>
+                  <a:pt x="403083" y="6118381"/>
+                  <a:pt x="312785" y="5830359"/>
+                </a:cubicBezTo>
+                <a:cubicBezTo>
+                  <a:pt x="278149" y="5719759"/>
+                  <a:pt x="248879" y="5607635"/>
+                  <a:pt x="212198" y="5480401"/>
+                </a:cubicBezTo>
+                <a:cubicBezTo>
+                  <a:pt x="212208" y="5491601"/>
+                  <a:pt x="212803" y="5502788"/>
+                  <a:pt x="213988" y="5513923"/>
+                </a:cubicBezTo>
+                <a:cubicBezTo>
+                  <a:pt x="264089" y="5723695"/>
+                  <a:pt x="307290" y="5935370"/>
+                  <a:pt x="365826" y="6142729"/>
+                </a:cubicBezTo>
+                <a:cubicBezTo>
+                  <a:pt x="433152" y="6380817"/>
+                  <a:pt x="510068" y="6614016"/>
+                  <a:pt x="597975" y="6841549"/>
+                </a:cubicBezTo>
+                <a:lnTo>
+                  <a:pt x="604824" y="6858000"/>
+                </a:lnTo>
+                <a:lnTo>
+                  <a:pt x="552056" y="6858000"/>
+                </a:lnTo>
+                <a:lnTo>
+                  <a:pt x="539576" y="6828295"/>
+                </a:lnTo>
+                <a:cubicBezTo>
+                  <a:pt x="380597" y="6414594"/>
+                  <a:pt x="260223" y="5988893"/>
+                  <a:pt x="171555" y="5552906"/>
+                </a:cubicBezTo>
+                <a:cubicBezTo>
+                  <a:pt x="91163" y="5157998"/>
+                  <a:pt x="43746" y="4758899"/>
+                  <a:pt x="12305" y="4357388"/>
+                </a:cubicBezTo>
+                <a:cubicBezTo>
+                  <a:pt x="-14281" y="4013908"/>
+                  <a:pt x="4507" y="3672965"/>
+                  <a:pt x="46684" y="3331516"/>
+                </a:cubicBezTo>
+                <a:cubicBezTo>
+                  <a:pt x="127203" y="2664286"/>
+                  <a:pt x="277819" y="2007265"/>
+                  <a:pt x="496065" y="1371196"/>
+                </a:cubicBezTo>
+                <a:cubicBezTo>
+                  <a:pt x="636273" y="966066"/>
+                  <a:pt x="800445" y="573253"/>
+                  <a:pt x="995723" y="196614"/>
+                </a:cubicBezTo>
+                <a:close/>
+              </a:path>
+            </a:pathLst>
+          </a:custGeom>
+        </p:spPr>
+      </p:pic>
     </p:spTree>
     <p:extLst>
       <p:ext uri="{BB962C8B-B14F-4D97-AF65-F5344CB8AC3E}">
-        <p14:creationId xmlns:p14="http://schemas.microsoft.com/office/powerpoint/2010/main" val="3146456457"/>
+        <p14:creationId xmlns:p14="http://schemas.microsoft.com/office/powerpoint/2010/main" val="2534264149"/>
       </p:ext>
     </p:extLst>
   </p:cSld>
   <p:clrMapOvr>
     <a:masterClrMapping/>
   </p:clrMapOvr>
+  <p:timing>
+    <p:tnLst>
+      <p:par>
+        <p:cTn id="1" dur="indefinite" restart="never" nodeType="tmRoot">
+          <p:childTnLst>
+            <p:seq concurrent="1" nextAc="seek">
+              <p:cTn id="2" dur="indefinite" nodeType="mainSeq">
+                <p:childTnLst>
+                  <p:par>
+                    <p:cTn id="3" fill="hold">
+                      <p:stCondLst>
+                        <p:cond delay="indefinite"/>
+                      </p:stCondLst>
+                      <p:childTnLst>
+                        <p:par>
+                          <p:cTn id="4" fill="hold">
+                            <p:stCondLst>
+                              <p:cond delay="0"/>
+                            </p:stCondLst>
+                            <p:childTnLst>
+                              <p:par>
+                                <p:cTn id="5" presetID="10" presetClass="entr" presetSubtype="0" fill="hold" grpId="0" nodeType="clickEffect">
+                                  <p:stCondLst>
+                                    <p:cond delay="0"/>
+                                  </p:stCondLst>
+                                  <p:childTnLst>
+                                    <p:set>
+                                      <p:cBhvr>
+                                        <p:cTn id="6" dur="1" fill="hold">
+                                          <p:stCondLst>
+                                            <p:cond delay="0"/>
+                                          </p:stCondLst>
+                                        </p:cTn>
+                                        <p:tgtEl>
+                                          <p:spTgt spid="2"/>
+                                        </p:tgtEl>
+                                        <p:attrNameLst>
+                                          <p:attrName>style.visibility</p:attrName>
+                                        </p:attrNameLst>
+                                      </p:cBhvr>
+                                      <p:to>
+                                        <p:strVal val="visible"/>
+                                      </p:to>
+                                    </p:set>
+                                    <p:animEffect transition="in" filter="fade">
+                                      <p:cBhvr>
+                                        <p:cTn id="7" dur="500"/>
+                                        <p:tgtEl>
+                                          <p:spTgt spid="2"/>
+                                        </p:tgtEl>
+                                      </p:cBhvr>
+                                    </p:animEffect>
+                                  </p:childTnLst>
+                                </p:cTn>
+                              </p:par>
+                            </p:childTnLst>
+                          </p:cTn>
+                        </p:par>
+                      </p:childTnLst>
+                    </p:cTn>
+                  </p:par>
+                  <p:par>
+                    <p:cTn id="8" fill="hold">
+                      <p:stCondLst>
+                        <p:cond delay="indefinite"/>
+                      </p:stCondLst>
+                      <p:childTnLst>
+                        <p:par>
+                          <p:cTn id="9" fill="hold">
+                            <p:stCondLst>
+                              <p:cond delay="0"/>
+                            </p:stCondLst>
+                            <p:childTnLst>
+                              <p:par>
+                                <p:cTn id="10" presetID="10" presetClass="entr" presetSubtype="0" fill="hold" grpId="0" nodeType="clickEffect">
+                                  <p:stCondLst>
+                                    <p:cond delay="0"/>
+                                  </p:stCondLst>
+                                  <p:childTnLst>
+                                    <p:set>
+                                      <p:cBhvr>
+                                        <p:cTn id="11" dur="1" fill="hold">
+                                          <p:stCondLst>
+                                            <p:cond delay="0"/>
+                                          </p:stCondLst>
+                                        </p:cTn>
+                                        <p:tgtEl>
+                                          <p:spTgt spid="3">
+                                            <p:txEl>
+                                              <p:pRg st="0" end="0"/>
+                                            </p:txEl>
+                                          </p:spTgt>
+                                        </p:tgtEl>
+                                        <p:attrNameLst>
+                                          <p:attrName>style.visibility</p:attrName>
+                                        </p:attrNameLst>
+                                      </p:cBhvr>
+                                      <p:to>
+                                        <p:strVal val="visible"/>
+                                      </p:to>
+                                    </p:set>
+                                    <p:animEffect transition="in" filter="fade">
+                                      <p:cBhvr>
+                                        <p:cTn id="12" dur="500"/>
+                                        <p:tgtEl>
+                                          <p:spTgt spid="3">
+                                            <p:txEl>
+                                              <p:pRg st="0" end="0"/>
+                                            </p:txEl>
+                                          </p:spTgt>
+                                        </p:tgtEl>
+                                      </p:cBhvr>
+                                    </p:animEffect>
+                                  </p:childTnLst>
+                                </p:cTn>
+                              </p:par>
+                            </p:childTnLst>
+                          </p:cTn>
+                        </p:par>
+                      </p:childTnLst>
+                    </p:cTn>
+                  </p:par>
+                </p:childTnLst>
+              </p:cTn>
+              <p:prevCondLst>
+                <p:cond evt="onPrev" delay="0">
+                  <p:tgtEl>
+                    <p:sldTgt/>
+                  </p:tgtEl>
+                </p:cond>
+              </p:prevCondLst>
+              <p:nextCondLst>
+                <p:cond evt="onNext" delay="0">
+                  <p:tgtEl>
+                    <p:sldTgt/>
+                  </p:tgtEl>
+                </p:cond>
+              </p:nextCondLst>
+            </p:seq>
+          </p:childTnLst>
+        </p:cTn>
+      </p:par>
+    </p:tnLst>
+    <p:bldLst>
+      <p:bldP spid="2" grpId="0"/>
+      <p:bldP spid="3" grpId="0" build="p"/>
+    </p:bldLst>
+  </p:timing>
 </p:sld>
 </file>
 
-<file path=ppt/slides/slide6.xml><?xml version="1.0" encoding="utf-8"?>
+<file path=ppt/slides/slide4.xml><?xml version="1.0" encoding="utf-8"?>
 <p:sld xmlns:a="http://schemas.openxmlformats.org/drawingml/2006/main" xmlns:r="http://schemas.openxmlformats.org/officeDocument/2006/relationships" xmlns:p="http://schemas.openxmlformats.org/presentationml/2006/main">
   <p:cSld>
+    <p:bg>
+      <p:bgPr>
+        <a:solidFill>
+          <a:schemeClr val="bg1"/>
+        </a:solidFill>
+        <a:effectLst/>
+      </p:bgPr>
+    </p:bg>
     <p:spTree>
       <p:nvGrpSpPr>
         <p:cNvPr id="1" name=""/>
@@ -4392,12 +5835,72 @@
           <a:chExt cx="0" cy="0"/>
         </a:xfrm>
       </p:grpSpPr>
+      <p:sp useBgFill="1">
+        <p:nvSpPr>
+          <p:cNvPr id="11" name="Rectangle 10">
+            <a:extLst>
+              <a:ext uri="{FF2B5EF4-FFF2-40B4-BE49-F238E27FC236}">
+                <a16:creationId xmlns:a16="http://schemas.microsoft.com/office/drawing/2014/main" id="{F13C74B1-5B17-4795-BED0-7140497B445A}"/>
+              </a:ext>
+              <a:ext uri="{C183D7F6-B498-43B3-948B-1728B52AA6E4}">
+                <adec:decorative xmlns:adec="http://schemas.microsoft.com/office/drawing/2017/decorative" val="1"/>
+              </a:ext>
+            </a:extLst>
+          </p:cNvPr>
+          <p:cNvSpPr>
+            <a:spLocks noGrp="1" noRot="1" noChangeAspect="1" noMove="1" noResize="1" noEditPoints="1" noAdjustHandles="1" noChangeArrowheads="1" noChangeShapeType="1" noTextEdit="1"/>
+          </p:cNvSpPr>
+          <p:nvPr>
+            <p:extLst>
+              <p:ext uri="{386F3935-93C4-4BCD-93E2-E3B085C9AB24}">
+                <p16:designElem xmlns:p16="http://schemas.microsoft.com/office/powerpoint/2015/main" val="1"/>
+              </p:ext>
+            </p:extLst>
+          </p:nvPr>
+        </p:nvSpPr>
+        <p:spPr>
+          <a:xfrm>
+            <a:off x="0" y="0"/>
+            <a:ext cx="12188952" cy="6858000"/>
+          </a:xfrm>
+          <a:prstGeom prst="rect">
+            <a:avLst/>
+          </a:prstGeom>
+          <a:ln>
+            <a:noFill/>
+          </a:ln>
+        </p:spPr>
+        <p:style>
+          <a:lnRef idx="2">
+            <a:schemeClr val="accent1">
+              <a:shade val="50000"/>
+            </a:schemeClr>
+          </a:lnRef>
+          <a:fillRef idx="1">
+            <a:schemeClr val="accent1"/>
+          </a:fillRef>
+          <a:effectRef idx="0">
+            <a:schemeClr val="accent1"/>
+          </a:effectRef>
+          <a:fontRef idx="minor">
+            <a:schemeClr val="lt1"/>
+          </a:fontRef>
+        </p:style>
+        <p:txBody>
+          <a:bodyPr rtlCol="0" anchor="ctr"/>
+          <a:lstStyle/>
+          <a:p>
+            <a:pPr algn="ctr"/>
+            <a:endParaRPr lang="en-US"/>
+          </a:p>
+        </p:txBody>
+      </p:sp>
       <p:sp>
         <p:nvSpPr>
           <p:cNvPr id="2" name="Title 1">
             <a:extLst>
               <a:ext uri="{FF2B5EF4-FFF2-40B4-BE49-F238E27FC236}">
-                <a16:creationId xmlns:a16="http://schemas.microsoft.com/office/drawing/2014/main" id="{76C32409-51E8-16EC-0623-99C0E78ABC96}"/>
+                <a16:creationId xmlns:a16="http://schemas.microsoft.com/office/drawing/2014/main" id="{8AB6C3E7-43BD-A57F-8473-EBDBB58339F0}"/>
               </a:ext>
             </a:extLst>
           </p:cNvPr>
@@ -4408,26 +5911,322 @@
             <p:ph type="title"/>
           </p:nvPr>
         </p:nvSpPr>
-        <p:spPr/>
-        <p:txBody>
-          <a:bodyPr/>
+        <p:spPr>
+          <a:xfrm>
+            <a:off x="640080" y="325369"/>
+            <a:ext cx="4368602" cy="1956841"/>
+          </a:xfrm>
+        </p:spPr>
+        <p:txBody>
+          <a:bodyPr anchor="b">
+            <a:normAutofit/>
+          </a:bodyPr>
           <a:lstStyle/>
           <a:p>
             <a:r>
-              <a:rPr lang="en-US" dirty="0">
+              <a:rPr lang="en-US" sz="5400" b="0" i="0" dirty="0">
+                <a:effectLst/>
                 <a:latin typeface="+mn-lt"/>
+                <a:cs typeface="Arial" panose="020B0604020202020204" pitchFamily="34" charset="0"/>
               </a:rPr>
-              <a:t>Data Collection and Preparation</a:t>
+              <a:t>Project Goals:</a:t>
             </a:r>
+            <a:endParaRPr lang="en-US" sz="5400" dirty="0">
+              <a:latin typeface="+mn-lt"/>
+              <a:cs typeface="Arial" panose="020B0604020202020204" pitchFamily="34" charset="0"/>
+            </a:endParaRPr>
           </a:p>
         </p:txBody>
       </p:sp>
       <p:sp>
         <p:nvSpPr>
+          <p:cNvPr id="13" name="sketchy line">
+            <a:extLst>
+              <a:ext uri="{FF2B5EF4-FFF2-40B4-BE49-F238E27FC236}">
+                <a16:creationId xmlns:a16="http://schemas.microsoft.com/office/drawing/2014/main" id="{D4974D33-8DC5-464E-8C6D-BE58F0669C17}"/>
+              </a:ext>
+              <a:ext uri="{C183D7F6-B498-43B3-948B-1728B52AA6E4}">
+                <adec:decorative xmlns:adec="http://schemas.microsoft.com/office/drawing/2017/decorative" val="1"/>
+              </a:ext>
+            </a:extLst>
+          </p:cNvPr>
+          <p:cNvSpPr>
+            <a:spLocks noGrp="1" noRot="1" noChangeAspect="1" noMove="1" noResize="1" noEditPoints="1" noAdjustHandles="1" noChangeArrowheads="1" noChangeShapeType="1" noTextEdit="1"/>
+          </p:cNvSpPr>
+          <p:nvPr>
+            <p:extLst>
+              <p:ext uri="{386F3935-93C4-4BCD-93E2-E3B085C9AB24}">
+                <p16:designElem xmlns:p16="http://schemas.microsoft.com/office/powerpoint/2015/main" val="1"/>
+              </p:ext>
+            </p:extLst>
+          </p:nvPr>
+        </p:nvSpPr>
+        <p:spPr>
+          <a:xfrm>
+            <a:off x="640080" y="2586994"/>
+            <a:ext cx="3474720" cy="18288"/>
+          </a:xfrm>
+          <a:custGeom>
+            <a:avLst/>
+            <a:gdLst>
+              <a:gd name="connsiteX0" fmla="*/ 0 w 3474720"/>
+              <a:gd name="connsiteY0" fmla="*/ 0 h 18288"/>
+              <a:gd name="connsiteX1" fmla="*/ 694944 w 3474720"/>
+              <a:gd name="connsiteY1" fmla="*/ 0 h 18288"/>
+              <a:gd name="connsiteX2" fmla="*/ 1355141 w 3474720"/>
+              <a:gd name="connsiteY2" fmla="*/ 0 h 18288"/>
+              <a:gd name="connsiteX3" fmla="*/ 2015338 w 3474720"/>
+              <a:gd name="connsiteY3" fmla="*/ 0 h 18288"/>
+              <a:gd name="connsiteX4" fmla="*/ 2779776 w 3474720"/>
+              <a:gd name="connsiteY4" fmla="*/ 0 h 18288"/>
+              <a:gd name="connsiteX5" fmla="*/ 3474720 w 3474720"/>
+              <a:gd name="connsiteY5" fmla="*/ 0 h 18288"/>
+              <a:gd name="connsiteX6" fmla="*/ 3474720 w 3474720"/>
+              <a:gd name="connsiteY6" fmla="*/ 18288 h 18288"/>
+              <a:gd name="connsiteX7" fmla="*/ 2779776 w 3474720"/>
+              <a:gd name="connsiteY7" fmla="*/ 18288 h 18288"/>
+              <a:gd name="connsiteX8" fmla="*/ 2189074 w 3474720"/>
+              <a:gd name="connsiteY8" fmla="*/ 18288 h 18288"/>
+              <a:gd name="connsiteX9" fmla="*/ 1528877 w 3474720"/>
+              <a:gd name="connsiteY9" fmla="*/ 18288 h 18288"/>
+              <a:gd name="connsiteX10" fmla="*/ 868680 w 3474720"/>
+              <a:gd name="connsiteY10" fmla="*/ 18288 h 18288"/>
+              <a:gd name="connsiteX11" fmla="*/ 0 w 3474720"/>
+              <a:gd name="connsiteY11" fmla="*/ 18288 h 18288"/>
+              <a:gd name="connsiteX12" fmla="*/ 0 w 3474720"/>
+              <a:gd name="connsiteY12" fmla="*/ 0 h 18288"/>
+            </a:gdLst>
+            <a:ahLst/>
+            <a:cxnLst>
+              <a:cxn ang="0">
+                <a:pos x="connsiteX0" y="connsiteY0"/>
+              </a:cxn>
+              <a:cxn ang="0">
+                <a:pos x="connsiteX1" y="connsiteY1"/>
+              </a:cxn>
+              <a:cxn ang="0">
+                <a:pos x="connsiteX2" y="connsiteY2"/>
+              </a:cxn>
+              <a:cxn ang="0">
+                <a:pos x="connsiteX3" y="connsiteY3"/>
+              </a:cxn>
+              <a:cxn ang="0">
+                <a:pos x="connsiteX4" y="connsiteY4"/>
+              </a:cxn>
+              <a:cxn ang="0">
+                <a:pos x="connsiteX5" y="connsiteY5"/>
+              </a:cxn>
+              <a:cxn ang="0">
+                <a:pos x="connsiteX6" y="connsiteY6"/>
+              </a:cxn>
+              <a:cxn ang="0">
+                <a:pos x="connsiteX7" y="connsiteY7"/>
+              </a:cxn>
+              <a:cxn ang="0">
+                <a:pos x="connsiteX8" y="connsiteY8"/>
+              </a:cxn>
+              <a:cxn ang="0">
+                <a:pos x="connsiteX9" y="connsiteY9"/>
+              </a:cxn>
+              <a:cxn ang="0">
+                <a:pos x="connsiteX10" y="connsiteY10"/>
+              </a:cxn>
+              <a:cxn ang="0">
+                <a:pos x="connsiteX11" y="connsiteY11"/>
+              </a:cxn>
+              <a:cxn ang="0">
+                <a:pos x="connsiteX12" y="connsiteY12"/>
+              </a:cxn>
+            </a:cxnLst>
+            <a:rect l="l" t="t" r="r" b="b"/>
+            <a:pathLst>
+              <a:path w="3474720" h="18288" fill="none" extrusionOk="0">
+                <a:moveTo>
+                  <a:pt x="0" y="0"/>
+                </a:moveTo>
+                <a:cubicBezTo>
+                  <a:pt x="224454" y="-14544"/>
+                  <a:pt x="495407" y="26540"/>
+                  <a:pt x="694944" y="0"/>
+                </a:cubicBezTo>
+                <a:cubicBezTo>
+                  <a:pt x="894481" y="-26540"/>
+                  <a:pt x="1130063" y="24713"/>
+                  <a:pt x="1355141" y="0"/>
+                </a:cubicBezTo>
+                <a:cubicBezTo>
+                  <a:pt x="1580219" y="-24713"/>
+                  <a:pt x="1820099" y="26695"/>
+                  <a:pt x="2015338" y="0"/>
+                </a:cubicBezTo>
+                <a:cubicBezTo>
+                  <a:pt x="2210577" y="-26695"/>
+                  <a:pt x="2402045" y="165"/>
+                  <a:pt x="2779776" y="0"/>
+                </a:cubicBezTo>
+                <a:cubicBezTo>
+                  <a:pt x="3157507" y="-165"/>
+                  <a:pt x="3286859" y="-15571"/>
+                  <a:pt x="3474720" y="0"/>
+                </a:cubicBezTo>
+                <a:cubicBezTo>
+                  <a:pt x="3474286" y="7551"/>
+                  <a:pt x="3474253" y="9822"/>
+                  <a:pt x="3474720" y="18288"/>
+                </a:cubicBezTo>
+                <a:cubicBezTo>
+                  <a:pt x="3233904" y="29845"/>
+                  <a:pt x="2945134" y="-5256"/>
+                  <a:pt x="2779776" y="18288"/>
+                </a:cubicBezTo>
+                <a:cubicBezTo>
+                  <a:pt x="2614418" y="41832"/>
+                  <a:pt x="2339768" y="22709"/>
+                  <a:pt x="2189074" y="18288"/>
+                </a:cubicBezTo>
+                <a:cubicBezTo>
+                  <a:pt x="2038380" y="13867"/>
+                  <a:pt x="1817434" y="-4947"/>
+                  <a:pt x="1528877" y="18288"/>
+                </a:cubicBezTo>
+                <a:cubicBezTo>
+                  <a:pt x="1240320" y="41523"/>
+                  <a:pt x="1042447" y="37198"/>
+                  <a:pt x="868680" y="18288"/>
+                </a:cubicBezTo>
+                <a:cubicBezTo>
+                  <a:pt x="694913" y="-622"/>
+                  <a:pt x="233232" y="44909"/>
+                  <a:pt x="0" y="18288"/>
+                </a:cubicBezTo>
+                <a:cubicBezTo>
+                  <a:pt x="60" y="11696"/>
+                  <a:pt x="66" y="3758"/>
+                  <a:pt x="0" y="0"/>
+                </a:cubicBezTo>
+                <a:close/>
+              </a:path>
+              <a:path w="3474720" h="18288" stroke="0" extrusionOk="0">
+                <a:moveTo>
+                  <a:pt x="0" y="0"/>
+                </a:moveTo>
+                <a:cubicBezTo>
+                  <a:pt x="202328" y="-14716"/>
+                  <a:pt x="332722" y="-11499"/>
+                  <a:pt x="625450" y="0"/>
+                </a:cubicBezTo>
+                <a:cubicBezTo>
+                  <a:pt x="918178" y="11499"/>
+                  <a:pt x="1096688" y="5123"/>
+                  <a:pt x="1389888" y="0"/>
+                </a:cubicBezTo>
+                <a:cubicBezTo>
+                  <a:pt x="1683088" y="-5123"/>
+                  <a:pt x="1835981" y="-14038"/>
+                  <a:pt x="1980590" y="0"/>
+                </a:cubicBezTo>
+                <a:cubicBezTo>
+                  <a:pt x="2125199" y="14038"/>
+                  <a:pt x="2396099" y="-7203"/>
+                  <a:pt x="2571293" y="0"/>
+                </a:cubicBezTo>
+                <a:cubicBezTo>
+                  <a:pt x="2746487" y="7203"/>
+                  <a:pt x="3041609" y="-12036"/>
+                  <a:pt x="3474720" y="0"/>
+                </a:cubicBezTo>
+                <a:cubicBezTo>
+                  <a:pt x="3474638" y="4406"/>
+                  <a:pt x="3474631" y="9982"/>
+                  <a:pt x="3474720" y="18288"/>
+                </a:cubicBezTo>
+                <a:cubicBezTo>
+                  <a:pt x="3324873" y="21876"/>
+                  <a:pt x="3136771" y="12587"/>
+                  <a:pt x="2814523" y="18288"/>
+                </a:cubicBezTo>
+                <a:cubicBezTo>
+                  <a:pt x="2492275" y="23989"/>
+                  <a:pt x="2294402" y="47111"/>
+                  <a:pt x="2154326" y="18288"/>
+                </a:cubicBezTo>
+                <a:cubicBezTo>
+                  <a:pt x="2014250" y="-10535"/>
+                  <a:pt x="1820317" y="33903"/>
+                  <a:pt x="1494130" y="18288"/>
+                </a:cubicBezTo>
+                <a:cubicBezTo>
+                  <a:pt x="1167943" y="2673"/>
+                  <a:pt x="948432" y="14868"/>
+                  <a:pt x="729691" y="18288"/>
+                </a:cubicBezTo>
+                <a:cubicBezTo>
+                  <a:pt x="510950" y="21708"/>
+                  <a:pt x="264032" y="24354"/>
+                  <a:pt x="0" y="18288"/>
+                </a:cubicBezTo>
+                <a:cubicBezTo>
+                  <a:pt x="189" y="14288"/>
+                  <a:pt x="-703" y="3747"/>
+                  <a:pt x="0" y="0"/>
+                </a:cubicBezTo>
+                <a:close/>
+              </a:path>
+            </a:pathLst>
+          </a:custGeom>
+          <a:solidFill>
+            <a:schemeClr val="accent2"/>
+          </a:solidFill>
+          <a:ln w="44450" cap="rnd">
+            <a:solidFill>
+              <a:schemeClr val="accent2"/>
+            </a:solidFill>
+            <a:round/>
+            <a:extLst>
+              <a:ext uri="{C807C97D-BFC1-408E-A445-0C87EB9F89A2}">
+                <ask:lineSketchStyleProps xmlns:ask="http://schemas.microsoft.com/office/drawing/2018/sketchyshapes" sd="2863741219">
+                  <a:prstGeom prst="rect">
+                    <a:avLst/>
+                  </a:prstGeom>
+                  <ask:type>
+                    <ask:lineSketchFreehand/>
+                  </ask:type>
+                </ask:lineSketchStyleProps>
+              </a:ext>
+            </a:extLst>
+          </a:ln>
+        </p:spPr>
+        <p:style>
+          <a:lnRef idx="2">
+            <a:schemeClr val="accent1">
+              <a:shade val="50000"/>
+            </a:schemeClr>
+          </a:lnRef>
+          <a:fillRef idx="1">
+            <a:schemeClr val="accent1"/>
+          </a:fillRef>
+          <a:effectRef idx="0">
+            <a:schemeClr val="accent1"/>
+          </a:effectRef>
+          <a:fontRef idx="minor">
+            <a:schemeClr val="lt1"/>
+          </a:fontRef>
+        </p:style>
+        <p:txBody>
+          <a:bodyPr rtlCol="0" anchor="ctr"/>
+          <a:lstStyle/>
+          <a:p>
+            <a:pPr algn="ctr"/>
+            <a:endParaRPr lang="en-US"/>
+          </a:p>
+        </p:txBody>
+      </p:sp>
+      <p:sp>
+        <p:nvSpPr>
           <p:cNvPr id="3" name="Content Placeholder 2">
             <a:extLst>
               <a:ext uri="{FF2B5EF4-FFF2-40B4-BE49-F238E27FC236}">
-                <a16:creationId xmlns:a16="http://schemas.microsoft.com/office/drawing/2014/main" id="{90A7886D-CAF4-41C3-E0C0-026DC7222BC6}"/>
+                <a16:creationId xmlns:a16="http://schemas.microsoft.com/office/drawing/2014/main" id="{254252FE-46D2-E549-120E-47118A28DB9A}"/>
               </a:ext>
             </a:extLst>
           </p:cNvPr>
@@ -4438,9 +6237,16 @@
             <p:ph idx="1"/>
           </p:nvPr>
         </p:nvSpPr>
-        <p:spPr/>
-        <p:txBody>
-          <a:bodyPr/>
+        <p:spPr>
+          <a:xfrm>
+            <a:off x="640080" y="2872899"/>
+            <a:ext cx="4243589" cy="3320668"/>
+          </a:xfrm>
+        </p:spPr>
+        <p:txBody>
+          <a:bodyPr>
+            <a:normAutofit/>
+          </a:bodyPr>
           <a:lstStyle/>
           <a:p>
             <a:pPr>
@@ -4448,78 +6254,327 @@
               <a:buChar char="q"/>
             </a:pPr>
             <a:r>
-              <a:rPr lang="en-US" sz="3200" dirty="0"/>
-              <a:t>Source of Data</a:t>
+              <a:rPr lang="en-US" sz="2200" dirty="0">
+                <a:cs typeface="Arial" panose="020B0604020202020204" pitchFamily="34" charset="0"/>
+              </a:rPr>
+              <a:t>Build a ticket price prediction model and give facilities investment suggestions.</a:t>
             </a:r>
           </a:p>
-          <a:p>
-            <a:pPr>
-              <a:buFont typeface="Wingdings" pitchFamily="2" charset="2"/>
-              <a:buChar char="Ø"/>
-            </a:pPr>
-            <a:r>
-              <a:rPr lang="en-US" dirty="0"/>
-              <a:t>csv file from data manager</a:t>
-            </a:r>
-          </a:p>
-          <a:p>
-            <a:pPr>
-              <a:buFont typeface="Wingdings" pitchFamily="2" charset="2"/>
-              <a:buChar char="q"/>
-            </a:pPr>
-            <a:r>
-              <a:rPr lang="en-US" sz="3200" dirty="0"/>
-              <a:t>Data Preparation</a:t>
-            </a:r>
-          </a:p>
-          <a:p>
-            <a:pPr>
-              <a:buFont typeface="Wingdings" pitchFamily="2" charset="2"/>
-              <a:buChar char="Ø"/>
-            </a:pPr>
-            <a:r>
-              <a:rPr lang="en-US" dirty="0"/>
-              <a:t>Data Wrangling</a:t>
-            </a:r>
-          </a:p>
-          <a:p>
-            <a:pPr>
-              <a:buFont typeface="Wingdings" pitchFamily="2" charset="2"/>
-              <a:buChar char="Ø"/>
-            </a:pPr>
-            <a:r>
-              <a:rPr lang="en-US" dirty="0"/>
-              <a:t>Exploratory Data Analysis </a:t>
-            </a:r>
-          </a:p>
-          <a:p>
-            <a:pPr>
-              <a:buFont typeface="Wingdings" pitchFamily="2" charset="2"/>
-              <a:buChar char="Ø"/>
-            </a:pPr>
-            <a:r>
-              <a:rPr lang="en-US" dirty="0"/>
-              <a:t>Data Pre-processing and Training</a:t>
-            </a:r>
-          </a:p>
-        </p:txBody>
-      </p:sp>
+        </p:txBody>
+      </p:sp>
+      <p:pic>
+        <p:nvPicPr>
+          <p:cNvPr id="6" name="Picture 5" descr="A person skiing down a mountain&#10;&#10;Description automatically generated">
+            <a:extLst>
+              <a:ext uri="{FF2B5EF4-FFF2-40B4-BE49-F238E27FC236}">
+                <a16:creationId xmlns:a16="http://schemas.microsoft.com/office/drawing/2014/main" id="{E9E8423E-A1EB-2982-22EB-28484954D1D7}"/>
+              </a:ext>
+            </a:extLst>
+          </p:cNvPr>
+          <p:cNvPicPr>
+            <a:picLocks noChangeAspect="1"/>
+          </p:cNvPicPr>
+          <p:nvPr/>
+        </p:nvPicPr>
+        <p:blipFill rotWithShape="1">
+          <a:blip r:embed="rId2"/>
+          <a:srcRect l="26067" r="2216"/>
+          <a:stretch/>
+        </p:blipFill>
+        <p:spPr>
+          <a:xfrm>
+            <a:off x="5311702" y="10"/>
+            <a:ext cx="6878775" cy="6857990"/>
+          </a:xfrm>
+          <a:custGeom>
+            <a:avLst/>
+            <a:gdLst/>
+            <a:ahLst/>
+            <a:cxnLst/>
+            <a:rect l="l" t="t" r="r" b="b"/>
+            <a:pathLst>
+              <a:path w="6878775" h="6858000">
+                <a:moveTo>
+                  <a:pt x="1102973" y="0"/>
+                </a:moveTo>
+                <a:lnTo>
+                  <a:pt x="1160688" y="0"/>
+                </a:lnTo>
+                <a:lnTo>
+                  <a:pt x="983189" y="331786"/>
+                </a:lnTo>
+                <a:cubicBezTo>
+                  <a:pt x="914866" y="469145"/>
+                  <a:pt x="850355" y="608712"/>
+                  <a:pt x="789261" y="750263"/>
+                </a:cubicBezTo>
+                <a:cubicBezTo>
+                  <a:pt x="774307" y="784928"/>
+                  <a:pt x="759992" y="819849"/>
+                  <a:pt x="745295" y="854514"/>
+                </a:cubicBezTo>
+                <a:cubicBezTo>
+                  <a:pt x="756682" y="845393"/>
+                  <a:pt x="765489" y="833492"/>
+                  <a:pt x="770857" y="819975"/>
+                </a:cubicBezTo>
+                <a:cubicBezTo>
+                  <a:pt x="879943" y="589569"/>
+                  <a:pt x="999605" y="365513"/>
+                  <a:pt x="1131329" y="148742"/>
+                </a:cubicBezTo>
+                <a:lnTo>
+                  <a:pt x="1227589" y="0"/>
+                </a:lnTo>
+                <a:lnTo>
+                  <a:pt x="6878775" y="0"/>
+                </a:lnTo>
+                <a:lnTo>
+                  <a:pt x="6878775" y="6858000"/>
+                </a:lnTo>
+                <a:lnTo>
+                  <a:pt x="713521" y="6858000"/>
+                </a:lnTo>
+                <a:lnTo>
+                  <a:pt x="625642" y="6670527"/>
+                </a:lnTo>
+                <a:cubicBezTo>
+                  <a:pt x="507232" y="6398531"/>
+                  <a:pt x="403083" y="6118381"/>
+                  <a:pt x="312785" y="5830359"/>
+                </a:cubicBezTo>
+                <a:cubicBezTo>
+                  <a:pt x="278149" y="5719759"/>
+                  <a:pt x="248879" y="5607635"/>
+                  <a:pt x="212198" y="5480401"/>
+                </a:cubicBezTo>
+                <a:cubicBezTo>
+                  <a:pt x="212208" y="5491601"/>
+                  <a:pt x="212803" y="5502788"/>
+                  <a:pt x="213988" y="5513923"/>
+                </a:cubicBezTo>
+                <a:cubicBezTo>
+                  <a:pt x="264089" y="5723695"/>
+                  <a:pt x="307290" y="5935370"/>
+                  <a:pt x="365826" y="6142729"/>
+                </a:cubicBezTo>
+                <a:cubicBezTo>
+                  <a:pt x="433152" y="6380817"/>
+                  <a:pt x="510068" y="6614016"/>
+                  <a:pt x="597975" y="6841549"/>
+                </a:cubicBezTo>
+                <a:lnTo>
+                  <a:pt x="604824" y="6858000"/>
+                </a:lnTo>
+                <a:lnTo>
+                  <a:pt x="552056" y="6858000"/>
+                </a:lnTo>
+                <a:lnTo>
+                  <a:pt x="539576" y="6828295"/>
+                </a:lnTo>
+                <a:cubicBezTo>
+                  <a:pt x="380597" y="6414594"/>
+                  <a:pt x="260223" y="5988893"/>
+                  <a:pt x="171555" y="5552906"/>
+                </a:cubicBezTo>
+                <a:cubicBezTo>
+                  <a:pt x="91163" y="5157998"/>
+                  <a:pt x="43746" y="4758899"/>
+                  <a:pt x="12305" y="4357388"/>
+                </a:cubicBezTo>
+                <a:cubicBezTo>
+                  <a:pt x="-14281" y="4013908"/>
+                  <a:pt x="4507" y="3672965"/>
+                  <a:pt x="46684" y="3331516"/>
+                </a:cubicBezTo>
+                <a:cubicBezTo>
+                  <a:pt x="127203" y="2664286"/>
+                  <a:pt x="277819" y="2007265"/>
+                  <a:pt x="496065" y="1371196"/>
+                </a:cubicBezTo>
+                <a:cubicBezTo>
+                  <a:pt x="636273" y="966066"/>
+                  <a:pt x="800445" y="573253"/>
+                  <a:pt x="995723" y="196614"/>
+                </a:cubicBezTo>
+                <a:close/>
+              </a:path>
+            </a:pathLst>
+          </a:custGeom>
+        </p:spPr>
+      </p:pic>
     </p:spTree>
     <p:extLst>
       <p:ext uri="{BB962C8B-B14F-4D97-AF65-F5344CB8AC3E}">
-        <p14:creationId xmlns:p14="http://schemas.microsoft.com/office/powerpoint/2010/main" val="2009463096"/>
+        <p14:creationId xmlns:p14="http://schemas.microsoft.com/office/powerpoint/2010/main" val="2855593579"/>
       </p:ext>
     </p:extLst>
   </p:cSld>
   <p:clrMapOvr>
     <a:masterClrMapping/>
   </p:clrMapOvr>
+  <p:timing>
+    <p:tnLst>
+      <p:par>
+        <p:cTn id="1" dur="indefinite" restart="never" nodeType="tmRoot">
+          <p:childTnLst>
+            <p:seq concurrent="1" nextAc="seek">
+              <p:cTn id="2" dur="indefinite" nodeType="mainSeq">
+                <p:childTnLst>
+                  <p:par>
+                    <p:cTn id="3" fill="hold">
+                      <p:stCondLst>
+                        <p:cond delay="indefinite"/>
+                      </p:stCondLst>
+                      <p:childTnLst>
+                        <p:par>
+                          <p:cTn id="4" fill="hold">
+                            <p:stCondLst>
+                              <p:cond delay="0"/>
+                            </p:stCondLst>
+                            <p:childTnLst>
+                              <p:par>
+                                <p:cTn id="5" presetID="10" presetClass="entr" presetSubtype="0" fill="hold" grpId="0" nodeType="clickEffect">
+                                  <p:stCondLst>
+                                    <p:cond delay="0"/>
+                                  </p:stCondLst>
+                                  <p:childTnLst>
+                                    <p:set>
+                                      <p:cBhvr>
+                                        <p:cTn id="6" dur="1" fill="hold">
+                                          <p:stCondLst>
+                                            <p:cond delay="0"/>
+                                          </p:stCondLst>
+                                        </p:cTn>
+                                        <p:tgtEl>
+                                          <p:spTgt spid="2"/>
+                                        </p:tgtEl>
+                                        <p:attrNameLst>
+                                          <p:attrName>style.visibility</p:attrName>
+                                        </p:attrNameLst>
+                                      </p:cBhvr>
+                                      <p:to>
+                                        <p:strVal val="visible"/>
+                                      </p:to>
+                                    </p:set>
+                                    <p:animEffect transition="in" filter="fade">
+                                      <p:cBhvr>
+                                        <p:cTn id="7" dur="500"/>
+                                        <p:tgtEl>
+                                          <p:spTgt spid="2"/>
+                                        </p:tgtEl>
+                                      </p:cBhvr>
+                                    </p:animEffect>
+                                  </p:childTnLst>
+                                </p:cTn>
+                              </p:par>
+                            </p:childTnLst>
+                          </p:cTn>
+                        </p:par>
+                      </p:childTnLst>
+                    </p:cTn>
+                  </p:par>
+                  <p:par>
+                    <p:cTn id="8" fill="hold">
+                      <p:stCondLst>
+                        <p:cond delay="indefinite"/>
+                      </p:stCondLst>
+                      <p:childTnLst>
+                        <p:par>
+                          <p:cTn id="9" fill="hold">
+                            <p:stCondLst>
+                              <p:cond delay="0"/>
+                            </p:stCondLst>
+                            <p:childTnLst>
+                              <p:par>
+                                <p:cTn id="10" presetID="10" presetClass="entr" presetSubtype="0" fill="hold" grpId="0" nodeType="clickEffect">
+                                  <p:stCondLst>
+                                    <p:cond delay="0"/>
+                                  </p:stCondLst>
+                                  <p:childTnLst>
+                                    <p:set>
+                                      <p:cBhvr>
+                                        <p:cTn id="11" dur="1" fill="hold">
+                                          <p:stCondLst>
+                                            <p:cond delay="0"/>
+                                          </p:stCondLst>
+                                        </p:cTn>
+                                        <p:tgtEl>
+                                          <p:spTgt spid="3">
+                                            <p:txEl>
+                                              <p:pRg st="0" end="0"/>
+                                            </p:txEl>
+                                          </p:spTgt>
+                                        </p:tgtEl>
+                                        <p:attrNameLst>
+                                          <p:attrName>style.visibility</p:attrName>
+                                        </p:attrNameLst>
+                                      </p:cBhvr>
+                                      <p:to>
+                                        <p:strVal val="visible"/>
+                                      </p:to>
+                                    </p:set>
+                                    <p:animEffect transition="in" filter="fade">
+                                      <p:cBhvr>
+                                        <p:cTn id="12" dur="500"/>
+                                        <p:tgtEl>
+                                          <p:spTgt spid="3">
+                                            <p:txEl>
+                                              <p:pRg st="0" end="0"/>
+                                            </p:txEl>
+                                          </p:spTgt>
+                                        </p:tgtEl>
+                                      </p:cBhvr>
+                                    </p:animEffect>
+                                  </p:childTnLst>
+                                </p:cTn>
+                              </p:par>
+                            </p:childTnLst>
+                          </p:cTn>
+                        </p:par>
+                      </p:childTnLst>
+                    </p:cTn>
+                  </p:par>
+                </p:childTnLst>
+              </p:cTn>
+              <p:prevCondLst>
+                <p:cond evt="onPrev" delay="0">
+                  <p:tgtEl>
+                    <p:sldTgt/>
+                  </p:tgtEl>
+                </p:cond>
+              </p:prevCondLst>
+              <p:nextCondLst>
+                <p:cond evt="onNext" delay="0">
+                  <p:tgtEl>
+                    <p:sldTgt/>
+                  </p:tgtEl>
+                </p:cond>
+              </p:nextCondLst>
+            </p:seq>
+          </p:childTnLst>
+        </p:cTn>
+      </p:par>
+    </p:tnLst>
+    <p:bldLst>
+      <p:bldP spid="2" grpId="0"/>
+      <p:bldP spid="3" grpId="0" build="p"/>
+    </p:bldLst>
+  </p:timing>
 </p:sld>
 </file>
 
-<file path=ppt/slides/slide7.xml><?xml version="1.0" encoding="utf-8"?>
+<file path=ppt/slides/slide5.xml><?xml version="1.0" encoding="utf-8"?>
 <p:sld xmlns:a="http://schemas.openxmlformats.org/drawingml/2006/main" xmlns:r="http://schemas.openxmlformats.org/officeDocument/2006/relationships" xmlns:p="http://schemas.openxmlformats.org/presentationml/2006/main">
   <p:cSld>
+    <p:bg>
+      <p:bgPr>
+        <a:solidFill>
+          <a:schemeClr val="bg1"/>
+        </a:solidFill>
+        <a:effectLst/>
+      </p:bgPr>
+    </p:bg>
     <p:spTree>
       <p:nvGrpSpPr>
         <p:cNvPr id="1" name=""/>
@@ -4534,12 +6589,213 @@
           <a:chExt cx="0" cy="0"/>
         </a:xfrm>
       </p:grpSpPr>
+      <p:sp useBgFill="1">
+        <p:nvSpPr>
+          <p:cNvPr id="19" name="Rectangle 18">
+            <a:extLst>
+              <a:ext uri="{FF2B5EF4-FFF2-40B4-BE49-F238E27FC236}">
+                <a16:creationId xmlns:a16="http://schemas.microsoft.com/office/drawing/2014/main" id="{F13C74B1-5B17-4795-BED0-7140497B445A}"/>
+              </a:ext>
+              <a:ext uri="{C183D7F6-B498-43B3-948B-1728B52AA6E4}">
+                <adec:decorative xmlns:adec="http://schemas.microsoft.com/office/drawing/2017/decorative" val="1"/>
+              </a:ext>
+            </a:extLst>
+          </p:cNvPr>
+          <p:cNvSpPr>
+            <a:spLocks noGrp="1" noRot="1" noChangeAspect="1" noMove="1" noResize="1" noEditPoints="1" noAdjustHandles="1" noChangeArrowheads="1" noChangeShapeType="1" noTextEdit="1"/>
+          </p:cNvSpPr>
+          <p:nvPr>
+            <p:extLst>
+              <p:ext uri="{386F3935-93C4-4BCD-93E2-E3B085C9AB24}">
+                <p16:designElem xmlns:p16="http://schemas.microsoft.com/office/powerpoint/2015/main" val="1"/>
+              </p:ext>
+            </p:extLst>
+          </p:nvPr>
+        </p:nvSpPr>
+        <p:spPr>
+          <a:xfrm>
+            <a:off x="0" y="0"/>
+            <a:ext cx="12188952" cy="6858000"/>
+          </a:xfrm>
+          <a:prstGeom prst="rect">
+            <a:avLst/>
+          </a:prstGeom>
+          <a:ln>
+            <a:noFill/>
+          </a:ln>
+        </p:spPr>
+        <p:style>
+          <a:lnRef idx="2">
+            <a:schemeClr val="accent1">
+              <a:shade val="50000"/>
+            </a:schemeClr>
+          </a:lnRef>
+          <a:fillRef idx="1">
+            <a:schemeClr val="accent1"/>
+          </a:fillRef>
+          <a:effectRef idx="0">
+            <a:schemeClr val="accent1"/>
+          </a:effectRef>
+          <a:fontRef idx="minor">
+            <a:schemeClr val="lt1"/>
+          </a:fontRef>
+        </p:style>
+        <p:txBody>
+          <a:bodyPr rtlCol="0" anchor="ctr"/>
+          <a:lstStyle/>
+          <a:p>
+            <a:pPr algn="ctr"/>
+            <a:endParaRPr lang="en-US"/>
+          </a:p>
+        </p:txBody>
+      </p:sp>
+      <p:pic>
+        <p:nvPicPr>
+          <p:cNvPr id="14" name="Picture 4" descr="Wooden house on the mountains">
+            <a:extLst>
+              <a:ext uri="{FF2B5EF4-FFF2-40B4-BE49-F238E27FC236}">
+                <a16:creationId xmlns:a16="http://schemas.microsoft.com/office/drawing/2014/main" id="{FCC08CC0-5517-A8B9-A015-17506100EE80}"/>
+              </a:ext>
+            </a:extLst>
+          </p:cNvPr>
+          <p:cNvPicPr>
+            <a:picLocks noChangeAspect="1"/>
+          </p:cNvPicPr>
+          <p:nvPr/>
+        </p:nvPicPr>
+        <p:blipFill rotWithShape="1">
+          <a:blip r:embed="rId3"/>
+          <a:srcRect r="33299"/>
+          <a:stretch/>
+        </p:blipFill>
+        <p:spPr>
+          <a:xfrm>
+            <a:off x="5311702" y="10"/>
+            <a:ext cx="6878775" cy="6857990"/>
+          </a:xfrm>
+          <a:custGeom>
+            <a:avLst/>
+            <a:gdLst/>
+            <a:ahLst/>
+            <a:cxnLst/>
+            <a:rect l="l" t="t" r="r" b="b"/>
+            <a:pathLst>
+              <a:path w="6878775" h="6858000">
+                <a:moveTo>
+                  <a:pt x="1102973" y="0"/>
+                </a:moveTo>
+                <a:lnTo>
+                  <a:pt x="1160688" y="0"/>
+                </a:lnTo>
+                <a:lnTo>
+                  <a:pt x="983189" y="331786"/>
+                </a:lnTo>
+                <a:cubicBezTo>
+                  <a:pt x="914866" y="469145"/>
+                  <a:pt x="850355" y="608712"/>
+                  <a:pt x="789261" y="750263"/>
+                </a:cubicBezTo>
+                <a:cubicBezTo>
+                  <a:pt x="774307" y="784928"/>
+                  <a:pt x="759992" y="819849"/>
+                  <a:pt x="745295" y="854514"/>
+                </a:cubicBezTo>
+                <a:cubicBezTo>
+                  <a:pt x="756682" y="845393"/>
+                  <a:pt x="765489" y="833492"/>
+                  <a:pt x="770857" y="819975"/>
+                </a:cubicBezTo>
+                <a:cubicBezTo>
+                  <a:pt x="879943" y="589569"/>
+                  <a:pt x="999605" y="365513"/>
+                  <a:pt x="1131329" y="148742"/>
+                </a:cubicBezTo>
+                <a:lnTo>
+                  <a:pt x="1227589" y="0"/>
+                </a:lnTo>
+                <a:lnTo>
+                  <a:pt x="6878775" y="0"/>
+                </a:lnTo>
+                <a:lnTo>
+                  <a:pt x="6878775" y="6858000"/>
+                </a:lnTo>
+                <a:lnTo>
+                  <a:pt x="713521" y="6858000"/>
+                </a:lnTo>
+                <a:lnTo>
+                  <a:pt x="625642" y="6670527"/>
+                </a:lnTo>
+                <a:cubicBezTo>
+                  <a:pt x="507232" y="6398531"/>
+                  <a:pt x="403083" y="6118381"/>
+                  <a:pt x="312785" y="5830359"/>
+                </a:cubicBezTo>
+                <a:cubicBezTo>
+                  <a:pt x="278149" y="5719759"/>
+                  <a:pt x="248879" y="5607635"/>
+                  <a:pt x="212198" y="5480401"/>
+                </a:cubicBezTo>
+                <a:cubicBezTo>
+                  <a:pt x="212208" y="5491601"/>
+                  <a:pt x="212803" y="5502788"/>
+                  <a:pt x="213988" y="5513923"/>
+                </a:cubicBezTo>
+                <a:cubicBezTo>
+                  <a:pt x="264089" y="5723695"/>
+                  <a:pt x="307290" y="5935370"/>
+                  <a:pt x="365826" y="6142729"/>
+                </a:cubicBezTo>
+                <a:cubicBezTo>
+                  <a:pt x="433152" y="6380817"/>
+                  <a:pt x="510068" y="6614016"/>
+                  <a:pt x="597975" y="6841549"/>
+                </a:cubicBezTo>
+                <a:lnTo>
+                  <a:pt x="604824" y="6858000"/>
+                </a:lnTo>
+                <a:lnTo>
+                  <a:pt x="552056" y="6858000"/>
+                </a:lnTo>
+                <a:lnTo>
+                  <a:pt x="539576" y="6828295"/>
+                </a:lnTo>
+                <a:cubicBezTo>
+                  <a:pt x="380597" y="6414594"/>
+                  <a:pt x="260223" y="5988893"/>
+                  <a:pt x="171555" y="5552906"/>
+                </a:cubicBezTo>
+                <a:cubicBezTo>
+                  <a:pt x="91163" y="5157998"/>
+                  <a:pt x="43746" y="4758899"/>
+                  <a:pt x="12305" y="4357388"/>
+                </a:cubicBezTo>
+                <a:cubicBezTo>
+                  <a:pt x="-14281" y="4013908"/>
+                  <a:pt x="4507" y="3672965"/>
+                  <a:pt x="46684" y="3331516"/>
+                </a:cubicBezTo>
+                <a:cubicBezTo>
+                  <a:pt x="127203" y="2664286"/>
+                  <a:pt x="277819" y="2007265"/>
+                  <a:pt x="496065" y="1371196"/>
+                </a:cubicBezTo>
+                <a:cubicBezTo>
+                  <a:pt x="636273" y="966066"/>
+                  <a:pt x="800445" y="573253"/>
+                  <a:pt x="995723" y="196614"/>
+                </a:cubicBezTo>
+                <a:close/>
+              </a:path>
+            </a:pathLst>
+          </a:custGeom>
+        </p:spPr>
+      </p:pic>
       <p:sp>
         <p:nvSpPr>
           <p:cNvPr id="2" name="Title 1">
             <a:extLst>
               <a:ext uri="{FF2B5EF4-FFF2-40B4-BE49-F238E27FC236}">
-                <a16:creationId xmlns:a16="http://schemas.microsoft.com/office/drawing/2014/main" id="{BF3B484A-5E53-B9A1-4BD0-8A817C72EA52}"/>
+                <a16:creationId xmlns:a16="http://schemas.microsoft.com/office/drawing/2014/main" id="{FB508003-9523-4B8A-591A-24366636A5EA}"/>
               </a:ext>
             </a:extLst>
           </p:cNvPr>
@@ -4550,19 +6806,26 @@
             <p:ph type="title"/>
           </p:nvPr>
         </p:nvSpPr>
-        <p:spPr/>
-        <p:txBody>
-          <a:bodyPr/>
+        <p:spPr>
+          <a:xfrm>
+            <a:off x="640080" y="325369"/>
+            <a:ext cx="5455920" cy="1956841"/>
+          </a:xfrm>
+        </p:spPr>
+        <p:txBody>
+          <a:bodyPr anchor="b">
+            <a:normAutofit/>
+          </a:bodyPr>
           <a:lstStyle/>
           <a:p>
             <a:r>
-              <a:rPr lang="en-US" b="0" i="0" dirty="0">
+              <a:rPr lang="en-US" sz="5400" b="0" i="0" dirty="0">
                 <a:effectLst/>
                 <a:latin typeface="+mn-lt"/>
               </a:rPr>
-              <a:t>Model Development</a:t>
+              <a:t>Recommendations</a:t>
             </a:r>
-            <a:endParaRPr lang="en-US" dirty="0">
+            <a:endParaRPr lang="en-US" sz="4200" dirty="0">
               <a:latin typeface="+mn-lt"/>
             </a:endParaRPr>
           </a:p>
@@ -4570,10 +6833,293 @@
       </p:sp>
       <p:sp>
         <p:nvSpPr>
-          <p:cNvPr id="6" name="Content Placeholder 5">
-            <a:extLst>
-              <a:ext uri="{FF2B5EF4-FFF2-40B4-BE49-F238E27FC236}">
-                <a16:creationId xmlns:a16="http://schemas.microsoft.com/office/drawing/2014/main" id="{2CC44739-8F56-55B3-2D15-4C266519BFBB}"/>
+          <p:cNvPr id="21" name="sketchy line">
+            <a:extLst>
+              <a:ext uri="{FF2B5EF4-FFF2-40B4-BE49-F238E27FC236}">
+                <a16:creationId xmlns:a16="http://schemas.microsoft.com/office/drawing/2014/main" id="{D4974D33-8DC5-464E-8C6D-BE58F0669C17}"/>
+              </a:ext>
+              <a:ext uri="{C183D7F6-B498-43B3-948B-1728B52AA6E4}">
+                <adec:decorative xmlns:adec="http://schemas.microsoft.com/office/drawing/2017/decorative" val="1"/>
+              </a:ext>
+            </a:extLst>
+          </p:cNvPr>
+          <p:cNvSpPr>
+            <a:spLocks noGrp="1" noRot="1" noChangeAspect="1" noMove="1" noResize="1" noEditPoints="1" noAdjustHandles="1" noChangeArrowheads="1" noChangeShapeType="1" noTextEdit="1"/>
+          </p:cNvSpPr>
+          <p:nvPr>
+            <p:extLst>
+              <p:ext uri="{386F3935-93C4-4BCD-93E2-E3B085C9AB24}">
+                <p16:designElem xmlns:p16="http://schemas.microsoft.com/office/powerpoint/2015/main" val="1"/>
+              </p:ext>
+            </p:extLst>
+          </p:nvPr>
+        </p:nvSpPr>
+        <p:spPr>
+          <a:xfrm>
+            <a:off x="640080" y="2586994"/>
+            <a:ext cx="3474720" cy="18288"/>
+          </a:xfrm>
+          <a:custGeom>
+            <a:avLst/>
+            <a:gdLst>
+              <a:gd name="connsiteX0" fmla="*/ 0 w 3474720"/>
+              <a:gd name="connsiteY0" fmla="*/ 0 h 18288"/>
+              <a:gd name="connsiteX1" fmla="*/ 694944 w 3474720"/>
+              <a:gd name="connsiteY1" fmla="*/ 0 h 18288"/>
+              <a:gd name="connsiteX2" fmla="*/ 1355141 w 3474720"/>
+              <a:gd name="connsiteY2" fmla="*/ 0 h 18288"/>
+              <a:gd name="connsiteX3" fmla="*/ 2015338 w 3474720"/>
+              <a:gd name="connsiteY3" fmla="*/ 0 h 18288"/>
+              <a:gd name="connsiteX4" fmla="*/ 2779776 w 3474720"/>
+              <a:gd name="connsiteY4" fmla="*/ 0 h 18288"/>
+              <a:gd name="connsiteX5" fmla="*/ 3474720 w 3474720"/>
+              <a:gd name="connsiteY5" fmla="*/ 0 h 18288"/>
+              <a:gd name="connsiteX6" fmla="*/ 3474720 w 3474720"/>
+              <a:gd name="connsiteY6" fmla="*/ 18288 h 18288"/>
+              <a:gd name="connsiteX7" fmla="*/ 2779776 w 3474720"/>
+              <a:gd name="connsiteY7" fmla="*/ 18288 h 18288"/>
+              <a:gd name="connsiteX8" fmla="*/ 2189074 w 3474720"/>
+              <a:gd name="connsiteY8" fmla="*/ 18288 h 18288"/>
+              <a:gd name="connsiteX9" fmla="*/ 1528877 w 3474720"/>
+              <a:gd name="connsiteY9" fmla="*/ 18288 h 18288"/>
+              <a:gd name="connsiteX10" fmla="*/ 868680 w 3474720"/>
+              <a:gd name="connsiteY10" fmla="*/ 18288 h 18288"/>
+              <a:gd name="connsiteX11" fmla="*/ 0 w 3474720"/>
+              <a:gd name="connsiteY11" fmla="*/ 18288 h 18288"/>
+              <a:gd name="connsiteX12" fmla="*/ 0 w 3474720"/>
+              <a:gd name="connsiteY12" fmla="*/ 0 h 18288"/>
+            </a:gdLst>
+            <a:ahLst/>
+            <a:cxnLst>
+              <a:cxn ang="0">
+                <a:pos x="connsiteX0" y="connsiteY0"/>
+              </a:cxn>
+              <a:cxn ang="0">
+                <a:pos x="connsiteX1" y="connsiteY1"/>
+              </a:cxn>
+              <a:cxn ang="0">
+                <a:pos x="connsiteX2" y="connsiteY2"/>
+              </a:cxn>
+              <a:cxn ang="0">
+                <a:pos x="connsiteX3" y="connsiteY3"/>
+              </a:cxn>
+              <a:cxn ang="0">
+                <a:pos x="connsiteX4" y="connsiteY4"/>
+              </a:cxn>
+              <a:cxn ang="0">
+                <a:pos x="connsiteX5" y="connsiteY5"/>
+              </a:cxn>
+              <a:cxn ang="0">
+                <a:pos x="connsiteX6" y="connsiteY6"/>
+              </a:cxn>
+              <a:cxn ang="0">
+                <a:pos x="connsiteX7" y="connsiteY7"/>
+              </a:cxn>
+              <a:cxn ang="0">
+                <a:pos x="connsiteX8" y="connsiteY8"/>
+              </a:cxn>
+              <a:cxn ang="0">
+                <a:pos x="connsiteX9" y="connsiteY9"/>
+              </a:cxn>
+              <a:cxn ang="0">
+                <a:pos x="connsiteX10" y="connsiteY10"/>
+              </a:cxn>
+              <a:cxn ang="0">
+                <a:pos x="connsiteX11" y="connsiteY11"/>
+              </a:cxn>
+              <a:cxn ang="0">
+                <a:pos x="connsiteX12" y="connsiteY12"/>
+              </a:cxn>
+            </a:cxnLst>
+            <a:rect l="l" t="t" r="r" b="b"/>
+            <a:pathLst>
+              <a:path w="3474720" h="18288" fill="none" extrusionOk="0">
+                <a:moveTo>
+                  <a:pt x="0" y="0"/>
+                </a:moveTo>
+                <a:cubicBezTo>
+                  <a:pt x="224454" y="-14544"/>
+                  <a:pt x="495407" y="26540"/>
+                  <a:pt x="694944" y="0"/>
+                </a:cubicBezTo>
+                <a:cubicBezTo>
+                  <a:pt x="894481" y="-26540"/>
+                  <a:pt x="1130063" y="24713"/>
+                  <a:pt x="1355141" y="0"/>
+                </a:cubicBezTo>
+                <a:cubicBezTo>
+                  <a:pt x="1580219" y="-24713"/>
+                  <a:pt x="1820099" y="26695"/>
+                  <a:pt x="2015338" y="0"/>
+                </a:cubicBezTo>
+                <a:cubicBezTo>
+                  <a:pt x="2210577" y="-26695"/>
+                  <a:pt x="2402045" y="165"/>
+                  <a:pt x="2779776" y="0"/>
+                </a:cubicBezTo>
+                <a:cubicBezTo>
+                  <a:pt x="3157507" y="-165"/>
+                  <a:pt x="3286859" y="-15571"/>
+                  <a:pt x="3474720" y="0"/>
+                </a:cubicBezTo>
+                <a:cubicBezTo>
+                  <a:pt x="3474286" y="7551"/>
+                  <a:pt x="3474253" y="9822"/>
+                  <a:pt x="3474720" y="18288"/>
+                </a:cubicBezTo>
+                <a:cubicBezTo>
+                  <a:pt x="3233904" y="29845"/>
+                  <a:pt x="2945134" y="-5256"/>
+                  <a:pt x="2779776" y="18288"/>
+                </a:cubicBezTo>
+                <a:cubicBezTo>
+                  <a:pt x="2614418" y="41832"/>
+                  <a:pt x="2339768" y="22709"/>
+                  <a:pt x="2189074" y="18288"/>
+                </a:cubicBezTo>
+                <a:cubicBezTo>
+                  <a:pt x="2038380" y="13867"/>
+                  <a:pt x="1817434" y="-4947"/>
+                  <a:pt x="1528877" y="18288"/>
+                </a:cubicBezTo>
+                <a:cubicBezTo>
+                  <a:pt x="1240320" y="41523"/>
+                  <a:pt x="1042447" y="37198"/>
+                  <a:pt x="868680" y="18288"/>
+                </a:cubicBezTo>
+                <a:cubicBezTo>
+                  <a:pt x="694913" y="-622"/>
+                  <a:pt x="233232" y="44909"/>
+                  <a:pt x="0" y="18288"/>
+                </a:cubicBezTo>
+                <a:cubicBezTo>
+                  <a:pt x="60" y="11696"/>
+                  <a:pt x="66" y="3758"/>
+                  <a:pt x="0" y="0"/>
+                </a:cubicBezTo>
+                <a:close/>
+              </a:path>
+              <a:path w="3474720" h="18288" stroke="0" extrusionOk="0">
+                <a:moveTo>
+                  <a:pt x="0" y="0"/>
+                </a:moveTo>
+                <a:cubicBezTo>
+                  <a:pt x="202328" y="-14716"/>
+                  <a:pt x="332722" y="-11499"/>
+                  <a:pt x="625450" y="0"/>
+                </a:cubicBezTo>
+                <a:cubicBezTo>
+                  <a:pt x="918178" y="11499"/>
+                  <a:pt x="1096688" y="5123"/>
+                  <a:pt x="1389888" y="0"/>
+                </a:cubicBezTo>
+                <a:cubicBezTo>
+                  <a:pt x="1683088" y="-5123"/>
+                  <a:pt x="1835981" y="-14038"/>
+                  <a:pt x="1980590" y="0"/>
+                </a:cubicBezTo>
+                <a:cubicBezTo>
+                  <a:pt x="2125199" y="14038"/>
+                  <a:pt x="2396099" y="-7203"/>
+                  <a:pt x="2571293" y="0"/>
+                </a:cubicBezTo>
+                <a:cubicBezTo>
+                  <a:pt x="2746487" y="7203"/>
+                  <a:pt x="3041609" y="-12036"/>
+                  <a:pt x="3474720" y="0"/>
+                </a:cubicBezTo>
+                <a:cubicBezTo>
+                  <a:pt x="3474638" y="4406"/>
+                  <a:pt x="3474631" y="9982"/>
+                  <a:pt x="3474720" y="18288"/>
+                </a:cubicBezTo>
+                <a:cubicBezTo>
+                  <a:pt x="3324873" y="21876"/>
+                  <a:pt x="3136771" y="12587"/>
+                  <a:pt x="2814523" y="18288"/>
+                </a:cubicBezTo>
+                <a:cubicBezTo>
+                  <a:pt x="2492275" y="23989"/>
+                  <a:pt x="2294402" y="47111"/>
+                  <a:pt x="2154326" y="18288"/>
+                </a:cubicBezTo>
+                <a:cubicBezTo>
+                  <a:pt x="2014250" y="-10535"/>
+                  <a:pt x="1820317" y="33903"/>
+                  <a:pt x="1494130" y="18288"/>
+                </a:cubicBezTo>
+                <a:cubicBezTo>
+                  <a:pt x="1167943" y="2673"/>
+                  <a:pt x="948432" y="14868"/>
+                  <a:pt x="729691" y="18288"/>
+                </a:cubicBezTo>
+                <a:cubicBezTo>
+                  <a:pt x="510950" y="21708"/>
+                  <a:pt x="264032" y="24354"/>
+                  <a:pt x="0" y="18288"/>
+                </a:cubicBezTo>
+                <a:cubicBezTo>
+                  <a:pt x="189" y="14288"/>
+                  <a:pt x="-703" y="3747"/>
+                  <a:pt x="0" y="0"/>
+                </a:cubicBezTo>
+                <a:close/>
+              </a:path>
+            </a:pathLst>
+          </a:custGeom>
+          <a:solidFill>
+            <a:schemeClr val="accent2"/>
+          </a:solidFill>
+          <a:ln w="44450" cap="rnd">
+            <a:solidFill>
+              <a:schemeClr val="accent2"/>
+            </a:solidFill>
+            <a:round/>
+            <a:extLst>
+              <a:ext uri="{C807C97D-BFC1-408E-A445-0C87EB9F89A2}">
+                <ask:lineSketchStyleProps xmlns:ask="http://schemas.microsoft.com/office/drawing/2018/sketchyshapes" sd="2863741219">
+                  <a:prstGeom prst="rect">
+                    <a:avLst/>
+                  </a:prstGeom>
+                  <ask:type>
+                    <ask:lineSketchFreehand/>
+                  </ask:type>
+                </ask:lineSketchStyleProps>
+              </a:ext>
+            </a:extLst>
+          </a:ln>
+        </p:spPr>
+        <p:style>
+          <a:lnRef idx="2">
+            <a:schemeClr val="accent1">
+              <a:shade val="50000"/>
+            </a:schemeClr>
+          </a:lnRef>
+          <a:fillRef idx="1">
+            <a:schemeClr val="accent1"/>
+          </a:fillRef>
+          <a:effectRef idx="0">
+            <a:schemeClr val="accent1"/>
+          </a:effectRef>
+          <a:fontRef idx="minor">
+            <a:schemeClr val="lt1"/>
+          </a:fontRef>
+        </p:style>
+        <p:txBody>
+          <a:bodyPr rtlCol="0" anchor="ctr"/>
+          <a:lstStyle/>
+          <a:p>
+            <a:pPr algn="ctr"/>
+            <a:endParaRPr lang="en-US"/>
+          </a:p>
+        </p:txBody>
+      </p:sp>
+      <p:sp>
+        <p:nvSpPr>
+          <p:cNvPr id="3" name="Content Placeholder 2">
+            <a:extLst>
+              <a:ext uri="{FF2B5EF4-FFF2-40B4-BE49-F238E27FC236}">
+                <a16:creationId xmlns:a16="http://schemas.microsoft.com/office/drawing/2014/main" id="{2BC221F5-6945-FC1F-9D5D-1F3835231E49}"/>
               </a:ext>
             </a:extLst>
           </p:cNvPr>
@@ -4584,7 +7130,12 @@
             <p:ph idx="1"/>
           </p:nvPr>
         </p:nvSpPr>
-        <p:spPr/>
+        <p:spPr>
+          <a:xfrm>
+            <a:off x="640080" y="2872899"/>
+            <a:ext cx="4243589" cy="3320668"/>
+          </a:xfrm>
+        </p:spPr>
         <p:txBody>
           <a:bodyPr>
             <a:normAutofit/>
@@ -4596,8 +7147,8 @@
               <a:buChar char="q"/>
             </a:pPr>
             <a:r>
-              <a:rPr lang="en-US" sz="3200" dirty="0"/>
-              <a:t>Machine Learning Models Used</a:t>
+              <a:rPr lang="en-US" sz="2200" dirty="0"/>
+              <a:t>Pricing Strategy</a:t>
             </a:r>
           </a:p>
           <a:p>
@@ -4606,58 +7157,8 @@
               <a:buChar char="Ø"/>
             </a:pPr>
             <a:r>
-              <a:rPr lang="en-US" dirty="0"/>
-              <a:t>Linear Regression</a:t>
-            </a:r>
-          </a:p>
-          <a:p>
-            <a:pPr>
-              <a:buFont typeface="Wingdings" pitchFamily="2" charset="2"/>
-              <a:buChar char="Ø"/>
-            </a:pPr>
-            <a:r>
-              <a:rPr lang="en-US" dirty="0"/>
-              <a:t>Random Forest Regressor</a:t>
-            </a:r>
-          </a:p>
-          <a:p>
-            <a:pPr>
-              <a:buFont typeface="Wingdings" pitchFamily="2" charset="2"/>
-              <a:buChar char="q"/>
-            </a:pPr>
-            <a:r>
-              <a:rPr lang="en-US" sz="3200" dirty="0"/>
-              <a:t>Model Training and Validation Metrics</a:t>
-            </a:r>
-          </a:p>
-          <a:p>
-            <a:pPr>
-              <a:buFont typeface="Wingdings" pitchFamily="2" charset="2"/>
-              <a:buChar char="Ø"/>
-            </a:pPr>
-            <a:r>
-              <a:rPr lang="en-US" dirty="0"/>
-              <a:t>cross validation</a:t>
-            </a:r>
-          </a:p>
-          <a:p>
-            <a:pPr>
-              <a:buFont typeface="Wingdings" pitchFamily="2" charset="2"/>
-              <a:buChar char="Ø"/>
-            </a:pPr>
-            <a:r>
-              <a:rPr lang="en-US" dirty="0"/>
-              <a:t>mean absolute error (MAE)</a:t>
-            </a:r>
-          </a:p>
-          <a:p>
-            <a:pPr>
-              <a:buFont typeface="Wingdings" pitchFamily="2" charset="2"/>
-              <a:buChar char="Ø"/>
-            </a:pPr>
-            <a:r>
-              <a:rPr lang="en-US" dirty="0"/>
-              <a:t>R-squared (R2)</a:t>
+              <a:rPr lang="en-US" sz="2200" dirty="0"/>
+              <a:t>based on the market position and facilities of Big Mountain resort, the model suggest the ticket price of Big Mountain should be $95.87, compared with current $81.00, there is room for the increase of ticket price.</a:t>
             </a:r>
           </a:p>
         </p:txBody>
@@ -4665,13 +7166,1443 @@
     </p:spTree>
     <p:extLst>
       <p:ext uri="{BB962C8B-B14F-4D97-AF65-F5344CB8AC3E}">
-        <p14:creationId xmlns:p14="http://schemas.microsoft.com/office/powerpoint/2010/main" val="2993821234"/>
+        <p14:creationId xmlns:p14="http://schemas.microsoft.com/office/powerpoint/2010/main" val="1755927776"/>
       </p:ext>
     </p:extLst>
   </p:cSld>
   <p:clrMapOvr>
     <a:masterClrMapping/>
   </p:clrMapOvr>
+  <p:timing>
+    <p:tnLst>
+      <p:par>
+        <p:cTn id="1" dur="indefinite" restart="never" nodeType="tmRoot">
+          <p:childTnLst>
+            <p:seq concurrent="1" nextAc="seek">
+              <p:cTn id="2" dur="indefinite" nodeType="mainSeq">
+                <p:childTnLst>
+                  <p:par>
+                    <p:cTn id="3" fill="hold">
+                      <p:stCondLst>
+                        <p:cond delay="indefinite"/>
+                      </p:stCondLst>
+                      <p:childTnLst>
+                        <p:par>
+                          <p:cTn id="4" fill="hold">
+                            <p:stCondLst>
+                              <p:cond delay="0"/>
+                            </p:stCondLst>
+                            <p:childTnLst>
+                              <p:par>
+                                <p:cTn id="5" presetID="10" presetClass="entr" presetSubtype="0" fill="hold" grpId="0" nodeType="clickEffect">
+                                  <p:stCondLst>
+                                    <p:cond delay="0"/>
+                                  </p:stCondLst>
+                                  <p:childTnLst>
+                                    <p:set>
+                                      <p:cBhvr>
+                                        <p:cTn id="6" dur="1" fill="hold">
+                                          <p:stCondLst>
+                                            <p:cond delay="0"/>
+                                          </p:stCondLst>
+                                        </p:cTn>
+                                        <p:tgtEl>
+                                          <p:spTgt spid="2"/>
+                                        </p:tgtEl>
+                                        <p:attrNameLst>
+                                          <p:attrName>style.visibility</p:attrName>
+                                        </p:attrNameLst>
+                                      </p:cBhvr>
+                                      <p:to>
+                                        <p:strVal val="visible"/>
+                                      </p:to>
+                                    </p:set>
+                                    <p:animEffect transition="in" filter="fade">
+                                      <p:cBhvr>
+                                        <p:cTn id="7" dur="500"/>
+                                        <p:tgtEl>
+                                          <p:spTgt spid="2"/>
+                                        </p:tgtEl>
+                                      </p:cBhvr>
+                                    </p:animEffect>
+                                  </p:childTnLst>
+                                </p:cTn>
+                              </p:par>
+                            </p:childTnLst>
+                          </p:cTn>
+                        </p:par>
+                      </p:childTnLst>
+                    </p:cTn>
+                  </p:par>
+                  <p:par>
+                    <p:cTn id="8" fill="hold">
+                      <p:stCondLst>
+                        <p:cond delay="indefinite"/>
+                      </p:stCondLst>
+                      <p:childTnLst>
+                        <p:par>
+                          <p:cTn id="9" fill="hold">
+                            <p:stCondLst>
+                              <p:cond delay="0"/>
+                            </p:stCondLst>
+                            <p:childTnLst>
+                              <p:par>
+                                <p:cTn id="10" presetID="10" presetClass="entr" presetSubtype="0" fill="hold" grpId="0" nodeType="clickEffect">
+                                  <p:stCondLst>
+                                    <p:cond delay="0"/>
+                                  </p:stCondLst>
+                                  <p:childTnLst>
+                                    <p:set>
+                                      <p:cBhvr>
+                                        <p:cTn id="11" dur="1" fill="hold">
+                                          <p:stCondLst>
+                                            <p:cond delay="0"/>
+                                          </p:stCondLst>
+                                        </p:cTn>
+                                        <p:tgtEl>
+                                          <p:spTgt spid="3">
+                                            <p:txEl>
+                                              <p:pRg st="0" end="0"/>
+                                            </p:txEl>
+                                          </p:spTgt>
+                                        </p:tgtEl>
+                                        <p:attrNameLst>
+                                          <p:attrName>style.visibility</p:attrName>
+                                        </p:attrNameLst>
+                                      </p:cBhvr>
+                                      <p:to>
+                                        <p:strVal val="visible"/>
+                                      </p:to>
+                                    </p:set>
+                                    <p:animEffect transition="in" filter="fade">
+                                      <p:cBhvr>
+                                        <p:cTn id="12" dur="500"/>
+                                        <p:tgtEl>
+                                          <p:spTgt spid="3">
+                                            <p:txEl>
+                                              <p:pRg st="0" end="0"/>
+                                            </p:txEl>
+                                          </p:spTgt>
+                                        </p:tgtEl>
+                                      </p:cBhvr>
+                                    </p:animEffect>
+                                  </p:childTnLst>
+                                </p:cTn>
+                              </p:par>
+                            </p:childTnLst>
+                          </p:cTn>
+                        </p:par>
+                      </p:childTnLst>
+                    </p:cTn>
+                  </p:par>
+                  <p:par>
+                    <p:cTn id="13" fill="hold">
+                      <p:stCondLst>
+                        <p:cond delay="indefinite"/>
+                      </p:stCondLst>
+                      <p:childTnLst>
+                        <p:par>
+                          <p:cTn id="14" fill="hold">
+                            <p:stCondLst>
+                              <p:cond delay="0"/>
+                            </p:stCondLst>
+                            <p:childTnLst>
+                              <p:par>
+                                <p:cTn id="15" presetID="10" presetClass="entr" presetSubtype="0" fill="hold" grpId="0" nodeType="clickEffect">
+                                  <p:stCondLst>
+                                    <p:cond delay="0"/>
+                                  </p:stCondLst>
+                                  <p:childTnLst>
+                                    <p:set>
+                                      <p:cBhvr>
+                                        <p:cTn id="16" dur="1" fill="hold">
+                                          <p:stCondLst>
+                                            <p:cond delay="0"/>
+                                          </p:stCondLst>
+                                        </p:cTn>
+                                        <p:tgtEl>
+                                          <p:spTgt spid="3">
+                                            <p:txEl>
+                                              <p:pRg st="1" end="1"/>
+                                            </p:txEl>
+                                          </p:spTgt>
+                                        </p:tgtEl>
+                                        <p:attrNameLst>
+                                          <p:attrName>style.visibility</p:attrName>
+                                        </p:attrNameLst>
+                                      </p:cBhvr>
+                                      <p:to>
+                                        <p:strVal val="visible"/>
+                                      </p:to>
+                                    </p:set>
+                                    <p:animEffect transition="in" filter="fade">
+                                      <p:cBhvr>
+                                        <p:cTn id="17" dur="500"/>
+                                        <p:tgtEl>
+                                          <p:spTgt spid="3">
+                                            <p:txEl>
+                                              <p:pRg st="1" end="1"/>
+                                            </p:txEl>
+                                          </p:spTgt>
+                                        </p:tgtEl>
+                                      </p:cBhvr>
+                                    </p:animEffect>
+                                  </p:childTnLst>
+                                </p:cTn>
+                              </p:par>
+                            </p:childTnLst>
+                          </p:cTn>
+                        </p:par>
+                      </p:childTnLst>
+                    </p:cTn>
+                  </p:par>
+                </p:childTnLst>
+              </p:cTn>
+              <p:prevCondLst>
+                <p:cond evt="onPrev" delay="0">
+                  <p:tgtEl>
+                    <p:sldTgt/>
+                  </p:tgtEl>
+                </p:cond>
+              </p:prevCondLst>
+              <p:nextCondLst>
+                <p:cond evt="onNext" delay="0">
+                  <p:tgtEl>
+                    <p:sldTgt/>
+                  </p:tgtEl>
+                </p:cond>
+              </p:nextCondLst>
+            </p:seq>
+          </p:childTnLst>
+        </p:cTn>
+      </p:par>
+    </p:tnLst>
+    <p:bldLst>
+      <p:bldP spid="2" grpId="0"/>
+      <p:bldP spid="3" grpId="0" build="p"/>
+    </p:bldLst>
+  </p:timing>
+</p:sld>
+</file>
+
+<file path=ppt/slides/slide6.xml><?xml version="1.0" encoding="utf-8"?>
+<p:sld xmlns:a="http://schemas.openxmlformats.org/drawingml/2006/main" xmlns:r="http://schemas.openxmlformats.org/officeDocument/2006/relationships" xmlns:p="http://schemas.openxmlformats.org/presentationml/2006/main">
+  <p:cSld>
+    <p:bg>
+      <p:bgPr>
+        <a:solidFill>
+          <a:schemeClr val="bg1"/>
+        </a:solidFill>
+        <a:effectLst/>
+      </p:bgPr>
+    </p:bg>
+    <p:spTree>
+      <p:nvGrpSpPr>
+        <p:cNvPr id="1" name=""/>
+        <p:cNvGrpSpPr/>
+        <p:nvPr/>
+      </p:nvGrpSpPr>
+      <p:grpSpPr>
+        <a:xfrm>
+          <a:off x="0" y="0"/>
+          <a:ext cx="0" cy="0"/>
+          <a:chOff x="0" y="0"/>
+          <a:chExt cx="0" cy="0"/>
+        </a:xfrm>
+      </p:grpSpPr>
+      <p:sp useBgFill="1">
+        <p:nvSpPr>
+          <p:cNvPr id="10" name="Rectangle 9">
+            <a:extLst>
+              <a:ext uri="{FF2B5EF4-FFF2-40B4-BE49-F238E27FC236}">
+                <a16:creationId xmlns:a16="http://schemas.microsoft.com/office/drawing/2014/main" id="{F13C74B1-5B17-4795-BED0-7140497B445A}"/>
+              </a:ext>
+              <a:ext uri="{C183D7F6-B498-43B3-948B-1728B52AA6E4}">
+                <adec:decorative xmlns:adec="http://schemas.microsoft.com/office/drawing/2017/decorative" val="1"/>
+              </a:ext>
+            </a:extLst>
+          </p:cNvPr>
+          <p:cNvSpPr>
+            <a:spLocks noGrp="1" noRot="1" noChangeAspect="1" noMove="1" noResize="1" noEditPoints="1" noAdjustHandles="1" noChangeArrowheads="1" noChangeShapeType="1" noTextEdit="1"/>
+          </p:cNvSpPr>
+          <p:nvPr>
+            <p:extLst>
+              <p:ext uri="{386F3935-93C4-4BCD-93E2-E3B085C9AB24}">
+                <p16:designElem xmlns:p16="http://schemas.microsoft.com/office/powerpoint/2015/main" val="1"/>
+              </p:ext>
+            </p:extLst>
+          </p:nvPr>
+        </p:nvSpPr>
+        <p:spPr>
+          <a:xfrm>
+            <a:off x="0" y="0"/>
+            <a:ext cx="12188952" cy="6858000"/>
+          </a:xfrm>
+          <a:prstGeom prst="rect">
+            <a:avLst/>
+          </a:prstGeom>
+          <a:ln>
+            <a:noFill/>
+          </a:ln>
+        </p:spPr>
+        <p:style>
+          <a:lnRef idx="2">
+            <a:schemeClr val="accent1">
+              <a:shade val="50000"/>
+            </a:schemeClr>
+          </a:lnRef>
+          <a:fillRef idx="1">
+            <a:schemeClr val="accent1"/>
+          </a:fillRef>
+          <a:effectRef idx="0">
+            <a:schemeClr val="accent1"/>
+          </a:effectRef>
+          <a:fontRef idx="minor">
+            <a:schemeClr val="lt1"/>
+          </a:fontRef>
+        </p:style>
+        <p:txBody>
+          <a:bodyPr rtlCol="0" anchor="ctr"/>
+          <a:lstStyle/>
+          <a:p>
+            <a:pPr algn="ctr"/>
+            <a:endParaRPr lang="en-US"/>
+          </a:p>
+        </p:txBody>
+      </p:sp>
+      <p:pic>
+        <p:nvPicPr>
+          <p:cNvPr id="5" name="Picture 4" descr="Cable cars">
+            <a:extLst>
+              <a:ext uri="{FF2B5EF4-FFF2-40B4-BE49-F238E27FC236}">
+                <a16:creationId xmlns:a16="http://schemas.microsoft.com/office/drawing/2014/main" id="{16E63AD5-D456-1639-C328-0020BCA5011B}"/>
+              </a:ext>
+            </a:extLst>
+          </p:cNvPr>
+          <p:cNvPicPr>
+            <a:picLocks noChangeAspect="1"/>
+          </p:cNvPicPr>
+          <p:nvPr/>
+        </p:nvPicPr>
+        <p:blipFill rotWithShape="1">
+          <a:blip r:embed="rId2"/>
+          <a:srcRect l="29293" r="3754" b="-1"/>
+          <a:stretch/>
+        </p:blipFill>
+        <p:spPr>
+          <a:xfrm>
+            <a:off x="5311702" y="10"/>
+            <a:ext cx="6878775" cy="6857990"/>
+          </a:xfrm>
+          <a:custGeom>
+            <a:avLst/>
+            <a:gdLst/>
+            <a:ahLst/>
+            <a:cxnLst/>
+            <a:rect l="l" t="t" r="r" b="b"/>
+            <a:pathLst>
+              <a:path w="6878775" h="6858000">
+                <a:moveTo>
+                  <a:pt x="1102973" y="0"/>
+                </a:moveTo>
+                <a:lnTo>
+                  <a:pt x="1160688" y="0"/>
+                </a:lnTo>
+                <a:lnTo>
+                  <a:pt x="983189" y="331786"/>
+                </a:lnTo>
+                <a:cubicBezTo>
+                  <a:pt x="914866" y="469145"/>
+                  <a:pt x="850355" y="608712"/>
+                  <a:pt x="789261" y="750263"/>
+                </a:cubicBezTo>
+                <a:cubicBezTo>
+                  <a:pt x="774307" y="784928"/>
+                  <a:pt x="759992" y="819849"/>
+                  <a:pt x="745295" y="854514"/>
+                </a:cubicBezTo>
+                <a:cubicBezTo>
+                  <a:pt x="756682" y="845393"/>
+                  <a:pt x="765489" y="833492"/>
+                  <a:pt x="770857" y="819975"/>
+                </a:cubicBezTo>
+                <a:cubicBezTo>
+                  <a:pt x="879943" y="589569"/>
+                  <a:pt x="999605" y="365513"/>
+                  <a:pt x="1131329" y="148742"/>
+                </a:cubicBezTo>
+                <a:lnTo>
+                  <a:pt x="1227589" y="0"/>
+                </a:lnTo>
+                <a:lnTo>
+                  <a:pt x="6878775" y="0"/>
+                </a:lnTo>
+                <a:lnTo>
+                  <a:pt x="6878775" y="6858000"/>
+                </a:lnTo>
+                <a:lnTo>
+                  <a:pt x="713521" y="6858000"/>
+                </a:lnTo>
+                <a:lnTo>
+                  <a:pt x="625642" y="6670527"/>
+                </a:lnTo>
+                <a:cubicBezTo>
+                  <a:pt x="507232" y="6398531"/>
+                  <a:pt x="403083" y="6118381"/>
+                  <a:pt x="312785" y="5830359"/>
+                </a:cubicBezTo>
+                <a:cubicBezTo>
+                  <a:pt x="278149" y="5719759"/>
+                  <a:pt x="248879" y="5607635"/>
+                  <a:pt x="212198" y="5480401"/>
+                </a:cubicBezTo>
+                <a:cubicBezTo>
+                  <a:pt x="212208" y="5491601"/>
+                  <a:pt x="212803" y="5502788"/>
+                  <a:pt x="213988" y="5513923"/>
+                </a:cubicBezTo>
+                <a:cubicBezTo>
+                  <a:pt x="264089" y="5723695"/>
+                  <a:pt x="307290" y="5935370"/>
+                  <a:pt x="365826" y="6142729"/>
+                </a:cubicBezTo>
+                <a:cubicBezTo>
+                  <a:pt x="433152" y="6380817"/>
+                  <a:pt x="510068" y="6614016"/>
+                  <a:pt x="597975" y="6841549"/>
+                </a:cubicBezTo>
+                <a:lnTo>
+                  <a:pt x="604824" y="6858000"/>
+                </a:lnTo>
+                <a:lnTo>
+                  <a:pt x="552056" y="6858000"/>
+                </a:lnTo>
+                <a:lnTo>
+                  <a:pt x="539576" y="6828295"/>
+                </a:lnTo>
+                <a:cubicBezTo>
+                  <a:pt x="380597" y="6414594"/>
+                  <a:pt x="260223" y="5988893"/>
+                  <a:pt x="171555" y="5552906"/>
+                </a:cubicBezTo>
+                <a:cubicBezTo>
+                  <a:pt x="91163" y="5157998"/>
+                  <a:pt x="43746" y="4758899"/>
+                  <a:pt x="12305" y="4357388"/>
+                </a:cubicBezTo>
+                <a:cubicBezTo>
+                  <a:pt x="-14281" y="4013908"/>
+                  <a:pt x="4507" y="3672965"/>
+                  <a:pt x="46684" y="3331516"/>
+                </a:cubicBezTo>
+                <a:cubicBezTo>
+                  <a:pt x="127203" y="2664286"/>
+                  <a:pt x="277819" y="2007265"/>
+                  <a:pt x="496065" y="1371196"/>
+                </a:cubicBezTo>
+                <a:cubicBezTo>
+                  <a:pt x="636273" y="966066"/>
+                  <a:pt x="800445" y="573253"/>
+                  <a:pt x="995723" y="196614"/>
+                </a:cubicBezTo>
+                <a:close/>
+              </a:path>
+            </a:pathLst>
+          </a:custGeom>
+        </p:spPr>
+      </p:pic>
+      <p:sp>
+        <p:nvSpPr>
+          <p:cNvPr id="2" name="Title 1">
+            <a:extLst>
+              <a:ext uri="{FF2B5EF4-FFF2-40B4-BE49-F238E27FC236}">
+                <a16:creationId xmlns:a16="http://schemas.microsoft.com/office/drawing/2014/main" id="{6626752F-C456-CA81-833B-996BDAD4FC92}"/>
+              </a:ext>
+            </a:extLst>
+          </p:cNvPr>
+          <p:cNvSpPr>
+            <a:spLocks noGrp="1"/>
+          </p:cNvSpPr>
+          <p:nvPr>
+            <p:ph type="title"/>
+          </p:nvPr>
+        </p:nvSpPr>
+        <p:spPr>
+          <a:xfrm>
+            <a:off x="640080" y="325369"/>
+            <a:ext cx="5455920" cy="1956841"/>
+          </a:xfrm>
+        </p:spPr>
+        <p:txBody>
+          <a:bodyPr anchor="b">
+            <a:normAutofit/>
+          </a:bodyPr>
+          <a:lstStyle/>
+          <a:p>
+            <a:r>
+              <a:rPr lang="en-US" sz="5400" b="0" i="0" dirty="0">
+                <a:effectLst/>
+                <a:latin typeface="+mn-lt"/>
+              </a:rPr>
+              <a:t>Recommendations</a:t>
+            </a:r>
+            <a:endParaRPr lang="en-US" sz="5400" dirty="0"/>
+          </a:p>
+        </p:txBody>
+      </p:sp>
+      <p:sp>
+        <p:nvSpPr>
+          <p:cNvPr id="12" name="sketchy line">
+            <a:extLst>
+              <a:ext uri="{FF2B5EF4-FFF2-40B4-BE49-F238E27FC236}">
+                <a16:creationId xmlns:a16="http://schemas.microsoft.com/office/drawing/2014/main" id="{D4974D33-8DC5-464E-8C6D-BE58F0669C17}"/>
+              </a:ext>
+              <a:ext uri="{C183D7F6-B498-43B3-948B-1728B52AA6E4}">
+                <adec:decorative xmlns:adec="http://schemas.microsoft.com/office/drawing/2017/decorative" val="1"/>
+              </a:ext>
+            </a:extLst>
+          </p:cNvPr>
+          <p:cNvSpPr>
+            <a:spLocks noGrp="1" noRot="1" noChangeAspect="1" noMove="1" noResize="1" noEditPoints="1" noAdjustHandles="1" noChangeArrowheads="1" noChangeShapeType="1" noTextEdit="1"/>
+          </p:cNvSpPr>
+          <p:nvPr>
+            <p:extLst>
+              <p:ext uri="{386F3935-93C4-4BCD-93E2-E3B085C9AB24}">
+                <p16:designElem xmlns:p16="http://schemas.microsoft.com/office/powerpoint/2015/main" val="1"/>
+              </p:ext>
+            </p:extLst>
+          </p:nvPr>
+        </p:nvSpPr>
+        <p:spPr>
+          <a:xfrm>
+            <a:off x="640080" y="2586994"/>
+            <a:ext cx="3474720" cy="18288"/>
+          </a:xfrm>
+          <a:custGeom>
+            <a:avLst/>
+            <a:gdLst>
+              <a:gd name="connsiteX0" fmla="*/ 0 w 3474720"/>
+              <a:gd name="connsiteY0" fmla="*/ 0 h 18288"/>
+              <a:gd name="connsiteX1" fmla="*/ 694944 w 3474720"/>
+              <a:gd name="connsiteY1" fmla="*/ 0 h 18288"/>
+              <a:gd name="connsiteX2" fmla="*/ 1355141 w 3474720"/>
+              <a:gd name="connsiteY2" fmla="*/ 0 h 18288"/>
+              <a:gd name="connsiteX3" fmla="*/ 2015338 w 3474720"/>
+              <a:gd name="connsiteY3" fmla="*/ 0 h 18288"/>
+              <a:gd name="connsiteX4" fmla="*/ 2779776 w 3474720"/>
+              <a:gd name="connsiteY4" fmla="*/ 0 h 18288"/>
+              <a:gd name="connsiteX5" fmla="*/ 3474720 w 3474720"/>
+              <a:gd name="connsiteY5" fmla="*/ 0 h 18288"/>
+              <a:gd name="connsiteX6" fmla="*/ 3474720 w 3474720"/>
+              <a:gd name="connsiteY6" fmla="*/ 18288 h 18288"/>
+              <a:gd name="connsiteX7" fmla="*/ 2779776 w 3474720"/>
+              <a:gd name="connsiteY7" fmla="*/ 18288 h 18288"/>
+              <a:gd name="connsiteX8" fmla="*/ 2189074 w 3474720"/>
+              <a:gd name="connsiteY8" fmla="*/ 18288 h 18288"/>
+              <a:gd name="connsiteX9" fmla="*/ 1528877 w 3474720"/>
+              <a:gd name="connsiteY9" fmla="*/ 18288 h 18288"/>
+              <a:gd name="connsiteX10" fmla="*/ 868680 w 3474720"/>
+              <a:gd name="connsiteY10" fmla="*/ 18288 h 18288"/>
+              <a:gd name="connsiteX11" fmla="*/ 0 w 3474720"/>
+              <a:gd name="connsiteY11" fmla="*/ 18288 h 18288"/>
+              <a:gd name="connsiteX12" fmla="*/ 0 w 3474720"/>
+              <a:gd name="connsiteY12" fmla="*/ 0 h 18288"/>
+            </a:gdLst>
+            <a:ahLst/>
+            <a:cxnLst>
+              <a:cxn ang="0">
+                <a:pos x="connsiteX0" y="connsiteY0"/>
+              </a:cxn>
+              <a:cxn ang="0">
+                <a:pos x="connsiteX1" y="connsiteY1"/>
+              </a:cxn>
+              <a:cxn ang="0">
+                <a:pos x="connsiteX2" y="connsiteY2"/>
+              </a:cxn>
+              <a:cxn ang="0">
+                <a:pos x="connsiteX3" y="connsiteY3"/>
+              </a:cxn>
+              <a:cxn ang="0">
+                <a:pos x="connsiteX4" y="connsiteY4"/>
+              </a:cxn>
+              <a:cxn ang="0">
+                <a:pos x="connsiteX5" y="connsiteY5"/>
+              </a:cxn>
+              <a:cxn ang="0">
+                <a:pos x="connsiteX6" y="connsiteY6"/>
+              </a:cxn>
+              <a:cxn ang="0">
+                <a:pos x="connsiteX7" y="connsiteY7"/>
+              </a:cxn>
+              <a:cxn ang="0">
+                <a:pos x="connsiteX8" y="connsiteY8"/>
+              </a:cxn>
+              <a:cxn ang="0">
+                <a:pos x="connsiteX9" y="connsiteY9"/>
+              </a:cxn>
+              <a:cxn ang="0">
+                <a:pos x="connsiteX10" y="connsiteY10"/>
+              </a:cxn>
+              <a:cxn ang="0">
+                <a:pos x="connsiteX11" y="connsiteY11"/>
+              </a:cxn>
+              <a:cxn ang="0">
+                <a:pos x="connsiteX12" y="connsiteY12"/>
+              </a:cxn>
+            </a:cxnLst>
+            <a:rect l="l" t="t" r="r" b="b"/>
+            <a:pathLst>
+              <a:path w="3474720" h="18288" fill="none" extrusionOk="0">
+                <a:moveTo>
+                  <a:pt x="0" y="0"/>
+                </a:moveTo>
+                <a:cubicBezTo>
+                  <a:pt x="224454" y="-14544"/>
+                  <a:pt x="495407" y="26540"/>
+                  <a:pt x="694944" y="0"/>
+                </a:cubicBezTo>
+                <a:cubicBezTo>
+                  <a:pt x="894481" y="-26540"/>
+                  <a:pt x="1130063" y="24713"/>
+                  <a:pt x="1355141" y="0"/>
+                </a:cubicBezTo>
+                <a:cubicBezTo>
+                  <a:pt x="1580219" y="-24713"/>
+                  <a:pt x="1820099" y="26695"/>
+                  <a:pt x="2015338" y="0"/>
+                </a:cubicBezTo>
+                <a:cubicBezTo>
+                  <a:pt x="2210577" y="-26695"/>
+                  <a:pt x="2402045" y="165"/>
+                  <a:pt x="2779776" y="0"/>
+                </a:cubicBezTo>
+                <a:cubicBezTo>
+                  <a:pt x="3157507" y="-165"/>
+                  <a:pt x="3286859" y="-15571"/>
+                  <a:pt x="3474720" y="0"/>
+                </a:cubicBezTo>
+                <a:cubicBezTo>
+                  <a:pt x="3474286" y="7551"/>
+                  <a:pt x="3474253" y="9822"/>
+                  <a:pt x="3474720" y="18288"/>
+                </a:cubicBezTo>
+                <a:cubicBezTo>
+                  <a:pt x="3233904" y="29845"/>
+                  <a:pt x="2945134" y="-5256"/>
+                  <a:pt x="2779776" y="18288"/>
+                </a:cubicBezTo>
+                <a:cubicBezTo>
+                  <a:pt x="2614418" y="41832"/>
+                  <a:pt x="2339768" y="22709"/>
+                  <a:pt x="2189074" y="18288"/>
+                </a:cubicBezTo>
+                <a:cubicBezTo>
+                  <a:pt x="2038380" y="13867"/>
+                  <a:pt x="1817434" y="-4947"/>
+                  <a:pt x="1528877" y="18288"/>
+                </a:cubicBezTo>
+                <a:cubicBezTo>
+                  <a:pt x="1240320" y="41523"/>
+                  <a:pt x="1042447" y="37198"/>
+                  <a:pt x="868680" y="18288"/>
+                </a:cubicBezTo>
+                <a:cubicBezTo>
+                  <a:pt x="694913" y="-622"/>
+                  <a:pt x="233232" y="44909"/>
+                  <a:pt x="0" y="18288"/>
+                </a:cubicBezTo>
+                <a:cubicBezTo>
+                  <a:pt x="60" y="11696"/>
+                  <a:pt x="66" y="3758"/>
+                  <a:pt x="0" y="0"/>
+                </a:cubicBezTo>
+                <a:close/>
+              </a:path>
+              <a:path w="3474720" h="18288" stroke="0" extrusionOk="0">
+                <a:moveTo>
+                  <a:pt x="0" y="0"/>
+                </a:moveTo>
+                <a:cubicBezTo>
+                  <a:pt x="202328" y="-14716"/>
+                  <a:pt x="332722" y="-11499"/>
+                  <a:pt x="625450" y="0"/>
+                </a:cubicBezTo>
+                <a:cubicBezTo>
+                  <a:pt x="918178" y="11499"/>
+                  <a:pt x="1096688" y="5123"/>
+                  <a:pt x="1389888" y="0"/>
+                </a:cubicBezTo>
+                <a:cubicBezTo>
+                  <a:pt x="1683088" y="-5123"/>
+                  <a:pt x="1835981" y="-14038"/>
+                  <a:pt x="1980590" y="0"/>
+                </a:cubicBezTo>
+                <a:cubicBezTo>
+                  <a:pt x="2125199" y="14038"/>
+                  <a:pt x="2396099" y="-7203"/>
+                  <a:pt x="2571293" y="0"/>
+                </a:cubicBezTo>
+                <a:cubicBezTo>
+                  <a:pt x="2746487" y="7203"/>
+                  <a:pt x="3041609" y="-12036"/>
+                  <a:pt x="3474720" y="0"/>
+                </a:cubicBezTo>
+                <a:cubicBezTo>
+                  <a:pt x="3474638" y="4406"/>
+                  <a:pt x="3474631" y="9982"/>
+                  <a:pt x="3474720" y="18288"/>
+                </a:cubicBezTo>
+                <a:cubicBezTo>
+                  <a:pt x="3324873" y="21876"/>
+                  <a:pt x="3136771" y="12587"/>
+                  <a:pt x="2814523" y="18288"/>
+                </a:cubicBezTo>
+                <a:cubicBezTo>
+                  <a:pt x="2492275" y="23989"/>
+                  <a:pt x="2294402" y="47111"/>
+                  <a:pt x="2154326" y="18288"/>
+                </a:cubicBezTo>
+                <a:cubicBezTo>
+                  <a:pt x="2014250" y="-10535"/>
+                  <a:pt x="1820317" y="33903"/>
+                  <a:pt x="1494130" y="18288"/>
+                </a:cubicBezTo>
+                <a:cubicBezTo>
+                  <a:pt x="1167943" y="2673"/>
+                  <a:pt x="948432" y="14868"/>
+                  <a:pt x="729691" y="18288"/>
+                </a:cubicBezTo>
+                <a:cubicBezTo>
+                  <a:pt x="510950" y="21708"/>
+                  <a:pt x="264032" y="24354"/>
+                  <a:pt x="0" y="18288"/>
+                </a:cubicBezTo>
+                <a:cubicBezTo>
+                  <a:pt x="189" y="14288"/>
+                  <a:pt x="-703" y="3747"/>
+                  <a:pt x="0" y="0"/>
+                </a:cubicBezTo>
+                <a:close/>
+              </a:path>
+            </a:pathLst>
+          </a:custGeom>
+          <a:solidFill>
+            <a:schemeClr val="accent2"/>
+          </a:solidFill>
+          <a:ln w="44450" cap="rnd">
+            <a:solidFill>
+              <a:schemeClr val="accent2"/>
+            </a:solidFill>
+            <a:round/>
+            <a:extLst>
+              <a:ext uri="{C807C97D-BFC1-408E-A445-0C87EB9F89A2}">
+                <ask:lineSketchStyleProps xmlns:ask="http://schemas.microsoft.com/office/drawing/2018/sketchyshapes" sd="2863741219">
+                  <a:prstGeom prst="rect">
+                    <a:avLst/>
+                  </a:prstGeom>
+                  <ask:type>
+                    <ask:lineSketchFreehand/>
+                  </ask:type>
+                </ask:lineSketchStyleProps>
+              </a:ext>
+            </a:extLst>
+          </a:ln>
+        </p:spPr>
+        <p:style>
+          <a:lnRef idx="2">
+            <a:schemeClr val="accent1">
+              <a:shade val="50000"/>
+            </a:schemeClr>
+          </a:lnRef>
+          <a:fillRef idx="1">
+            <a:schemeClr val="accent1"/>
+          </a:fillRef>
+          <a:effectRef idx="0">
+            <a:schemeClr val="accent1"/>
+          </a:effectRef>
+          <a:fontRef idx="minor">
+            <a:schemeClr val="lt1"/>
+          </a:fontRef>
+        </p:style>
+        <p:txBody>
+          <a:bodyPr rtlCol="0" anchor="ctr"/>
+          <a:lstStyle/>
+          <a:p>
+            <a:pPr algn="ctr"/>
+            <a:endParaRPr lang="en-US"/>
+          </a:p>
+        </p:txBody>
+      </p:sp>
+      <p:sp>
+        <p:nvSpPr>
+          <p:cNvPr id="3" name="Content Placeholder 2">
+            <a:extLst>
+              <a:ext uri="{FF2B5EF4-FFF2-40B4-BE49-F238E27FC236}">
+                <a16:creationId xmlns:a16="http://schemas.microsoft.com/office/drawing/2014/main" id="{112776E7-483C-2307-459B-C1B07BFA770F}"/>
+              </a:ext>
+            </a:extLst>
+          </p:cNvPr>
+          <p:cNvSpPr>
+            <a:spLocks noGrp="1"/>
+          </p:cNvSpPr>
+          <p:nvPr>
+            <p:ph idx="1"/>
+          </p:nvPr>
+        </p:nvSpPr>
+        <p:spPr>
+          <a:xfrm>
+            <a:off x="640080" y="2872899"/>
+            <a:ext cx="4243589" cy="3320668"/>
+          </a:xfrm>
+        </p:spPr>
+        <p:txBody>
+          <a:bodyPr>
+            <a:noAutofit/>
+          </a:bodyPr>
+          <a:lstStyle/>
+          <a:p>
+            <a:pPr>
+              <a:buFont typeface="Wingdings" pitchFamily="2" charset="2"/>
+              <a:buChar char="q"/>
+            </a:pPr>
+            <a:r>
+              <a:rPr lang="en-US" sz="2200" dirty="0"/>
+              <a:t>Facilities Investments</a:t>
+            </a:r>
+          </a:p>
+          <a:p>
+            <a:pPr>
+              <a:buFont typeface="Wingdings" pitchFamily="2" charset="2"/>
+              <a:buChar char="Ø"/>
+            </a:pPr>
+            <a:r>
+              <a:rPr lang="en-US" sz="2200" dirty="0"/>
+              <a:t> close one least used run, which will not influence the revenue.</a:t>
+            </a:r>
+          </a:p>
+          <a:p>
+            <a:pPr>
+              <a:buFont typeface="Wingdings" pitchFamily="2" charset="2"/>
+              <a:buChar char="Ø"/>
+            </a:pPr>
+            <a:r>
+              <a:rPr lang="en-US" sz="2200" dirty="0"/>
+              <a:t> increase the vertical drop by adding a run to a point 150 feet lower down with installation of an additional chair lift without additional snow making coverage, which will increase revenue roughly $3 million.</a:t>
+            </a:r>
+          </a:p>
+        </p:txBody>
+      </p:sp>
+    </p:spTree>
+    <p:extLst>
+      <p:ext uri="{BB962C8B-B14F-4D97-AF65-F5344CB8AC3E}">
+        <p14:creationId xmlns:p14="http://schemas.microsoft.com/office/powerpoint/2010/main" val="3146456457"/>
+      </p:ext>
+    </p:extLst>
+  </p:cSld>
+  <p:clrMapOvr>
+    <a:masterClrMapping/>
+  </p:clrMapOvr>
+  <p:timing>
+    <p:tnLst>
+      <p:par>
+        <p:cTn id="1" dur="indefinite" restart="never" nodeType="tmRoot">
+          <p:childTnLst>
+            <p:seq concurrent="1" nextAc="seek">
+              <p:cTn id="2" dur="indefinite" nodeType="mainSeq">
+                <p:childTnLst>
+                  <p:par>
+                    <p:cTn id="3" fill="hold">
+                      <p:stCondLst>
+                        <p:cond delay="indefinite"/>
+                      </p:stCondLst>
+                      <p:childTnLst>
+                        <p:par>
+                          <p:cTn id="4" fill="hold">
+                            <p:stCondLst>
+                              <p:cond delay="0"/>
+                            </p:stCondLst>
+                            <p:childTnLst>
+                              <p:par>
+                                <p:cTn id="5" presetID="10" presetClass="entr" presetSubtype="0" fill="hold" grpId="0" nodeType="clickEffect">
+                                  <p:stCondLst>
+                                    <p:cond delay="0"/>
+                                  </p:stCondLst>
+                                  <p:childTnLst>
+                                    <p:set>
+                                      <p:cBhvr>
+                                        <p:cTn id="6" dur="1" fill="hold">
+                                          <p:stCondLst>
+                                            <p:cond delay="0"/>
+                                          </p:stCondLst>
+                                        </p:cTn>
+                                        <p:tgtEl>
+                                          <p:spTgt spid="2"/>
+                                        </p:tgtEl>
+                                        <p:attrNameLst>
+                                          <p:attrName>style.visibility</p:attrName>
+                                        </p:attrNameLst>
+                                      </p:cBhvr>
+                                      <p:to>
+                                        <p:strVal val="visible"/>
+                                      </p:to>
+                                    </p:set>
+                                    <p:animEffect transition="in" filter="fade">
+                                      <p:cBhvr>
+                                        <p:cTn id="7" dur="500"/>
+                                        <p:tgtEl>
+                                          <p:spTgt spid="2"/>
+                                        </p:tgtEl>
+                                      </p:cBhvr>
+                                    </p:animEffect>
+                                  </p:childTnLst>
+                                </p:cTn>
+                              </p:par>
+                            </p:childTnLst>
+                          </p:cTn>
+                        </p:par>
+                      </p:childTnLst>
+                    </p:cTn>
+                  </p:par>
+                  <p:par>
+                    <p:cTn id="8" fill="hold">
+                      <p:stCondLst>
+                        <p:cond delay="indefinite"/>
+                      </p:stCondLst>
+                      <p:childTnLst>
+                        <p:par>
+                          <p:cTn id="9" fill="hold">
+                            <p:stCondLst>
+                              <p:cond delay="0"/>
+                            </p:stCondLst>
+                            <p:childTnLst>
+                              <p:par>
+                                <p:cTn id="10" presetID="10" presetClass="entr" presetSubtype="0" fill="hold" grpId="0" nodeType="clickEffect">
+                                  <p:stCondLst>
+                                    <p:cond delay="0"/>
+                                  </p:stCondLst>
+                                  <p:childTnLst>
+                                    <p:set>
+                                      <p:cBhvr>
+                                        <p:cTn id="11" dur="1" fill="hold">
+                                          <p:stCondLst>
+                                            <p:cond delay="0"/>
+                                          </p:stCondLst>
+                                        </p:cTn>
+                                        <p:tgtEl>
+                                          <p:spTgt spid="3">
+                                            <p:txEl>
+                                              <p:pRg st="0" end="0"/>
+                                            </p:txEl>
+                                          </p:spTgt>
+                                        </p:tgtEl>
+                                        <p:attrNameLst>
+                                          <p:attrName>style.visibility</p:attrName>
+                                        </p:attrNameLst>
+                                      </p:cBhvr>
+                                      <p:to>
+                                        <p:strVal val="visible"/>
+                                      </p:to>
+                                    </p:set>
+                                    <p:animEffect transition="in" filter="fade">
+                                      <p:cBhvr>
+                                        <p:cTn id="12" dur="500"/>
+                                        <p:tgtEl>
+                                          <p:spTgt spid="3">
+                                            <p:txEl>
+                                              <p:pRg st="0" end="0"/>
+                                            </p:txEl>
+                                          </p:spTgt>
+                                        </p:tgtEl>
+                                      </p:cBhvr>
+                                    </p:animEffect>
+                                  </p:childTnLst>
+                                </p:cTn>
+                              </p:par>
+                            </p:childTnLst>
+                          </p:cTn>
+                        </p:par>
+                      </p:childTnLst>
+                    </p:cTn>
+                  </p:par>
+                  <p:par>
+                    <p:cTn id="13" fill="hold">
+                      <p:stCondLst>
+                        <p:cond delay="indefinite"/>
+                      </p:stCondLst>
+                      <p:childTnLst>
+                        <p:par>
+                          <p:cTn id="14" fill="hold">
+                            <p:stCondLst>
+                              <p:cond delay="0"/>
+                            </p:stCondLst>
+                            <p:childTnLst>
+                              <p:par>
+                                <p:cTn id="15" presetID="10" presetClass="entr" presetSubtype="0" fill="hold" grpId="0" nodeType="clickEffect">
+                                  <p:stCondLst>
+                                    <p:cond delay="0"/>
+                                  </p:stCondLst>
+                                  <p:childTnLst>
+                                    <p:set>
+                                      <p:cBhvr>
+                                        <p:cTn id="16" dur="1" fill="hold">
+                                          <p:stCondLst>
+                                            <p:cond delay="0"/>
+                                          </p:stCondLst>
+                                        </p:cTn>
+                                        <p:tgtEl>
+                                          <p:spTgt spid="3">
+                                            <p:txEl>
+                                              <p:pRg st="1" end="1"/>
+                                            </p:txEl>
+                                          </p:spTgt>
+                                        </p:tgtEl>
+                                        <p:attrNameLst>
+                                          <p:attrName>style.visibility</p:attrName>
+                                        </p:attrNameLst>
+                                      </p:cBhvr>
+                                      <p:to>
+                                        <p:strVal val="visible"/>
+                                      </p:to>
+                                    </p:set>
+                                    <p:animEffect transition="in" filter="fade">
+                                      <p:cBhvr>
+                                        <p:cTn id="17" dur="500"/>
+                                        <p:tgtEl>
+                                          <p:spTgt spid="3">
+                                            <p:txEl>
+                                              <p:pRg st="1" end="1"/>
+                                            </p:txEl>
+                                          </p:spTgt>
+                                        </p:tgtEl>
+                                      </p:cBhvr>
+                                    </p:animEffect>
+                                  </p:childTnLst>
+                                </p:cTn>
+                              </p:par>
+                            </p:childTnLst>
+                          </p:cTn>
+                        </p:par>
+                      </p:childTnLst>
+                    </p:cTn>
+                  </p:par>
+                  <p:par>
+                    <p:cTn id="18" fill="hold">
+                      <p:stCondLst>
+                        <p:cond delay="indefinite"/>
+                      </p:stCondLst>
+                      <p:childTnLst>
+                        <p:par>
+                          <p:cTn id="19" fill="hold">
+                            <p:stCondLst>
+                              <p:cond delay="0"/>
+                            </p:stCondLst>
+                            <p:childTnLst>
+                              <p:par>
+                                <p:cTn id="20" presetID="10" presetClass="entr" presetSubtype="0" fill="hold" grpId="0" nodeType="clickEffect">
+                                  <p:stCondLst>
+                                    <p:cond delay="0"/>
+                                  </p:stCondLst>
+                                  <p:childTnLst>
+                                    <p:set>
+                                      <p:cBhvr>
+                                        <p:cTn id="21" dur="1" fill="hold">
+                                          <p:stCondLst>
+                                            <p:cond delay="0"/>
+                                          </p:stCondLst>
+                                        </p:cTn>
+                                        <p:tgtEl>
+                                          <p:spTgt spid="3">
+                                            <p:txEl>
+                                              <p:pRg st="2" end="2"/>
+                                            </p:txEl>
+                                          </p:spTgt>
+                                        </p:tgtEl>
+                                        <p:attrNameLst>
+                                          <p:attrName>style.visibility</p:attrName>
+                                        </p:attrNameLst>
+                                      </p:cBhvr>
+                                      <p:to>
+                                        <p:strVal val="visible"/>
+                                      </p:to>
+                                    </p:set>
+                                    <p:animEffect transition="in" filter="fade">
+                                      <p:cBhvr>
+                                        <p:cTn id="22" dur="500"/>
+                                        <p:tgtEl>
+                                          <p:spTgt spid="3">
+                                            <p:txEl>
+                                              <p:pRg st="2" end="2"/>
+                                            </p:txEl>
+                                          </p:spTgt>
+                                        </p:tgtEl>
+                                      </p:cBhvr>
+                                    </p:animEffect>
+                                  </p:childTnLst>
+                                </p:cTn>
+                              </p:par>
+                            </p:childTnLst>
+                          </p:cTn>
+                        </p:par>
+                      </p:childTnLst>
+                    </p:cTn>
+                  </p:par>
+                </p:childTnLst>
+              </p:cTn>
+              <p:prevCondLst>
+                <p:cond evt="onPrev" delay="0">
+                  <p:tgtEl>
+                    <p:sldTgt/>
+                  </p:tgtEl>
+                </p:cond>
+              </p:prevCondLst>
+              <p:nextCondLst>
+                <p:cond evt="onNext" delay="0">
+                  <p:tgtEl>
+                    <p:sldTgt/>
+                  </p:tgtEl>
+                </p:cond>
+              </p:nextCondLst>
+            </p:seq>
+          </p:childTnLst>
+        </p:cTn>
+      </p:par>
+    </p:tnLst>
+    <p:bldLst>
+      <p:bldP spid="2" grpId="0"/>
+      <p:bldP spid="3" grpId="0" build="p"/>
+    </p:bldLst>
+  </p:timing>
+</p:sld>
+</file>
+
+<file path=ppt/slides/slide7.xml><?xml version="1.0" encoding="utf-8"?>
+<p:sld xmlns:a="http://schemas.openxmlformats.org/drawingml/2006/main" xmlns:r="http://schemas.openxmlformats.org/officeDocument/2006/relationships" xmlns:p="http://schemas.openxmlformats.org/presentationml/2006/main">
+  <p:cSld>
+    <p:bg>
+      <p:bgPr>
+        <a:solidFill>
+          <a:schemeClr val="bg1"/>
+        </a:solidFill>
+        <a:effectLst/>
+      </p:bgPr>
+    </p:bg>
+    <p:spTree>
+      <p:nvGrpSpPr>
+        <p:cNvPr id="1" name=""/>
+        <p:cNvGrpSpPr/>
+        <p:nvPr/>
+      </p:nvGrpSpPr>
+      <p:grpSpPr>
+        <a:xfrm>
+          <a:off x="0" y="0"/>
+          <a:ext cx="0" cy="0"/>
+          <a:chOff x="0" y="0"/>
+          <a:chExt cx="0" cy="0"/>
+        </a:xfrm>
+      </p:grpSpPr>
+      <p:pic>
+        <p:nvPicPr>
+          <p:cNvPr id="15" name="Picture 14" descr="A graph of a number of blue and red bars&#10;&#10;Description automatically generated">
+            <a:extLst>
+              <a:ext uri="{FF2B5EF4-FFF2-40B4-BE49-F238E27FC236}">
+                <a16:creationId xmlns:a16="http://schemas.microsoft.com/office/drawing/2014/main" id="{D7CEA2D1-EA7A-EE38-42A1-E047C1A0A9A0}"/>
+              </a:ext>
+            </a:extLst>
+          </p:cNvPr>
+          <p:cNvPicPr>
+            <a:picLocks noChangeAspect="1"/>
+          </p:cNvPicPr>
+          <p:nvPr/>
+        </p:nvPicPr>
+        <p:blipFill>
+          <a:blip r:embed="rId2"/>
+          <a:stretch>
+            <a:fillRect/>
+          </a:stretch>
+        </p:blipFill>
+        <p:spPr>
+          <a:xfrm>
+            <a:off x="6437437" y="243681"/>
+            <a:ext cx="5758796" cy="3210528"/>
+          </a:xfrm>
+          <a:prstGeom prst="rect">
+            <a:avLst/>
+          </a:prstGeom>
+        </p:spPr>
+      </p:pic>
+      <p:pic>
+        <p:nvPicPr>
+          <p:cNvPr id="17" name="Picture 16" descr="A graph of a bar graph&#10;&#10;Description automatically generated with medium confidence">
+            <a:extLst>
+              <a:ext uri="{FF2B5EF4-FFF2-40B4-BE49-F238E27FC236}">
+                <a16:creationId xmlns:a16="http://schemas.microsoft.com/office/drawing/2014/main" id="{22F6911D-9F7A-FC6F-9D83-444A81D709D8}"/>
+              </a:ext>
+            </a:extLst>
+          </p:cNvPr>
+          <p:cNvPicPr>
+            <a:picLocks noChangeAspect="1"/>
+          </p:cNvPicPr>
+          <p:nvPr/>
+        </p:nvPicPr>
+        <p:blipFill>
+          <a:blip r:embed="rId3"/>
+          <a:stretch>
+            <a:fillRect/>
+          </a:stretch>
+        </p:blipFill>
+        <p:spPr>
+          <a:xfrm>
+            <a:off x="6437437" y="3664217"/>
+            <a:ext cx="5754564" cy="3193783"/>
+          </a:xfrm>
+          <a:prstGeom prst="rect">
+            <a:avLst/>
+          </a:prstGeom>
+        </p:spPr>
+      </p:pic>
+      <p:sp>
+        <p:nvSpPr>
+          <p:cNvPr id="18" name="Title 1">
+            <a:extLst>
+              <a:ext uri="{FF2B5EF4-FFF2-40B4-BE49-F238E27FC236}">
+                <a16:creationId xmlns:a16="http://schemas.microsoft.com/office/drawing/2014/main" id="{AC7E46E1-A036-8216-7765-2CBE689D1ACC}"/>
+              </a:ext>
+            </a:extLst>
+          </p:cNvPr>
+          <p:cNvSpPr>
+            <a:spLocks noGrp="1"/>
+          </p:cNvSpPr>
+          <p:nvPr>
+            <p:ph type="title"/>
+          </p:nvPr>
+        </p:nvSpPr>
+        <p:spPr>
+          <a:xfrm>
+            <a:off x="488519" y="985158"/>
+            <a:ext cx="5266045" cy="1727574"/>
+          </a:xfrm>
+        </p:spPr>
+        <p:txBody>
+          <a:bodyPr anchor="b">
+            <a:noAutofit/>
+          </a:bodyPr>
+          <a:lstStyle/>
+          <a:p>
+            <a:r>
+              <a:rPr lang="en-US" sz="3000" dirty="0">
+                <a:latin typeface="+mn-lt"/>
+              </a:rPr>
+              <a:t>Big Mountain’s Ticket Price compared to other Resorts Ticket Price.</a:t>
+            </a:r>
+          </a:p>
+        </p:txBody>
+      </p:sp>
+      <p:sp>
+        <p:nvSpPr>
+          <p:cNvPr id="19" name="Title 1">
+            <a:extLst>
+              <a:ext uri="{FF2B5EF4-FFF2-40B4-BE49-F238E27FC236}">
+                <a16:creationId xmlns:a16="http://schemas.microsoft.com/office/drawing/2014/main" id="{CC99FE75-516F-3DCE-6080-7FE02D010618}"/>
+              </a:ext>
+            </a:extLst>
+          </p:cNvPr>
+          <p:cNvSpPr txBox="1">
+            <a:spLocks/>
+          </p:cNvSpPr>
+          <p:nvPr/>
+        </p:nvSpPr>
+        <p:spPr>
+          <a:xfrm>
+            <a:off x="488519" y="4754483"/>
+            <a:ext cx="5266045" cy="1013249"/>
+          </a:xfrm>
+          <a:prstGeom prst="rect">
+            <a:avLst/>
+          </a:prstGeom>
+        </p:spPr>
+        <p:txBody>
+          <a:bodyPr vert="horz" lIns="91440" tIns="45720" rIns="91440" bIns="45720" rtlCol="0" anchor="b">
+            <a:normAutofit fontScale="97500"/>
+          </a:bodyPr>
+          <a:lstStyle>
+            <a:lvl1pPr algn="l" defTabSz="914400" rtl="0" eaLnBrk="1" latinLnBrk="0" hangingPunct="1">
+              <a:lnSpc>
+                <a:spcPct val="90000"/>
+              </a:lnSpc>
+              <a:spcBef>
+                <a:spcPct val="0"/>
+              </a:spcBef>
+              <a:buNone/>
+              <a:defRPr sz="4400" kern="1200">
+                <a:solidFill>
+                  <a:schemeClr val="tx1"/>
+                </a:solidFill>
+                <a:latin typeface="+mj-lt"/>
+                <a:ea typeface="+mj-ea"/>
+                <a:cs typeface="+mj-cs"/>
+              </a:defRPr>
+            </a:lvl1pPr>
+          </a:lstStyle>
+          <a:p>
+            <a:r>
+              <a:rPr lang="en-US" sz="3100" dirty="0">
+                <a:latin typeface="+mn-lt"/>
+              </a:rPr>
+              <a:t>Big Mountain is doing well for vertical drop.</a:t>
+            </a:r>
+          </a:p>
+        </p:txBody>
+      </p:sp>
+    </p:spTree>
+    <p:extLst>
+      <p:ext uri="{BB962C8B-B14F-4D97-AF65-F5344CB8AC3E}">
+        <p14:creationId xmlns:p14="http://schemas.microsoft.com/office/powerpoint/2010/main" val="2009463096"/>
+      </p:ext>
+    </p:extLst>
+  </p:cSld>
+  <p:clrMapOvr>
+    <a:masterClrMapping/>
+  </p:clrMapOvr>
+  <p:timing>
+    <p:tnLst>
+      <p:par>
+        <p:cTn id="1" dur="indefinite" restart="never" nodeType="tmRoot">
+          <p:childTnLst>
+            <p:seq concurrent="1" nextAc="seek">
+              <p:cTn id="2" dur="indefinite" nodeType="mainSeq">
+                <p:childTnLst>
+                  <p:par>
+                    <p:cTn id="3" fill="hold">
+                      <p:stCondLst>
+                        <p:cond delay="indefinite"/>
+                      </p:stCondLst>
+                      <p:childTnLst>
+                        <p:par>
+                          <p:cTn id="4" fill="hold">
+                            <p:stCondLst>
+                              <p:cond delay="0"/>
+                            </p:stCondLst>
+                            <p:childTnLst>
+                              <p:par>
+                                <p:cTn id="5" presetID="10" presetClass="entr" presetSubtype="0" fill="hold" grpId="0" nodeType="clickEffect">
+                                  <p:stCondLst>
+                                    <p:cond delay="0"/>
+                                  </p:stCondLst>
+                                  <p:childTnLst>
+                                    <p:set>
+                                      <p:cBhvr>
+                                        <p:cTn id="6" dur="1" fill="hold">
+                                          <p:stCondLst>
+                                            <p:cond delay="0"/>
+                                          </p:stCondLst>
+                                        </p:cTn>
+                                        <p:tgtEl>
+                                          <p:spTgt spid="18"/>
+                                        </p:tgtEl>
+                                        <p:attrNameLst>
+                                          <p:attrName>style.visibility</p:attrName>
+                                        </p:attrNameLst>
+                                      </p:cBhvr>
+                                      <p:to>
+                                        <p:strVal val="visible"/>
+                                      </p:to>
+                                    </p:set>
+                                    <p:animEffect transition="in" filter="fade">
+                                      <p:cBhvr>
+                                        <p:cTn id="7" dur="500"/>
+                                        <p:tgtEl>
+                                          <p:spTgt spid="18"/>
+                                        </p:tgtEl>
+                                      </p:cBhvr>
+                                    </p:animEffect>
+                                  </p:childTnLst>
+                                </p:cTn>
+                              </p:par>
+                            </p:childTnLst>
+                          </p:cTn>
+                        </p:par>
+                      </p:childTnLst>
+                    </p:cTn>
+                  </p:par>
+                  <p:par>
+                    <p:cTn id="8" fill="hold">
+                      <p:stCondLst>
+                        <p:cond delay="indefinite"/>
+                      </p:stCondLst>
+                      <p:childTnLst>
+                        <p:par>
+                          <p:cTn id="9" fill="hold">
+                            <p:stCondLst>
+                              <p:cond delay="0"/>
+                            </p:stCondLst>
+                            <p:childTnLst>
+                              <p:par>
+                                <p:cTn id="10" presetID="10" presetClass="entr" presetSubtype="0" fill="hold" grpId="0" nodeType="clickEffect">
+                                  <p:stCondLst>
+                                    <p:cond delay="0"/>
+                                  </p:stCondLst>
+                                  <p:childTnLst>
+                                    <p:set>
+                                      <p:cBhvr>
+                                        <p:cTn id="11" dur="1" fill="hold">
+                                          <p:stCondLst>
+                                            <p:cond delay="0"/>
+                                          </p:stCondLst>
+                                        </p:cTn>
+                                        <p:tgtEl>
+                                          <p:spTgt spid="19"/>
+                                        </p:tgtEl>
+                                        <p:attrNameLst>
+                                          <p:attrName>style.visibility</p:attrName>
+                                        </p:attrNameLst>
+                                      </p:cBhvr>
+                                      <p:to>
+                                        <p:strVal val="visible"/>
+                                      </p:to>
+                                    </p:set>
+                                    <p:animEffect transition="in" filter="fade">
+                                      <p:cBhvr>
+                                        <p:cTn id="12" dur="500"/>
+                                        <p:tgtEl>
+                                          <p:spTgt spid="19"/>
+                                        </p:tgtEl>
+                                      </p:cBhvr>
+                                    </p:animEffect>
+                                  </p:childTnLst>
+                                </p:cTn>
+                              </p:par>
+                            </p:childTnLst>
+                          </p:cTn>
+                        </p:par>
+                      </p:childTnLst>
+                    </p:cTn>
+                  </p:par>
+                </p:childTnLst>
+              </p:cTn>
+              <p:prevCondLst>
+                <p:cond evt="onPrev" delay="0">
+                  <p:tgtEl>
+                    <p:sldTgt/>
+                  </p:tgtEl>
+                </p:cond>
+              </p:prevCondLst>
+              <p:nextCondLst>
+                <p:cond evt="onNext" delay="0">
+                  <p:tgtEl>
+                    <p:sldTgt/>
+                  </p:tgtEl>
+                </p:cond>
+              </p:nextCondLst>
+            </p:seq>
+          </p:childTnLst>
+        </p:cTn>
+      </p:par>
+    </p:tnLst>
+    <p:bldLst>
+      <p:bldP spid="18" grpId="0"/>
+      <p:bldP spid="19" grpId="0"/>
+    </p:bldLst>
+  </p:timing>
 </p:sld>
 </file>
 
@@ -4692,12 +8623,70 @@
           <a:chExt cx="0" cy="0"/>
         </a:xfrm>
       </p:grpSpPr>
+      <p:pic>
+        <p:nvPicPr>
+          <p:cNvPr id="15" name="Picture 14">
+            <a:extLst>
+              <a:ext uri="{FF2B5EF4-FFF2-40B4-BE49-F238E27FC236}">
+                <a16:creationId xmlns:a16="http://schemas.microsoft.com/office/drawing/2014/main" id="{D7CEA2D1-EA7A-EE38-42A1-E047C1A0A9A0}"/>
+              </a:ext>
+            </a:extLst>
+          </p:cNvPr>
+          <p:cNvPicPr>
+            <a:picLocks noChangeAspect="1"/>
+          </p:cNvPicPr>
+          <p:nvPr/>
+        </p:nvPicPr>
+        <p:blipFill>
+          <a:blip r:embed="rId2"/>
+          <a:srcRect/>
+          <a:stretch/>
+        </p:blipFill>
+        <p:spPr>
+          <a:xfrm>
+            <a:off x="6437437" y="226196"/>
+            <a:ext cx="5758796" cy="3195079"/>
+          </a:xfrm>
+          <a:prstGeom prst="rect">
+            <a:avLst/>
+          </a:prstGeom>
+        </p:spPr>
+      </p:pic>
+      <p:pic>
+        <p:nvPicPr>
+          <p:cNvPr id="17" name="Picture 16">
+            <a:extLst>
+              <a:ext uri="{FF2B5EF4-FFF2-40B4-BE49-F238E27FC236}">
+                <a16:creationId xmlns:a16="http://schemas.microsoft.com/office/drawing/2014/main" id="{22F6911D-9F7A-FC6F-9D83-444A81D709D8}"/>
+              </a:ext>
+            </a:extLst>
+          </p:cNvPr>
+          <p:cNvPicPr>
+            <a:picLocks noChangeAspect="1"/>
+          </p:cNvPicPr>
+          <p:nvPr/>
+        </p:nvPicPr>
+        <p:blipFill>
+          <a:blip r:embed="rId3"/>
+          <a:srcRect/>
+          <a:stretch/>
+        </p:blipFill>
+        <p:spPr>
+          <a:xfrm>
+            <a:off x="6437437" y="3664743"/>
+            <a:ext cx="5754564" cy="3192731"/>
+          </a:xfrm>
+          <a:prstGeom prst="rect">
+            <a:avLst/>
+          </a:prstGeom>
+        </p:spPr>
+      </p:pic>
       <p:sp>
         <p:nvSpPr>
-          <p:cNvPr id="2" name="Title 1">
-            <a:extLst>
-              <a:ext uri="{FF2B5EF4-FFF2-40B4-BE49-F238E27FC236}">
-                <a16:creationId xmlns:a16="http://schemas.microsoft.com/office/drawing/2014/main" id="{11EE2BEA-3046-8BCB-C674-45DD9974CB75}"/>
+          <p:cNvPr id="18" name="Title 1">
+            <a:extLst>
+              <a:ext uri="{FF2B5EF4-FFF2-40B4-BE49-F238E27FC236}">
+                <a16:creationId xmlns:a16="http://schemas.microsoft.com/office/drawing/2014/main" id="{AC7E46E1-A036-8216-7765-2CBE689D1ACC}"/>
               </a:ext>
             </a:extLst>
           </p:cNvPr>
@@ -4708,48 +8697,79 @@
             <p:ph type="title"/>
           </p:nvPr>
         </p:nvSpPr>
-        <p:spPr/>
-        <p:txBody>
-          <a:bodyPr/>
+        <p:spPr>
+          <a:xfrm>
+            <a:off x="488519" y="959948"/>
+            <a:ext cx="5266045" cy="1727574"/>
+          </a:xfrm>
+        </p:spPr>
+        <p:txBody>
+          <a:bodyPr anchor="b">
+            <a:noAutofit/>
+          </a:bodyPr>
           <a:lstStyle/>
           <a:p>
             <a:r>
-              <a:rPr lang="en-US" dirty="0">
+              <a:rPr lang="en-US" sz="3000" dirty="0">
                 <a:latin typeface="+mn-lt"/>
               </a:rPr>
-              <a:t>Model Performance</a:t>
+              <a:t>Big Mountain is very high up the league table of snow making area.</a:t>
             </a:r>
           </a:p>
         </p:txBody>
       </p:sp>
       <p:sp>
         <p:nvSpPr>
-          <p:cNvPr id="3" name="Content Placeholder 2">
-            <a:extLst>
-              <a:ext uri="{FF2B5EF4-FFF2-40B4-BE49-F238E27FC236}">
-                <a16:creationId xmlns:a16="http://schemas.microsoft.com/office/drawing/2014/main" id="{910CF227-F3D7-A25F-FED4-1A7E3129258B}"/>
-              </a:ext>
-            </a:extLst>
-          </p:cNvPr>
-          <p:cNvSpPr>
-            <a:spLocks noGrp="1"/>
-          </p:cNvSpPr>
-          <p:nvPr>
-            <p:ph idx="1"/>
-          </p:nvPr>
-        </p:nvSpPr>
-        <p:spPr/>
-        <p:txBody>
-          <a:bodyPr/>
-          <a:lstStyle/>
-          <a:p>
-            <a:pPr>
-              <a:buFont typeface="Wingdings" pitchFamily="2" charset="2"/>
-              <a:buChar char="q"/>
-            </a:pPr>
+          <p:cNvPr id="19" name="Title 1">
+            <a:extLst>
+              <a:ext uri="{FF2B5EF4-FFF2-40B4-BE49-F238E27FC236}">
+                <a16:creationId xmlns:a16="http://schemas.microsoft.com/office/drawing/2014/main" id="{CC99FE75-516F-3DCE-6080-7FE02D010618}"/>
+              </a:ext>
+            </a:extLst>
+          </p:cNvPr>
+          <p:cNvSpPr txBox="1">
+            <a:spLocks/>
+          </p:cNvSpPr>
+          <p:nvPr/>
+        </p:nvSpPr>
+        <p:spPr>
+          <a:xfrm>
+            <a:off x="488519" y="4634562"/>
+            <a:ext cx="5266045" cy="1253092"/>
+          </a:xfrm>
+          <a:prstGeom prst="rect">
+            <a:avLst/>
+          </a:prstGeom>
+        </p:spPr>
+        <p:txBody>
+          <a:bodyPr vert="horz" lIns="91440" tIns="45720" rIns="91440" bIns="45720" rtlCol="0" anchor="b">
+            <a:normAutofit fontScale="97500"/>
+          </a:bodyPr>
+          <a:lstStyle>
+            <a:lvl1pPr algn="l" defTabSz="914400" rtl="0" eaLnBrk="1" latinLnBrk="0" hangingPunct="1">
+              <a:lnSpc>
+                <a:spcPct val="90000"/>
+              </a:lnSpc>
+              <a:spcBef>
+                <a:spcPct val="0"/>
+              </a:spcBef>
+              <a:buNone/>
+              <a:defRPr sz="4400" kern="1200">
+                <a:solidFill>
+                  <a:schemeClr val="tx1"/>
+                </a:solidFill>
+                <a:latin typeface="+mj-lt"/>
+                <a:ea typeface="+mj-ea"/>
+                <a:cs typeface="+mj-cs"/>
+              </a:defRPr>
+            </a:lvl1pPr>
+          </a:lstStyle>
+          <a:p>
             <a:r>
-              <a:rPr lang="en-US" sz="3200" dirty="0"/>
-              <a:t>The  Random Forest Regressor model performed better than Linear Regression. </a:t>
+              <a:rPr lang="en-US" sz="3100" dirty="0">
+                <a:latin typeface="+mn-lt"/>
+              </a:rPr>
+              <a:t>Big Mountain has amongst the highest number of total chairs.</a:t>
             </a:r>
           </a:p>
         </p:txBody>
@@ -4757,13 +8777,153 @@
     </p:spTree>
     <p:extLst>
       <p:ext uri="{BB962C8B-B14F-4D97-AF65-F5344CB8AC3E}">
-        <p14:creationId xmlns:p14="http://schemas.microsoft.com/office/powerpoint/2010/main" val="2286149558"/>
+        <p14:creationId xmlns:p14="http://schemas.microsoft.com/office/powerpoint/2010/main" val="1713891478"/>
       </p:ext>
     </p:extLst>
   </p:cSld>
   <p:clrMapOvr>
     <a:masterClrMapping/>
   </p:clrMapOvr>
+  <p:timing>
+    <p:tnLst>
+      <p:par>
+        <p:cTn id="1" dur="indefinite" restart="never" nodeType="tmRoot">
+          <p:childTnLst>
+            <p:seq concurrent="1" nextAc="seek">
+              <p:cTn id="2" dur="indefinite" nodeType="mainSeq">
+                <p:childTnLst>
+                  <p:par>
+                    <p:cTn id="3" fill="hold">
+                      <p:stCondLst>
+                        <p:cond delay="indefinite"/>
+                      </p:stCondLst>
+                      <p:childTnLst>
+                        <p:par>
+                          <p:cTn id="4" fill="hold">
+                            <p:stCondLst>
+                              <p:cond delay="0"/>
+                            </p:stCondLst>
+                            <p:childTnLst>
+                              <p:par>
+                                <p:cTn id="5" presetID="10" presetClass="entr" presetSubtype="0" fill="hold" grpId="0" nodeType="clickEffect">
+                                  <p:stCondLst>
+                                    <p:cond delay="0"/>
+                                  </p:stCondLst>
+                                  <p:childTnLst>
+                                    <p:set>
+                                      <p:cBhvr>
+                                        <p:cTn id="6" dur="1" fill="hold">
+                                          <p:stCondLst>
+                                            <p:cond delay="0"/>
+                                          </p:stCondLst>
+                                        </p:cTn>
+                                        <p:tgtEl>
+                                          <p:spTgt spid="18"/>
+                                        </p:tgtEl>
+                                        <p:attrNameLst>
+                                          <p:attrName>style.visibility</p:attrName>
+                                        </p:attrNameLst>
+                                      </p:cBhvr>
+                                      <p:to>
+                                        <p:strVal val="visible"/>
+                                      </p:to>
+                                    </p:set>
+                                    <p:animEffect transition="in" filter="fade">
+                                      <p:cBhvr>
+                                        <p:cTn id="7" dur="500"/>
+                                        <p:tgtEl>
+                                          <p:spTgt spid="18"/>
+                                        </p:tgtEl>
+                                      </p:cBhvr>
+                                    </p:animEffect>
+                                  </p:childTnLst>
+                                </p:cTn>
+                              </p:par>
+                            </p:childTnLst>
+                          </p:cTn>
+                        </p:par>
+                      </p:childTnLst>
+                    </p:cTn>
+                  </p:par>
+                  <p:par>
+                    <p:cTn id="8" fill="hold">
+                      <p:stCondLst>
+                        <p:cond delay="indefinite"/>
+                      </p:stCondLst>
+                      <p:childTnLst>
+                        <p:par>
+                          <p:cTn id="9" fill="hold">
+                            <p:stCondLst>
+                              <p:cond delay="0"/>
+                            </p:stCondLst>
+                            <p:childTnLst>
+                              <p:par>
+                                <p:cTn id="10" presetID="10" presetClass="entr" presetSubtype="0" fill="hold" grpId="0" nodeType="clickEffect">
+                                  <p:stCondLst>
+                                    <p:cond delay="0"/>
+                                  </p:stCondLst>
+                                  <p:childTnLst>
+                                    <p:set>
+                                      <p:cBhvr>
+                                        <p:cTn id="11" dur="1" fill="hold">
+                                          <p:stCondLst>
+                                            <p:cond delay="0"/>
+                                          </p:stCondLst>
+                                        </p:cTn>
+                                        <p:tgtEl>
+                                          <p:spTgt spid="19"/>
+                                        </p:tgtEl>
+                                        <p:attrNameLst>
+                                          <p:attrName>style.visibility</p:attrName>
+                                        </p:attrNameLst>
+                                      </p:cBhvr>
+                                      <p:to>
+                                        <p:strVal val="visible"/>
+                                      </p:to>
+                                    </p:set>
+                                    <p:animEffect transition="in" filter="fade">
+                                      <p:cBhvr>
+                                        <p:cTn id="12" dur="500"/>
+                                        <p:tgtEl>
+                                          <p:spTgt spid="19"/>
+                                        </p:tgtEl>
+                                      </p:cBhvr>
+                                    </p:animEffect>
+                                  </p:childTnLst>
+                                </p:cTn>
+                              </p:par>
+                            </p:childTnLst>
+                          </p:cTn>
+                        </p:par>
+                      </p:childTnLst>
+                    </p:cTn>
+                  </p:par>
+                </p:childTnLst>
+              </p:cTn>
+              <p:prevCondLst>
+                <p:cond evt="onPrev" delay="0">
+                  <p:tgtEl>
+                    <p:sldTgt/>
+                  </p:tgtEl>
+                </p:cond>
+              </p:prevCondLst>
+              <p:nextCondLst>
+                <p:cond evt="onNext" delay="0">
+                  <p:tgtEl>
+                    <p:sldTgt/>
+                  </p:tgtEl>
+                </p:cond>
+              </p:nextCondLst>
+            </p:seq>
+          </p:childTnLst>
+        </p:cTn>
+      </p:par>
+    </p:tnLst>
+    <p:bldLst>
+      <p:bldP spid="18" grpId="0"/>
+      <p:bldP spid="19" grpId="0"/>
+    </p:bldLst>
+  </p:timing>
 </p:sld>
 </file>
 
@@ -4784,12 +8944,70 @@
           <a:chExt cx="0" cy="0"/>
         </a:xfrm>
       </p:grpSpPr>
+      <p:pic>
+        <p:nvPicPr>
+          <p:cNvPr id="15" name="Picture 14">
+            <a:extLst>
+              <a:ext uri="{FF2B5EF4-FFF2-40B4-BE49-F238E27FC236}">
+                <a16:creationId xmlns:a16="http://schemas.microsoft.com/office/drawing/2014/main" id="{D7CEA2D1-EA7A-EE38-42A1-E047C1A0A9A0}"/>
+              </a:ext>
+            </a:extLst>
+          </p:cNvPr>
+          <p:cNvPicPr>
+            <a:picLocks noChangeAspect="1"/>
+          </p:cNvPicPr>
+          <p:nvPr/>
+        </p:nvPicPr>
+        <p:blipFill>
+          <a:blip r:embed="rId2"/>
+          <a:srcRect/>
+          <a:stretch/>
+        </p:blipFill>
+        <p:spPr>
+          <a:xfrm>
+            <a:off x="6437437" y="241961"/>
+            <a:ext cx="5758796" cy="3163549"/>
+          </a:xfrm>
+          <a:prstGeom prst="rect">
+            <a:avLst/>
+          </a:prstGeom>
+        </p:spPr>
+      </p:pic>
+      <p:pic>
+        <p:nvPicPr>
+          <p:cNvPr id="17" name="Picture 16">
+            <a:extLst>
+              <a:ext uri="{FF2B5EF4-FFF2-40B4-BE49-F238E27FC236}">
+                <a16:creationId xmlns:a16="http://schemas.microsoft.com/office/drawing/2014/main" id="{22F6911D-9F7A-FC6F-9D83-444A81D709D8}"/>
+              </a:ext>
+            </a:extLst>
+          </p:cNvPr>
+          <p:cNvPicPr>
+            <a:picLocks noChangeAspect="1"/>
+          </p:cNvPicPr>
+          <p:nvPr/>
+        </p:nvPicPr>
+        <p:blipFill>
+          <a:blip r:embed="rId3"/>
+          <a:srcRect/>
+          <a:stretch/>
+        </p:blipFill>
+        <p:spPr>
+          <a:xfrm>
+            <a:off x="6437437" y="3675280"/>
+            <a:ext cx="5754564" cy="3171657"/>
+          </a:xfrm>
+          <a:prstGeom prst="rect">
+            <a:avLst/>
+          </a:prstGeom>
+        </p:spPr>
+      </p:pic>
       <p:sp>
         <p:nvSpPr>
-          <p:cNvPr id="2" name="Title 1">
-            <a:extLst>
-              <a:ext uri="{FF2B5EF4-FFF2-40B4-BE49-F238E27FC236}">
-                <a16:creationId xmlns:a16="http://schemas.microsoft.com/office/drawing/2014/main" id="{4BC87D8F-3277-AAD6-2480-C887D1D302F9}"/>
+          <p:cNvPr id="18" name="Title 1">
+            <a:extLst>
+              <a:ext uri="{FF2B5EF4-FFF2-40B4-BE49-F238E27FC236}">
+                <a16:creationId xmlns:a16="http://schemas.microsoft.com/office/drawing/2014/main" id="{AC7E46E1-A036-8216-7765-2CBE689D1ACC}"/>
               </a:ext>
             </a:extLst>
           </p:cNvPr>
@@ -4800,60 +9018,79 @@
             <p:ph type="title"/>
           </p:nvPr>
         </p:nvSpPr>
-        <p:spPr/>
-        <p:txBody>
-          <a:bodyPr/>
+        <p:spPr>
+          <a:xfrm>
+            <a:off x="655068" y="959948"/>
+            <a:ext cx="5266045" cy="1727574"/>
+          </a:xfrm>
+        </p:spPr>
+        <p:txBody>
+          <a:bodyPr anchor="b">
+            <a:noAutofit/>
+          </a:bodyPr>
           <a:lstStyle/>
           <a:p>
             <a:r>
-              <a:rPr lang="en-US" dirty="0">
+              <a:rPr lang="en-US" sz="3000" dirty="0">
                 <a:latin typeface="+mn-lt"/>
               </a:rPr>
-              <a:t>Conclusion </a:t>
+              <a:t>Most resorts have no fast quads. Big Mountain has 3, which puts it high up that league table.</a:t>
             </a:r>
           </a:p>
         </p:txBody>
       </p:sp>
       <p:sp>
         <p:nvSpPr>
-          <p:cNvPr id="3" name="Content Placeholder 2">
-            <a:extLst>
-              <a:ext uri="{FF2B5EF4-FFF2-40B4-BE49-F238E27FC236}">
-                <a16:creationId xmlns:a16="http://schemas.microsoft.com/office/drawing/2014/main" id="{247882B2-0D23-323E-A5F8-AD206D3F2E04}"/>
-              </a:ext>
-            </a:extLst>
-          </p:cNvPr>
-          <p:cNvSpPr>
-            <a:spLocks noGrp="1"/>
-          </p:cNvSpPr>
-          <p:nvPr>
-            <p:ph idx="1"/>
-          </p:nvPr>
-        </p:nvSpPr>
-        <p:spPr/>
-        <p:txBody>
-          <a:bodyPr>
-            <a:normAutofit/>
+          <p:cNvPr id="19" name="Title 1">
+            <a:extLst>
+              <a:ext uri="{FF2B5EF4-FFF2-40B4-BE49-F238E27FC236}">
+                <a16:creationId xmlns:a16="http://schemas.microsoft.com/office/drawing/2014/main" id="{CC99FE75-516F-3DCE-6080-7FE02D010618}"/>
+              </a:ext>
+            </a:extLst>
+          </p:cNvPr>
+          <p:cNvSpPr txBox="1">
+            <a:spLocks/>
+          </p:cNvSpPr>
+          <p:nvPr/>
+        </p:nvSpPr>
+        <p:spPr>
+          <a:xfrm>
+            <a:off x="655069" y="4339213"/>
+            <a:ext cx="5266045" cy="1843790"/>
+          </a:xfrm>
+          <a:prstGeom prst="rect">
+            <a:avLst/>
+          </a:prstGeom>
+        </p:spPr>
+        <p:txBody>
+          <a:bodyPr vert="horz" lIns="91440" tIns="45720" rIns="91440" bIns="45720" rtlCol="0" anchor="b">
+            <a:normAutofit fontScale="97500"/>
           </a:bodyPr>
-          <a:lstStyle/>
-          <a:p>
-            <a:pPr>
-              <a:buFont typeface="Wingdings" pitchFamily="2" charset="2"/>
-              <a:buChar char="q"/>
-            </a:pPr>
+          <a:lstStyle>
+            <a:lvl1pPr algn="l" defTabSz="914400" rtl="0" eaLnBrk="1" latinLnBrk="0" hangingPunct="1">
+              <a:lnSpc>
+                <a:spcPct val="90000"/>
+              </a:lnSpc>
+              <a:spcBef>
+                <a:spcPct val="0"/>
+              </a:spcBef>
+              <a:buNone/>
+              <a:defRPr sz="4400" kern="1200">
+                <a:solidFill>
+                  <a:schemeClr val="tx1"/>
+                </a:solidFill>
+                <a:latin typeface="+mj-lt"/>
+                <a:ea typeface="+mj-ea"/>
+                <a:cs typeface="+mj-cs"/>
+              </a:defRPr>
+            </a:lvl1pPr>
+          </a:lstStyle>
+          <a:p>
             <a:r>
-              <a:rPr lang="en-US" sz="3200" dirty="0"/>
-              <a:t>The ticket price has room for increasing and the revenues can be increased by facilities improvement. </a:t>
-            </a:r>
-          </a:p>
-          <a:p>
-            <a:pPr>
-              <a:buFont typeface="Wingdings" pitchFamily="2" charset="2"/>
-              <a:buChar char="q"/>
-            </a:pPr>
-            <a:r>
-              <a:rPr lang="en-US" sz="3200" dirty="0"/>
-              <a:t>The primary goal of this object is achieved. </a:t>
+              <a:rPr lang="en-US" sz="3100" dirty="0">
+                <a:latin typeface="+mn-lt"/>
+              </a:rPr>
+              <a:t>Big Mountain compares well for the number of runs. There are some resorts with more, but not many.</a:t>
             </a:r>
           </a:p>
         </p:txBody>
@@ -4861,13 +9098,153 @@
     </p:spTree>
     <p:extLst>
       <p:ext uri="{BB962C8B-B14F-4D97-AF65-F5344CB8AC3E}">
-        <p14:creationId xmlns:p14="http://schemas.microsoft.com/office/powerpoint/2010/main" val="2933237685"/>
+        <p14:creationId xmlns:p14="http://schemas.microsoft.com/office/powerpoint/2010/main" val="3497096138"/>
       </p:ext>
     </p:extLst>
   </p:cSld>
   <p:clrMapOvr>
     <a:masterClrMapping/>
   </p:clrMapOvr>
+  <p:timing>
+    <p:tnLst>
+      <p:par>
+        <p:cTn id="1" dur="indefinite" restart="never" nodeType="tmRoot">
+          <p:childTnLst>
+            <p:seq concurrent="1" nextAc="seek">
+              <p:cTn id="2" dur="indefinite" nodeType="mainSeq">
+                <p:childTnLst>
+                  <p:par>
+                    <p:cTn id="3" fill="hold">
+                      <p:stCondLst>
+                        <p:cond delay="indefinite"/>
+                      </p:stCondLst>
+                      <p:childTnLst>
+                        <p:par>
+                          <p:cTn id="4" fill="hold">
+                            <p:stCondLst>
+                              <p:cond delay="0"/>
+                            </p:stCondLst>
+                            <p:childTnLst>
+                              <p:par>
+                                <p:cTn id="5" presetID="10" presetClass="entr" presetSubtype="0" fill="hold" grpId="0" nodeType="clickEffect">
+                                  <p:stCondLst>
+                                    <p:cond delay="0"/>
+                                  </p:stCondLst>
+                                  <p:childTnLst>
+                                    <p:set>
+                                      <p:cBhvr>
+                                        <p:cTn id="6" dur="1" fill="hold">
+                                          <p:stCondLst>
+                                            <p:cond delay="0"/>
+                                          </p:stCondLst>
+                                        </p:cTn>
+                                        <p:tgtEl>
+                                          <p:spTgt spid="18"/>
+                                        </p:tgtEl>
+                                        <p:attrNameLst>
+                                          <p:attrName>style.visibility</p:attrName>
+                                        </p:attrNameLst>
+                                      </p:cBhvr>
+                                      <p:to>
+                                        <p:strVal val="visible"/>
+                                      </p:to>
+                                    </p:set>
+                                    <p:animEffect transition="in" filter="fade">
+                                      <p:cBhvr>
+                                        <p:cTn id="7" dur="500"/>
+                                        <p:tgtEl>
+                                          <p:spTgt spid="18"/>
+                                        </p:tgtEl>
+                                      </p:cBhvr>
+                                    </p:animEffect>
+                                  </p:childTnLst>
+                                </p:cTn>
+                              </p:par>
+                            </p:childTnLst>
+                          </p:cTn>
+                        </p:par>
+                      </p:childTnLst>
+                    </p:cTn>
+                  </p:par>
+                  <p:par>
+                    <p:cTn id="8" fill="hold">
+                      <p:stCondLst>
+                        <p:cond delay="indefinite"/>
+                      </p:stCondLst>
+                      <p:childTnLst>
+                        <p:par>
+                          <p:cTn id="9" fill="hold">
+                            <p:stCondLst>
+                              <p:cond delay="0"/>
+                            </p:stCondLst>
+                            <p:childTnLst>
+                              <p:par>
+                                <p:cTn id="10" presetID="10" presetClass="entr" presetSubtype="0" fill="hold" grpId="0" nodeType="clickEffect">
+                                  <p:stCondLst>
+                                    <p:cond delay="0"/>
+                                  </p:stCondLst>
+                                  <p:childTnLst>
+                                    <p:set>
+                                      <p:cBhvr>
+                                        <p:cTn id="11" dur="1" fill="hold">
+                                          <p:stCondLst>
+                                            <p:cond delay="0"/>
+                                          </p:stCondLst>
+                                        </p:cTn>
+                                        <p:tgtEl>
+                                          <p:spTgt spid="19"/>
+                                        </p:tgtEl>
+                                        <p:attrNameLst>
+                                          <p:attrName>style.visibility</p:attrName>
+                                        </p:attrNameLst>
+                                      </p:cBhvr>
+                                      <p:to>
+                                        <p:strVal val="visible"/>
+                                      </p:to>
+                                    </p:set>
+                                    <p:animEffect transition="in" filter="fade">
+                                      <p:cBhvr>
+                                        <p:cTn id="12" dur="500"/>
+                                        <p:tgtEl>
+                                          <p:spTgt spid="19"/>
+                                        </p:tgtEl>
+                                      </p:cBhvr>
+                                    </p:animEffect>
+                                  </p:childTnLst>
+                                </p:cTn>
+                              </p:par>
+                            </p:childTnLst>
+                          </p:cTn>
+                        </p:par>
+                      </p:childTnLst>
+                    </p:cTn>
+                  </p:par>
+                </p:childTnLst>
+              </p:cTn>
+              <p:prevCondLst>
+                <p:cond evt="onPrev" delay="0">
+                  <p:tgtEl>
+                    <p:sldTgt/>
+                  </p:tgtEl>
+                </p:cond>
+              </p:prevCondLst>
+              <p:nextCondLst>
+                <p:cond evt="onNext" delay="0">
+                  <p:tgtEl>
+                    <p:sldTgt/>
+                  </p:tgtEl>
+                </p:cond>
+              </p:nextCondLst>
+            </p:seq>
+          </p:childTnLst>
+        </p:cTn>
+      </p:par>
+    </p:tnLst>
+    <p:bldLst>
+      <p:bldP spid="18" grpId="0"/>
+      <p:bldP spid="19" grpId="0"/>
+    </p:bldLst>
+  </p:timing>
 </p:sld>
 </file>
 

--- a/Guided Capstone Project Slide Deck.pptx
+++ b/Guided Capstone Project Slide Deck.pptx
@@ -5,21 +5,18 @@
     <p:sldMasterId id="2147483696" r:id="rId1"/>
   </p:sldMasterIdLst>
   <p:notesMasterIdLst>
-    <p:notesMasterId r:id="rId14"/>
+    <p:notesMasterId r:id="rId11"/>
   </p:notesMasterIdLst>
   <p:sldIdLst>
     <p:sldId id="266" r:id="rId2"/>
-    <p:sldId id="256" r:id="rId3"/>
-    <p:sldId id="257" r:id="rId4"/>
-    <p:sldId id="267" r:id="rId5"/>
-    <p:sldId id="258" r:id="rId6"/>
-    <p:sldId id="265" r:id="rId7"/>
-    <p:sldId id="264" r:id="rId8"/>
-    <p:sldId id="268" r:id="rId9"/>
-    <p:sldId id="269" r:id="rId10"/>
-    <p:sldId id="270" r:id="rId11"/>
-    <p:sldId id="271" r:id="rId12"/>
-    <p:sldId id="262" r:id="rId13"/>
+    <p:sldId id="257" r:id="rId3"/>
+    <p:sldId id="258" r:id="rId4"/>
+    <p:sldId id="265" r:id="rId5"/>
+    <p:sldId id="264" r:id="rId6"/>
+    <p:sldId id="268" r:id="rId7"/>
+    <p:sldId id="269" r:id="rId8"/>
+    <p:sldId id="270" r:id="rId9"/>
+    <p:sldId id="262" r:id="rId10"/>
   </p:sldIdLst>
   <p:sldSz cx="12192000" cy="6858000"/>
   <p:notesSz cx="6858000" cy="9144000"/>
@@ -540,91 +537,7 @@
           <a:p>
             <a:fld id="{AA499EE4-AFF7-DB4F-BE58-31406A547856}" type="slidenum">
               <a:rPr lang="en-US" smtClean="0"/>
-              <a:t>2</a:t>
-            </a:fld>
-            <a:endParaRPr lang="en-US"/>
-          </a:p>
-        </p:txBody>
-      </p:sp>
-    </p:spTree>
-    <p:extLst>
-      <p:ext uri="{BB962C8B-B14F-4D97-AF65-F5344CB8AC3E}">
-        <p14:creationId xmlns:p14="http://schemas.microsoft.com/office/powerpoint/2010/main" val="2866704434"/>
-      </p:ext>
-    </p:extLst>
-  </p:cSld>
-  <p:clrMapOvr>
-    <a:masterClrMapping/>
-  </p:clrMapOvr>
-</p:notes>
-</file>
-
-<file path=ppt/notesSlides/notesSlide2.xml><?xml version="1.0" encoding="utf-8"?>
-<p:notes xmlns:a="http://schemas.openxmlformats.org/drawingml/2006/main" xmlns:r="http://schemas.openxmlformats.org/officeDocument/2006/relationships" xmlns:p="http://schemas.openxmlformats.org/presentationml/2006/main">
-  <p:cSld>
-    <p:spTree>
-      <p:nvGrpSpPr>
-        <p:cNvPr id="1" name=""/>
-        <p:cNvGrpSpPr/>
-        <p:nvPr/>
-      </p:nvGrpSpPr>
-      <p:grpSpPr>
-        <a:xfrm>
-          <a:off x="0" y="0"/>
-          <a:ext cx="0" cy="0"/>
-          <a:chOff x="0" y="0"/>
-          <a:chExt cx="0" cy="0"/>
-        </a:xfrm>
-      </p:grpSpPr>
-      <p:sp>
-        <p:nvSpPr>
-          <p:cNvPr id="2" name="Slide Image Placeholder 1"/>
-          <p:cNvSpPr>
-            <a:spLocks noGrp="1" noRot="1" noChangeAspect="1"/>
-          </p:cNvSpPr>
-          <p:nvPr>
-            <p:ph type="sldImg"/>
-          </p:nvPr>
-        </p:nvSpPr>
-        <p:spPr/>
-      </p:sp>
-      <p:sp>
-        <p:nvSpPr>
-          <p:cNvPr id="3" name="Notes Placeholder 2"/>
-          <p:cNvSpPr>
-            <a:spLocks noGrp="1"/>
-          </p:cNvSpPr>
-          <p:nvPr>
-            <p:ph type="body" idx="1"/>
-          </p:nvPr>
-        </p:nvSpPr>
-        <p:spPr/>
-        <p:txBody>
-          <a:bodyPr/>
-          <a:lstStyle/>
-          <a:p>
-            <a:endParaRPr lang="en-US" dirty="0"/>
-          </a:p>
-        </p:txBody>
-      </p:sp>
-      <p:sp>
-        <p:nvSpPr>
-          <p:cNvPr id="4" name="Slide Number Placeholder 3"/>
-          <p:cNvSpPr>
-            <a:spLocks noGrp="1"/>
-          </p:cNvSpPr>
-          <p:nvPr>
-            <p:ph type="sldNum" sz="quarter" idx="5"/>
-          </p:nvPr>
-        </p:nvSpPr>
-        <p:spPr/>
-        <p:txBody>
-          <a:bodyPr/>
-          <a:lstStyle/>
-          <a:p>
-            <a:fld id="{AA499EE4-AFF7-DB4F-BE58-31406A547856}" type="slidenum">
-              <a:rPr lang="en-US" smtClean="0"/>
-              <a:t>5</a:t>
+              <a:t>3</a:t>
             </a:fld>
             <a:endParaRPr lang="en-US"/>
           </a:p>
@@ -3907,1156 +3820,7 @@
 </p:sld>
 </file>
 
-<file path=ppt/slides/slide10.xml><?xml version="1.0" encoding="utf-8"?>
-<p:sld xmlns:a="http://schemas.openxmlformats.org/drawingml/2006/main" xmlns:r="http://schemas.openxmlformats.org/officeDocument/2006/relationships" xmlns:p="http://schemas.openxmlformats.org/presentationml/2006/main">
-  <p:cSld>
-    <p:spTree>
-      <p:nvGrpSpPr>
-        <p:cNvPr id="1" name=""/>
-        <p:cNvGrpSpPr/>
-        <p:nvPr/>
-      </p:nvGrpSpPr>
-      <p:grpSpPr>
-        <a:xfrm>
-          <a:off x="0" y="0"/>
-          <a:ext cx="0" cy="0"/>
-          <a:chOff x="0" y="0"/>
-          <a:chExt cx="0" cy="0"/>
-        </a:xfrm>
-      </p:grpSpPr>
-      <p:pic>
-        <p:nvPicPr>
-          <p:cNvPr id="15" name="Picture 14">
-            <a:extLst>
-              <a:ext uri="{FF2B5EF4-FFF2-40B4-BE49-F238E27FC236}">
-                <a16:creationId xmlns:a16="http://schemas.microsoft.com/office/drawing/2014/main" id="{D7CEA2D1-EA7A-EE38-42A1-E047C1A0A9A0}"/>
-              </a:ext>
-            </a:extLst>
-          </p:cNvPr>
-          <p:cNvPicPr>
-            <a:picLocks noChangeAspect="1"/>
-          </p:cNvPicPr>
-          <p:nvPr/>
-        </p:nvPicPr>
-        <p:blipFill>
-          <a:blip r:embed="rId2"/>
-          <a:srcRect/>
-          <a:stretch/>
-        </p:blipFill>
-        <p:spPr>
-          <a:xfrm>
-            <a:off x="6465852" y="241961"/>
-            <a:ext cx="5701965" cy="3163549"/>
-          </a:xfrm>
-          <a:prstGeom prst="rect">
-            <a:avLst/>
-          </a:prstGeom>
-        </p:spPr>
-      </p:pic>
-      <p:pic>
-        <p:nvPicPr>
-          <p:cNvPr id="17" name="Picture 16">
-            <a:extLst>
-              <a:ext uri="{FF2B5EF4-FFF2-40B4-BE49-F238E27FC236}">
-                <a16:creationId xmlns:a16="http://schemas.microsoft.com/office/drawing/2014/main" id="{22F6911D-9F7A-FC6F-9D83-444A81D709D8}"/>
-              </a:ext>
-            </a:extLst>
-          </p:cNvPr>
-          <p:cNvPicPr>
-            <a:picLocks noChangeAspect="1"/>
-          </p:cNvPicPr>
-          <p:nvPr/>
-        </p:nvPicPr>
-        <p:blipFill>
-          <a:blip r:embed="rId3"/>
-          <a:srcRect/>
-          <a:stretch/>
-        </p:blipFill>
-        <p:spPr>
-          <a:xfrm>
-            <a:off x="6437437" y="3680496"/>
-            <a:ext cx="5754564" cy="3161224"/>
-          </a:xfrm>
-          <a:prstGeom prst="rect">
-            <a:avLst/>
-          </a:prstGeom>
-        </p:spPr>
-      </p:pic>
-      <p:sp>
-        <p:nvSpPr>
-          <p:cNvPr id="18" name="Title 1">
-            <a:extLst>
-              <a:ext uri="{FF2B5EF4-FFF2-40B4-BE49-F238E27FC236}">
-                <a16:creationId xmlns:a16="http://schemas.microsoft.com/office/drawing/2014/main" id="{AC7E46E1-A036-8216-7765-2CBE689D1ACC}"/>
-              </a:ext>
-            </a:extLst>
-          </p:cNvPr>
-          <p:cNvSpPr>
-            <a:spLocks noGrp="1"/>
-          </p:cNvSpPr>
-          <p:nvPr>
-            <p:ph type="title"/>
-          </p:nvPr>
-        </p:nvSpPr>
-        <p:spPr>
-          <a:xfrm>
-            <a:off x="685050" y="734807"/>
-            <a:ext cx="5266045" cy="2177856"/>
-          </a:xfrm>
-        </p:spPr>
-        <p:txBody>
-          <a:bodyPr anchor="b">
-            <a:noAutofit/>
-          </a:bodyPr>
-          <a:lstStyle/>
-          <a:p>
-            <a:r>
-              <a:rPr lang="en-US" sz="3000" dirty="0">
-                <a:latin typeface="+mn-lt"/>
-              </a:rPr>
-              <a:t>Big Mountain has one of the longest runs. Although it is just over half the length of the longest, the longer ones are rare.</a:t>
-            </a:r>
-          </a:p>
-        </p:txBody>
-      </p:sp>
-      <p:sp>
-        <p:nvSpPr>
-          <p:cNvPr id="19" name="Title 1">
-            <a:extLst>
-              <a:ext uri="{FF2B5EF4-FFF2-40B4-BE49-F238E27FC236}">
-                <a16:creationId xmlns:a16="http://schemas.microsoft.com/office/drawing/2014/main" id="{CC99FE75-516F-3DCE-6080-7FE02D010618}"/>
-              </a:ext>
-            </a:extLst>
-          </p:cNvPr>
-          <p:cNvSpPr txBox="1">
-            <a:spLocks/>
-          </p:cNvSpPr>
-          <p:nvPr/>
-        </p:nvSpPr>
-        <p:spPr>
-          <a:xfrm>
-            <a:off x="685049" y="4172180"/>
-            <a:ext cx="5266045" cy="2177855"/>
-          </a:xfrm>
-          <a:prstGeom prst="rect">
-            <a:avLst/>
-          </a:prstGeom>
-        </p:spPr>
-        <p:txBody>
-          <a:bodyPr vert="horz" lIns="91440" tIns="45720" rIns="91440" bIns="45720" rtlCol="0" anchor="b">
-            <a:normAutofit fontScale="97500"/>
-          </a:bodyPr>
-          <a:lstStyle>
-            <a:lvl1pPr algn="l" defTabSz="914400" rtl="0" eaLnBrk="1" latinLnBrk="0" hangingPunct="1">
-              <a:lnSpc>
-                <a:spcPct val="90000"/>
-              </a:lnSpc>
-              <a:spcBef>
-                <a:spcPct val="0"/>
-              </a:spcBef>
-              <a:buNone/>
-              <a:defRPr sz="4400" kern="1200">
-                <a:solidFill>
-                  <a:schemeClr val="tx1"/>
-                </a:solidFill>
-                <a:latin typeface="+mj-lt"/>
-                <a:ea typeface="+mj-ea"/>
-                <a:cs typeface="+mj-cs"/>
-              </a:defRPr>
-            </a:lvl1pPr>
-          </a:lstStyle>
-          <a:p>
-            <a:r>
-              <a:rPr lang="en-US" sz="3100" dirty="0">
-                <a:latin typeface="+mn-lt"/>
-              </a:rPr>
-              <a:t>Big Mountain has one of the longest runs. Although it is just over half the length of the longest, the longer ones are rare.</a:t>
-            </a:r>
-          </a:p>
-        </p:txBody>
-      </p:sp>
-    </p:spTree>
-    <p:extLst>
-      <p:ext uri="{BB962C8B-B14F-4D97-AF65-F5344CB8AC3E}">
-        <p14:creationId xmlns:p14="http://schemas.microsoft.com/office/powerpoint/2010/main" val="3688093235"/>
-      </p:ext>
-    </p:extLst>
-  </p:cSld>
-  <p:clrMapOvr>
-    <a:masterClrMapping/>
-  </p:clrMapOvr>
-  <p:timing>
-    <p:tnLst>
-      <p:par>
-        <p:cTn id="1" dur="indefinite" restart="never" nodeType="tmRoot">
-          <p:childTnLst>
-            <p:seq concurrent="1" nextAc="seek">
-              <p:cTn id="2" dur="indefinite" nodeType="mainSeq">
-                <p:childTnLst>
-                  <p:par>
-                    <p:cTn id="3" fill="hold">
-                      <p:stCondLst>
-                        <p:cond delay="indefinite"/>
-                      </p:stCondLst>
-                      <p:childTnLst>
-                        <p:par>
-                          <p:cTn id="4" fill="hold">
-                            <p:stCondLst>
-                              <p:cond delay="0"/>
-                            </p:stCondLst>
-                            <p:childTnLst>
-                              <p:par>
-                                <p:cTn id="5" presetID="10" presetClass="entr" presetSubtype="0" fill="hold" grpId="0" nodeType="clickEffect">
-                                  <p:stCondLst>
-                                    <p:cond delay="0"/>
-                                  </p:stCondLst>
-                                  <p:childTnLst>
-                                    <p:set>
-                                      <p:cBhvr>
-                                        <p:cTn id="6" dur="1" fill="hold">
-                                          <p:stCondLst>
-                                            <p:cond delay="0"/>
-                                          </p:stCondLst>
-                                        </p:cTn>
-                                        <p:tgtEl>
-                                          <p:spTgt spid="18"/>
-                                        </p:tgtEl>
-                                        <p:attrNameLst>
-                                          <p:attrName>style.visibility</p:attrName>
-                                        </p:attrNameLst>
-                                      </p:cBhvr>
-                                      <p:to>
-                                        <p:strVal val="visible"/>
-                                      </p:to>
-                                    </p:set>
-                                    <p:animEffect transition="in" filter="fade">
-                                      <p:cBhvr>
-                                        <p:cTn id="7" dur="500"/>
-                                        <p:tgtEl>
-                                          <p:spTgt spid="18"/>
-                                        </p:tgtEl>
-                                      </p:cBhvr>
-                                    </p:animEffect>
-                                  </p:childTnLst>
-                                </p:cTn>
-                              </p:par>
-                            </p:childTnLst>
-                          </p:cTn>
-                        </p:par>
-                      </p:childTnLst>
-                    </p:cTn>
-                  </p:par>
-                  <p:par>
-                    <p:cTn id="8" fill="hold">
-                      <p:stCondLst>
-                        <p:cond delay="indefinite"/>
-                      </p:stCondLst>
-                      <p:childTnLst>
-                        <p:par>
-                          <p:cTn id="9" fill="hold">
-                            <p:stCondLst>
-                              <p:cond delay="0"/>
-                            </p:stCondLst>
-                            <p:childTnLst>
-                              <p:par>
-                                <p:cTn id="10" presetID="10" presetClass="entr" presetSubtype="0" fill="hold" grpId="0" nodeType="clickEffect">
-                                  <p:stCondLst>
-                                    <p:cond delay="0"/>
-                                  </p:stCondLst>
-                                  <p:childTnLst>
-                                    <p:set>
-                                      <p:cBhvr>
-                                        <p:cTn id="11" dur="1" fill="hold">
-                                          <p:stCondLst>
-                                            <p:cond delay="0"/>
-                                          </p:stCondLst>
-                                        </p:cTn>
-                                        <p:tgtEl>
-                                          <p:spTgt spid="19"/>
-                                        </p:tgtEl>
-                                        <p:attrNameLst>
-                                          <p:attrName>style.visibility</p:attrName>
-                                        </p:attrNameLst>
-                                      </p:cBhvr>
-                                      <p:to>
-                                        <p:strVal val="visible"/>
-                                      </p:to>
-                                    </p:set>
-                                    <p:animEffect transition="in" filter="fade">
-                                      <p:cBhvr>
-                                        <p:cTn id="12" dur="500"/>
-                                        <p:tgtEl>
-                                          <p:spTgt spid="19"/>
-                                        </p:tgtEl>
-                                      </p:cBhvr>
-                                    </p:animEffect>
-                                  </p:childTnLst>
-                                </p:cTn>
-                              </p:par>
-                            </p:childTnLst>
-                          </p:cTn>
-                        </p:par>
-                      </p:childTnLst>
-                    </p:cTn>
-                  </p:par>
-                </p:childTnLst>
-              </p:cTn>
-              <p:prevCondLst>
-                <p:cond evt="onPrev" delay="0">
-                  <p:tgtEl>
-                    <p:sldTgt/>
-                  </p:tgtEl>
-                </p:cond>
-              </p:prevCondLst>
-              <p:nextCondLst>
-                <p:cond evt="onNext" delay="0">
-                  <p:tgtEl>
-                    <p:sldTgt/>
-                  </p:tgtEl>
-                </p:cond>
-              </p:nextCondLst>
-            </p:seq>
-          </p:childTnLst>
-        </p:cTn>
-      </p:par>
-    </p:tnLst>
-    <p:bldLst>
-      <p:bldP spid="18" grpId="0"/>
-      <p:bldP spid="19" grpId="0"/>
-    </p:bldLst>
-  </p:timing>
-</p:sld>
-</file>
-
-<file path=ppt/slides/slide11.xml><?xml version="1.0" encoding="utf-8"?>
-<p:sld xmlns:a="http://schemas.openxmlformats.org/drawingml/2006/main" xmlns:r="http://schemas.openxmlformats.org/officeDocument/2006/relationships" xmlns:p="http://schemas.openxmlformats.org/presentationml/2006/main">
-  <p:cSld>
-    <p:spTree>
-      <p:nvGrpSpPr>
-        <p:cNvPr id="1" name=""/>
-        <p:cNvGrpSpPr/>
-        <p:nvPr/>
-      </p:nvGrpSpPr>
-      <p:grpSpPr>
-        <a:xfrm>
-          <a:off x="0" y="0"/>
-          <a:ext cx="0" cy="0"/>
-          <a:chOff x="0" y="0"/>
-          <a:chExt cx="0" cy="0"/>
-        </a:xfrm>
-      </p:grpSpPr>
-    </p:spTree>
-    <p:extLst>
-      <p:ext uri="{BB962C8B-B14F-4D97-AF65-F5344CB8AC3E}">
-        <p14:creationId xmlns:p14="http://schemas.microsoft.com/office/powerpoint/2010/main" val="4037194338"/>
-      </p:ext>
-    </p:extLst>
-  </p:cSld>
-  <p:clrMapOvr>
-    <a:masterClrMapping/>
-  </p:clrMapOvr>
-</p:sld>
-</file>
-
-<file path=ppt/slides/slide12.xml><?xml version="1.0" encoding="utf-8"?>
-<p:sld xmlns:a="http://schemas.openxmlformats.org/drawingml/2006/main" xmlns:r="http://schemas.openxmlformats.org/officeDocument/2006/relationships" xmlns:p="http://schemas.openxmlformats.org/presentationml/2006/main">
-  <p:cSld>
-    <p:bg>
-      <p:bgPr>
-        <a:solidFill>
-          <a:schemeClr val="bg1"/>
-        </a:solidFill>
-        <a:effectLst/>
-      </p:bgPr>
-    </p:bg>
-    <p:spTree>
-      <p:nvGrpSpPr>
-        <p:cNvPr id="1" name=""/>
-        <p:cNvGrpSpPr/>
-        <p:nvPr/>
-      </p:nvGrpSpPr>
-      <p:grpSpPr>
-        <a:xfrm>
-          <a:off x="0" y="0"/>
-          <a:ext cx="0" cy="0"/>
-          <a:chOff x="0" y="0"/>
-          <a:chExt cx="0" cy="0"/>
-        </a:xfrm>
-      </p:grpSpPr>
-      <p:sp useBgFill="1">
-        <p:nvSpPr>
-          <p:cNvPr id="9" name="Rectangle 8">
-            <a:extLst>
-              <a:ext uri="{FF2B5EF4-FFF2-40B4-BE49-F238E27FC236}">
-                <a16:creationId xmlns:a16="http://schemas.microsoft.com/office/drawing/2014/main" id="{F13C74B1-5B17-4795-BED0-7140497B445A}"/>
-              </a:ext>
-              <a:ext uri="{C183D7F6-B498-43B3-948B-1728B52AA6E4}">
-                <adec:decorative xmlns:adec="http://schemas.microsoft.com/office/drawing/2017/decorative" val="1"/>
-              </a:ext>
-            </a:extLst>
-          </p:cNvPr>
-          <p:cNvSpPr>
-            <a:spLocks noGrp="1" noRot="1" noChangeAspect="1" noMove="1" noResize="1" noEditPoints="1" noAdjustHandles="1" noChangeArrowheads="1" noChangeShapeType="1" noTextEdit="1"/>
-          </p:cNvSpPr>
-          <p:nvPr>
-            <p:extLst>
-              <p:ext uri="{386F3935-93C4-4BCD-93E2-E3B085C9AB24}">
-                <p16:designElem xmlns:p16="http://schemas.microsoft.com/office/powerpoint/2015/main" val="1"/>
-              </p:ext>
-            </p:extLst>
-          </p:nvPr>
-        </p:nvSpPr>
-        <p:spPr>
-          <a:xfrm>
-            <a:off x="0" y="0"/>
-            <a:ext cx="12188952" cy="6858000"/>
-          </a:xfrm>
-          <a:prstGeom prst="rect">
-            <a:avLst/>
-          </a:prstGeom>
-          <a:ln>
-            <a:noFill/>
-          </a:ln>
-        </p:spPr>
-        <p:style>
-          <a:lnRef idx="2">
-            <a:schemeClr val="accent1">
-              <a:shade val="50000"/>
-            </a:schemeClr>
-          </a:lnRef>
-          <a:fillRef idx="1">
-            <a:schemeClr val="accent1"/>
-          </a:fillRef>
-          <a:effectRef idx="0">
-            <a:schemeClr val="accent1"/>
-          </a:effectRef>
-          <a:fontRef idx="minor">
-            <a:schemeClr val="lt1"/>
-          </a:fontRef>
-        </p:style>
-        <p:txBody>
-          <a:bodyPr rtlCol="0" anchor="ctr"/>
-          <a:lstStyle/>
-          <a:p>
-            <a:pPr algn="ctr"/>
-            <a:endParaRPr lang="en-US"/>
-          </a:p>
-        </p:txBody>
-      </p:sp>
-      <p:sp>
-        <p:nvSpPr>
-          <p:cNvPr id="2" name="Title 1">
-            <a:extLst>
-              <a:ext uri="{FF2B5EF4-FFF2-40B4-BE49-F238E27FC236}">
-                <a16:creationId xmlns:a16="http://schemas.microsoft.com/office/drawing/2014/main" id="{4BC87D8F-3277-AAD6-2480-C887D1D302F9}"/>
-              </a:ext>
-            </a:extLst>
-          </p:cNvPr>
-          <p:cNvSpPr>
-            <a:spLocks noGrp="1"/>
-          </p:cNvSpPr>
-          <p:nvPr>
-            <p:ph type="title"/>
-          </p:nvPr>
-        </p:nvSpPr>
-        <p:spPr>
-          <a:xfrm>
-            <a:off x="640080" y="325369"/>
-            <a:ext cx="4368602" cy="1956841"/>
-          </a:xfrm>
-        </p:spPr>
-        <p:txBody>
-          <a:bodyPr anchor="b">
-            <a:normAutofit/>
-          </a:bodyPr>
-          <a:lstStyle/>
-          <a:p>
-            <a:r>
-              <a:rPr lang="en-US" sz="5400">
-                <a:latin typeface="+mn-lt"/>
-              </a:rPr>
-              <a:t>Conclusion </a:t>
-            </a:r>
-          </a:p>
-        </p:txBody>
-      </p:sp>
-      <p:sp>
-        <p:nvSpPr>
-          <p:cNvPr id="11" name="sketchy line">
-            <a:extLst>
-              <a:ext uri="{FF2B5EF4-FFF2-40B4-BE49-F238E27FC236}">
-                <a16:creationId xmlns:a16="http://schemas.microsoft.com/office/drawing/2014/main" id="{D4974D33-8DC5-464E-8C6D-BE58F0669C17}"/>
-              </a:ext>
-              <a:ext uri="{C183D7F6-B498-43B3-948B-1728B52AA6E4}">
-                <adec:decorative xmlns:adec="http://schemas.microsoft.com/office/drawing/2017/decorative" val="1"/>
-              </a:ext>
-            </a:extLst>
-          </p:cNvPr>
-          <p:cNvSpPr>
-            <a:spLocks noGrp="1" noRot="1" noChangeAspect="1" noMove="1" noResize="1" noEditPoints="1" noAdjustHandles="1" noChangeArrowheads="1" noChangeShapeType="1" noTextEdit="1"/>
-          </p:cNvSpPr>
-          <p:nvPr>
-            <p:extLst>
-              <p:ext uri="{386F3935-93C4-4BCD-93E2-E3B085C9AB24}">
-                <p16:designElem xmlns:p16="http://schemas.microsoft.com/office/powerpoint/2015/main" val="1"/>
-              </p:ext>
-            </p:extLst>
-          </p:nvPr>
-        </p:nvSpPr>
-        <p:spPr>
-          <a:xfrm>
-            <a:off x="640080" y="2586994"/>
-            <a:ext cx="3474720" cy="18288"/>
-          </a:xfrm>
-          <a:custGeom>
-            <a:avLst/>
-            <a:gdLst>
-              <a:gd name="connsiteX0" fmla="*/ 0 w 3474720"/>
-              <a:gd name="connsiteY0" fmla="*/ 0 h 18288"/>
-              <a:gd name="connsiteX1" fmla="*/ 694944 w 3474720"/>
-              <a:gd name="connsiteY1" fmla="*/ 0 h 18288"/>
-              <a:gd name="connsiteX2" fmla="*/ 1355141 w 3474720"/>
-              <a:gd name="connsiteY2" fmla="*/ 0 h 18288"/>
-              <a:gd name="connsiteX3" fmla="*/ 2015338 w 3474720"/>
-              <a:gd name="connsiteY3" fmla="*/ 0 h 18288"/>
-              <a:gd name="connsiteX4" fmla="*/ 2779776 w 3474720"/>
-              <a:gd name="connsiteY4" fmla="*/ 0 h 18288"/>
-              <a:gd name="connsiteX5" fmla="*/ 3474720 w 3474720"/>
-              <a:gd name="connsiteY5" fmla="*/ 0 h 18288"/>
-              <a:gd name="connsiteX6" fmla="*/ 3474720 w 3474720"/>
-              <a:gd name="connsiteY6" fmla="*/ 18288 h 18288"/>
-              <a:gd name="connsiteX7" fmla="*/ 2779776 w 3474720"/>
-              <a:gd name="connsiteY7" fmla="*/ 18288 h 18288"/>
-              <a:gd name="connsiteX8" fmla="*/ 2189074 w 3474720"/>
-              <a:gd name="connsiteY8" fmla="*/ 18288 h 18288"/>
-              <a:gd name="connsiteX9" fmla="*/ 1528877 w 3474720"/>
-              <a:gd name="connsiteY9" fmla="*/ 18288 h 18288"/>
-              <a:gd name="connsiteX10" fmla="*/ 868680 w 3474720"/>
-              <a:gd name="connsiteY10" fmla="*/ 18288 h 18288"/>
-              <a:gd name="connsiteX11" fmla="*/ 0 w 3474720"/>
-              <a:gd name="connsiteY11" fmla="*/ 18288 h 18288"/>
-              <a:gd name="connsiteX12" fmla="*/ 0 w 3474720"/>
-              <a:gd name="connsiteY12" fmla="*/ 0 h 18288"/>
-            </a:gdLst>
-            <a:ahLst/>
-            <a:cxnLst>
-              <a:cxn ang="0">
-                <a:pos x="connsiteX0" y="connsiteY0"/>
-              </a:cxn>
-              <a:cxn ang="0">
-                <a:pos x="connsiteX1" y="connsiteY1"/>
-              </a:cxn>
-              <a:cxn ang="0">
-                <a:pos x="connsiteX2" y="connsiteY2"/>
-              </a:cxn>
-              <a:cxn ang="0">
-                <a:pos x="connsiteX3" y="connsiteY3"/>
-              </a:cxn>
-              <a:cxn ang="0">
-                <a:pos x="connsiteX4" y="connsiteY4"/>
-              </a:cxn>
-              <a:cxn ang="0">
-                <a:pos x="connsiteX5" y="connsiteY5"/>
-              </a:cxn>
-              <a:cxn ang="0">
-                <a:pos x="connsiteX6" y="connsiteY6"/>
-              </a:cxn>
-              <a:cxn ang="0">
-                <a:pos x="connsiteX7" y="connsiteY7"/>
-              </a:cxn>
-              <a:cxn ang="0">
-                <a:pos x="connsiteX8" y="connsiteY8"/>
-              </a:cxn>
-              <a:cxn ang="0">
-                <a:pos x="connsiteX9" y="connsiteY9"/>
-              </a:cxn>
-              <a:cxn ang="0">
-                <a:pos x="connsiteX10" y="connsiteY10"/>
-              </a:cxn>
-              <a:cxn ang="0">
-                <a:pos x="connsiteX11" y="connsiteY11"/>
-              </a:cxn>
-              <a:cxn ang="0">
-                <a:pos x="connsiteX12" y="connsiteY12"/>
-              </a:cxn>
-            </a:cxnLst>
-            <a:rect l="l" t="t" r="r" b="b"/>
-            <a:pathLst>
-              <a:path w="3474720" h="18288" fill="none" extrusionOk="0">
-                <a:moveTo>
-                  <a:pt x="0" y="0"/>
-                </a:moveTo>
-                <a:cubicBezTo>
-                  <a:pt x="224454" y="-14544"/>
-                  <a:pt x="495407" y="26540"/>
-                  <a:pt x="694944" y="0"/>
-                </a:cubicBezTo>
-                <a:cubicBezTo>
-                  <a:pt x="894481" y="-26540"/>
-                  <a:pt x="1130063" y="24713"/>
-                  <a:pt x="1355141" y="0"/>
-                </a:cubicBezTo>
-                <a:cubicBezTo>
-                  <a:pt x="1580219" y="-24713"/>
-                  <a:pt x="1820099" y="26695"/>
-                  <a:pt x="2015338" y="0"/>
-                </a:cubicBezTo>
-                <a:cubicBezTo>
-                  <a:pt x="2210577" y="-26695"/>
-                  <a:pt x="2402045" y="165"/>
-                  <a:pt x="2779776" y="0"/>
-                </a:cubicBezTo>
-                <a:cubicBezTo>
-                  <a:pt x="3157507" y="-165"/>
-                  <a:pt x="3286859" y="-15571"/>
-                  <a:pt x="3474720" y="0"/>
-                </a:cubicBezTo>
-                <a:cubicBezTo>
-                  <a:pt x="3474286" y="7551"/>
-                  <a:pt x="3474253" y="9822"/>
-                  <a:pt x="3474720" y="18288"/>
-                </a:cubicBezTo>
-                <a:cubicBezTo>
-                  <a:pt x="3233904" y="29845"/>
-                  <a:pt x="2945134" y="-5256"/>
-                  <a:pt x="2779776" y="18288"/>
-                </a:cubicBezTo>
-                <a:cubicBezTo>
-                  <a:pt x="2614418" y="41832"/>
-                  <a:pt x="2339768" y="22709"/>
-                  <a:pt x="2189074" y="18288"/>
-                </a:cubicBezTo>
-                <a:cubicBezTo>
-                  <a:pt x="2038380" y="13867"/>
-                  <a:pt x="1817434" y="-4947"/>
-                  <a:pt x="1528877" y="18288"/>
-                </a:cubicBezTo>
-                <a:cubicBezTo>
-                  <a:pt x="1240320" y="41523"/>
-                  <a:pt x="1042447" y="37198"/>
-                  <a:pt x="868680" y="18288"/>
-                </a:cubicBezTo>
-                <a:cubicBezTo>
-                  <a:pt x="694913" y="-622"/>
-                  <a:pt x="233232" y="44909"/>
-                  <a:pt x="0" y="18288"/>
-                </a:cubicBezTo>
-                <a:cubicBezTo>
-                  <a:pt x="60" y="11696"/>
-                  <a:pt x="66" y="3758"/>
-                  <a:pt x="0" y="0"/>
-                </a:cubicBezTo>
-                <a:close/>
-              </a:path>
-              <a:path w="3474720" h="18288" stroke="0" extrusionOk="0">
-                <a:moveTo>
-                  <a:pt x="0" y="0"/>
-                </a:moveTo>
-                <a:cubicBezTo>
-                  <a:pt x="202328" y="-14716"/>
-                  <a:pt x="332722" y="-11499"/>
-                  <a:pt x="625450" y="0"/>
-                </a:cubicBezTo>
-                <a:cubicBezTo>
-                  <a:pt x="918178" y="11499"/>
-                  <a:pt x="1096688" y="5123"/>
-                  <a:pt x="1389888" y="0"/>
-                </a:cubicBezTo>
-                <a:cubicBezTo>
-                  <a:pt x="1683088" y="-5123"/>
-                  <a:pt x="1835981" y="-14038"/>
-                  <a:pt x="1980590" y="0"/>
-                </a:cubicBezTo>
-                <a:cubicBezTo>
-                  <a:pt x="2125199" y="14038"/>
-                  <a:pt x="2396099" y="-7203"/>
-                  <a:pt x="2571293" y="0"/>
-                </a:cubicBezTo>
-                <a:cubicBezTo>
-                  <a:pt x="2746487" y="7203"/>
-                  <a:pt x="3041609" y="-12036"/>
-                  <a:pt x="3474720" y="0"/>
-                </a:cubicBezTo>
-                <a:cubicBezTo>
-                  <a:pt x="3474638" y="4406"/>
-                  <a:pt x="3474631" y="9982"/>
-                  <a:pt x="3474720" y="18288"/>
-                </a:cubicBezTo>
-                <a:cubicBezTo>
-                  <a:pt x="3324873" y="21876"/>
-                  <a:pt x="3136771" y="12587"/>
-                  <a:pt x="2814523" y="18288"/>
-                </a:cubicBezTo>
-                <a:cubicBezTo>
-                  <a:pt x="2492275" y="23989"/>
-                  <a:pt x="2294402" y="47111"/>
-                  <a:pt x="2154326" y="18288"/>
-                </a:cubicBezTo>
-                <a:cubicBezTo>
-                  <a:pt x="2014250" y="-10535"/>
-                  <a:pt x="1820317" y="33903"/>
-                  <a:pt x="1494130" y="18288"/>
-                </a:cubicBezTo>
-                <a:cubicBezTo>
-                  <a:pt x="1167943" y="2673"/>
-                  <a:pt x="948432" y="14868"/>
-                  <a:pt x="729691" y="18288"/>
-                </a:cubicBezTo>
-                <a:cubicBezTo>
-                  <a:pt x="510950" y="21708"/>
-                  <a:pt x="264032" y="24354"/>
-                  <a:pt x="0" y="18288"/>
-                </a:cubicBezTo>
-                <a:cubicBezTo>
-                  <a:pt x="189" y="14288"/>
-                  <a:pt x="-703" y="3747"/>
-                  <a:pt x="0" y="0"/>
-                </a:cubicBezTo>
-                <a:close/>
-              </a:path>
-            </a:pathLst>
-          </a:custGeom>
-          <a:solidFill>
-            <a:schemeClr val="accent2"/>
-          </a:solidFill>
-          <a:ln w="44450" cap="rnd">
-            <a:solidFill>
-              <a:schemeClr val="accent2"/>
-            </a:solidFill>
-            <a:round/>
-            <a:extLst>
-              <a:ext uri="{C807C97D-BFC1-408E-A445-0C87EB9F89A2}">
-                <ask:lineSketchStyleProps xmlns:ask="http://schemas.microsoft.com/office/drawing/2018/sketchyshapes" sd="2863741219">
-                  <a:prstGeom prst="rect">
-                    <a:avLst/>
-                  </a:prstGeom>
-                  <ask:type>
-                    <ask:lineSketchFreehand/>
-                  </ask:type>
-                </ask:lineSketchStyleProps>
-              </a:ext>
-            </a:extLst>
-          </a:ln>
-        </p:spPr>
-        <p:style>
-          <a:lnRef idx="2">
-            <a:schemeClr val="accent1">
-              <a:shade val="50000"/>
-            </a:schemeClr>
-          </a:lnRef>
-          <a:fillRef idx="1">
-            <a:schemeClr val="accent1"/>
-          </a:fillRef>
-          <a:effectRef idx="0">
-            <a:schemeClr val="accent1"/>
-          </a:effectRef>
-          <a:fontRef idx="minor">
-            <a:schemeClr val="lt1"/>
-          </a:fontRef>
-        </p:style>
-        <p:txBody>
-          <a:bodyPr rtlCol="0" anchor="ctr"/>
-          <a:lstStyle/>
-          <a:p>
-            <a:pPr algn="ctr"/>
-            <a:endParaRPr lang="en-US"/>
-          </a:p>
-        </p:txBody>
-      </p:sp>
-      <p:sp>
-        <p:nvSpPr>
-          <p:cNvPr id="3" name="Content Placeholder 2">
-            <a:extLst>
-              <a:ext uri="{FF2B5EF4-FFF2-40B4-BE49-F238E27FC236}">
-                <a16:creationId xmlns:a16="http://schemas.microsoft.com/office/drawing/2014/main" id="{247882B2-0D23-323E-A5F8-AD206D3F2E04}"/>
-              </a:ext>
-            </a:extLst>
-          </p:cNvPr>
-          <p:cNvSpPr>
-            <a:spLocks noGrp="1"/>
-          </p:cNvSpPr>
-          <p:nvPr>
-            <p:ph idx="1"/>
-          </p:nvPr>
-        </p:nvSpPr>
-        <p:spPr>
-          <a:xfrm>
-            <a:off x="640080" y="2872899"/>
-            <a:ext cx="4243589" cy="3320668"/>
-          </a:xfrm>
-        </p:spPr>
-        <p:txBody>
-          <a:bodyPr>
-            <a:normAutofit/>
-          </a:bodyPr>
-          <a:lstStyle/>
-          <a:p>
-            <a:pPr>
-              <a:buFont typeface="Wingdings" pitchFamily="2" charset="2"/>
-              <a:buChar char="q"/>
-            </a:pPr>
-            <a:r>
-              <a:rPr lang="en-US" sz="2200"/>
-              <a:t>The ticket price has room for increasing and the revenues can be increased by facilities improvement. </a:t>
-            </a:r>
-          </a:p>
-          <a:p>
-            <a:pPr>
-              <a:buFont typeface="Wingdings" pitchFamily="2" charset="2"/>
-              <a:buChar char="q"/>
-            </a:pPr>
-            <a:r>
-              <a:rPr lang="en-US" sz="2200"/>
-              <a:t>The primary goal of this object is achieved. </a:t>
-            </a:r>
-          </a:p>
-        </p:txBody>
-      </p:sp>
-      <p:pic>
-        <p:nvPicPr>
-          <p:cNvPr id="5" name="Picture 4" descr="Graph">
-            <a:extLst>
-              <a:ext uri="{FF2B5EF4-FFF2-40B4-BE49-F238E27FC236}">
-                <a16:creationId xmlns:a16="http://schemas.microsoft.com/office/drawing/2014/main" id="{1C2896E6-FE74-B348-11CB-78C9DAA08CC1}"/>
-              </a:ext>
-            </a:extLst>
-          </p:cNvPr>
-          <p:cNvPicPr>
-            <a:picLocks noChangeAspect="1"/>
-          </p:cNvPicPr>
-          <p:nvPr/>
-        </p:nvPicPr>
-        <p:blipFill rotWithShape="1">
-          <a:blip r:embed="rId2"/>
-          <a:srcRect l="13022" r="24288"/>
-          <a:stretch/>
-        </p:blipFill>
-        <p:spPr>
-          <a:xfrm>
-            <a:off x="5311702" y="10"/>
-            <a:ext cx="6878775" cy="6857990"/>
-          </a:xfrm>
-          <a:custGeom>
-            <a:avLst/>
-            <a:gdLst/>
-            <a:ahLst/>
-            <a:cxnLst/>
-            <a:rect l="l" t="t" r="r" b="b"/>
-            <a:pathLst>
-              <a:path w="6878775" h="6858000">
-                <a:moveTo>
-                  <a:pt x="1102973" y="0"/>
-                </a:moveTo>
-                <a:lnTo>
-                  <a:pt x="1160688" y="0"/>
-                </a:lnTo>
-                <a:lnTo>
-                  <a:pt x="983189" y="331786"/>
-                </a:lnTo>
-                <a:cubicBezTo>
-                  <a:pt x="914866" y="469145"/>
-                  <a:pt x="850355" y="608712"/>
-                  <a:pt x="789261" y="750263"/>
-                </a:cubicBezTo>
-                <a:cubicBezTo>
-                  <a:pt x="774307" y="784928"/>
-                  <a:pt x="759992" y="819849"/>
-                  <a:pt x="745295" y="854514"/>
-                </a:cubicBezTo>
-                <a:cubicBezTo>
-                  <a:pt x="756682" y="845393"/>
-                  <a:pt x="765489" y="833492"/>
-                  <a:pt x="770857" y="819975"/>
-                </a:cubicBezTo>
-                <a:cubicBezTo>
-                  <a:pt x="879943" y="589569"/>
-                  <a:pt x="999605" y="365513"/>
-                  <a:pt x="1131329" y="148742"/>
-                </a:cubicBezTo>
-                <a:lnTo>
-                  <a:pt x="1227589" y="0"/>
-                </a:lnTo>
-                <a:lnTo>
-                  <a:pt x="6878775" y="0"/>
-                </a:lnTo>
-                <a:lnTo>
-                  <a:pt x="6878775" y="6858000"/>
-                </a:lnTo>
-                <a:lnTo>
-                  <a:pt x="713521" y="6858000"/>
-                </a:lnTo>
-                <a:lnTo>
-                  <a:pt x="625642" y="6670527"/>
-                </a:lnTo>
-                <a:cubicBezTo>
-                  <a:pt x="507232" y="6398531"/>
-                  <a:pt x="403083" y="6118381"/>
-                  <a:pt x="312785" y="5830359"/>
-                </a:cubicBezTo>
-                <a:cubicBezTo>
-                  <a:pt x="278149" y="5719759"/>
-                  <a:pt x="248879" y="5607635"/>
-                  <a:pt x="212198" y="5480401"/>
-                </a:cubicBezTo>
-                <a:cubicBezTo>
-                  <a:pt x="212208" y="5491601"/>
-                  <a:pt x="212803" y="5502788"/>
-                  <a:pt x="213988" y="5513923"/>
-                </a:cubicBezTo>
-                <a:cubicBezTo>
-                  <a:pt x="264089" y="5723695"/>
-                  <a:pt x="307290" y="5935370"/>
-                  <a:pt x="365826" y="6142729"/>
-                </a:cubicBezTo>
-                <a:cubicBezTo>
-                  <a:pt x="433152" y="6380817"/>
-                  <a:pt x="510068" y="6614016"/>
-                  <a:pt x="597975" y="6841549"/>
-                </a:cubicBezTo>
-                <a:lnTo>
-                  <a:pt x="604824" y="6858000"/>
-                </a:lnTo>
-                <a:lnTo>
-                  <a:pt x="552056" y="6858000"/>
-                </a:lnTo>
-                <a:lnTo>
-                  <a:pt x="539576" y="6828295"/>
-                </a:lnTo>
-                <a:cubicBezTo>
-                  <a:pt x="380597" y="6414594"/>
-                  <a:pt x="260223" y="5988893"/>
-                  <a:pt x="171555" y="5552906"/>
-                </a:cubicBezTo>
-                <a:cubicBezTo>
-                  <a:pt x="91163" y="5157998"/>
-                  <a:pt x="43746" y="4758899"/>
-                  <a:pt x="12305" y="4357388"/>
-                </a:cubicBezTo>
-                <a:cubicBezTo>
-                  <a:pt x="-14281" y="4013908"/>
-                  <a:pt x="4507" y="3672965"/>
-                  <a:pt x="46684" y="3331516"/>
-                </a:cubicBezTo>
-                <a:cubicBezTo>
-                  <a:pt x="127203" y="2664286"/>
-                  <a:pt x="277819" y="2007265"/>
-                  <a:pt x="496065" y="1371196"/>
-                </a:cubicBezTo>
-                <a:cubicBezTo>
-                  <a:pt x="636273" y="966066"/>
-                  <a:pt x="800445" y="573253"/>
-                  <a:pt x="995723" y="196614"/>
-                </a:cubicBezTo>
-                <a:close/>
-              </a:path>
-            </a:pathLst>
-          </a:custGeom>
-        </p:spPr>
-      </p:pic>
-    </p:spTree>
-    <p:extLst>
-      <p:ext uri="{BB962C8B-B14F-4D97-AF65-F5344CB8AC3E}">
-        <p14:creationId xmlns:p14="http://schemas.microsoft.com/office/powerpoint/2010/main" val="2933237685"/>
-      </p:ext>
-    </p:extLst>
-  </p:cSld>
-  <p:clrMapOvr>
-    <a:masterClrMapping/>
-  </p:clrMapOvr>
-</p:sld>
-</file>
-
 <file path=ppt/slides/slide2.xml><?xml version="1.0" encoding="utf-8"?>
-<p:sld xmlns:a="http://schemas.openxmlformats.org/drawingml/2006/main" xmlns:r="http://schemas.openxmlformats.org/officeDocument/2006/relationships" xmlns:p="http://schemas.openxmlformats.org/presentationml/2006/main">
-  <p:cSld>
-    <p:bg>
-      <p:bgPr>
-        <a:solidFill>
-          <a:schemeClr val="bg1"/>
-        </a:solidFill>
-        <a:effectLst/>
-      </p:bgPr>
-    </p:bg>
-    <p:spTree>
-      <p:nvGrpSpPr>
-        <p:cNvPr id="1" name=""/>
-        <p:cNvGrpSpPr/>
-        <p:nvPr/>
-      </p:nvGrpSpPr>
-      <p:grpSpPr>
-        <a:xfrm>
-          <a:off x="0" y="0"/>
-          <a:ext cx="0" cy="0"/>
-          <a:chOff x="0" y="0"/>
-          <a:chExt cx="0" cy="0"/>
-        </a:xfrm>
-      </p:grpSpPr>
-      <p:sp>
-        <p:nvSpPr>
-          <p:cNvPr id="2" name="Title 1">
-            <a:extLst>
-              <a:ext uri="{FF2B5EF4-FFF2-40B4-BE49-F238E27FC236}">
-                <a16:creationId xmlns:a16="http://schemas.microsoft.com/office/drawing/2014/main" id="{DF1D4BE3-61EE-47E5-53C8-8B4D319D06F2}"/>
-              </a:ext>
-            </a:extLst>
-          </p:cNvPr>
-          <p:cNvSpPr>
-            <a:spLocks noGrp="1"/>
-          </p:cNvSpPr>
-          <p:nvPr>
-            <p:ph type="ctrTitle"/>
-          </p:nvPr>
-        </p:nvSpPr>
-        <p:spPr>
-          <a:xfrm>
-            <a:off x="6590662" y="4267832"/>
-            <a:ext cx="4805996" cy="1297115"/>
-          </a:xfrm>
-        </p:spPr>
-        <p:txBody>
-          <a:bodyPr anchor="t">
-            <a:normAutofit/>
-          </a:bodyPr>
-          <a:lstStyle/>
-          <a:p>
-            <a:pPr algn="l"/>
-            <a:r>
-              <a:rPr lang="en-US" sz="2800" b="0" i="0">
-                <a:solidFill>
-                  <a:schemeClr val="tx2"/>
-                </a:solidFill>
-                <a:effectLst/>
-                <a:latin typeface="+mn-lt"/>
-                <a:cs typeface="Arial" panose="020B0604020202020204" pitchFamily="34" charset="0"/>
-              </a:rPr>
-              <a:t>Big Mountain Resort Project</a:t>
-            </a:r>
-            <a:br>
-              <a:rPr lang="en-US" sz="2800" b="0" i="0">
-                <a:solidFill>
-                  <a:schemeClr val="tx2"/>
-                </a:solidFill>
-                <a:effectLst/>
-                <a:latin typeface="+mn-lt"/>
-                <a:cs typeface="Arial" panose="020B0604020202020204" pitchFamily="34" charset="0"/>
-              </a:rPr>
-            </a:br>
-            <a:r>
-              <a:rPr lang="en-US" sz="2800" b="0" i="0">
-                <a:solidFill>
-                  <a:schemeClr val="tx2"/>
-                </a:solidFill>
-                <a:effectLst/>
-                <a:latin typeface="+mn-lt"/>
-                <a:cs typeface="Arial" panose="020B0604020202020204" pitchFamily="34" charset="0"/>
-              </a:rPr>
-              <a:t>Presenter: Hui Zhang</a:t>
-            </a:r>
-            <a:br>
-              <a:rPr lang="en-US" sz="2800" b="0" i="0">
-                <a:solidFill>
-                  <a:schemeClr val="tx2"/>
-                </a:solidFill>
-                <a:effectLst/>
-                <a:latin typeface="+mn-lt"/>
-                <a:cs typeface="Arial" panose="020B0604020202020204" pitchFamily="34" charset="0"/>
-              </a:rPr>
-            </a:br>
-            <a:r>
-              <a:rPr lang="en-US" sz="2800" b="0" i="0">
-                <a:solidFill>
-                  <a:schemeClr val="tx2"/>
-                </a:solidFill>
-                <a:effectLst/>
-                <a:latin typeface="+mn-lt"/>
-                <a:cs typeface="Arial" panose="020B0604020202020204" pitchFamily="34" charset="0"/>
-              </a:rPr>
-              <a:t>Date: August 08,2023</a:t>
-            </a:r>
-            <a:endParaRPr lang="en-US" sz="2800">
-              <a:solidFill>
-                <a:schemeClr val="tx2"/>
-              </a:solidFill>
-              <a:latin typeface="+mn-lt"/>
-              <a:cs typeface="Arial" panose="020B0604020202020204" pitchFamily="34" charset="0"/>
-            </a:endParaRPr>
-          </a:p>
-        </p:txBody>
-      </p:sp>
-      <p:pic>
-        <p:nvPicPr>
-          <p:cNvPr id="6" name="Graphic 5" descr="Mountains">
-            <a:extLst>
-              <a:ext uri="{FF2B5EF4-FFF2-40B4-BE49-F238E27FC236}">
-                <a16:creationId xmlns:a16="http://schemas.microsoft.com/office/drawing/2014/main" id="{2C4AED66-2E7C-C1F2-0A96-AE6604270F9C}"/>
-              </a:ext>
-            </a:extLst>
-          </p:cNvPr>
-          <p:cNvPicPr>
-            <a:picLocks noChangeAspect="1"/>
-          </p:cNvPicPr>
-          <p:nvPr/>
-        </p:nvPicPr>
-        <p:blipFill>
-          <a:blip r:embed="rId3">
-            <a:extLst>
-              <a:ext uri="{28A0092B-C50C-407E-A947-70E740481C1C}">
-                <a14:useLocalDpi xmlns:a14="http://schemas.microsoft.com/office/drawing/2010/main" val="0"/>
-              </a:ext>
-              <a:ext uri="{96DAC541-7B7A-43D3-8B79-37D633B846F1}">
-                <asvg:svgBlip xmlns:asvg="http://schemas.microsoft.com/office/drawing/2016/SVG/main" r:embed="rId4"/>
-              </a:ext>
-            </a:extLst>
-          </a:blip>
-          <a:stretch>
-            <a:fillRect/>
-          </a:stretch>
-        </p:blipFill>
-        <p:spPr>
-          <a:xfrm>
-            <a:off x="340470" y="1815320"/>
-            <a:ext cx="4141760" cy="4141760"/>
-          </a:xfrm>
-          <a:custGeom>
-            <a:avLst/>
-            <a:gdLst/>
-            <a:ahLst/>
-            <a:cxnLst/>
-            <a:rect l="l" t="t" r="r" b="b"/>
-            <a:pathLst>
-              <a:path w="4141760" h="4377846">
-                <a:moveTo>
-                  <a:pt x="0" y="0"/>
-                </a:moveTo>
-                <a:lnTo>
-                  <a:pt x="4141760" y="0"/>
-                </a:lnTo>
-                <a:lnTo>
-                  <a:pt x="4141760" y="4377846"/>
-                </a:lnTo>
-                <a:lnTo>
-                  <a:pt x="0" y="4377846"/>
-                </a:lnTo>
-                <a:close/>
-              </a:path>
-            </a:pathLst>
-          </a:custGeom>
-        </p:spPr>
-      </p:pic>
-    </p:spTree>
-    <p:extLst>
-      <p:ext uri="{BB962C8B-B14F-4D97-AF65-F5344CB8AC3E}">
-        <p14:creationId xmlns:p14="http://schemas.microsoft.com/office/powerpoint/2010/main" val="1258329866"/>
-      </p:ext>
-    </p:extLst>
-  </p:cSld>
-  <p:clrMapOvr>
-    <a:masterClrMapping/>
-  </p:clrMapOvr>
-</p:sld>
-</file>
-
-<file path=ppt/slides/slide3.xml><?xml version="1.0" encoding="utf-8"?>
 <p:sld xmlns:a="http://schemas.openxmlformats.org/drawingml/2006/main" xmlns:r="http://schemas.openxmlformats.org/officeDocument/2006/relationships" xmlns:p="http://schemas.openxmlformats.org/presentationml/2006/main">
   <p:cSld>
     <p:bg>
@@ -5810,761 +4574,7 @@
 </p:sld>
 </file>
 
-<file path=ppt/slides/slide4.xml><?xml version="1.0" encoding="utf-8"?>
-<p:sld xmlns:a="http://schemas.openxmlformats.org/drawingml/2006/main" xmlns:r="http://schemas.openxmlformats.org/officeDocument/2006/relationships" xmlns:p="http://schemas.openxmlformats.org/presentationml/2006/main">
-  <p:cSld>
-    <p:bg>
-      <p:bgPr>
-        <a:solidFill>
-          <a:schemeClr val="bg1"/>
-        </a:solidFill>
-        <a:effectLst/>
-      </p:bgPr>
-    </p:bg>
-    <p:spTree>
-      <p:nvGrpSpPr>
-        <p:cNvPr id="1" name=""/>
-        <p:cNvGrpSpPr/>
-        <p:nvPr/>
-      </p:nvGrpSpPr>
-      <p:grpSpPr>
-        <a:xfrm>
-          <a:off x="0" y="0"/>
-          <a:ext cx="0" cy="0"/>
-          <a:chOff x="0" y="0"/>
-          <a:chExt cx="0" cy="0"/>
-        </a:xfrm>
-      </p:grpSpPr>
-      <p:sp useBgFill="1">
-        <p:nvSpPr>
-          <p:cNvPr id="11" name="Rectangle 10">
-            <a:extLst>
-              <a:ext uri="{FF2B5EF4-FFF2-40B4-BE49-F238E27FC236}">
-                <a16:creationId xmlns:a16="http://schemas.microsoft.com/office/drawing/2014/main" id="{F13C74B1-5B17-4795-BED0-7140497B445A}"/>
-              </a:ext>
-              <a:ext uri="{C183D7F6-B498-43B3-948B-1728B52AA6E4}">
-                <adec:decorative xmlns:adec="http://schemas.microsoft.com/office/drawing/2017/decorative" val="1"/>
-              </a:ext>
-            </a:extLst>
-          </p:cNvPr>
-          <p:cNvSpPr>
-            <a:spLocks noGrp="1" noRot="1" noChangeAspect="1" noMove="1" noResize="1" noEditPoints="1" noAdjustHandles="1" noChangeArrowheads="1" noChangeShapeType="1" noTextEdit="1"/>
-          </p:cNvSpPr>
-          <p:nvPr>
-            <p:extLst>
-              <p:ext uri="{386F3935-93C4-4BCD-93E2-E3B085C9AB24}">
-                <p16:designElem xmlns:p16="http://schemas.microsoft.com/office/powerpoint/2015/main" val="1"/>
-              </p:ext>
-            </p:extLst>
-          </p:nvPr>
-        </p:nvSpPr>
-        <p:spPr>
-          <a:xfrm>
-            <a:off x="0" y="0"/>
-            <a:ext cx="12188952" cy="6858000"/>
-          </a:xfrm>
-          <a:prstGeom prst="rect">
-            <a:avLst/>
-          </a:prstGeom>
-          <a:ln>
-            <a:noFill/>
-          </a:ln>
-        </p:spPr>
-        <p:style>
-          <a:lnRef idx="2">
-            <a:schemeClr val="accent1">
-              <a:shade val="50000"/>
-            </a:schemeClr>
-          </a:lnRef>
-          <a:fillRef idx="1">
-            <a:schemeClr val="accent1"/>
-          </a:fillRef>
-          <a:effectRef idx="0">
-            <a:schemeClr val="accent1"/>
-          </a:effectRef>
-          <a:fontRef idx="minor">
-            <a:schemeClr val="lt1"/>
-          </a:fontRef>
-        </p:style>
-        <p:txBody>
-          <a:bodyPr rtlCol="0" anchor="ctr"/>
-          <a:lstStyle/>
-          <a:p>
-            <a:pPr algn="ctr"/>
-            <a:endParaRPr lang="en-US"/>
-          </a:p>
-        </p:txBody>
-      </p:sp>
-      <p:sp>
-        <p:nvSpPr>
-          <p:cNvPr id="2" name="Title 1">
-            <a:extLst>
-              <a:ext uri="{FF2B5EF4-FFF2-40B4-BE49-F238E27FC236}">
-                <a16:creationId xmlns:a16="http://schemas.microsoft.com/office/drawing/2014/main" id="{8AB6C3E7-43BD-A57F-8473-EBDBB58339F0}"/>
-              </a:ext>
-            </a:extLst>
-          </p:cNvPr>
-          <p:cNvSpPr>
-            <a:spLocks noGrp="1"/>
-          </p:cNvSpPr>
-          <p:nvPr>
-            <p:ph type="title"/>
-          </p:nvPr>
-        </p:nvSpPr>
-        <p:spPr>
-          <a:xfrm>
-            <a:off x="640080" y="325369"/>
-            <a:ext cx="4368602" cy="1956841"/>
-          </a:xfrm>
-        </p:spPr>
-        <p:txBody>
-          <a:bodyPr anchor="b">
-            <a:normAutofit/>
-          </a:bodyPr>
-          <a:lstStyle/>
-          <a:p>
-            <a:r>
-              <a:rPr lang="en-US" sz="5400" b="0" i="0" dirty="0">
-                <a:effectLst/>
-                <a:latin typeface="+mn-lt"/>
-                <a:cs typeface="Arial" panose="020B0604020202020204" pitchFamily="34" charset="0"/>
-              </a:rPr>
-              <a:t>Project Goals:</a:t>
-            </a:r>
-            <a:endParaRPr lang="en-US" sz="5400" dirty="0">
-              <a:latin typeface="+mn-lt"/>
-              <a:cs typeface="Arial" panose="020B0604020202020204" pitchFamily="34" charset="0"/>
-            </a:endParaRPr>
-          </a:p>
-        </p:txBody>
-      </p:sp>
-      <p:sp>
-        <p:nvSpPr>
-          <p:cNvPr id="13" name="sketchy line">
-            <a:extLst>
-              <a:ext uri="{FF2B5EF4-FFF2-40B4-BE49-F238E27FC236}">
-                <a16:creationId xmlns:a16="http://schemas.microsoft.com/office/drawing/2014/main" id="{D4974D33-8DC5-464E-8C6D-BE58F0669C17}"/>
-              </a:ext>
-              <a:ext uri="{C183D7F6-B498-43B3-948B-1728B52AA6E4}">
-                <adec:decorative xmlns:adec="http://schemas.microsoft.com/office/drawing/2017/decorative" val="1"/>
-              </a:ext>
-            </a:extLst>
-          </p:cNvPr>
-          <p:cNvSpPr>
-            <a:spLocks noGrp="1" noRot="1" noChangeAspect="1" noMove="1" noResize="1" noEditPoints="1" noAdjustHandles="1" noChangeArrowheads="1" noChangeShapeType="1" noTextEdit="1"/>
-          </p:cNvSpPr>
-          <p:nvPr>
-            <p:extLst>
-              <p:ext uri="{386F3935-93C4-4BCD-93E2-E3B085C9AB24}">
-                <p16:designElem xmlns:p16="http://schemas.microsoft.com/office/powerpoint/2015/main" val="1"/>
-              </p:ext>
-            </p:extLst>
-          </p:nvPr>
-        </p:nvSpPr>
-        <p:spPr>
-          <a:xfrm>
-            <a:off x="640080" y="2586994"/>
-            <a:ext cx="3474720" cy="18288"/>
-          </a:xfrm>
-          <a:custGeom>
-            <a:avLst/>
-            <a:gdLst>
-              <a:gd name="connsiteX0" fmla="*/ 0 w 3474720"/>
-              <a:gd name="connsiteY0" fmla="*/ 0 h 18288"/>
-              <a:gd name="connsiteX1" fmla="*/ 694944 w 3474720"/>
-              <a:gd name="connsiteY1" fmla="*/ 0 h 18288"/>
-              <a:gd name="connsiteX2" fmla="*/ 1355141 w 3474720"/>
-              <a:gd name="connsiteY2" fmla="*/ 0 h 18288"/>
-              <a:gd name="connsiteX3" fmla="*/ 2015338 w 3474720"/>
-              <a:gd name="connsiteY3" fmla="*/ 0 h 18288"/>
-              <a:gd name="connsiteX4" fmla="*/ 2779776 w 3474720"/>
-              <a:gd name="connsiteY4" fmla="*/ 0 h 18288"/>
-              <a:gd name="connsiteX5" fmla="*/ 3474720 w 3474720"/>
-              <a:gd name="connsiteY5" fmla="*/ 0 h 18288"/>
-              <a:gd name="connsiteX6" fmla="*/ 3474720 w 3474720"/>
-              <a:gd name="connsiteY6" fmla="*/ 18288 h 18288"/>
-              <a:gd name="connsiteX7" fmla="*/ 2779776 w 3474720"/>
-              <a:gd name="connsiteY7" fmla="*/ 18288 h 18288"/>
-              <a:gd name="connsiteX8" fmla="*/ 2189074 w 3474720"/>
-              <a:gd name="connsiteY8" fmla="*/ 18288 h 18288"/>
-              <a:gd name="connsiteX9" fmla="*/ 1528877 w 3474720"/>
-              <a:gd name="connsiteY9" fmla="*/ 18288 h 18288"/>
-              <a:gd name="connsiteX10" fmla="*/ 868680 w 3474720"/>
-              <a:gd name="connsiteY10" fmla="*/ 18288 h 18288"/>
-              <a:gd name="connsiteX11" fmla="*/ 0 w 3474720"/>
-              <a:gd name="connsiteY11" fmla="*/ 18288 h 18288"/>
-              <a:gd name="connsiteX12" fmla="*/ 0 w 3474720"/>
-              <a:gd name="connsiteY12" fmla="*/ 0 h 18288"/>
-            </a:gdLst>
-            <a:ahLst/>
-            <a:cxnLst>
-              <a:cxn ang="0">
-                <a:pos x="connsiteX0" y="connsiteY0"/>
-              </a:cxn>
-              <a:cxn ang="0">
-                <a:pos x="connsiteX1" y="connsiteY1"/>
-              </a:cxn>
-              <a:cxn ang="0">
-                <a:pos x="connsiteX2" y="connsiteY2"/>
-              </a:cxn>
-              <a:cxn ang="0">
-                <a:pos x="connsiteX3" y="connsiteY3"/>
-              </a:cxn>
-              <a:cxn ang="0">
-                <a:pos x="connsiteX4" y="connsiteY4"/>
-              </a:cxn>
-              <a:cxn ang="0">
-                <a:pos x="connsiteX5" y="connsiteY5"/>
-              </a:cxn>
-              <a:cxn ang="0">
-                <a:pos x="connsiteX6" y="connsiteY6"/>
-              </a:cxn>
-              <a:cxn ang="0">
-                <a:pos x="connsiteX7" y="connsiteY7"/>
-              </a:cxn>
-              <a:cxn ang="0">
-                <a:pos x="connsiteX8" y="connsiteY8"/>
-              </a:cxn>
-              <a:cxn ang="0">
-                <a:pos x="connsiteX9" y="connsiteY9"/>
-              </a:cxn>
-              <a:cxn ang="0">
-                <a:pos x="connsiteX10" y="connsiteY10"/>
-              </a:cxn>
-              <a:cxn ang="0">
-                <a:pos x="connsiteX11" y="connsiteY11"/>
-              </a:cxn>
-              <a:cxn ang="0">
-                <a:pos x="connsiteX12" y="connsiteY12"/>
-              </a:cxn>
-            </a:cxnLst>
-            <a:rect l="l" t="t" r="r" b="b"/>
-            <a:pathLst>
-              <a:path w="3474720" h="18288" fill="none" extrusionOk="0">
-                <a:moveTo>
-                  <a:pt x="0" y="0"/>
-                </a:moveTo>
-                <a:cubicBezTo>
-                  <a:pt x="224454" y="-14544"/>
-                  <a:pt x="495407" y="26540"/>
-                  <a:pt x="694944" y="0"/>
-                </a:cubicBezTo>
-                <a:cubicBezTo>
-                  <a:pt x="894481" y="-26540"/>
-                  <a:pt x="1130063" y="24713"/>
-                  <a:pt x="1355141" y="0"/>
-                </a:cubicBezTo>
-                <a:cubicBezTo>
-                  <a:pt x="1580219" y="-24713"/>
-                  <a:pt x="1820099" y="26695"/>
-                  <a:pt x="2015338" y="0"/>
-                </a:cubicBezTo>
-                <a:cubicBezTo>
-                  <a:pt x="2210577" y="-26695"/>
-                  <a:pt x="2402045" y="165"/>
-                  <a:pt x="2779776" y="0"/>
-                </a:cubicBezTo>
-                <a:cubicBezTo>
-                  <a:pt x="3157507" y="-165"/>
-                  <a:pt x="3286859" y="-15571"/>
-                  <a:pt x="3474720" y="0"/>
-                </a:cubicBezTo>
-                <a:cubicBezTo>
-                  <a:pt x="3474286" y="7551"/>
-                  <a:pt x="3474253" y="9822"/>
-                  <a:pt x="3474720" y="18288"/>
-                </a:cubicBezTo>
-                <a:cubicBezTo>
-                  <a:pt x="3233904" y="29845"/>
-                  <a:pt x="2945134" y="-5256"/>
-                  <a:pt x="2779776" y="18288"/>
-                </a:cubicBezTo>
-                <a:cubicBezTo>
-                  <a:pt x="2614418" y="41832"/>
-                  <a:pt x="2339768" y="22709"/>
-                  <a:pt x="2189074" y="18288"/>
-                </a:cubicBezTo>
-                <a:cubicBezTo>
-                  <a:pt x="2038380" y="13867"/>
-                  <a:pt x="1817434" y="-4947"/>
-                  <a:pt x="1528877" y="18288"/>
-                </a:cubicBezTo>
-                <a:cubicBezTo>
-                  <a:pt x="1240320" y="41523"/>
-                  <a:pt x="1042447" y="37198"/>
-                  <a:pt x="868680" y="18288"/>
-                </a:cubicBezTo>
-                <a:cubicBezTo>
-                  <a:pt x="694913" y="-622"/>
-                  <a:pt x="233232" y="44909"/>
-                  <a:pt x="0" y="18288"/>
-                </a:cubicBezTo>
-                <a:cubicBezTo>
-                  <a:pt x="60" y="11696"/>
-                  <a:pt x="66" y="3758"/>
-                  <a:pt x="0" y="0"/>
-                </a:cubicBezTo>
-                <a:close/>
-              </a:path>
-              <a:path w="3474720" h="18288" stroke="0" extrusionOk="0">
-                <a:moveTo>
-                  <a:pt x="0" y="0"/>
-                </a:moveTo>
-                <a:cubicBezTo>
-                  <a:pt x="202328" y="-14716"/>
-                  <a:pt x="332722" y="-11499"/>
-                  <a:pt x="625450" y="0"/>
-                </a:cubicBezTo>
-                <a:cubicBezTo>
-                  <a:pt x="918178" y="11499"/>
-                  <a:pt x="1096688" y="5123"/>
-                  <a:pt x="1389888" y="0"/>
-                </a:cubicBezTo>
-                <a:cubicBezTo>
-                  <a:pt x="1683088" y="-5123"/>
-                  <a:pt x="1835981" y="-14038"/>
-                  <a:pt x="1980590" y="0"/>
-                </a:cubicBezTo>
-                <a:cubicBezTo>
-                  <a:pt x="2125199" y="14038"/>
-                  <a:pt x="2396099" y="-7203"/>
-                  <a:pt x="2571293" y="0"/>
-                </a:cubicBezTo>
-                <a:cubicBezTo>
-                  <a:pt x="2746487" y="7203"/>
-                  <a:pt x="3041609" y="-12036"/>
-                  <a:pt x="3474720" y="0"/>
-                </a:cubicBezTo>
-                <a:cubicBezTo>
-                  <a:pt x="3474638" y="4406"/>
-                  <a:pt x="3474631" y="9982"/>
-                  <a:pt x="3474720" y="18288"/>
-                </a:cubicBezTo>
-                <a:cubicBezTo>
-                  <a:pt x="3324873" y="21876"/>
-                  <a:pt x="3136771" y="12587"/>
-                  <a:pt x="2814523" y="18288"/>
-                </a:cubicBezTo>
-                <a:cubicBezTo>
-                  <a:pt x="2492275" y="23989"/>
-                  <a:pt x="2294402" y="47111"/>
-                  <a:pt x="2154326" y="18288"/>
-                </a:cubicBezTo>
-                <a:cubicBezTo>
-                  <a:pt x="2014250" y="-10535"/>
-                  <a:pt x="1820317" y="33903"/>
-                  <a:pt x="1494130" y="18288"/>
-                </a:cubicBezTo>
-                <a:cubicBezTo>
-                  <a:pt x="1167943" y="2673"/>
-                  <a:pt x="948432" y="14868"/>
-                  <a:pt x="729691" y="18288"/>
-                </a:cubicBezTo>
-                <a:cubicBezTo>
-                  <a:pt x="510950" y="21708"/>
-                  <a:pt x="264032" y="24354"/>
-                  <a:pt x="0" y="18288"/>
-                </a:cubicBezTo>
-                <a:cubicBezTo>
-                  <a:pt x="189" y="14288"/>
-                  <a:pt x="-703" y="3747"/>
-                  <a:pt x="0" y="0"/>
-                </a:cubicBezTo>
-                <a:close/>
-              </a:path>
-            </a:pathLst>
-          </a:custGeom>
-          <a:solidFill>
-            <a:schemeClr val="accent2"/>
-          </a:solidFill>
-          <a:ln w="44450" cap="rnd">
-            <a:solidFill>
-              <a:schemeClr val="accent2"/>
-            </a:solidFill>
-            <a:round/>
-            <a:extLst>
-              <a:ext uri="{C807C97D-BFC1-408E-A445-0C87EB9F89A2}">
-                <ask:lineSketchStyleProps xmlns:ask="http://schemas.microsoft.com/office/drawing/2018/sketchyshapes" sd="2863741219">
-                  <a:prstGeom prst="rect">
-                    <a:avLst/>
-                  </a:prstGeom>
-                  <ask:type>
-                    <ask:lineSketchFreehand/>
-                  </ask:type>
-                </ask:lineSketchStyleProps>
-              </a:ext>
-            </a:extLst>
-          </a:ln>
-        </p:spPr>
-        <p:style>
-          <a:lnRef idx="2">
-            <a:schemeClr val="accent1">
-              <a:shade val="50000"/>
-            </a:schemeClr>
-          </a:lnRef>
-          <a:fillRef idx="1">
-            <a:schemeClr val="accent1"/>
-          </a:fillRef>
-          <a:effectRef idx="0">
-            <a:schemeClr val="accent1"/>
-          </a:effectRef>
-          <a:fontRef idx="minor">
-            <a:schemeClr val="lt1"/>
-          </a:fontRef>
-        </p:style>
-        <p:txBody>
-          <a:bodyPr rtlCol="0" anchor="ctr"/>
-          <a:lstStyle/>
-          <a:p>
-            <a:pPr algn="ctr"/>
-            <a:endParaRPr lang="en-US"/>
-          </a:p>
-        </p:txBody>
-      </p:sp>
-      <p:sp>
-        <p:nvSpPr>
-          <p:cNvPr id="3" name="Content Placeholder 2">
-            <a:extLst>
-              <a:ext uri="{FF2B5EF4-FFF2-40B4-BE49-F238E27FC236}">
-                <a16:creationId xmlns:a16="http://schemas.microsoft.com/office/drawing/2014/main" id="{254252FE-46D2-E549-120E-47118A28DB9A}"/>
-              </a:ext>
-            </a:extLst>
-          </p:cNvPr>
-          <p:cNvSpPr>
-            <a:spLocks noGrp="1"/>
-          </p:cNvSpPr>
-          <p:nvPr>
-            <p:ph idx="1"/>
-          </p:nvPr>
-        </p:nvSpPr>
-        <p:spPr>
-          <a:xfrm>
-            <a:off x="640080" y="2872899"/>
-            <a:ext cx="4243589" cy="3320668"/>
-          </a:xfrm>
-        </p:spPr>
-        <p:txBody>
-          <a:bodyPr>
-            <a:normAutofit/>
-          </a:bodyPr>
-          <a:lstStyle/>
-          <a:p>
-            <a:pPr>
-              <a:buFont typeface="Wingdings" pitchFamily="2" charset="2"/>
-              <a:buChar char="q"/>
-            </a:pPr>
-            <a:r>
-              <a:rPr lang="en-US" sz="2200" dirty="0">
-                <a:cs typeface="Arial" panose="020B0604020202020204" pitchFamily="34" charset="0"/>
-              </a:rPr>
-              <a:t>Build a ticket price prediction model and give facilities investment suggestions.</a:t>
-            </a:r>
-          </a:p>
-        </p:txBody>
-      </p:sp>
-      <p:pic>
-        <p:nvPicPr>
-          <p:cNvPr id="6" name="Picture 5" descr="A person skiing down a mountain&#10;&#10;Description automatically generated">
-            <a:extLst>
-              <a:ext uri="{FF2B5EF4-FFF2-40B4-BE49-F238E27FC236}">
-                <a16:creationId xmlns:a16="http://schemas.microsoft.com/office/drawing/2014/main" id="{E9E8423E-A1EB-2982-22EB-28484954D1D7}"/>
-              </a:ext>
-            </a:extLst>
-          </p:cNvPr>
-          <p:cNvPicPr>
-            <a:picLocks noChangeAspect="1"/>
-          </p:cNvPicPr>
-          <p:nvPr/>
-        </p:nvPicPr>
-        <p:blipFill rotWithShape="1">
-          <a:blip r:embed="rId2"/>
-          <a:srcRect l="26067" r="2216"/>
-          <a:stretch/>
-        </p:blipFill>
-        <p:spPr>
-          <a:xfrm>
-            <a:off x="5311702" y="10"/>
-            <a:ext cx="6878775" cy="6857990"/>
-          </a:xfrm>
-          <a:custGeom>
-            <a:avLst/>
-            <a:gdLst/>
-            <a:ahLst/>
-            <a:cxnLst/>
-            <a:rect l="l" t="t" r="r" b="b"/>
-            <a:pathLst>
-              <a:path w="6878775" h="6858000">
-                <a:moveTo>
-                  <a:pt x="1102973" y="0"/>
-                </a:moveTo>
-                <a:lnTo>
-                  <a:pt x="1160688" y="0"/>
-                </a:lnTo>
-                <a:lnTo>
-                  <a:pt x="983189" y="331786"/>
-                </a:lnTo>
-                <a:cubicBezTo>
-                  <a:pt x="914866" y="469145"/>
-                  <a:pt x="850355" y="608712"/>
-                  <a:pt x="789261" y="750263"/>
-                </a:cubicBezTo>
-                <a:cubicBezTo>
-                  <a:pt x="774307" y="784928"/>
-                  <a:pt x="759992" y="819849"/>
-                  <a:pt x="745295" y="854514"/>
-                </a:cubicBezTo>
-                <a:cubicBezTo>
-                  <a:pt x="756682" y="845393"/>
-                  <a:pt x="765489" y="833492"/>
-                  <a:pt x="770857" y="819975"/>
-                </a:cubicBezTo>
-                <a:cubicBezTo>
-                  <a:pt x="879943" y="589569"/>
-                  <a:pt x="999605" y="365513"/>
-                  <a:pt x="1131329" y="148742"/>
-                </a:cubicBezTo>
-                <a:lnTo>
-                  <a:pt x="1227589" y="0"/>
-                </a:lnTo>
-                <a:lnTo>
-                  <a:pt x="6878775" y="0"/>
-                </a:lnTo>
-                <a:lnTo>
-                  <a:pt x="6878775" y="6858000"/>
-                </a:lnTo>
-                <a:lnTo>
-                  <a:pt x="713521" y="6858000"/>
-                </a:lnTo>
-                <a:lnTo>
-                  <a:pt x="625642" y="6670527"/>
-                </a:lnTo>
-                <a:cubicBezTo>
-                  <a:pt x="507232" y="6398531"/>
-                  <a:pt x="403083" y="6118381"/>
-                  <a:pt x="312785" y="5830359"/>
-                </a:cubicBezTo>
-                <a:cubicBezTo>
-                  <a:pt x="278149" y="5719759"/>
-                  <a:pt x="248879" y="5607635"/>
-                  <a:pt x="212198" y="5480401"/>
-                </a:cubicBezTo>
-                <a:cubicBezTo>
-                  <a:pt x="212208" y="5491601"/>
-                  <a:pt x="212803" y="5502788"/>
-                  <a:pt x="213988" y="5513923"/>
-                </a:cubicBezTo>
-                <a:cubicBezTo>
-                  <a:pt x="264089" y="5723695"/>
-                  <a:pt x="307290" y="5935370"/>
-                  <a:pt x="365826" y="6142729"/>
-                </a:cubicBezTo>
-                <a:cubicBezTo>
-                  <a:pt x="433152" y="6380817"/>
-                  <a:pt x="510068" y="6614016"/>
-                  <a:pt x="597975" y="6841549"/>
-                </a:cubicBezTo>
-                <a:lnTo>
-                  <a:pt x="604824" y="6858000"/>
-                </a:lnTo>
-                <a:lnTo>
-                  <a:pt x="552056" y="6858000"/>
-                </a:lnTo>
-                <a:lnTo>
-                  <a:pt x="539576" y="6828295"/>
-                </a:lnTo>
-                <a:cubicBezTo>
-                  <a:pt x="380597" y="6414594"/>
-                  <a:pt x="260223" y="5988893"/>
-                  <a:pt x="171555" y="5552906"/>
-                </a:cubicBezTo>
-                <a:cubicBezTo>
-                  <a:pt x="91163" y="5157998"/>
-                  <a:pt x="43746" y="4758899"/>
-                  <a:pt x="12305" y="4357388"/>
-                </a:cubicBezTo>
-                <a:cubicBezTo>
-                  <a:pt x="-14281" y="4013908"/>
-                  <a:pt x="4507" y="3672965"/>
-                  <a:pt x="46684" y="3331516"/>
-                </a:cubicBezTo>
-                <a:cubicBezTo>
-                  <a:pt x="127203" y="2664286"/>
-                  <a:pt x="277819" y="2007265"/>
-                  <a:pt x="496065" y="1371196"/>
-                </a:cubicBezTo>
-                <a:cubicBezTo>
-                  <a:pt x="636273" y="966066"/>
-                  <a:pt x="800445" y="573253"/>
-                  <a:pt x="995723" y="196614"/>
-                </a:cubicBezTo>
-                <a:close/>
-              </a:path>
-            </a:pathLst>
-          </a:custGeom>
-        </p:spPr>
-      </p:pic>
-    </p:spTree>
-    <p:extLst>
-      <p:ext uri="{BB962C8B-B14F-4D97-AF65-F5344CB8AC3E}">
-        <p14:creationId xmlns:p14="http://schemas.microsoft.com/office/powerpoint/2010/main" val="2855593579"/>
-      </p:ext>
-    </p:extLst>
-  </p:cSld>
-  <p:clrMapOvr>
-    <a:masterClrMapping/>
-  </p:clrMapOvr>
-  <p:timing>
-    <p:tnLst>
-      <p:par>
-        <p:cTn id="1" dur="indefinite" restart="never" nodeType="tmRoot">
-          <p:childTnLst>
-            <p:seq concurrent="1" nextAc="seek">
-              <p:cTn id="2" dur="indefinite" nodeType="mainSeq">
-                <p:childTnLst>
-                  <p:par>
-                    <p:cTn id="3" fill="hold">
-                      <p:stCondLst>
-                        <p:cond delay="indefinite"/>
-                      </p:stCondLst>
-                      <p:childTnLst>
-                        <p:par>
-                          <p:cTn id="4" fill="hold">
-                            <p:stCondLst>
-                              <p:cond delay="0"/>
-                            </p:stCondLst>
-                            <p:childTnLst>
-                              <p:par>
-                                <p:cTn id="5" presetID="10" presetClass="entr" presetSubtype="0" fill="hold" grpId="0" nodeType="clickEffect">
-                                  <p:stCondLst>
-                                    <p:cond delay="0"/>
-                                  </p:stCondLst>
-                                  <p:childTnLst>
-                                    <p:set>
-                                      <p:cBhvr>
-                                        <p:cTn id="6" dur="1" fill="hold">
-                                          <p:stCondLst>
-                                            <p:cond delay="0"/>
-                                          </p:stCondLst>
-                                        </p:cTn>
-                                        <p:tgtEl>
-                                          <p:spTgt spid="2"/>
-                                        </p:tgtEl>
-                                        <p:attrNameLst>
-                                          <p:attrName>style.visibility</p:attrName>
-                                        </p:attrNameLst>
-                                      </p:cBhvr>
-                                      <p:to>
-                                        <p:strVal val="visible"/>
-                                      </p:to>
-                                    </p:set>
-                                    <p:animEffect transition="in" filter="fade">
-                                      <p:cBhvr>
-                                        <p:cTn id="7" dur="500"/>
-                                        <p:tgtEl>
-                                          <p:spTgt spid="2"/>
-                                        </p:tgtEl>
-                                      </p:cBhvr>
-                                    </p:animEffect>
-                                  </p:childTnLst>
-                                </p:cTn>
-                              </p:par>
-                            </p:childTnLst>
-                          </p:cTn>
-                        </p:par>
-                      </p:childTnLst>
-                    </p:cTn>
-                  </p:par>
-                  <p:par>
-                    <p:cTn id="8" fill="hold">
-                      <p:stCondLst>
-                        <p:cond delay="indefinite"/>
-                      </p:stCondLst>
-                      <p:childTnLst>
-                        <p:par>
-                          <p:cTn id="9" fill="hold">
-                            <p:stCondLst>
-                              <p:cond delay="0"/>
-                            </p:stCondLst>
-                            <p:childTnLst>
-                              <p:par>
-                                <p:cTn id="10" presetID="10" presetClass="entr" presetSubtype="0" fill="hold" grpId="0" nodeType="clickEffect">
-                                  <p:stCondLst>
-                                    <p:cond delay="0"/>
-                                  </p:stCondLst>
-                                  <p:childTnLst>
-                                    <p:set>
-                                      <p:cBhvr>
-                                        <p:cTn id="11" dur="1" fill="hold">
-                                          <p:stCondLst>
-                                            <p:cond delay="0"/>
-                                          </p:stCondLst>
-                                        </p:cTn>
-                                        <p:tgtEl>
-                                          <p:spTgt spid="3">
-                                            <p:txEl>
-                                              <p:pRg st="0" end="0"/>
-                                            </p:txEl>
-                                          </p:spTgt>
-                                        </p:tgtEl>
-                                        <p:attrNameLst>
-                                          <p:attrName>style.visibility</p:attrName>
-                                        </p:attrNameLst>
-                                      </p:cBhvr>
-                                      <p:to>
-                                        <p:strVal val="visible"/>
-                                      </p:to>
-                                    </p:set>
-                                    <p:animEffect transition="in" filter="fade">
-                                      <p:cBhvr>
-                                        <p:cTn id="12" dur="500"/>
-                                        <p:tgtEl>
-                                          <p:spTgt spid="3">
-                                            <p:txEl>
-                                              <p:pRg st="0" end="0"/>
-                                            </p:txEl>
-                                          </p:spTgt>
-                                        </p:tgtEl>
-                                      </p:cBhvr>
-                                    </p:animEffect>
-                                  </p:childTnLst>
-                                </p:cTn>
-                              </p:par>
-                            </p:childTnLst>
-                          </p:cTn>
-                        </p:par>
-                      </p:childTnLst>
-                    </p:cTn>
-                  </p:par>
-                </p:childTnLst>
-              </p:cTn>
-              <p:prevCondLst>
-                <p:cond evt="onPrev" delay="0">
-                  <p:tgtEl>
-                    <p:sldTgt/>
-                  </p:tgtEl>
-                </p:cond>
-              </p:prevCondLst>
-              <p:nextCondLst>
-                <p:cond evt="onNext" delay="0">
-                  <p:tgtEl>
-                    <p:sldTgt/>
-                  </p:tgtEl>
-                </p:cond>
-              </p:nextCondLst>
-            </p:seq>
-          </p:childTnLst>
-        </p:cTn>
-      </p:par>
-    </p:tnLst>
-    <p:bldLst>
-      <p:bldP spid="2" grpId="0"/>
-      <p:bldP spid="3" grpId="0" build="p"/>
-    </p:bldLst>
-  </p:timing>
-</p:sld>
-</file>
-
-<file path=ppt/slides/slide5.xml><?xml version="1.0" encoding="utf-8"?>
+<file path=ppt/slides/slide3.xml><?xml version="1.0" encoding="utf-8"?>
 <p:sld xmlns:a="http://schemas.openxmlformats.org/drawingml/2006/main" xmlns:r="http://schemas.openxmlformats.org/officeDocument/2006/relationships" xmlns:p="http://schemas.openxmlformats.org/presentationml/2006/main">
   <p:cSld>
     <p:bg>
@@ -7385,7 +5395,7 @@
 </p:sld>
 </file>
 
-<file path=ppt/slides/slide6.xml><?xml version="1.0" encoding="utf-8"?>
+<file path=ppt/slides/slide4.xml><?xml version="1.0" encoding="utf-8"?>
 <p:sld xmlns:a="http://schemas.openxmlformats.org/drawingml/2006/main" xmlns:r="http://schemas.openxmlformats.org/officeDocument/2006/relationships" xmlns:p="http://schemas.openxmlformats.org/presentationml/2006/main">
   <p:cSld>
     <p:bg>
@@ -8275,7 +6285,7 @@
 </p:sld>
 </file>
 
-<file path=ppt/slides/slide7.xml><?xml version="1.0" encoding="utf-8"?>
+<file path=ppt/slides/slide5.xml><?xml version="1.0" encoding="utf-8"?>
 <p:sld xmlns:a="http://schemas.openxmlformats.org/drawingml/2006/main" xmlns:r="http://schemas.openxmlformats.org/officeDocument/2006/relationships" xmlns:p="http://schemas.openxmlformats.org/presentationml/2006/main">
   <p:cSld>
     <p:bg>
@@ -8457,6 +6467,648 @@
     <p:extLst>
       <p:ext uri="{BB962C8B-B14F-4D97-AF65-F5344CB8AC3E}">
         <p14:creationId xmlns:p14="http://schemas.microsoft.com/office/powerpoint/2010/main" val="2009463096"/>
+      </p:ext>
+    </p:extLst>
+  </p:cSld>
+  <p:clrMapOvr>
+    <a:masterClrMapping/>
+  </p:clrMapOvr>
+  <p:timing>
+    <p:tnLst>
+      <p:par>
+        <p:cTn id="1" dur="indefinite" restart="never" nodeType="tmRoot">
+          <p:childTnLst>
+            <p:seq concurrent="1" nextAc="seek">
+              <p:cTn id="2" dur="indefinite" nodeType="mainSeq">
+                <p:childTnLst>
+                  <p:par>
+                    <p:cTn id="3" fill="hold">
+                      <p:stCondLst>
+                        <p:cond delay="indefinite"/>
+                      </p:stCondLst>
+                      <p:childTnLst>
+                        <p:par>
+                          <p:cTn id="4" fill="hold">
+                            <p:stCondLst>
+                              <p:cond delay="0"/>
+                            </p:stCondLst>
+                            <p:childTnLst>
+                              <p:par>
+                                <p:cTn id="5" presetID="10" presetClass="entr" presetSubtype="0" fill="hold" grpId="0" nodeType="clickEffect">
+                                  <p:stCondLst>
+                                    <p:cond delay="0"/>
+                                  </p:stCondLst>
+                                  <p:childTnLst>
+                                    <p:set>
+                                      <p:cBhvr>
+                                        <p:cTn id="6" dur="1" fill="hold">
+                                          <p:stCondLst>
+                                            <p:cond delay="0"/>
+                                          </p:stCondLst>
+                                        </p:cTn>
+                                        <p:tgtEl>
+                                          <p:spTgt spid="18"/>
+                                        </p:tgtEl>
+                                        <p:attrNameLst>
+                                          <p:attrName>style.visibility</p:attrName>
+                                        </p:attrNameLst>
+                                      </p:cBhvr>
+                                      <p:to>
+                                        <p:strVal val="visible"/>
+                                      </p:to>
+                                    </p:set>
+                                    <p:animEffect transition="in" filter="fade">
+                                      <p:cBhvr>
+                                        <p:cTn id="7" dur="500"/>
+                                        <p:tgtEl>
+                                          <p:spTgt spid="18"/>
+                                        </p:tgtEl>
+                                      </p:cBhvr>
+                                    </p:animEffect>
+                                  </p:childTnLst>
+                                </p:cTn>
+                              </p:par>
+                            </p:childTnLst>
+                          </p:cTn>
+                        </p:par>
+                      </p:childTnLst>
+                    </p:cTn>
+                  </p:par>
+                  <p:par>
+                    <p:cTn id="8" fill="hold">
+                      <p:stCondLst>
+                        <p:cond delay="indefinite"/>
+                      </p:stCondLst>
+                      <p:childTnLst>
+                        <p:par>
+                          <p:cTn id="9" fill="hold">
+                            <p:stCondLst>
+                              <p:cond delay="0"/>
+                            </p:stCondLst>
+                            <p:childTnLst>
+                              <p:par>
+                                <p:cTn id="10" presetID="10" presetClass="entr" presetSubtype="0" fill="hold" grpId="0" nodeType="clickEffect">
+                                  <p:stCondLst>
+                                    <p:cond delay="0"/>
+                                  </p:stCondLst>
+                                  <p:childTnLst>
+                                    <p:set>
+                                      <p:cBhvr>
+                                        <p:cTn id="11" dur="1" fill="hold">
+                                          <p:stCondLst>
+                                            <p:cond delay="0"/>
+                                          </p:stCondLst>
+                                        </p:cTn>
+                                        <p:tgtEl>
+                                          <p:spTgt spid="19"/>
+                                        </p:tgtEl>
+                                        <p:attrNameLst>
+                                          <p:attrName>style.visibility</p:attrName>
+                                        </p:attrNameLst>
+                                      </p:cBhvr>
+                                      <p:to>
+                                        <p:strVal val="visible"/>
+                                      </p:to>
+                                    </p:set>
+                                    <p:animEffect transition="in" filter="fade">
+                                      <p:cBhvr>
+                                        <p:cTn id="12" dur="500"/>
+                                        <p:tgtEl>
+                                          <p:spTgt spid="19"/>
+                                        </p:tgtEl>
+                                      </p:cBhvr>
+                                    </p:animEffect>
+                                  </p:childTnLst>
+                                </p:cTn>
+                              </p:par>
+                            </p:childTnLst>
+                          </p:cTn>
+                        </p:par>
+                      </p:childTnLst>
+                    </p:cTn>
+                  </p:par>
+                </p:childTnLst>
+              </p:cTn>
+              <p:prevCondLst>
+                <p:cond evt="onPrev" delay="0">
+                  <p:tgtEl>
+                    <p:sldTgt/>
+                  </p:tgtEl>
+                </p:cond>
+              </p:prevCondLst>
+              <p:nextCondLst>
+                <p:cond evt="onNext" delay="0">
+                  <p:tgtEl>
+                    <p:sldTgt/>
+                  </p:tgtEl>
+                </p:cond>
+              </p:nextCondLst>
+            </p:seq>
+          </p:childTnLst>
+        </p:cTn>
+      </p:par>
+    </p:tnLst>
+    <p:bldLst>
+      <p:bldP spid="18" grpId="0"/>
+      <p:bldP spid="19" grpId="0"/>
+    </p:bldLst>
+  </p:timing>
+</p:sld>
+</file>
+
+<file path=ppt/slides/slide6.xml><?xml version="1.0" encoding="utf-8"?>
+<p:sld xmlns:a="http://schemas.openxmlformats.org/drawingml/2006/main" xmlns:r="http://schemas.openxmlformats.org/officeDocument/2006/relationships" xmlns:p="http://schemas.openxmlformats.org/presentationml/2006/main">
+  <p:cSld>
+    <p:spTree>
+      <p:nvGrpSpPr>
+        <p:cNvPr id="1" name=""/>
+        <p:cNvGrpSpPr/>
+        <p:nvPr/>
+      </p:nvGrpSpPr>
+      <p:grpSpPr>
+        <a:xfrm>
+          <a:off x="0" y="0"/>
+          <a:ext cx="0" cy="0"/>
+          <a:chOff x="0" y="0"/>
+          <a:chExt cx="0" cy="0"/>
+        </a:xfrm>
+      </p:grpSpPr>
+      <p:pic>
+        <p:nvPicPr>
+          <p:cNvPr id="15" name="Picture 14">
+            <a:extLst>
+              <a:ext uri="{FF2B5EF4-FFF2-40B4-BE49-F238E27FC236}">
+                <a16:creationId xmlns:a16="http://schemas.microsoft.com/office/drawing/2014/main" id="{D7CEA2D1-EA7A-EE38-42A1-E047C1A0A9A0}"/>
+              </a:ext>
+            </a:extLst>
+          </p:cNvPr>
+          <p:cNvPicPr>
+            <a:picLocks noChangeAspect="1"/>
+          </p:cNvPicPr>
+          <p:nvPr/>
+        </p:nvPicPr>
+        <p:blipFill>
+          <a:blip r:embed="rId2"/>
+          <a:srcRect/>
+          <a:stretch/>
+        </p:blipFill>
+        <p:spPr>
+          <a:xfrm>
+            <a:off x="6437437" y="226196"/>
+            <a:ext cx="5758796" cy="3195079"/>
+          </a:xfrm>
+          <a:prstGeom prst="rect">
+            <a:avLst/>
+          </a:prstGeom>
+        </p:spPr>
+      </p:pic>
+      <p:pic>
+        <p:nvPicPr>
+          <p:cNvPr id="17" name="Picture 16">
+            <a:extLst>
+              <a:ext uri="{FF2B5EF4-FFF2-40B4-BE49-F238E27FC236}">
+                <a16:creationId xmlns:a16="http://schemas.microsoft.com/office/drawing/2014/main" id="{22F6911D-9F7A-FC6F-9D83-444A81D709D8}"/>
+              </a:ext>
+            </a:extLst>
+          </p:cNvPr>
+          <p:cNvPicPr>
+            <a:picLocks noChangeAspect="1"/>
+          </p:cNvPicPr>
+          <p:nvPr/>
+        </p:nvPicPr>
+        <p:blipFill>
+          <a:blip r:embed="rId3"/>
+          <a:srcRect/>
+          <a:stretch/>
+        </p:blipFill>
+        <p:spPr>
+          <a:xfrm>
+            <a:off x="6437437" y="3664743"/>
+            <a:ext cx="5754564" cy="3192731"/>
+          </a:xfrm>
+          <a:prstGeom prst="rect">
+            <a:avLst/>
+          </a:prstGeom>
+        </p:spPr>
+      </p:pic>
+      <p:sp>
+        <p:nvSpPr>
+          <p:cNvPr id="18" name="Title 1">
+            <a:extLst>
+              <a:ext uri="{FF2B5EF4-FFF2-40B4-BE49-F238E27FC236}">
+                <a16:creationId xmlns:a16="http://schemas.microsoft.com/office/drawing/2014/main" id="{AC7E46E1-A036-8216-7765-2CBE689D1ACC}"/>
+              </a:ext>
+            </a:extLst>
+          </p:cNvPr>
+          <p:cNvSpPr>
+            <a:spLocks noGrp="1"/>
+          </p:cNvSpPr>
+          <p:nvPr>
+            <p:ph type="title"/>
+          </p:nvPr>
+        </p:nvSpPr>
+        <p:spPr>
+          <a:xfrm>
+            <a:off x="488519" y="959948"/>
+            <a:ext cx="5266045" cy="1727574"/>
+          </a:xfrm>
+        </p:spPr>
+        <p:txBody>
+          <a:bodyPr anchor="b">
+            <a:noAutofit/>
+          </a:bodyPr>
+          <a:lstStyle/>
+          <a:p>
+            <a:r>
+              <a:rPr lang="en-US" sz="3000" dirty="0">
+                <a:latin typeface="+mn-lt"/>
+              </a:rPr>
+              <a:t>Big Mountain is very high up the league table of snow making area.</a:t>
+            </a:r>
+          </a:p>
+        </p:txBody>
+      </p:sp>
+      <p:sp>
+        <p:nvSpPr>
+          <p:cNvPr id="19" name="Title 1">
+            <a:extLst>
+              <a:ext uri="{FF2B5EF4-FFF2-40B4-BE49-F238E27FC236}">
+                <a16:creationId xmlns:a16="http://schemas.microsoft.com/office/drawing/2014/main" id="{CC99FE75-516F-3DCE-6080-7FE02D010618}"/>
+              </a:ext>
+            </a:extLst>
+          </p:cNvPr>
+          <p:cNvSpPr txBox="1">
+            <a:spLocks/>
+          </p:cNvSpPr>
+          <p:nvPr/>
+        </p:nvSpPr>
+        <p:spPr>
+          <a:xfrm>
+            <a:off x="488519" y="4634562"/>
+            <a:ext cx="5266045" cy="1253092"/>
+          </a:xfrm>
+          <a:prstGeom prst="rect">
+            <a:avLst/>
+          </a:prstGeom>
+        </p:spPr>
+        <p:txBody>
+          <a:bodyPr vert="horz" lIns="91440" tIns="45720" rIns="91440" bIns="45720" rtlCol="0" anchor="b">
+            <a:normAutofit fontScale="97500"/>
+          </a:bodyPr>
+          <a:lstStyle>
+            <a:lvl1pPr algn="l" defTabSz="914400" rtl="0" eaLnBrk="1" latinLnBrk="0" hangingPunct="1">
+              <a:lnSpc>
+                <a:spcPct val="90000"/>
+              </a:lnSpc>
+              <a:spcBef>
+                <a:spcPct val="0"/>
+              </a:spcBef>
+              <a:buNone/>
+              <a:defRPr sz="4400" kern="1200">
+                <a:solidFill>
+                  <a:schemeClr val="tx1"/>
+                </a:solidFill>
+                <a:latin typeface="+mj-lt"/>
+                <a:ea typeface="+mj-ea"/>
+                <a:cs typeface="+mj-cs"/>
+              </a:defRPr>
+            </a:lvl1pPr>
+          </a:lstStyle>
+          <a:p>
+            <a:r>
+              <a:rPr lang="en-US" sz="3100" dirty="0">
+                <a:latin typeface="+mn-lt"/>
+              </a:rPr>
+              <a:t>Big Mountain has amongst the highest number of total chairs.</a:t>
+            </a:r>
+          </a:p>
+        </p:txBody>
+      </p:sp>
+    </p:spTree>
+    <p:extLst>
+      <p:ext uri="{BB962C8B-B14F-4D97-AF65-F5344CB8AC3E}">
+        <p14:creationId xmlns:p14="http://schemas.microsoft.com/office/powerpoint/2010/main" val="1713891478"/>
+      </p:ext>
+    </p:extLst>
+  </p:cSld>
+  <p:clrMapOvr>
+    <a:masterClrMapping/>
+  </p:clrMapOvr>
+  <p:timing>
+    <p:tnLst>
+      <p:par>
+        <p:cTn id="1" dur="indefinite" restart="never" nodeType="tmRoot">
+          <p:childTnLst>
+            <p:seq concurrent="1" nextAc="seek">
+              <p:cTn id="2" dur="indefinite" nodeType="mainSeq">
+                <p:childTnLst>
+                  <p:par>
+                    <p:cTn id="3" fill="hold">
+                      <p:stCondLst>
+                        <p:cond delay="indefinite"/>
+                      </p:stCondLst>
+                      <p:childTnLst>
+                        <p:par>
+                          <p:cTn id="4" fill="hold">
+                            <p:stCondLst>
+                              <p:cond delay="0"/>
+                            </p:stCondLst>
+                            <p:childTnLst>
+                              <p:par>
+                                <p:cTn id="5" presetID="10" presetClass="entr" presetSubtype="0" fill="hold" grpId="0" nodeType="clickEffect">
+                                  <p:stCondLst>
+                                    <p:cond delay="0"/>
+                                  </p:stCondLst>
+                                  <p:childTnLst>
+                                    <p:set>
+                                      <p:cBhvr>
+                                        <p:cTn id="6" dur="1" fill="hold">
+                                          <p:stCondLst>
+                                            <p:cond delay="0"/>
+                                          </p:stCondLst>
+                                        </p:cTn>
+                                        <p:tgtEl>
+                                          <p:spTgt spid="18"/>
+                                        </p:tgtEl>
+                                        <p:attrNameLst>
+                                          <p:attrName>style.visibility</p:attrName>
+                                        </p:attrNameLst>
+                                      </p:cBhvr>
+                                      <p:to>
+                                        <p:strVal val="visible"/>
+                                      </p:to>
+                                    </p:set>
+                                    <p:animEffect transition="in" filter="fade">
+                                      <p:cBhvr>
+                                        <p:cTn id="7" dur="500"/>
+                                        <p:tgtEl>
+                                          <p:spTgt spid="18"/>
+                                        </p:tgtEl>
+                                      </p:cBhvr>
+                                    </p:animEffect>
+                                  </p:childTnLst>
+                                </p:cTn>
+                              </p:par>
+                            </p:childTnLst>
+                          </p:cTn>
+                        </p:par>
+                      </p:childTnLst>
+                    </p:cTn>
+                  </p:par>
+                  <p:par>
+                    <p:cTn id="8" fill="hold">
+                      <p:stCondLst>
+                        <p:cond delay="indefinite"/>
+                      </p:stCondLst>
+                      <p:childTnLst>
+                        <p:par>
+                          <p:cTn id="9" fill="hold">
+                            <p:stCondLst>
+                              <p:cond delay="0"/>
+                            </p:stCondLst>
+                            <p:childTnLst>
+                              <p:par>
+                                <p:cTn id="10" presetID="10" presetClass="entr" presetSubtype="0" fill="hold" grpId="0" nodeType="clickEffect">
+                                  <p:stCondLst>
+                                    <p:cond delay="0"/>
+                                  </p:stCondLst>
+                                  <p:childTnLst>
+                                    <p:set>
+                                      <p:cBhvr>
+                                        <p:cTn id="11" dur="1" fill="hold">
+                                          <p:stCondLst>
+                                            <p:cond delay="0"/>
+                                          </p:stCondLst>
+                                        </p:cTn>
+                                        <p:tgtEl>
+                                          <p:spTgt spid="19"/>
+                                        </p:tgtEl>
+                                        <p:attrNameLst>
+                                          <p:attrName>style.visibility</p:attrName>
+                                        </p:attrNameLst>
+                                      </p:cBhvr>
+                                      <p:to>
+                                        <p:strVal val="visible"/>
+                                      </p:to>
+                                    </p:set>
+                                    <p:animEffect transition="in" filter="fade">
+                                      <p:cBhvr>
+                                        <p:cTn id="12" dur="500"/>
+                                        <p:tgtEl>
+                                          <p:spTgt spid="19"/>
+                                        </p:tgtEl>
+                                      </p:cBhvr>
+                                    </p:animEffect>
+                                  </p:childTnLst>
+                                </p:cTn>
+                              </p:par>
+                            </p:childTnLst>
+                          </p:cTn>
+                        </p:par>
+                      </p:childTnLst>
+                    </p:cTn>
+                  </p:par>
+                </p:childTnLst>
+              </p:cTn>
+              <p:prevCondLst>
+                <p:cond evt="onPrev" delay="0">
+                  <p:tgtEl>
+                    <p:sldTgt/>
+                  </p:tgtEl>
+                </p:cond>
+              </p:prevCondLst>
+              <p:nextCondLst>
+                <p:cond evt="onNext" delay="0">
+                  <p:tgtEl>
+                    <p:sldTgt/>
+                  </p:tgtEl>
+                </p:cond>
+              </p:nextCondLst>
+            </p:seq>
+          </p:childTnLst>
+        </p:cTn>
+      </p:par>
+    </p:tnLst>
+    <p:bldLst>
+      <p:bldP spid="18" grpId="0"/>
+      <p:bldP spid="19" grpId="0"/>
+    </p:bldLst>
+  </p:timing>
+</p:sld>
+</file>
+
+<file path=ppt/slides/slide7.xml><?xml version="1.0" encoding="utf-8"?>
+<p:sld xmlns:a="http://schemas.openxmlformats.org/drawingml/2006/main" xmlns:r="http://schemas.openxmlformats.org/officeDocument/2006/relationships" xmlns:p="http://schemas.openxmlformats.org/presentationml/2006/main">
+  <p:cSld>
+    <p:spTree>
+      <p:nvGrpSpPr>
+        <p:cNvPr id="1" name=""/>
+        <p:cNvGrpSpPr/>
+        <p:nvPr/>
+      </p:nvGrpSpPr>
+      <p:grpSpPr>
+        <a:xfrm>
+          <a:off x="0" y="0"/>
+          <a:ext cx="0" cy="0"/>
+          <a:chOff x="0" y="0"/>
+          <a:chExt cx="0" cy="0"/>
+        </a:xfrm>
+      </p:grpSpPr>
+      <p:pic>
+        <p:nvPicPr>
+          <p:cNvPr id="15" name="Picture 14">
+            <a:extLst>
+              <a:ext uri="{FF2B5EF4-FFF2-40B4-BE49-F238E27FC236}">
+                <a16:creationId xmlns:a16="http://schemas.microsoft.com/office/drawing/2014/main" id="{D7CEA2D1-EA7A-EE38-42A1-E047C1A0A9A0}"/>
+              </a:ext>
+            </a:extLst>
+          </p:cNvPr>
+          <p:cNvPicPr>
+            <a:picLocks noChangeAspect="1"/>
+          </p:cNvPicPr>
+          <p:nvPr/>
+        </p:nvPicPr>
+        <p:blipFill>
+          <a:blip r:embed="rId2"/>
+          <a:srcRect/>
+          <a:stretch/>
+        </p:blipFill>
+        <p:spPr>
+          <a:xfrm>
+            <a:off x="6437437" y="241961"/>
+            <a:ext cx="5758796" cy="3163549"/>
+          </a:xfrm>
+          <a:prstGeom prst="rect">
+            <a:avLst/>
+          </a:prstGeom>
+        </p:spPr>
+      </p:pic>
+      <p:pic>
+        <p:nvPicPr>
+          <p:cNvPr id="17" name="Picture 16">
+            <a:extLst>
+              <a:ext uri="{FF2B5EF4-FFF2-40B4-BE49-F238E27FC236}">
+                <a16:creationId xmlns:a16="http://schemas.microsoft.com/office/drawing/2014/main" id="{22F6911D-9F7A-FC6F-9D83-444A81D709D8}"/>
+              </a:ext>
+            </a:extLst>
+          </p:cNvPr>
+          <p:cNvPicPr>
+            <a:picLocks noChangeAspect="1"/>
+          </p:cNvPicPr>
+          <p:nvPr/>
+        </p:nvPicPr>
+        <p:blipFill>
+          <a:blip r:embed="rId3"/>
+          <a:srcRect/>
+          <a:stretch/>
+        </p:blipFill>
+        <p:spPr>
+          <a:xfrm>
+            <a:off x="6437437" y="3675280"/>
+            <a:ext cx="5754564" cy="3171657"/>
+          </a:xfrm>
+          <a:prstGeom prst="rect">
+            <a:avLst/>
+          </a:prstGeom>
+        </p:spPr>
+      </p:pic>
+      <p:sp>
+        <p:nvSpPr>
+          <p:cNvPr id="18" name="Title 1">
+            <a:extLst>
+              <a:ext uri="{FF2B5EF4-FFF2-40B4-BE49-F238E27FC236}">
+                <a16:creationId xmlns:a16="http://schemas.microsoft.com/office/drawing/2014/main" id="{AC7E46E1-A036-8216-7765-2CBE689D1ACC}"/>
+              </a:ext>
+            </a:extLst>
+          </p:cNvPr>
+          <p:cNvSpPr>
+            <a:spLocks noGrp="1"/>
+          </p:cNvSpPr>
+          <p:nvPr>
+            <p:ph type="title"/>
+          </p:nvPr>
+        </p:nvSpPr>
+        <p:spPr>
+          <a:xfrm>
+            <a:off x="655068" y="959948"/>
+            <a:ext cx="5266045" cy="1727574"/>
+          </a:xfrm>
+        </p:spPr>
+        <p:txBody>
+          <a:bodyPr anchor="b">
+            <a:noAutofit/>
+          </a:bodyPr>
+          <a:lstStyle/>
+          <a:p>
+            <a:r>
+              <a:rPr lang="en-US" sz="3000" dirty="0">
+                <a:latin typeface="+mn-lt"/>
+              </a:rPr>
+              <a:t>Most resorts have no fast quads. Big Mountain has 3, which puts it high up that league table.</a:t>
+            </a:r>
+          </a:p>
+        </p:txBody>
+      </p:sp>
+      <p:sp>
+        <p:nvSpPr>
+          <p:cNvPr id="19" name="Title 1">
+            <a:extLst>
+              <a:ext uri="{FF2B5EF4-FFF2-40B4-BE49-F238E27FC236}">
+                <a16:creationId xmlns:a16="http://schemas.microsoft.com/office/drawing/2014/main" id="{CC99FE75-516F-3DCE-6080-7FE02D010618}"/>
+              </a:ext>
+            </a:extLst>
+          </p:cNvPr>
+          <p:cNvSpPr txBox="1">
+            <a:spLocks/>
+          </p:cNvSpPr>
+          <p:nvPr/>
+        </p:nvSpPr>
+        <p:spPr>
+          <a:xfrm>
+            <a:off x="655069" y="4339213"/>
+            <a:ext cx="5266045" cy="1843790"/>
+          </a:xfrm>
+          <a:prstGeom prst="rect">
+            <a:avLst/>
+          </a:prstGeom>
+        </p:spPr>
+        <p:txBody>
+          <a:bodyPr vert="horz" lIns="91440" tIns="45720" rIns="91440" bIns="45720" rtlCol="0" anchor="b">
+            <a:normAutofit fontScale="97500"/>
+          </a:bodyPr>
+          <a:lstStyle>
+            <a:lvl1pPr algn="l" defTabSz="914400" rtl="0" eaLnBrk="1" latinLnBrk="0" hangingPunct="1">
+              <a:lnSpc>
+                <a:spcPct val="90000"/>
+              </a:lnSpc>
+              <a:spcBef>
+                <a:spcPct val="0"/>
+              </a:spcBef>
+              <a:buNone/>
+              <a:defRPr sz="4400" kern="1200">
+                <a:solidFill>
+                  <a:schemeClr val="tx1"/>
+                </a:solidFill>
+                <a:latin typeface="+mj-lt"/>
+                <a:ea typeface="+mj-ea"/>
+                <a:cs typeface="+mj-cs"/>
+              </a:defRPr>
+            </a:lvl1pPr>
+          </a:lstStyle>
+          <a:p>
+            <a:r>
+              <a:rPr lang="en-US" sz="3100" dirty="0">
+                <a:latin typeface="+mn-lt"/>
+              </a:rPr>
+              <a:t>Big Mountain compares well for the number of runs. There are some resorts with more, but not many.</a:t>
+            </a:r>
+          </a:p>
+        </p:txBody>
+      </p:sp>
+    </p:spTree>
+    <p:extLst>
+      <p:ext uri="{BB962C8B-B14F-4D97-AF65-F5344CB8AC3E}">
+        <p14:creationId xmlns:p14="http://schemas.microsoft.com/office/powerpoint/2010/main" val="3497096138"/>
       </p:ext>
     </p:extLst>
   </p:cSld>
@@ -8644,8 +7296,8 @@
         </p:blipFill>
         <p:spPr>
           <a:xfrm>
-            <a:off x="6437437" y="226196"/>
-            <a:ext cx="5758796" cy="3195079"/>
+            <a:off x="6465852" y="241961"/>
+            <a:ext cx="5701965" cy="3163549"/>
           </a:xfrm>
           <a:prstGeom prst="rect">
             <a:avLst/>
@@ -8673,8 +7325,8 @@
         </p:blipFill>
         <p:spPr>
           <a:xfrm>
-            <a:off x="6437437" y="3664743"/>
-            <a:ext cx="5754564" cy="3192731"/>
+            <a:off x="6437437" y="3680496"/>
+            <a:ext cx="5754564" cy="3161224"/>
           </a:xfrm>
           <a:prstGeom prst="rect">
             <a:avLst/>
@@ -8699,8 +7351,8 @@
         </p:nvSpPr>
         <p:spPr>
           <a:xfrm>
-            <a:off x="488519" y="959948"/>
-            <a:ext cx="5266045" cy="1727574"/>
+            <a:off x="685050" y="734807"/>
+            <a:ext cx="5266045" cy="2177856"/>
           </a:xfrm>
         </p:spPr>
         <p:txBody>
@@ -8713,7 +7365,7 @@
               <a:rPr lang="en-US" sz="3000" dirty="0">
                 <a:latin typeface="+mn-lt"/>
               </a:rPr>
-              <a:t>Big Mountain is very high up the league table of snow making area.</a:t>
+              <a:t>Big Mountain has one of the longest runs. Although it is just over half the length of the longest, the longer ones are rare.</a:t>
             </a:r>
           </a:p>
         </p:txBody>
@@ -8734,8 +7386,8 @@
         </p:nvSpPr>
         <p:spPr>
           <a:xfrm>
-            <a:off x="488519" y="4634562"/>
-            <a:ext cx="5266045" cy="1253092"/>
+            <a:off x="685049" y="4172180"/>
+            <a:ext cx="5266045" cy="2177855"/>
           </a:xfrm>
           <a:prstGeom prst="rect">
             <a:avLst/>
@@ -8769,7 +7421,7 @@
               <a:rPr lang="en-US" sz="3100" dirty="0">
                 <a:latin typeface="+mn-lt"/>
               </a:rPr>
-              <a:t>Big Mountain has amongst the highest number of total chairs.</a:t>
+              <a:t>Big Mountain has one of the longest runs. Although it is just over half the length of the longest, the longer ones are rare.</a:t>
             </a:r>
           </a:p>
         </p:txBody>
@@ -8777,7 +7429,7 @@
     </p:spTree>
     <p:extLst>
       <p:ext uri="{BB962C8B-B14F-4D97-AF65-F5344CB8AC3E}">
-        <p14:creationId xmlns:p14="http://schemas.microsoft.com/office/powerpoint/2010/main" val="1713891478"/>
+        <p14:creationId xmlns:p14="http://schemas.microsoft.com/office/powerpoint/2010/main" val="3688093235"/>
       </p:ext>
     </p:extLst>
   </p:cSld>
@@ -8930,6 +7582,14 @@
 <file path=ppt/slides/slide9.xml><?xml version="1.0" encoding="utf-8"?>
 <p:sld xmlns:a="http://schemas.openxmlformats.org/drawingml/2006/main" xmlns:r="http://schemas.openxmlformats.org/officeDocument/2006/relationships" xmlns:p="http://schemas.openxmlformats.org/presentationml/2006/main">
   <p:cSld>
+    <p:bg>
+      <p:bgPr>
+        <a:solidFill>
+          <a:schemeClr val="bg1"/>
+        </a:solidFill>
+        <a:effectLst/>
+      </p:bgPr>
+    </p:bg>
     <p:spTree>
       <p:nvGrpSpPr>
         <p:cNvPr id="1" name=""/>
@@ -8944,12 +7604,441 @@
           <a:chExt cx="0" cy="0"/>
         </a:xfrm>
       </p:grpSpPr>
+      <p:sp useBgFill="1">
+        <p:nvSpPr>
+          <p:cNvPr id="9" name="Rectangle 8">
+            <a:extLst>
+              <a:ext uri="{FF2B5EF4-FFF2-40B4-BE49-F238E27FC236}">
+                <a16:creationId xmlns:a16="http://schemas.microsoft.com/office/drawing/2014/main" id="{F13C74B1-5B17-4795-BED0-7140497B445A}"/>
+              </a:ext>
+              <a:ext uri="{C183D7F6-B498-43B3-948B-1728B52AA6E4}">
+                <adec:decorative xmlns:adec="http://schemas.microsoft.com/office/drawing/2017/decorative" val="1"/>
+              </a:ext>
+            </a:extLst>
+          </p:cNvPr>
+          <p:cNvSpPr>
+            <a:spLocks noGrp="1" noRot="1" noChangeAspect="1" noMove="1" noResize="1" noEditPoints="1" noAdjustHandles="1" noChangeArrowheads="1" noChangeShapeType="1" noTextEdit="1"/>
+          </p:cNvSpPr>
+          <p:nvPr>
+            <p:extLst>
+              <p:ext uri="{386F3935-93C4-4BCD-93E2-E3B085C9AB24}">
+                <p16:designElem xmlns:p16="http://schemas.microsoft.com/office/powerpoint/2015/main" val="1"/>
+              </p:ext>
+            </p:extLst>
+          </p:nvPr>
+        </p:nvSpPr>
+        <p:spPr>
+          <a:xfrm>
+            <a:off x="0" y="0"/>
+            <a:ext cx="12188952" cy="6858000"/>
+          </a:xfrm>
+          <a:prstGeom prst="rect">
+            <a:avLst/>
+          </a:prstGeom>
+          <a:ln>
+            <a:noFill/>
+          </a:ln>
+        </p:spPr>
+        <p:style>
+          <a:lnRef idx="2">
+            <a:schemeClr val="accent1">
+              <a:shade val="50000"/>
+            </a:schemeClr>
+          </a:lnRef>
+          <a:fillRef idx="1">
+            <a:schemeClr val="accent1"/>
+          </a:fillRef>
+          <a:effectRef idx="0">
+            <a:schemeClr val="accent1"/>
+          </a:effectRef>
+          <a:fontRef idx="minor">
+            <a:schemeClr val="lt1"/>
+          </a:fontRef>
+        </p:style>
+        <p:txBody>
+          <a:bodyPr rtlCol="0" anchor="ctr"/>
+          <a:lstStyle/>
+          <a:p>
+            <a:pPr algn="ctr"/>
+            <a:endParaRPr lang="en-US"/>
+          </a:p>
+        </p:txBody>
+      </p:sp>
+      <p:sp>
+        <p:nvSpPr>
+          <p:cNvPr id="2" name="Title 1">
+            <a:extLst>
+              <a:ext uri="{FF2B5EF4-FFF2-40B4-BE49-F238E27FC236}">
+                <a16:creationId xmlns:a16="http://schemas.microsoft.com/office/drawing/2014/main" id="{4BC87D8F-3277-AAD6-2480-C887D1D302F9}"/>
+              </a:ext>
+            </a:extLst>
+          </p:cNvPr>
+          <p:cNvSpPr>
+            <a:spLocks noGrp="1"/>
+          </p:cNvSpPr>
+          <p:nvPr>
+            <p:ph type="title"/>
+          </p:nvPr>
+        </p:nvSpPr>
+        <p:spPr>
+          <a:xfrm>
+            <a:off x="640080" y="325369"/>
+            <a:ext cx="4368602" cy="1956841"/>
+          </a:xfrm>
+        </p:spPr>
+        <p:txBody>
+          <a:bodyPr anchor="b">
+            <a:normAutofit/>
+          </a:bodyPr>
+          <a:lstStyle/>
+          <a:p>
+            <a:r>
+              <a:rPr lang="en-US" sz="5400" dirty="0">
+                <a:latin typeface="+mn-lt"/>
+              </a:rPr>
+              <a:t>Conclusion </a:t>
+            </a:r>
+          </a:p>
+        </p:txBody>
+      </p:sp>
+      <p:sp>
+        <p:nvSpPr>
+          <p:cNvPr id="11" name="sketchy line">
+            <a:extLst>
+              <a:ext uri="{FF2B5EF4-FFF2-40B4-BE49-F238E27FC236}">
+                <a16:creationId xmlns:a16="http://schemas.microsoft.com/office/drawing/2014/main" id="{D4974D33-8DC5-464E-8C6D-BE58F0669C17}"/>
+              </a:ext>
+              <a:ext uri="{C183D7F6-B498-43B3-948B-1728B52AA6E4}">
+                <adec:decorative xmlns:adec="http://schemas.microsoft.com/office/drawing/2017/decorative" val="1"/>
+              </a:ext>
+            </a:extLst>
+          </p:cNvPr>
+          <p:cNvSpPr>
+            <a:spLocks noGrp="1" noRot="1" noChangeAspect="1" noMove="1" noResize="1" noEditPoints="1" noAdjustHandles="1" noChangeArrowheads="1" noChangeShapeType="1" noTextEdit="1"/>
+          </p:cNvSpPr>
+          <p:nvPr>
+            <p:extLst>
+              <p:ext uri="{386F3935-93C4-4BCD-93E2-E3B085C9AB24}">
+                <p16:designElem xmlns:p16="http://schemas.microsoft.com/office/powerpoint/2015/main" val="1"/>
+              </p:ext>
+            </p:extLst>
+          </p:nvPr>
+        </p:nvSpPr>
+        <p:spPr>
+          <a:xfrm>
+            <a:off x="640080" y="2586994"/>
+            <a:ext cx="3474720" cy="18288"/>
+          </a:xfrm>
+          <a:custGeom>
+            <a:avLst/>
+            <a:gdLst>
+              <a:gd name="connsiteX0" fmla="*/ 0 w 3474720"/>
+              <a:gd name="connsiteY0" fmla="*/ 0 h 18288"/>
+              <a:gd name="connsiteX1" fmla="*/ 694944 w 3474720"/>
+              <a:gd name="connsiteY1" fmla="*/ 0 h 18288"/>
+              <a:gd name="connsiteX2" fmla="*/ 1355141 w 3474720"/>
+              <a:gd name="connsiteY2" fmla="*/ 0 h 18288"/>
+              <a:gd name="connsiteX3" fmla="*/ 2015338 w 3474720"/>
+              <a:gd name="connsiteY3" fmla="*/ 0 h 18288"/>
+              <a:gd name="connsiteX4" fmla="*/ 2779776 w 3474720"/>
+              <a:gd name="connsiteY4" fmla="*/ 0 h 18288"/>
+              <a:gd name="connsiteX5" fmla="*/ 3474720 w 3474720"/>
+              <a:gd name="connsiteY5" fmla="*/ 0 h 18288"/>
+              <a:gd name="connsiteX6" fmla="*/ 3474720 w 3474720"/>
+              <a:gd name="connsiteY6" fmla="*/ 18288 h 18288"/>
+              <a:gd name="connsiteX7" fmla="*/ 2779776 w 3474720"/>
+              <a:gd name="connsiteY7" fmla="*/ 18288 h 18288"/>
+              <a:gd name="connsiteX8" fmla="*/ 2189074 w 3474720"/>
+              <a:gd name="connsiteY8" fmla="*/ 18288 h 18288"/>
+              <a:gd name="connsiteX9" fmla="*/ 1528877 w 3474720"/>
+              <a:gd name="connsiteY9" fmla="*/ 18288 h 18288"/>
+              <a:gd name="connsiteX10" fmla="*/ 868680 w 3474720"/>
+              <a:gd name="connsiteY10" fmla="*/ 18288 h 18288"/>
+              <a:gd name="connsiteX11" fmla="*/ 0 w 3474720"/>
+              <a:gd name="connsiteY11" fmla="*/ 18288 h 18288"/>
+              <a:gd name="connsiteX12" fmla="*/ 0 w 3474720"/>
+              <a:gd name="connsiteY12" fmla="*/ 0 h 18288"/>
+            </a:gdLst>
+            <a:ahLst/>
+            <a:cxnLst>
+              <a:cxn ang="0">
+                <a:pos x="connsiteX0" y="connsiteY0"/>
+              </a:cxn>
+              <a:cxn ang="0">
+                <a:pos x="connsiteX1" y="connsiteY1"/>
+              </a:cxn>
+              <a:cxn ang="0">
+                <a:pos x="connsiteX2" y="connsiteY2"/>
+              </a:cxn>
+              <a:cxn ang="0">
+                <a:pos x="connsiteX3" y="connsiteY3"/>
+              </a:cxn>
+              <a:cxn ang="0">
+                <a:pos x="connsiteX4" y="connsiteY4"/>
+              </a:cxn>
+              <a:cxn ang="0">
+                <a:pos x="connsiteX5" y="connsiteY5"/>
+              </a:cxn>
+              <a:cxn ang="0">
+                <a:pos x="connsiteX6" y="connsiteY6"/>
+              </a:cxn>
+              <a:cxn ang="0">
+                <a:pos x="connsiteX7" y="connsiteY7"/>
+              </a:cxn>
+              <a:cxn ang="0">
+                <a:pos x="connsiteX8" y="connsiteY8"/>
+              </a:cxn>
+              <a:cxn ang="0">
+                <a:pos x="connsiteX9" y="connsiteY9"/>
+              </a:cxn>
+              <a:cxn ang="0">
+                <a:pos x="connsiteX10" y="connsiteY10"/>
+              </a:cxn>
+              <a:cxn ang="0">
+                <a:pos x="connsiteX11" y="connsiteY11"/>
+              </a:cxn>
+              <a:cxn ang="0">
+                <a:pos x="connsiteX12" y="connsiteY12"/>
+              </a:cxn>
+            </a:cxnLst>
+            <a:rect l="l" t="t" r="r" b="b"/>
+            <a:pathLst>
+              <a:path w="3474720" h="18288" fill="none" extrusionOk="0">
+                <a:moveTo>
+                  <a:pt x="0" y="0"/>
+                </a:moveTo>
+                <a:cubicBezTo>
+                  <a:pt x="224454" y="-14544"/>
+                  <a:pt x="495407" y="26540"/>
+                  <a:pt x="694944" y="0"/>
+                </a:cubicBezTo>
+                <a:cubicBezTo>
+                  <a:pt x="894481" y="-26540"/>
+                  <a:pt x="1130063" y="24713"/>
+                  <a:pt x="1355141" y="0"/>
+                </a:cubicBezTo>
+                <a:cubicBezTo>
+                  <a:pt x="1580219" y="-24713"/>
+                  <a:pt x="1820099" y="26695"/>
+                  <a:pt x="2015338" y="0"/>
+                </a:cubicBezTo>
+                <a:cubicBezTo>
+                  <a:pt x="2210577" y="-26695"/>
+                  <a:pt x="2402045" y="165"/>
+                  <a:pt x="2779776" y="0"/>
+                </a:cubicBezTo>
+                <a:cubicBezTo>
+                  <a:pt x="3157507" y="-165"/>
+                  <a:pt x="3286859" y="-15571"/>
+                  <a:pt x="3474720" y="0"/>
+                </a:cubicBezTo>
+                <a:cubicBezTo>
+                  <a:pt x="3474286" y="7551"/>
+                  <a:pt x="3474253" y="9822"/>
+                  <a:pt x="3474720" y="18288"/>
+                </a:cubicBezTo>
+                <a:cubicBezTo>
+                  <a:pt x="3233904" y="29845"/>
+                  <a:pt x="2945134" y="-5256"/>
+                  <a:pt x="2779776" y="18288"/>
+                </a:cubicBezTo>
+                <a:cubicBezTo>
+                  <a:pt x="2614418" y="41832"/>
+                  <a:pt x="2339768" y="22709"/>
+                  <a:pt x="2189074" y="18288"/>
+                </a:cubicBezTo>
+                <a:cubicBezTo>
+                  <a:pt x="2038380" y="13867"/>
+                  <a:pt x="1817434" y="-4947"/>
+                  <a:pt x="1528877" y="18288"/>
+                </a:cubicBezTo>
+                <a:cubicBezTo>
+                  <a:pt x="1240320" y="41523"/>
+                  <a:pt x="1042447" y="37198"/>
+                  <a:pt x="868680" y="18288"/>
+                </a:cubicBezTo>
+                <a:cubicBezTo>
+                  <a:pt x="694913" y="-622"/>
+                  <a:pt x="233232" y="44909"/>
+                  <a:pt x="0" y="18288"/>
+                </a:cubicBezTo>
+                <a:cubicBezTo>
+                  <a:pt x="60" y="11696"/>
+                  <a:pt x="66" y="3758"/>
+                  <a:pt x="0" y="0"/>
+                </a:cubicBezTo>
+                <a:close/>
+              </a:path>
+              <a:path w="3474720" h="18288" stroke="0" extrusionOk="0">
+                <a:moveTo>
+                  <a:pt x="0" y="0"/>
+                </a:moveTo>
+                <a:cubicBezTo>
+                  <a:pt x="202328" y="-14716"/>
+                  <a:pt x="332722" y="-11499"/>
+                  <a:pt x="625450" y="0"/>
+                </a:cubicBezTo>
+                <a:cubicBezTo>
+                  <a:pt x="918178" y="11499"/>
+                  <a:pt x="1096688" y="5123"/>
+                  <a:pt x="1389888" y="0"/>
+                </a:cubicBezTo>
+                <a:cubicBezTo>
+                  <a:pt x="1683088" y="-5123"/>
+                  <a:pt x="1835981" y="-14038"/>
+                  <a:pt x="1980590" y="0"/>
+                </a:cubicBezTo>
+                <a:cubicBezTo>
+                  <a:pt x="2125199" y="14038"/>
+                  <a:pt x="2396099" y="-7203"/>
+                  <a:pt x="2571293" y="0"/>
+                </a:cubicBezTo>
+                <a:cubicBezTo>
+                  <a:pt x="2746487" y="7203"/>
+                  <a:pt x="3041609" y="-12036"/>
+                  <a:pt x="3474720" y="0"/>
+                </a:cubicBezTo>
+                <a:cubicBezTo>
+                  <a:pt x="3474638" y="4406"/>
+                  <a:pt x="3474631" y="9982"/>
+                  <a:pt x="3474720" y="18288"/>
+                </a:cubicBezTo>
+                <a:cubicBezTo>
+                  <a:pt x="3324873" y="21876"/>
+                  <a:pt x="3136771" y="12587"/>
+                  <a:pt x="2814523" y="18288"/>
+                </a:cubicBezTo>
+                <a:cubicBezTo>
+                  <a:pt x="2492275" y="23989"/>
+                  <a:pt x="2294402" y="47111"/>
+                  <a:pt x="2154326" y="18288"/>
+                </a:cubicBezTo>
+                <a:cubicBezTo>
+                  <a:pt x="2014250" y="-10535"/>
+                  <a:pt x="1820317" y="33903"/>
+                  <a:pt x="1494130" y="18288"/>
+                </a:cubicBezTo>
+                <a:cubicBezTo>
+                  <a:pt x="1167943" y="2673"/>
+                  <a:pt x="948432" y="14868"/>
+                  <a:pt x="729691" y="18288"/>
+                </a:cubicBezTo>
+                <a:cubicBezTo>
+                  <a:pt x="510950" y="21708"/>
+                  <a:pt x="264032" y="24354"/>
+                  <a:pt x="0" y="18288"/>
+                </a:cubicBezTo>
+                <a:cubicBezTo>
+                  <a:pt x="189" y="14288"/>
+                  <a:pt x="-703" y="3747"/>
+                  <a:pt x="0" y="0"/>
+                </a:cubicBezTo>
+                <a:close/>
+              </a:path>
+            </a:pathLst>
+          </a:custGeom>
+          <a:solidFill>
+            <a:schemeClr val="accent2"/>
+          </a:solidFill>
+          <a:ln w="44450" cap="rnd">
+            <a:solidFill>
+              <a:schemeClr val="accent2"/>
+            </a:solidFill>
+            <a:round/>
+            <a:extLst>
+              <a:ext uri="{C807C97D-BFC1-408E-A445-0C87EB9F89A2}">
+                <ask:lineSketchStyleProps xmlns:ask="http://schemas.microsoft.com/office/drawing/2018/sketchyshapes" sd="2863741219">
+                  <a:prstGeom prst="rect">
+                    <a:avLst/>
+                  </a:prstGeom>
+                  <ask:type>
+                    <ask:lineSketchFreehand/>
+                  </ask:type>
+                </ask:lineSketchStyleProps>
+              </a:ext>
+            </a:extLst>
+          </a:ln>
+        </p:spPr>
+        <p:style>
+          <a:lnRef idx="2">
+            <a:schemeClr val="accent1">
+              <a:shade val="50000"/>
+            </a:schemeClr>
+          </a:lnRef>
+          <a:fillRef idx="1">
+            <a:schemeClr val="accent1"/>
+          </a:fillRef>
+          <a:effectRef idx="0">
+            <a:schemeClr val="accent1"/>
+          </a:effectRef>
+          <a:fontRef idx="minor">
+            <a:schemeClr val="lt1"/>
+          </a:fontRef>
+        </p:style>
+        <p:txBody>
+          <a:bodyPr rtlCol="0" anchor="ctr"/>
+          <a:lstStyle/>
+          <a:p>
+            <a:pPr algn="ctr"/>
+            <a:endParaRPr lang="en-US"/>
+          </a:p>
+        </p:txBody>
+      </p:sp>
+      <p:sp>
+        <p:nvSpPr>
+          <p:cNvPr id="3" name="Content Placeholder 2">
+            <a:extLst>
+              <a:ext uri="{FF2B5EF4-FFF2-40B4-BE49-F238E27FC236}">
+                <a16:creationId xmlns:a16="http://schemas.microsoft.com/office/drawing/2014/main" id="{247882B2-0D23-323E-A5F8-AD206D3F2E04}"/>
+              </a:ext>
+            </a:extLst>
+          </p:cNvPr>
+          <p:cNvSpPr>
+            <a:spLocks noGrp="1"/>
+          </p:cNvSpPr>
+          <p:nvPr>
+            <p:ph idx="1"/>
+          </p:nvPr>
+        </p:nvSpPr>
+        <p:spPr>
+          <a:xfrm>
+            <a:off x="640080" y="2872899"/>
+            <a:ext cx="4243589" cy="3320668"/>
+          </a:xfrm>
+        </p:spPr>
+        <p:txBody>
+          <a:bodyPr>
+            <a:normAutofit/>
+          </a:bodyPr>
+          <a:lstStyle/>
+          <a:p>
+            <a:pPr>
+              <a:buFont typeface="Wingdings" pitchFamily="2" charset="2"/>
+              <a:buChar char="q"/>
+            </a:pPr>
+            <a:r>
+              <a:rPr lang="en-US" sz="2200" dirty="0"/>
+              <a:t>The ticket price has room for increasing and the revenues can be increased by facilities improvement. </a:t>
+            </a:r>
+          </a:p>
+          <a:p>
+            <a:pPr>
+              <a:buFont typeface="Wingdings" pitchFamily="2" charset="2"/>
+              <a:buChar char="q"/>
+            </a:pPr>
+            <a:r>
+              <a:rPr lang="en-US" sz="2200" dirty="0"/>
+              <a:t>The primary goal of this object is achieved. </a:t>
+            </a:r>
+          </a:p>
+        </p:txBody>
+      </p:sp>
       <p:pic>
         <p:nvPicPr>
-          <p:cNvPr id="15" name="Picture 14">
-            <a:extLst>
-              <a:ext uri="{FF2B5EF4-FFF2-40B4-BE49-F238E27FC236}">
-                <a16:creationId xmlns:a16="http://schemas.microsoft.com/office/drawing/2014/main" id="{D7CEA2D1-EA7A-EE38-42A1-E047C1A0A9A0}"/>
+          <p:cNvPr id="5" name="Picture 4" descr="Graph">
+            <a:extLst>
+              <a:ext uri="{FF2B5EF4-FFF2-40B4-BE49-F238E27FC236}">
+                <a16:creationId xmlns:a16="http://schemas.microsoft.com/office/drawing/2014/main" id="{1C2896E6-FE74-B348-11CB-78C9DAA08CC1}"/>
               </a:ext>
             </a:extLst>
           </p:cNvPr>
@@ -8958,147 +8047,137 @@
           </p:cNvPicPr>
           <p:nvPr/>
         </p:nvPicPr>
-        <p:blipFill>
+        <p:blipFill rotWithShape="1">
           <a:blip r:embed="rId2"/>
-          <a:srcRect/>
+          <a:srcRect l="13022" r="24288"/>
           <a:stretch/>
         </p:blipFill>
         <p:spPr>
           <a:xfrm>
-            <a:off x="6437437" y="241961"/>
-            <a:ext cx="5758796" cy="3163549"/>
+            <a:off x="5311702" y="10"/>
+            <a:ext cx="6878775" cy="6857990"/>
           </a:xfrm>
-          <a:prstGeom prst="rect">
+          <a:custGeom>
             <a:avLst/>
-          </a:prstGeom>
+            <a:gdLst/>
+            <a:ahLst/>
+            <a:cxnLst/>
+            <a:rect l="l" t="t" r="r" b="b"/>
+            <a:pathLst>
+              <a:path w="6878775" h="6858000">
+                <a:moveTo>
+                  <a:pt x="1102973" y="0"/>
+                </a:moveTo>
+                <a:lnTo>
+                  <a:pt x="1160688" y="0"/>
+                </a:lnTo>
+                <a:lnTo>
+                  <a:pt x="983189" y="331786"/>
+                </a:lnTo>
+                <a:cubicBezTo>
+                  <a:pt x="914866" y="469145"/>
+                  <a:pt x="850355" y="608712"/>
+                  <a:pt x="789261" y="750263"/>
+                </a:cubicBezTo>
+                <a:cubicBezTo>
+                  <a:pt x="774307" y="784928"/>
+                  <a:pt x="759992" y="819849"/>
+                  <a:pt x="745295" y="854514"/>
+                </a:cubicBezTo>
+                <a:cubicBezTo>
+                  <a:pt x="756682" y="845393"/>
+                  <a:pt x="765489" y="833492"/>
+                  <a:pt x="770857" y="819975"/>
+                </a:cubicBezTo>
+                <a:cubicBezTo>
+                  <a:pt x="879943" y="589569"/>
+                  <a:pt x="999605" y="365513"/>
+                  <a:pt x="1131329" y="148742"/>
+                </a:cubicBezTo>
+                <a:lnTo>
+                  <a:pt x="1227589" y="0"/>
+                </a:lnTo>
+                <a:lnTo>
+                  <a:pt x="6878775" y="0"/>
+                </a:lnTo>
+                <a:lnTo>
+                  <a:pt x="6878775" y="6858000"/>
+                </a:lnTo>
+                <a:lnTo>
+                  <a:pt x="713521" y="6858000"/>
+                </a:lnTo>
+                <a:lnTo>
+                  <a:pt x="625642" y="6670527"/>
+                </a:lnTo>
+                <a:cubicBezTo>
+                  <a:pt x="507232" y="6398531"/>
+                  <a:pt x="403083" y="6118381"/>
+                  <a:pt x="312785" y="5830359"/>
+                </a:cubicBezTo>
+                <a:cubicBezTo>
+                  <a:pt x="278149" y="5719759"/>
+                  <a:pt x="248879" y="5607635"/>
+                  <a:pt x="212198" y="5480401"/>
+                </a:cubicBezTo>
+                <a:cubicBezTo>
+                  <a:pt x="212208" y="5491601"/>
+                  <a:pt x="212803" y="5502788"/>
+                  <a:pt x="213988" y="5513923"/>
+                </a:cubicBezTo>
+                <a:cubicBezTo>
+                  <a:pt x="264089" y="5723695"/>
+                  <a:pt x="307290" y="5935370"/>
+                  <a:pt x="365826" y="6142729"/>
+                </a:cubicBezTo>
+                <a:cubicBezTo>
+                  <a:pt x="433152" y="6380817"/>
+                  <a:pt x="510068" y="6614016"/>
+                  <a:pt x="597975" y="6841549"/>
+                </a:cubicBezTo>
+                <a:lnTo>
+                  <a:pt x="604824" y="6858000"/>
+                </a:lnTo>
+                <a:lnTo>
+                  <a:pt x="552056" y="6858000"/>
+                </a:lnTo>
+                <a:lnTo>
+                  <a:pt x="539576" y="6828295"/>
+                </a:lnTo>
+                <a:cubicBezTo>
+                  <a:pt x="380597" y="6414594"/>
+                  <a:pt x="260223" y="5988893"/>
+                  <a:pt x="171555" y="5552906"/>
+                </a:cubicBezTo>
+                <a:cubicBezTo>
+                  <a:pt x="91163" y="5157998"/>
+                  <a:pt x="43746" y="4758899"/>
+                  <a:pt x="12305" y="4357388"/>
+                </a:cubicBezTo>
+                <a:cubicBezTo>
+                  <a:pt x="-14281" y="4013908"/>
+                  <a:pt x="4507" y="3672965"/>
+                  <a:pt x="46684" y="3331516"/>
+                </a:cubicBezTo>
+                <a:cubicBezTo>
+                  <a:pt x="127203" y="2664286"/>
+                  <a:pt x="277819" y="2007265"/>
+                  <a:pt x="496065" y="1371196"/>
+                </a:cubicBezTo>
+                <a:cubicBezTo>
+                  <a:pt x="636273" y="966066"/>
+                  <a:pt x="800445" y="573253"/>
+                  <a:pt x="995723" y="196614"/>
+                </a:cubicBezTo>
+                <a:close/>
+              </a:path>
+            </a:pathLst>
+          </a:custGeom>
         </p:spPr>
       </p:pic>
-      <p:pic>
-        <p:nvPicPr>
-          <p:cNvPr id="17" name="Picture 16">
-            <a:extLst>
-              <a:ext uri="{FF2B5EF4-FFF2-40B4-BE49-F238E27FC236}">
-                <a16:creationId xmlns:a16="http://schemas.microsoft.com/office/drawing/2014/main" id="{22F6911D-9F7A-FC6F-9D83-444A81D709D8}"/>
-              </a:ext>
-            </a:extLst>
-          </p:cNvPr>
-          <p:cNvPicPr>
-            <a:picLocks noChangeAspect="1"/>
-          </p:cNvPicPr>
-          <p:nvPr/>
-        </p:nvPicPr>
-        <p:blipFill>
-          <a:blip r:embed="rId3"/>
-          <a:srcRect/>
-          <a:stretch/>
-        </p:blipFill>
-        <p:spPr>
-          <a:xfrm>
-            <a:off x="6437437" y="3675280"/>
-            <a:ext cx="5754564" cy="3171657"/>
-          </a:xfrm>
-          <a:prstGeom prst="rect">
-            <a:avLst/>
-          </a:prstGeom>
-        </p:spPr>
-      </p:pic>
-      <p:sp>
-        <p:nvSpPr>
-          <p:cNvPr id="18" name="Title 1">
-            <a:extLst>
-              <a:ext uri="{FF2B5EF4-FFF2-40B4-BE49-F238E27FC236}">
-                <a16:creationId xmlns:a16="http://schemas.microsoft.com/office/drawing/2014/main" id="{AC7E46E1-A036-8216-7765-2CBE689D1ACC}"/>
-              </a:ext>
-            </a:extLst>
-          </p:cNvPr>
-          <p:cNvSpPr>
-            <a:spLocks noGrp="1"/>
-          </p:cNvSpPr>
-          <p:nvPr>
-            <p:ph type="title"/>
-          </p:nvPr>
-        </p:nvSpPr>
-        <p:spPr>
-          <a:xfrm>
-            <a:off x="655068" y="959948"/>
-            <a:ext cx="5266045" cy="1727574"/>
-          </a:xfrm>
-        </p:spPr>
-        <p:txBody>
-          <a:bodyPr anchor="b">
-            <a:noAutofit/>
-          </a:bodyPr>
-          <a:lstStyle/>
-          <a:p>
-            <a:r>
-              <a:rPr lang="en-US" sz="3000" dirty="0">
-                <a:latin typeface="+mn-lt"/>
-              </a:rPr>
-              <a:t>Most resorts have no fast quads. Big Mountain has 3, which puts it high up that league table.</a:t>
-            </a:r>
-          </a:p>
-        </p:txBody>
-      </p:sp>
-      <p:sp>
-        <p:nvSpPr>
-          <p:cNvPr id="19" name="Title 1">
-            <a:extLst>
-              <a:ext uri="{FF2B5EF4-FFF2-40B4-BE49-F238E27FC236}">
-                <a16:creationId xmlns:a16="http://schemas.microsoft.com/office/drawing/2014/main" id="{CC99FE75-516F-3DCE-6080-7FE02D010618}"/>
-              </a:ext>
-            </a:extLst>
-          </p:cNvPr>
-          <p:cNvSpPr txBox="1">
-            <a:spLocks/>
-          </p:cNvSpPr>
-          <p:nvPr/>
-        </p:nvSpPr>
-        <p:spPr>
-          <a:xfrm>
-            <a:off x="655069" y="4339213"/>
-            <a:ext cx="5266045" cy="1843790"/>
-          </a:xfrm>
-          <a:prstGeom prst="rect">
-            <a:avLst/>
-          </a:prstGeom>
-        </p:spPr>
-        <p:txBody>
-          <a:bodyPr vert="horz" lIns="91440" tIns="45720" rIns="91440" bIns="45720" rtlCol="0" anchor="b">
-            <a:normAutofit fontScale="97500"/>
-          </a:bodyPr>
-          <a:lstStyle>
-            <a:lvl1pPr algn="l" defTabSz="914400" rtl="0" eaLnBrk="1" latinLnBrk="0" hangingPunct="1">
-              <a:lnSpc>
-                <a:spcPct val="90000"/>
-              </a:lnSpc>
-              <a:spcBef>
-                <a:spcPct val="0"/>
-              </a:spcBef>
-              <a:buNone/>
-              <a:defRPr sz="4400" kern="1200">
-                <a:solidFill>
-                  <a:schemeClr val="tx1"/>
-                </a:solidFill>
-                <a:latin typeface="+mj-lt"/>
-                <a:ea typeface="+mj-ea"/>
-                <a:cs typeface="+mj-cs"/>
-              </a:defRPr>
-            </a:lvl1pPr>
-          </a:lstStyle>
-          <a:p>
-            <a:r>
-              <a:rPr lang="en-US" sz="3100" dirty="0">
-                <a:latin typeface="+mn-lt"/>
-              </a:rPr>
-              <a:t>Big Mountain compares well for the number of runs. There are some resorts with more, but not many.</a:t>
-            </a:r>
-          </a:p>
-        </p:txBody>
-      </p:sp>
     </p:spTree>
     <p:extLst>
       <p:ext uri="{BB962C8B-B14F-4D97-AF65-F5344CB8AC3E}">
-        <p14:creationId xmlns:p14="http://schemas.microsoft.com/office/powerpoint/2010/main" val="3497096138"/>
+        <p14:creationId xmlns:p14="http://schemas.microsoft.com/office/powerpoint/2010/main" val="2933237685"/>
       </p:ext>
     </p:extLst>
   </p:cSld>
@@ -9139,7 +8218,7 @@
                                           </p:stCondLst>
                                         </p:cTn>
                                         <p:tgtEl>
-                                          <p:spTgt spid="18"/>
+                                          <p:spTgt spid="2"/>
                                         </p:tgtEl>
                                         <p:attrNameLst>
                                           <p:attrName>style.visibility</p:attrName>
@@ -9153,7 +8232,7 @@
                                       <p:cBhvr>
                                         <p:cTn id="7" dur="500"/>
                                         <p:tgtEl>
-                                          <p:spTgt spid="18"/>
+                                          <p:spTgt spid="2"/>
                                         </p:tgtEl>
                                       </p:cBhvr>
                                     </p:animEffect>
@@ -9192,7 +8271,11 @@
                                           </p:stCondLst>
                                         </p:cTn>
                                         <p:tgtEl>
-                                          <p:spTgt spid="19"/>
+                                          <p:spTgt spid="3">
+                                            <p:txEl>
+                                              <p:pRg st="0" end="0"/>
+                                            </p:txEl>
+                                          </p:spTgt>
                                         </p:tgtEl>
                                         <p:attrNameLst>
                                           <p:attrName>style.visibility</p:attrName>
@@ -9206,7 +8289,72 @@
                                       <p:cBhvr>
                                         <p:cTn id="12" dur="500"/>
                                         <p:tgtEl>
-                                          <p:spTgt spid="19"/>
+                                          <p:spTgt spid="3">
+                                            <p:txEl>
+                                              <p:pRg st="0" end="0"/>
+                                            </p:txEl>
+                                          </p:spTgt>
+                                        </p:tgtEl>
+                                      </p:cBhvr>
+                                    </p:animEffect>
+                                  </p:childTnLst>
+                                </p:cTn>
+                              </p:par>
+                            </p:childTnLst>
+                          </p:cTn>
+                        </p:par>
+                      </p:childTnLst>
+                    </p:cTn>
+                  </p:par>
+                  <p:par>
+                    <p:cTn id="13" fill="hold">
+                      <p:stCondLst>
+                        <p:cond delay="indefinite"/>
+                      </p:stCondLst>
+                      <p:childTnLst>
+                        <p:par>
+                          <p:cTn id="14" fill="hold">
+                            <p:stCondLst>
+                              <p:cond delay="0"/>
+                            </p:stCondLst>
+                            <p:childTnLst>
+                              <p:par>
+                                <p:cTn id="15" presetID="10" presetClass="entr" presetSubtype="0" fill="hold" grpId="0" nodeType="clickEffect">
+                                  <p:stCondLst>
+                                    <p:cond delay="0"/>
+                                  </p:stCondLst>
+                                  <p:childTnLst>
+                                    <p:set>
+                                      <p:cBhvr>
+                                        <p:cTn id="16" dur="1" fill="hold">
+                                          <p:stCondLst>
+                                            <p:cond delay="0"/>
+                                          </p:stCondLst>
+                                        </p:cTn>
+                                        <p:tgtEl>
+                                          <p:spTgt spid="3">
+                                            <p:txEl>
+                                              <p:pRg st="1" end="1"/>
+                                            </p:txEl>
+                                          </p:spTgt>
+                                        </p:tgtEl>
+                                        <p:attrNameLst>
+                                          <p:attrName>style.visibility</p:attrName>
+                                        </p:attrNameLst>
+                                      </p:cBhvr>
+                                      <p:to>
+                                        <p:strVal val="visible"/>
+                                      </p:to>
+                                    </p:set>
+                                    <p:animEffect transition="in" filter="fade">
+                                      <p:cBhvr>
+                                        <p:cTn id="17" dur="500"/>
+                                        <p:tgtEl>
+                                          <p:spTgt spid="3">
+                                            <p:txEl>
+                                              <p:pRg st="1" end="1"/>
+                                            </p:txEl>
+                                          </p:spTgt>
                                         </p:tgtEl>
                                       </p:cBhvr>
                                     </p:animEffect>
@@ -9241,8 +8389,8 @@
       </p:par>
     </p:tnLst>
     <p:bldLst>
-      <p:bldP spid="18" grpId="0"/>
-      <p:bldP spid="19" grpId="0"/>
+      <p:bldP spid="2" grpId="0"/>
+      <p:bldP spid="3" grpId="0" build="p"/>
     </p:bldLst>
   </p:timing>
 </p:sld>

--- a/Guided Capstone Project Slide Deck.pptx
+++ b/Guided Capstone Project Slide Deck.pptx
@@ -10,12 +10,12 @@
   <p:sldIdLst>
     <p:sldId id="266" r:id="rId2"/>
     <p:sldId id="257" r:id="rId3"/>
-    <p:sldId id="258" r:id="rId4"/>
-    <p:sldId id="265" r:id="rId5"/>
-    <p:sldId id="264" r:id="rId6"/>
-    <p:sldId id="268" r:id="rId7"/>
-    <p:sldId id="269" r:id="rId8"/>
-    <p:sldId id="270" r:id="rId9"/>
+    <p:sldId id="272" r:id="rId4"/>
+    <p:sldId id="273" r:id="rId5"/>
+    <p:sldId id="274" r:id="rId6"/>
+    <p:sldId id="275" r:id="rId7"/>
+    <p:sldId id="276" r:id="rId8"/>
+    <p:sldId id="271" r:id="rId9"/>
     <p:sldId id="262" r:id="rId10"/>
   </p:sldIdLst>
   <p:sldSz cx="12192000" cy="6858000"/>
@@ -470,90 +470,6 @@
     </a:lvl9pPr>
   </p:notesStyle>
 </p:notesMaster>
-</file>
-
-<file path=ppt/notesSlides/notesSlide1.xml><?xml version="1.0" encoding="utf-8"?>
-<p:notes xmlns:a="http://schemas.openxmlformats.org/drawingml/2006/main" xmlns:r="http://schemas.openxmlformats.org/officeDocument/2006/relationships" xmlns:p="http://schemas.openxmlformats.org/presentationml/2006/main">
-  <p:cSld>
-    <p:spTree>
-      <p:nvGrpSpPr>
-        <p:cNvPr id="1" name=""/>
-        <p:cNvGrpSpPr/>
-        <p:nvPr/>
-      </p:nvGrpSpPr>
-      <p:grpSpPr>
-        <a:xfrm>
-          <a:off x="0" y="0"/>
-          <a:ext cx="0" cy="0"/>
-          <a:chOff x="0" y="0"/>
-          <a:chExt cx="0" cy="0"/>
-        </a:xfrm>
-      </p:grpSpPr>
-      <p:sp>
-        <p:nvSpPr>
-          <p:cNvPr id="2" name="Slide Image Placeholder 1"/>
-          <p:cNvSpPr>
-            <a:spLocks noGrp="1" noRot="1" noChangeAspect="1"/>
-          </p:cNvSpPr>
-          <p:nvPr>
-            <p:ph type="sldImg"/>
-          </p:nvPr>
-        </p:nvSpPr>
-        <p:spPr/>
-      </p:sp>
-      <p:sp>
-        <p:nvSpPr>
-          <p:cNvPr id="3" name="Notes Placeholder 2"/>
-          <p:cNvSpPr>
-            <a:spLocks noGrp="1"/>
-          </p:cNvSpPr>
-          <p:nvPr>
-            <p:ph type="body" idx="1"/>
-          </p:nvPr>
-        </p:nvSpPr>
-        <p:spPr/>
-        <p:txBody>
-          <a:bodyPr/>
-          <a:lstStyle/>
-          <a:p>
-            <a:endParaRPr lang="en-US" dirty="0"/>
-          </a:p>
-        </p:txBody>
-      </p:sp>
-      <p:sp>
-        <p:nvSpPr>
-          <p:cNvPr id="4" name="Slide Number Placeholder 3"/>
-          <p:cNvSpPr>
-            <a:spLocks noGrp="1"/>
-          </p:cNvSpPr>
-          <p:nvPr>
-            <p:ph type="sldNum" sz="quarter" idx="5"/>
-          </p:nvPr>
-        </p:nvSpPr>
-        <p:spPr/>
-        <p:txBody>
-          <a:bodyPr/>
-          <a:lstStyle/>
-          <a:p>
-            <a:fld id="{AA499EE4-AFF7-DB4F-BE58-31406A547856}" type="slidenum">
-              <a:rPr lang="en-US" smtClean="0"/>
-              <a:t>3</a:t>
-            </a:fld>
-            <a:endParaRPr lang="en-US"/>
-          </a:p>
-        </p:txBody>
-      </p:sp>
-    </p:spTree>
-    <p:extLst>
-      <p:ext uri="{BB962C8B-B14F-4D97-AF65-F5344CB8AC3E}">
-        <p14:creationId xmlns:p14="http://schemas.microsoft.com/office/powerpoint/2010/main" val="1951491457"/>
-      </p:ext>
-    </p:extLst>
-  </p:cSld>
-  <p:clrMapOvr>
-    <a:masterClrMapping/>
-  </p:clrMapOvr>
-</p:notes>
 </file>
 
 <file path=ppt/slideLayouts/slideLayout1.xml><?xml version="1.0" encoding="utf-8"?>
@@ -4293,7 +4209,7 @@
         </p:blipFill>
         <p:spPr>
           <a:xfrm>
-            <a:off x="5311702" y="10"/>
+            <a:off x="5313225" y="434724"/>
             <a:ext cx="6878775" cy="6857990"/>
           </a:xfrm>
           <a:custGeom>
@@ -4599,12 +4515,12 @@
           <a:chExt cx="0" cy="0"/>
         </a:xfrm>
       </p:grpSpPr>
-      <p:sp useBgFill="1">
-        <p:nvSpPr>
-          <p:cNvPr id="19" name="Rectangle 18">
-            <a:extLst>
-              <a:ext uri="{FF2B5EF4-FFF2-40B4-BE49-F238E27FC236}">
-                <a16:creationId xmlns:a16="http://schemas.microsoft.com/office/drawing/2014/main" id="{F13C74B1-5B17-4795-BED0-7140497B445A}"/>
+      <p:sp>
+        <p:nvSpPr>
+          <p:cNvPr id="10" name="Rectangle 9">
+            <a:extLst>
+              <a:ext uri="{FF2B5EF4-FFF2-40B4-BE49-F238E27FC236}">
+                <a16:creationId xmlns:a16="http://schemas.microsoft.com/office/drawing/2014/main" id="{F3060C83-F051-4F0E-ABAD-AA0DFC48B218}"/>
               </a:ext>
               <a:ext uri="{C183D7F6-B498-43B3-948B-1728B52AA6E4}">
                 <adec:decorative xmlns:adec="http://schemas.microsoft.com/office/drawing/2017/decorative" val="1"/>
@@ -4625,11 +4541,14 @@
         <p:spPr>
           <a:xfrm>
             <a:off x="0" y="0"/>
-            <a:ext cx="12188952" cy="6858000"/>
+            <a:ext cx="12192000" cy="6858000"/>
           </a:xfrm>
           <a:prstGeom prst="rect">
             <a:avLst/>
           </a:prstGeom>
+          <a:solidFill>
+            <a:schemeClr val="bg1"/>
+          </a:solidFill>
           <a:ln>
             <a:noFill/>
           </a:ln>
@@ -4655,198 +4574,16 @@
           <a:lstStyle/>
           <a:p>
             <a:pPr algn="ctr"/>
-            <a:endParaRPr lang="en-US"/>
-          </a:p>
-        </p:txBody>
-      </p:sp>
-      <p:pic>
-        <p:nvPicPr>
-          <p:cNvPr id="14" name="Picture 4" descr="Wooden house on the mountains">
-            <a:extLst>
-              <a:ext uri="{FF2B5EF4-FFF2-40B4-BE49-F238E27FC236}">
-                <a16:creationId xmlns:a16="http://schemas.microsoft.com/office/drawing/2014/main" id="{FCC08CC0-5517-A8B9-A015-17506100EE80}"/>
-              </a:ext>
-            </a:extLst>
-          </p:cNvPr>
-          <p:cNvPicPr>
-            <a:picLocks noChangeAspect="1"/>
-          </p:cNvPicPr>
-          <p:nvPr/>
-        </p:nvPicPr>
-        <p:blipFill rotWithShape="1">
-          <a:blip r:embed="rId3"/>
-          <a:srcRect r="33299"/>
-          <a:stretch/>
-        </p:blipFill>
-        <p:spPr>
-          <a:xfrm>
-            <a:off x="5311702" y="10"/>
-            <a:ext cx="6878775" cy="6857990"/>
-          </a:xfrm>
-          <a:custGeom>
-            <a:avLst/>
-            <a:gdLst/>
-            <a:ahLst/>
-            <a:cxnLst/>
-            <a:rect l="l" t="t" r="r" b="b"/>
-            <a:pathLst>
-              <a:path w="6878775" h="6858000">
-                <a:moveTo>
-                  <a:pt x="1102973" y="0"/>
-                </a:moveTo>
-                <a:lnTo>
-                  <a:pt x="1160688" y="0"/>
-                </a:lnTo>
-                <a:lnTo>
-                  <a:pt x="983189" y="331786"/>
-                </a:lnTo>
-                <a:cubicBezTo>
-                  <a:pt x="914866" y="469145"/>
-                  <a:pt x="850355" y="608712"/>
-                  <a:pt x="789261" y="750263"/>
-                </a:cubicBezTo>
-                <a:cubicBezTo>
-                  <a:pt x="774307" y="784928"/>
-                  <a:pt x="759992" y="819849"/>
-                  <a:pt x="745295" y="854514"/>
-                </a:cubicBezTo>
-                <a:cubicBezTo>
-                  <a:pt x="756682" y="845393"/>
-                  <a:pt x="765489" y="833492"/>
-                  <a:pt x="770857" y="819975"/>
-                </a:cubicBezTo>
-                <a:cubicBezTo>
-                  <a:pt x="879943" y="589569"/>
-                  <a:pt x="999605" y="365513"/>
-                  <a:pt x="1131329" y="148742"/>
-                </a:cubicBezTo>
-                <a:lnTo>
-                  <a:pt x="1227589" y="0"/>
-                </a:lnTo>
-                <a:lnTo>
-                  <a:pt x="6878775" y="0"/>
-                </a:lnTo>
-                <a:lnTo>
-                  <a:pt x="6878775" y="6858000"/>
-                </a:lnTo>
-                <a:lnTo>
-                  <a:pt x="713521" y="6858000"/>
-                </a:lnTo>
-                <a:lnTo>
-                  <a:pt x="625642" y="6670527"/>
-                </a:lnTo>
-                <a:cubicBezTo>
-                  <a:pt x="507232" y="6398531"/>
-                  <a:pt x="403083" y="6118381"/>
-                  <a:pt x="312785" y="5830359"/>
-                </a:cubicBezTo>
-                <a:cubicBezTo>
-                  <a:pt x="278149" y="5719759"/>
-                  <a:pt x="248879" y="5607635"/>
-                  <a:pt x="212198" y="5480401"/>
-                </a:cubicBezTo>
-                <a:cubicBezTo>
-                  <a:pt x="212208" y="5491601"/>
-                  <a:pt x="212803" y="5502788"/>
-                  <a:pt x="213988" y="5513923"/>
-                </a:cubicBezTo>
-                <a:cubicBezTo>
-                  <a:pt x="264089" y="5723695"/>
-                  <a:pt x="307290" y="5935370"/>
-                  <a:pt x="365826" y="6142729"/>
-                </a:cubicBezTo>
-                <a:cubicBezTo>
-                  <a:pt x="433152" y="6380817"/>
-                  <a:pt x="510068" y="6614016"/>
-                  <a:pt x="597975" y="6841549"/>
-                </a:cubicBezTo>
-                <a:lnTo>
-                  <a:pt x="604824" y="6858000"/>
-                </a:lnTo>
-                <a:lnTo>
-                  <a:pt x="552056" y="6858000"/>
-                </a:lnTo>
-                <a:lnTo>
-                  <a:pt x="539576" y="6828295"/>
-                </a:lnTo>
-                <a:cubicBezTo>
-                  <a:pt x="380597" y="6414594"/>
-                  <a:pt x="260223" y="5988893"/>
-                  <a:pt x="171555" y="5552906"/>
-                </a:cubicBezTo>
-                <a:cubicBezTo>
-                  <a:pt x="91163" y="5157998"/>
-                  <a:pt x="43746" y="4758899"/>
-                  <a:pt x="12305" y="4357388"/>
-                </a:cubicBezTo>
-                <a:cubicBezTo>
-                  <a:pt x="-14281" y="4013908"/>
-                  <a:pt x="4507" y="3672965"/>
-                  <a:pt x="46684" y="3331516"/>
-                </a:cubicBezTo>
-                <a:cubicBezTo>
-                  <a:pt x="127203" y="2664286"/>
-                  <a:pt x="277819" y="2007265"/>
-                  <a:pt x="496065" y="1371196"/>
-                </a:cubicBezTo>
-                <a:cubicBezTo>
-                  <a:pt x="636273" y="966066"/>
-                  <a:pt x="800445" y="573253"/>
-                  <a:pt x="995723" y="196614"/>
-                </a:cubicBezTo>
-                <a:close/>
-              </a:path>
-            </a:pathLst>
-          </a:custGeom>
-        </p:spPr>
-      </p:pic>
-      <p:sp>
-        <p:nvSpPr>
-          <p:cNvPr id="2" name="Title 1">
-            <a:extLst>
-              <a:ext uri="{FF2B5EF4-FFF2-40B4-BE49-F238E27FC236}">
-                <a16:creationId xmlns:a16="http://schemas.microsoft.com/office/drawing/2014/main" id="{FB508003-9523-4B8A-591A-24366636A5EA}"/>
-              </a:ext>
-            </a:extLst>
-          </p:cNvPr>
-          <p:cNvSpPr>
-            <a:spLocks noGrp="1"/>
-          </p:cNvSpPr>
-          <p:nvPr>
-            <p:ph type="title"/>
-          </p:nvPr>
-        </p:nvSpPr>
-        <p:spPr>
-          <a:xfrm>
-            <a:off x="640080" y="325369"/>
-            <a:ext cx="5455920" cy="1956841"/>
-          </a:xfrm>
-        </p:spPr>
-        <p:txBody>
-          <a:bodyPr anchor="b">
-            <a:normAutofit/>
-          </a:bodyPr>
-          <a:lstStyle/>
-          <a:p>
-            <a:r>
-              <a:rPr lang="en-US" sz="5400" b="0" i="0" dirty="0">
-                <a:effectLst/>
-                <a:latin typeface="+mn-lt"/>
-              </a:rPr>
-              <a:t>Recommendations</a:t>
-            </a:r>
-            <a:endParaRPr lang="en-US" sz="4200" dirty="0">
-              <a:latin typeface="+mn-lt"/>
-            </a:endParaRPr>
-          </a:p>
-        </p:txBody>
-      </p:sp>
-      <p:sp>
-        <p:nvSpPr>
-          <p:cNvPr id="21" name="sketchy line">
-            <a:extLst>
-              <a:ext uri="{FF2B5EF4-FFF2-40B4-BE49-F238E27FC236}">
-                <a16:creationId xmlns:a16="http://schemas.microsoft.com/office/drawing/2014/main" id="{D4974D33-8DC5-464E-8C6D-BE58F0669C17}"/>
+            <a:endParaRPr lang="en-US" dirty="0"/>
+          </a:p>
+        </p:txBody>
+      </p:sp>
+      <p:sp>
+        <p:nvSpPr>
+          <p:cNvPr id="12" name="Freeform: Shape 11">
+            <a:extLst>
+              <a:ext uri="{FF2B5EF4-FFF2-40B4-BE49-F238E27FC236}">
+                <a16:creationId xmlns:a16="http://schemas.microsoft.com/office/drawing/2014/main" id="{83C98ABE-055B-441F-B07E-44F97F083C39}"/>
               </a:ext>
               <a:ext uri="{C183D7F6-B498-43B3-948B-1728B52AA6E4}">
                 <adec:decorative xmlns:adec="http://schemas.microsoft.com/office/drawing/2017/decorative" val="1"/>
@@ -4865,39 +4602,23 @@
           </p:nvPr>
         </p:nvSpPr>
         <p:spPr>
-          <a:xfrm>
-            <a:off x="640080" y="2586994"/>
-            <a:ext cx="3474720" cy="18288"/>
+          <a:xfrm rot="18900000" flipH="1">
+            <a:off x="-376156" y="-253670"/>
+            <a:ext cx="1827638" cy="1376989"/>
           </a:xfrm>
           <a:custGeom>
             <a:avLst/>
             <a:gdLst>
-              <a:gd name="connsiteX0" fmla="*/ 0 w 3474720"/>
-              <a:gd name="connsiteY0" fmla="*/ 0 h 18288"/>
-              <a:gd name="connsiteX1" fmla="*/ 694944 w 3474720"/>
-              <a:gd name="connsiteY1" fmla="*/ 0 h 18288"/>
-              <a:gd name="connsiteX2" fmla="*/ 1355141 w 3474720"/>
-              <a:gd name="connsiteY2" fmla="*/ 0 h 18288"/>
-              <a:gd name="connsiteX3" fmla="*/ 2015338 w 3474720"/>
-              <a:gd name="connsiteY3" fmla="*/ 0 h 18288"/>
-              <a:gd name="connsiteX4" fmla="*/ 2779776 w 3474720"/>
-              <a:gd name="connsiteY4" fmla="*/ 0 h 18288"/>
-              <a:gd name="connsiteX5" fmla="*/ 3474720 w 3474720"/>
-              <a:gd name="connsiteY5" fmla="*/ 0 h 18288"/>
-              <a:gd name="connsiteX6" fmla="*/ 3474720 w 3474720"/>
-              <a:gd name="connsiteY6" fmla="*/ 18288 h 18288"/>
-              <a:gd name="connsiteX7" fmla="*/ 2779776 w 3474720"/>
-              <a:gd name="connsiteY7" fmla="*/ 18288 h 18288"/>
-              <a:gd name="connsiteX8" fmla="*/ 2189074 w 3474720"/>
-              <a:gd name="connsiteY8" fmla="*/ 18288 h 18288"/>
-              <a:gd name="connsiteX9" fmla="*/ 1528877 w 3474720"/>
-              <a:gd name="connsiteY9" fmla="*/ 18288 h 18288"/>
-              <a:gd name="connsiteX10" fmla="*/ 868680 w 3474720"/>
-              <a:gd name="connsiteY10" fmla="*/ 18288 h 18288"/>
-              <a:gd name="connsiteX11" fmla="*/ 0 w 3474720"/>
-              <a:gd name="connsiteY11" fmla="*/ 18288 h 18288"/>
-              <a:gd name="connsiteX12" fmla="*/ 0 w 3474720"/>
-              <a:gd name="connsiteY12" fmla="*/ 0 h 18288"/>
+              <a:gd name="connsiteX0" fmla="*/ 0 w 1827638"/>
+              <a:gd name="connsiteY0" fmla="*/ 987379 h 1376989"/>
+              <a:gd name="connsiteX1" fmla="*/ 987379 w 1827638"/>
+              <a:gd name="connsiteY1" fmla="*/ 0 h 1376989"/>
+              <a:gd name="connsiteX2" fmla="*/ 1827638 w 1827638"/>
+              <a:gd name="connsiteY2" fmla="*/ 840260 h 1376989"/>
+              <a:gd name="connsiteX3" fmla="*/ 1827638 w 1827638"/>
+              <a:gd name="connsiteY3" fmla="*/ 1376989 h 1376989"/>
+              <a:gd name="connsiteX4" fmla="*/ 0 w 1827638"/>
+              <a:gd name="connsiteY4" fmla="*/ 1376989 h 1376989"/>
             </a:gdLst>
             <a:ahLst/>
             <a:cxnLst>
@@ -4916,541 +4637,34 @@
               <a:cxn ang="0">
                 <a:pos x="connsiteX4" y="connsiteY4"/>
               </a:cxn>
-              <a:cxn ang="0">
-                <a:pos x="connsiteX5" y="connsiteY5"/>
-              </a:cxn>
-              <a:cxn ang="0">
-                <a:pos x="connsiteX6" y="connsiteY6"/>
-              </a:cxn>
-              <a:cxn ang="0">
-                <a:pos x="connsiteX7" y="connsiteY7"/>
-              </a:cxn>
-              <a:cxn ang="0">
-                <a:pos x="connsiteX8" y="connsiteY8"/>
-              </a:cxn>
-              <a:cxn ang="0">
-                <a:pos x="connsiteX9" y="connsiteY9"/>
-              </a:cxn>
-              <a:cxn ang="0">
-                <a:pos x="connsiteX10" y="connsiteY10"/>
-              </a:cxn>
-              <a:cxn ang="0">
-                <a:pos x="connsiteX11" y="connsiteY11"/>
-              </a:cxn>
-              <a:cxn ang="0">
-                <a:pos x="connsiteX12" y="connsiteY12"/>
-              </a:cxn>
             </a:cxnLst>
             <a:rect l="l" t="t" r="r" b="b"/>
             <a:pathLst>
-              <a:path w="3474720" h="18288" fill="none" extrusionOk="0">
+              <a:path w="1827638" h="1376989">
                 <a:moveTo>
-                  <a:pt x="0" y="0"/>
+                  <a:pt x="0" y="987379"/>
                 </a:moveTo>
-                <a:cubicBezTo>
-                  <a:pt x="224454" y="-14544"/>
-                  <a:pt x="495407" y="26540"/>
-                  <a:pt x="694944" y="0"/>
-                </a:cubicBezTo>
-                <a:cubicBezTo>
-                  <a:pt x="894481" y="-26540"/>
-                  <a:pt x="1130063" y="24713"/>
-                  <a:pt x="1355141" y="0"/>
-                </a:cubicBezTo>
-                <a:cubicBezTo>
-                  <a:pt x="1580219" y="-24713"/>
-                  <a:pt x="1820099" y="26695"/>
-                  <a:pt x="2015338" y="0"/>
-                </a:cubicBezTo>
-                <a:cubicBezTo>
-                  <a:pt x="2210577" y="-26695"/>
-                  <a:pt x="2402045" y="165"/>
-                  <a:pt x="2779776" y="0"/>
-                </a:cubicBezTo>
-                <a:cubicBezTo>
-                  <a:pt x="3157507" y="-165"/>
-                  <a:pt x="3286859" y="-15571"/>
-                  <a:pt x="3474720" y="0"/>
-                </a:cubicBezTo>
-                <a:cubicBezTo>
-                  <a:pt x="3474286" y="7551"/>
-                  <a:pt x="3474253" y="9822"/>
-                  <a:pt x="3474720" y="18288"/>
-                </a:cubicBezTo>
-                <a:cubicBezTo>
-                  <a:pt x="3233904" y="29845"/>
-                  <a:pt x="2945134" y="-5256"/>
-                  <a:pt x="2779776" y="18288"/>
-                </a:cubicBezTo>
-                <a:cubicBezTo>
-                  <a:pt x="2614418" y="41832"/>
-                  <a:pt x="2339768" y="22709"/>
-                  <a:pt x="2189074" y="18288"/>
-                </a:cubicBezTo>
-                <a:cubicBezTo>
-                  <a:pt x="2038380" y="13867"/>
-                  <a:pt x="1817434" y="-4947"/>
-                  <a:pt x="1528877" y="18288"/>
-                </a:cubicBezTo>
-                <a:cubicBezTo>
-                  <a:pt x="1240320" y="41523"/>
-                  <a:pt x="1042447" y="37198"/>
-                  <a:pt x="868680" y="18288"/>
-                </a:cubicBezTo>
-                <a:cubicBezTo>
-                  <a:pt x="694913" y="-622"/>
-                  <a:pt x="233232" y="44909"/>
-                  <a:pt x="0" y="18288"/>
-                </a:cubicBezTo>
-                <a:cubicBezTo>
-                  <a:pt x="60" y="11696"/>
-                  <a:pt x="66" y="3758"/>
-                  <a:pt x="0" y="0"/>
-                </a:cubicBezTo>
-                <a:close/>
-              </a:path>
-              <a:path w="3474720" h="18288" stroke="0" extrusionOk="0">
-                <a:moveTo>
-                  <a:pt x="0" y="0"/>
-                </a:moveTo>
-                <a:cubicBezTo>
-                  <a:pt x="202328" y="-14716"/>
-                  <a:pt x="332722" y="-11499"/>
-                  <a:pt x="625450" y="0"/>
-                </a:cubicBezTo>
-                <a:cubicBezTo>
-                  <a:pt x="918178" y="11499"/>
-                  <a:pt x="1096688" y="5123"/>
-                  <a:pt x="1389888" y="0"/>
-                </a:cubicBezTo>
-                <a:cubicBezTo>
-                  <a:pt x="1683088" y="-5123"/>
-                  <a:pt x="1835981" y="-14038"/>
-                  <a:pt x="1980590" y="0"/>
-                </a:cubicBezTo>
-                <a:cubicBezTo>
-                  <a:pt x="2125199" y="14038"/>
-                  <a:pt x="2396099" y="-7203"/>
-                  <a:pt x="2571293" y="0"/>
-                </a:cubicBezTo>
-                <a:cubicBezTo>
-                  <a:pt x="2746487" y="7203"/>
-                  <a:pt x="3041609" y="-12036"/>
-                  <a:pt x="3474720" y="0"/>
-                </a:cubicBezTo>
-                <a:cubicBezTo>
-                  <a:pt x="3474638" y="4406"/>
-                  <a:pt x="3474631" y="9982"/>
-                  <a:pt x="3474720" y="18288"/>
-                </a:cubicBezTo>
-                <a:cubicBezTo>
-                  <a:pt x="3324873" y="21876"/>
-                  <a:pt x="3136771" y="12587"/>
-                  <a:pt x="2814523" y="18288"/>
-                </a:cubicBezTo>
-                <a:cubicBezTo>
-                  <a:pt x="2492275" y="23989"/>
-                  <a:pt x="2294402" y="47111"/>
-                  <a:pt x="2154326" y="18288"/>
-                </a:cubicBezTo>
-                <a:cubicBezTo>
-                  <a:pt x="2014250" y="-10535"/>
-                  <a:pt x="1820317" y="33903"/>
-                  <a:pt x="1494130" y="18288"/>
-                </a:cubicBezTo>
-                <a:cubicBezTo>
-                  <a:pt x="1167943" y="2673"/>
-                  <a:pt x="948432" y="14868"/>
-                  <a:pt x="729691" y="18288"/>
-                </a:cubicBezTo>
-                <a:cubicBezTo>
-                  <a:pt x="510950" y="21708"/>
-                  <a:pt x="264032" y="24354"/>
-                  <a:pt x="0" y="18288"/>
-                </a:cubicBezTo>
-                <a:cubicBezTo>
-                  <a:pt x="189" y="14288"/>
-                  <a:pt x="-703" y="3747"/>
-                  <a:pt x="0" y="0"/>
-                </a:cubicBezTo>
+                <a:lnTo>
+                  <a:pt x="987379" y="0"/>
+                </a:lnTo>
+                <a:lnTo>
+                  <a:pt x="1827638" y="840260"/>
+                </a:lnTo>
+                <a:lnTo>
+                  <a:pt x="1827638" y="1376989"/>
+                </a:lnTo>
+                <a:lnTo>
+                  <a:pt x="0" y="1376989"/>
+                </a:lnTo>
                 <a:close/>
               </a:path>
             </a:pathLst>
           </a:custGeom>
           <a:solidFill>
-            <a:schemeClr val="accent2"/>
+            <a:schemeClr val="accent1">
+              <a:alpha val="30000"/>
+            </a:schemeClr>
           </a:solidFill>
-          <a:ln w="44450" cap="rnd">
-            <a:solidFill>
-              <a:schemeClr val="accent2"/>
-            </a:solidFill>
-            <a:round/>
-            <a:extLst>
-              <a:ext uri="{C807C97D-BFC1-408E-A445-0C87EB9F89A2}">
-                <ask:lineSketchStyleProps xmlns:ask="http://schemas.microsoft.com/office/drawing/2018/sketchyshapes" sd="2863741219">
-                  <a:prstGeom prst="rect">
-                    <a:avLst/>
-                  </a:prstGeom>
-                  <ask:type>
-                    <ask:lineSketchFreehand/>
-                  </ask:type>
-                </ask:lineSketchStyleProps>
-              </a:ext>
-            </a:extLst>
-          </a:ln>
-        </p:spPr>
-        <p:style>
-          <a:lnRef idx="2">
-            <a:schemeClr val="accent1">
-              <a:shade val="50000"/>
-            </a:schemeClr>
-          </a:lnRef>
-          <a:fillRef idx="1">
-            <a:schemeClr val="accent1"/>
-          </a:fillRef>
-          <a:effectRef idx="0">
-            <a:schemeClr val="accent1"/>
-          </a:effectRef>
-          <a:fontRef idx="minor">
-            <a:schemeClr val="lt1"/>
-          </a:fontRef>
-        </p:style>
-        <p:txBody>
-          <a:bodyPr rtlCol="0" anchor="ctr"/>
-          <a:lstStyle/>
-          <a:p>
-            <a:pPr algn="ctr"/>
-            <a:endParaRPr lang="en-US"/>
-          </a:p>
-        </p:txBody>
-      </p:sp>
-      <p:sp>
-        <p:nvSpPr>
-          <p:cNvPr id="3" name="Content Placeholder 2">
-            <a:extLst>
-              <a:ext uri="{FF2B5EF4-FFF2-40B4-BE49-F238E27FC236}">
-                <a16:creationId xmlns:a16="http://schemas.microsoft.com/office/drawing/2014/main" id="{2BC221F5-6945-FC1F-9D5D-1F3835231E49}"/>
-              </a:ext>
-            </a:extLst>
-          </p:cNvPr>
-          <p:cNvSpPr>
-            <a:spLocks noGrp="1"/>
-          </p:cNvSpPr>
-          <p:nvPr>
-            <p:ph idx="1"/>
-          </p:nvPr>
-        </p:nvSpPr>
-        <p:spPr>
-          <a:xfrm>
-            <a:off x="640080" y="2872899"/>
-            <a:ext cx="4243589" cy="3320668"/>
-          </a:xfrm>
-        </p:spPr>
-        <p:txBody>
-          <a:bodyPr>
-            <a:normAutofit/>
-          </a:bodyPr>
-          <a:lstStyle/>
-          <a:p>
-            <a:pPr>
-              <a:buFont typeface="Wingdings" pitchFamily="2" charset="2"/>
-              <a:buChar char="q"/>
-            </a:pPr>
-            <a:r>
-              <a:rPr lang="en-US" sz="2200" dirty="0"/>
-              <a:t>Pricing Strategy</a:t>
-            </a:r>
-          </a:p>
-          <a:p>
-            <a:pPr>
-              <a:buFont typeface="Wingdings" pitchFamily="2" charset="2"/>
-              <a:buChar char="Ø"/>
-            </a:pPr>
-            <a:r>
-              <a:rPr lang="en-US" sz="2200" dirty="0"/>
-              <a:t>based on the market position and facilities of Big Mountain resort, the model suggest the ticket price of Big Mountain should be $95.87, compared with current $81.00, there is room for the increase of ticket price.</a:t>
-            </a:r>
-          </a:p>
-        </p:txBody>
-      </p:sp>
-    </p:spTree>
-    <p:extLst>
-      <p:ext uri="{BB962C8B-B14F-4D97-AF65-F5344CB8AC3E}">
-        <p14:creationId xmlns:p14="http://schemas.microsoft.com/office/powerpoint/2010/main" val="1755927776"/>
-      </p:ext>
-    </p:extLst>
-  </p:cSld>
-  <p:clrMapOvr>
-    <a:masterClrMapping/>
-  </p:clrMapOvr>
-  <p:timing>
-    <p:tnLst>
-      <p:par>
-        <p:cTn id="1" dur="indefinite" restart="never" nodeType="tmRoot">
-          <p:childTnLst>
-            <p:seq concurrent="1" nextAc="seek">
-              <p:cTn id="2" dur="indefinite" nodeType="mainSeq">
-                <p:childTnLst>
-                  <p:par>
-                    <p:cTn id="3" fill="hold">
-                      <p:stCondLst>
-                        <p:cond delay="indefinite"/>
-                      </p:stCondLst>
-                      <p:childTnLst>
-                        <p:par>
-                          <p:cTn id="4" fill="hold">
-                            <p:stCondLst>
-                              <p:cond delay="0"/>
-                            </p:stCondLst>
-                            <p:childTnLst>
-                              <p:par>
-                                <p:cTn id="5" presetID="10" presetClass="entr" presetSubtype="0" fill="hold" grpId="0" nodeType="clickEffect">
-                                  <p:stCondLst>
-                                    <p:cond delay="0"/>
-                                  </p:stCondLst>
-                                  <p:childTnLst>
-                                    <p:set>
-                                      <p:cBhvr>
-                                        <p:cTn id="6" dur="1" fill="hold">
-                                          <p:stCondLst>
-                                            <p:cond delay="0"/>
-                                          </p:stCondLst>
-                                        </p:cTn>
-                                        <p:tgtEl>
-                                          <p:spTgt spid="2"/>
-                                        </p:tgtEl>
-                                        <p:attrNameLst>
-                                          <p:attrName>style.visibility</p:attrName>
-                                        </p:attrNameLst>
-                                      </p:cBhvr>
-                                      <p:to>
-                                        <p:strVal val="visible"/>
-                                      </p:to>
-                                    </p:set>
-                                    <p:animEffect transition="in" filter="fade">
-                                      <p:cBhvr>
-                                        <p:cTn id="7" dur="500"/>
-                                        <p:tgtEl>
-                                          <p:spTgt spid="2"/>
-                                        </p:tgtEl>
-                                      </p:cBhvr>
-                                    </p:animEffect>
-                                  </p:childTnLst>
-                                </p:cTn>
-                              </p:par>
-                            </p:childTnLst>
-                          </p:cTn>
-                        </p:par>
-                      </p:childTnLst>
-                    </p:cTn>
-                  </p:par>
-                  <p:par>
-                    <p:cTn id="8" fill="hold">
-                      <p:stCondLst>
-                        <p:cond delay="indefinite"/>
-                      </p:stCondLst>
-                      <p:childTnLst>
-                        <p:par>
-                          <p:cTn id="9" fill="hold">
-                            <p:stCondLst>
-                              <p:cond delay="0"/>
-                            </p:stCondLst>
-                            <p:childTnLst>
-                              <p:par>
-                                <p:cTn id="10" presetID="10" presetClass="entr" presetSubtype="0" fill="hold" grpId="0" nodeType="clickEffect">
-                                  <p:stCondLst>
-                                    <p:cond delay="0"/>
-                                  </p:stCondLst>
-                                  <p:childTnLst>
-                                    <p:set>
-                                      <p:cBhvr>
-                                        <p:cTn id="11" dur="1" fill="hold">
-                                          <p:stCondLst>
-                                            <p:cond delay="0"/>
-                                          </p:stCondLst>
-                                        </p:cTn>
-                                        <p:tgtEl>
-                                          <p:spTgt spid="3">
-                                            <p:txEl>
-                                              <p:pRg st="0" end="0"/>
-                                            </p:txEl>
-                                          </p:spTgt>
-                                        </p:tgtEl>
-                                        <p:attrNameLst>
-                                          <p:attrName>style.visibility</p:attrName>
-                                        </p:attrNameLst>
-                                      </p:cBhvr>
-                                      <p:to>
-                                        <p:strVal val="visible"/>
-                                      </p:to>
-                                    </p:set>
-                                    <p:animEffect transition="in" filter="fade">
-                                      <p:cBhvr>
-                                        <p:cTn id="12" dur="500"/>
-                                        <p:tgtEl>
-                                          <p:spTgt spid="3">
-                                            <p:txEl>
-                                              <p:pRg st="0" end="0"/>
-                                            </p:txEl>
-                                          </p:spTgt>
-                                        </p:tgtEl>
-                                      </p:cBhvr>
-                                    </p:animEffect>
-                                  </p:childTnLst>
-                                </p:cTn>
-                              </p:par>
-                            </p:childTnLst>
-                          </p:cTn>
-                        </p:par>
-                      </p:childTnLst>
-                    </p:cTn>
-                  </p:par>
-                  <p:par>
-                    <p:cTn id="13" fill="hold">
-                      <p:stCondLst>
-                        <p:cond delay="indefinite"/>
-                      </p:stCondLst>
-                      <p:childTnLst>
-                        <p:par>
-                          <p:cTn id="14" fill="hold">
-                            <p:stCondLst>
-                              <p:cond delay="0"/>
-                            </p:stCondLst>
-                            <p:childTnLst>
-                              <p:par>
-                                <p:cTn id="15" presetID="10" presetClass="entr" presetSubtype="0" fill="hold" grpId="0" nodeType="clickEffect">
-                                  <p:stCondLst>
-                                    <p:cond delay="0"/>
-                                  </p:stCondLst>
-                                  <p:childTnLst>
-                                    <p:set>
-                                      <p:cBhvr>
-                                        <p:cTn id="16" dur="1" fill="hold">
-                                          <p:stCondLst>
-                                            <p:cond delay="0"/>
-                                          </p:stCondLst>
-                                        </p:cTn>
-                                        <p:tgtEl>
-                                          <p:spTgt spid="3">
-                                            <p:txEl>
-                                              <p:pRg st="1" end="1"/>
-                                            </p:txEl>
-                                          </p:spTgt>
-                                        </p:tgtEl>
-                                        <p:attrNameLst>
-                                          <p:attrName>style.visibility</p:attrName>
-                                        </p:attrNameLst>
-                                      </p:cBhvr>
-                                      <p:to>
-                                        <p:strVal val="visible"/>
-                                      </p:to>
-                                    </p:set>
-                                    <p:animEffect transition="in" filter="fade">
-                                      <p:cBhvr>
-                                        <p:cTn id="17" dur="500"/>
-                                        <p:tgtEl>
-                                          <p:spTgt spid="3">
-                                            <p:txEl>
-                                              <p:pRg st="1" end="1"/>
-                                            </p:txEl>
-                                          </p:spTgt>
-                                        </p:tgtEl>
-                                      </p:cBhvr>
-                                    </p:animEffect>
-                                  </p:childTnLst>
-                                </p:cTn>
-                              </p:par>
-                            </p:childTnLst>
-                          </p:cTn>
-                        </p:par>
-                      </p:childTnLst>
-                    </p:cTn>
-                  </p:par>
-                </p:childTnLst>
-              </p:cTn>
-              <p:prevCondLst>
-                <p:cond evt="onPrev" delay="0">
-                  <p:tgtEl>
-                    <p:sldTgt/>
-                  </p:tgtEl>
-                </p:cond>
-              </p:prevCondLst>
-              <p:nextCondLst>
-                <p:cond evt="onNext" delay="0">
-                  <p:tgtEl>
-                    <p:sldTgt/>
-                  </p:tgtEl>
-                </p:cond>
-              </p:nextCondLst>
-            </p:seq>
-          </p:childTnLst>
-        </p:cTn>
-      </p:par>
-    </p:tnLst>
-    <p:bldLst>
-      <p:bldP spid="2" grpId="0"/>
-      <p:bldP spid="3" grpId="0" build="p"/>
-    </p:bldLst>
-  </p:timing>
-</p:sld>
-</file>
-
-<file path=ppt/slides/slide4.xml><?xml version="1.0" encoding="utf-8"?>
-<p:sld xmlns:a="http://schemas.openxmlformats.org/drawingml/2006/main" xmlns:r="http://schemas.openxmlformats.org/officeDocument/2006/relationships" xmlns:p="http://schemas.openxmlformats.org/presentationml/2006/main">
-  <p:cSld>
-    <p:bg>
-      <p:bgPr>
-        <a:solidFill>
-          <a:schemeClr val="bg1"/>
-        </a:solidFill>
-        <a:effectLst/>
-      </p:bgPr>
-    </p:bg>
-    <p:spTree>
-      <p:nvGrpSpPr>
-        <p:cNvPr id="1" name=""/>
-        <p:cNvGrpSpPr/>
-        <p:nvPr/>
-      </p:nvGrpSpPr>
-      <p:grpSpPr>
-        <a:xfrm>
-          <a:off x="0" y="0"/>
-          <a:ext cx="0" cy="0"/>
-          <a:chOff x="0" y="0"/>
-          <a:chExt cx="0" cy="0"/>
-        </a:xfrm>
-      </p:grpSpPr>
-      <p:sp useBgFill="1">
-        <p:nvSpPr>
-          <p:cNvPr id="10" name="Rectangle 9">
-            <a:extLst>
-              <a:ext uri="{FF2B5EF4-FFF2-40B4-BE49-F238E27FC236}">
-                <a16:creationId xmlns:a16="http://schemas.microsoft.com/office/drawing/2014/main" id="{F13C74B1-5B17-4795-BED0-7140497B445A}"/>
-              </a:ext>
-              <a:ext uri="{C183D7F6-B498-43B3-948B-1728B52AA6E4}">
-                <adec:decorative xmlns:adec="http://schemas.microsoft.com/office/drawing/2017/decorative" val="1"/>
-              </a:ext>
-            </a:extLst>
-          </p:cNvPr>
-          <p:cNvSpPr>
-            <a:spLocks noGrp="1" noRot="1" noChangeAspect="1" noMove="1" noResize="1" noEditPoints="1" noAdjustHandles="1" noChangeArrowheads="1" noChangeShapeType="1" noTextEdit="1"/>
-          </p:cNvSpPr>
-          <p:nvPr>
-            <p:extLst>
-              <p:ext uri="{386F3935-93C4-4BCD-93E2-E3B085C9AB24}">
-                <p16:designElem xmlns:p16="http://schemas.microsoft.com/office/powerpoint/2015/main" val="1"/>
-              </p:ext>
-            </p:extLst>
-          </p:nvPr>
-        </p:nvSpPr>
-        <p:spPr>
-          <a:xfrm>
-            <a:off x="0" y="0"/>
-            <a:ext cx="12188952" cy="6858000"/>
-          </a:xfrm>
-          <a:prstGeom prst="rect">
-            <a:avLst/>
-          </a:prstGeom>
           <a:ln>
             <a:noFill/>
           </a:ln>
@@ -5476,196 +4690,16 @@
           <a:lstStyle/>
           <a:p>
             <a:pPr algn="ctr"/>
-            <a:endParaRPr lang="en-US"/>
-          </a:p>
-        </p:txBody>
-      </p:sp>
-      <p:pic>
-        <p:nvPicPr>
-          <p:cNvPr id="5" name="Picture 4" descr="Cable cars">
-            <a:extLst>
-              <a:ext uri="{FF2B5EF4-FFF2-40B4-BE49-F238E27FC236}">
-                <a16:creationId xmlns:a16="http://schemas.microsoft.com/office/drawing/2014/main" id="{16E63AD5-D456-1639-C328-0020BCA5011B}"/>
-              </a:ext>
-            </a:extLst>
-          </p:cNvPr>
-          <p:cNvPicPr>
-            <a:picLocks noChangeAspect="1"/>
-          </p:cNvPicPr>
-          <p:nvPr/>
-        </p:nvPicPr>
-        <p:blipFill rotWithShape="1">
-          <a:blip r:embed="rId2"/>
-          <a:srcRect l="29293" r="3754" b="-1"/>
-          <a:stretch/>
-        </p:blipFill>
-        <p:spPr>
-          <a:xfrm>
-            <a:off x="5311702" y="10"/>
-            <a:ext cx="6878775" cy="6857990"/>
-          </a:xfrm>
-          <a:custGeom>
-            <a:avLst/>
-            <a:gdLst/>
-            <a:ahLst/>
-            <a:cxnLst/>
-            <a:rect l="l" t="t" r="r" b="b"/>
-            <a:pathLst>
-              <a:path w="6878775" h="6858000">
-                <a:moveTo>
-                  <a:pt x="1102973" y="0"/>
-                </a:moveTo>
-                <a:lnTo>
-                  <a:pt x="1160688" y="0"/>
-                </a:lnTo>
-                <a:lnTo>
-                  <a:pt x="983189" y="331786"/>
-                </a:lnTo>
-                <a:cubicBezTo>
-                  <a:pt x="914866" y="469145"/>
-                  <a:pt x="850355" y="608712"/>
-                  <a:pt x="789261" y="750263"/>
-                </a:cubicBezTo>
-                <a:cubicBezTo>
-                  <a:pt x="774307" y="784928"/>
-                  <a:pt x="759992" y="819849"/>
-                  <a:pt x="745295" y="854514"/>
-                </a:cubicBezTo>
-                <a:cubicBezTo>
-                  <a:pt x="756682" y="845393"/>
-                  <a:pt x="765489" y="833492"/>
-                  <a:pt x="770857" y="819975"/>
-                </a:cubicBezTo>
-                <a:cubicBezTo>
-                  <a:pt x="879943" y="589569"/>
-                  <a:pt x="999605" y="365513"/>
-                  <a:pt x="1131329" y="148742"/>
-                </a:cubicBezTo>
-                <a:lnTo>
-                  <a:pt x="1227589" y="0"/>
-                </a:lnTo>
-                <a:lnTo>
-                  <a:pt x="6878775" y="0"/>
-                </a:lnTo>
-                <a:lnTo>
-                  <a:pt x="6878775" y="6858000"/>
-                </a:lnTo>
-                <a:lnTo>
-                  <a:pt x="713521" y="6858000"/>
-                </a:lnTo>
-                <a:lnTo>
-                  <a:pt x="625642" y="6670527"/>
-                </a:lnTo>
-                <a:cubicBezTo>
-                  <a:pt x="507232" y="6398531"/>
-                  <a:pt x="403083" y="6118381"/>
-                  <a:pt x="312785" y="5830359"/>
-                </a:cubicBezTo>
-                <a:cubicBezTo>
-                  <a:pt x="278149" y="5719759"/>
-                  <a:pt x="248879" y="5607635"/>
-                  <a:pt x="212198" y="5480401"/>
-                </a:cubicBezTo>
-                <a:cubicBezTo>
-                  <a:pt x="212208" y="5491601"/>
-                  <a:pt x="212803" y="5502788"/>
-                  <a:pt x="213988" y="5513923"/>
-                </a:cubicBezTo>
-                <a:cubicBezTo>
-                  <a:pt x="264089" y="5723695"/>
-                  <a:pt x="307290" y="5935370"/>
-                  <a:pt x="365826" y="6142729"/>
-                </a:cubicBezTo>
-                <a:cubicBezTo>
-                  <a:pt x="433152" y="6380817"/>
-                  <a:pt x="510068" y="6614016"/>
-                  <a:pt x="597975" y="6841549"/>
-                </a:cubicBezTo>
-                <a:lnTo>
-                  <a:pt x="604824" y="6858000"/>
-                </a:lnTo>
-                <a:lnTo>
-                  <a:pt x="552056" y="6858000"/>
-                </a:lnTo>
-                <a:lnTo>
-                  <a:pt x="539576" y="6828295"/>
-                </a:lnTo>
-                <a:cubicBezTo>
-                  <a:pt x="380597" y="6414594"/>
-                  <a:pt x="260223" y="5988893"/>
-                  <a:pt x="171555" y="5552906"/>
-                </a:cubicBezTo>
-                <a:cubicBezTo>
-                  <a:pt x="91163" y="5157998"/>
-                  <a:pt x="43746" y="4758899"/>
-                  <a:pt x="12305" y="4357388"/>
-                </a:cubicBezTo>
-                <a:cubicBezTo>
-                  <a:pt x="-14281" y="4013908"/>
-                  <a:pt x="4507" y="3672965"/>
-                  <a:pt x="46684" y="3331516"/>
-                </a:cubicBezTo>
-                <a:cubicBezTo>
-                  <a:pt x="127203" y="2664286"/>
-                  <a:pt x="277819" y="2007265"/>
-                  <a:pt x="496065" y="1371196"/>
-                </a:cubicBezTo>
-                <a:cubicBezTo>
-                  <a:pt x="636273" y="966066"/>
-                  <a:pt x="800445" y="573253"/>
-                  <a:pt x="995723" y="196614"/>
-                </a:cubicBezTo>
-                <a:close/>
-              </a:path>
-            </a:pathLst>
-          </a:custGeom>
-        </p:spPr>
-      </p:pic>
-      <p:sp>
-        <p:nvSpPr>
-          <p:cNvPr id="2" name="Title 1">
-            <a:extLst>
-              <a:ext uri="{FF2B5EF4-FFF2-40B4-BE49-F238E27FC236}">
-                <a16:creationId xmlns:a16="http://schemas.microsoft.com/office/drawing/2014/main" id="{6626752F-C456-CA81-833B-996BDAD4FC92}"/>
-              </a:ext>
-            </a:extLst>
-          </p:cNvPr>
-          <p:cNvSpPr>
-            <a:spLocks noGrp="1"/>
-          </p:cNvSpPr>
-          <p:nvPr>
-            <p:ph type="title"/>
-          </p:nvPr>
-        </p:nvSpPr>
-        <p:spPr>
-          <a:xfrm>
-            <a:off x="640080" y="325369"/>
-            <a:ext cx="5455920" cy="1956841"/>
-          </a:xfrm>
-        </p:spPr>
-        <p:txBody>
-          <a:bodyPr anchor="b">
-            <a:normAutofit/>
-          </a:bodyPr>
-          <a:lstStyle/>
-          <a:p>
-            <a:r>
-              <a:rPr lang="en-US" sz="5400" b="0" i="0" dirty="0">
-                <a:effectLst/>
-                <a:latin typeface="+mn-lt"/>
-              </a:rPr>
-              <a:t>Recommendations</a:t>
-            </a:r>
-            <a:endParaRPr lang="en-US" sz="5400" dirty="0"/>
-          </a:p>
-        </p:txBody>
-      </p:sp>
-      <p:sp>
-        <p:nvSpPr>
-          <p:cNvPr id="12" name="sketchy line">
-            <a:extLst>
-              <a:ext uri="{FF2B5EF4-FFF2-40B4-BE49-F238E27FC236}">
-                <a16:creationId xmlns:a16="http://schemas.microsoft.com/office/drawing/2014/main" id="{D4974D33-8DC5-464E-8C6D-BE58F0669C17}"/>
+            <a:endParaRPr lang="en-US" dirty="0"/>
+          </a:p>
+        </p:txBody>
+      </p:sp>
+      <p:sp>
+        <p:nvSpPr>
+          <p:cNvPr id="14" name="Rectangle 13">
+            <a:extLst>
+              <a:ext uri="{FF2B5EF4-FFF2-40B4-BE49-F238E27FC236}">
+                <a16:creationId xmlns:a16="http://schemas.microsoft.com/office/drawing/2014/main" id="{29FDB030-9B49-4CED-8CCD-4D99382388AC}"/>
               </a:ext>
               <a:ext uri="{C183D7F6-B498-43B3-948B-1728B52AA6E4}">
                 <adec:decorative xmlns:adec="http://schemas.microsoft.com/office/drawing/2017/decorative" val="1"/>
@@ -5684,238 +4718,20 @@
           </p:nvPr>
         </p:nvSpPr>
         <p:spPr>
-          <a:xfrm>
-            <a:off x="640080" y="2586994"/>
-            <a:ext cx="3474720" cy="18288"/>
+          <a:xfrm rot="18900000" flipH="1">
+            <a:off x="891641" y="422146"/>
+            <a:ext cx="645368" cy="645368"/>
           </a:xfrm>
-          <a:custGeom>
+          <a:prstGeom prst="rect">
             <a:avLst/>
-            <a:gdLst>
-              <a:gd name="connsiteX0" fmla="*/ 0 w 3474720"/>
-              <a:gd name="connsiteY0" fmla="*/ 0 h 18288"/>
-              <a:gd name="connsiteX1" fmla="*/ 694944 w 3474720"/>
-              <a:gd name="connsiteY1" fmla="*/ 0 h 18288"/>
-              <a:gd name="connsiteX2" fmla="*/ 1355141 w 3474720"/>
-              <a:gd name="connsiteY2" fmla="*/ 0 h 18288"/>
-              <a:gd name="connsiteX3" fmla="*/ 2015338 w 3474720"/>
-              <a:gd name="connsiteY3" fmla="*/ 0 h 18288"/>
-              <a:gd name="connsiteX4" fmla="*/ 2779776 w 3474720"/>
-              <a:gd name="connsiteY4" fmla="*/ 0 h 18288"/>
-              <a:gd name="connsiteX5" fmla="*/ 3474720 w 3474720"/>
-              <a:gd name="connsiteY5" fmla="*/ 0 h 18288"/>
-              <a:gd name="connsiteX6" fmla="*/ 3474720 w 3474720"/>
-              <a:gd name="connsiteY6" fmla="*/ 18288 h 18288"/>
-              <a:gd name="connsiteX7" fmla="*/ 2779776 w 3474720"/>
-              <a:gd name="connsiteY7" fmla="*/ 18288 h 18288"/>
-              <a:gd name="connsiteX8" fmla="*/ 2189074 w 3474720"/>
-              <a:gd name="connsiteY8" fmla="*/ 18288 h 18288"/>
-              <a:gd name="connsiteX9" fmla="*/ 1528877 w 3474720"/>
-              <a:gd name="connsiteY9" fmla="*/ 18288 h 18288"/>
-              <a:gd name="connsiteX10" fmla="*/ 868680 w 3474720"/>
-              <a:gd name="connsiteY10" fmla="*/ 18288 h 18288"/>
-              <a:gd name="connsiteX11" fmla="*/ 0 w 3474720"/>
-              <a:gd name="connsiteY11" fmla="*/ 18288 h 18288"/>
-              <a:gd name="connsiteX12" fmla="*/ 0 w 3474720"/>
-              <a:gd name="connsiteY12" fmla="*/ 0 h 18288"/>
-            </a:gdLst>
-            <a:ahLst/>
-            <a:cxnLst>
-              <a:cxn ang="0">
-                <a:pos x="connsiteX0" y="connsiteY0"/>
-              </a:cxn>
-              <a:cxn ang="0">
-                <a:pos x="connsiteX1" y="connsiteY1"/>
-              </a:cxn>
-              <a:cxn ang="0">
-                <a:pos x="connsiteX2" y="connsiteY2"/>
-              </a:cxn>
-              <a:cxn ang="0">
-                <a:pos x="connsiteX3" y="connsiteY3"/>
-              </a:cxn>
-              <a:cxn ang="0">
-                <a:pos x="connsiteX4" y="connsiteY4"/>
-              </a:cxn>
-              <a:cxn ang="0">
-                <a:pos x="connsiteX5" y="connsiteY5"/>
-              </a:cxn>
-              <a:cxn ang="0">
-                <a:pos x="connsiteX6" y="connsiteY6"/>
-              </a:cxn>
-              <a:cxn ang="0">
-                <a:pos x="connsiteX7" y="connsiteY7"/>
-              </a:cxn>
-              <a:cxn ang="0">
-                <a:pos x="connsiteX8" y="connsiteY8"/>
-              </a:cxn>
-              <a:cxn ang="0">
-                <a:pos x="connsiteX9" y="connsiteY9"/>
-              </a:cxn>
-              <a:cxn ang="0">
-                <a:pos x="connsiteX10" y="connsiteY10"/>
-              </a:cxn>
-              <a:cxn ang="0">
-                <a:pos x="connsiteX11" y="connsiteY11"/>
-              </a:cxn>
-              <a:cxn ang="0">
-                <a:pos x="connsiteX12" y="connsiteY12"/>
-              </a:cxn>
-            </a:cxnLst>
-            <a:rect l="l" t="t" r="r" b="b"/>
-            <a:pathLst>
-              <a:path w="3474720" h="18288" fill="none" extrusionOk="0">
-                <a:moveTo>
-                  <a:pt x="0" y="0"/>
-                </a:moveTo>
-                <a:cubicBezTo>
-                  <a:pt x="224454" y="-14544"/>
-                  <a:pt x="495407" y="26540"/>
-                  <a:pt x="694944" y="0"/>
-                </a:cubicBezTo>
-                <a:cubicBezTo>
-                  <a:pt x="894481" y="-26540"/>
-                  <a:pt x="1130063" y="24713"/>
-                  <a:pt x="1355141" y="0"/>
-                </a:cubicBezTo>
-                <a:cubicBezTo>
-                  <a:pt x="1580219" y="-24713"/>
-                  <a:pt x="1820099" y="26695"/>
-                  <a:pt x="2015338" y="0"/>
-                </a:cubicBezTo>
-                <a:cubicBezTo>
-                  <a:pt x="2210577" y="-26695"/>
-                  <a:pt x="2402045" y="165"/>
-                  <a:pt x="2779776" y="0"/>
-                </a:cubicBezTo>
-                <a:cubicBezTo>
-                  <a:pt x="3157507" y="-165"/>
-                  <a:pt x="3286859" y="-15571"/>
-                  <a:pt x="3474720" y="0"/>
-                </a:cubicBezTo>
-                <a:cubicBezTo>
-                  <a:pt x="3474286" y="7551"/>
-                  <a:pt x="3474253" y="9822"/>
-                  <a:pt x="3474720" y="18288"/>
-                </a:cubicBezTo>
-                <a:cubicBezTo>
-                  <a:pt x="3233904" y="29845"/>
-                  <a:pt x="2945134" y="-5256"/>
-                  <a:pt x="2779776" y="18288"/>
-                </a:cubicBezTo>
-                <a:cubicBezTo>
-                  <a:pt x="2614418" y="41832"/>
-                  <a:pt x="2339768" y="22709"/>
-                  <a:pt x="2189074" y="18288"/>
-                </a:cubicBezTo>
-                <a:cubicBezTo>
-                  <a:pt x="2038380" y="13867"/>
-                  <a:pt x="1817434" y="-4947"/>
-                  <a:pt x="1528877" y="18288"/>
-                </a:cubicBezTo>
-                <a:cubicBezTo>
-                  <a:pt x="1240320" y="41523"/>
-                  <a:pt x="1042447" y="37198"/>
-                  <a:pt x="868680" y="18288"/>
-                </a:cubicBezTo>
-                <a:cubicBezTo>
-                  <a:pt x="694913" y="-622"/>
-                  <a:pt x="233232" y="44909"/>
-                  <a:pt x="0" y="18288"/>
-                </a:cubicBezTo>
-                <a:cubicBezTo>
-                  <a:pt x="60" y="11696"/>
-                  <a:pt x="66" y="3758"/>
-                  <a:pt x="0" y="0"/>
-                </a:cubicBezTo>
-                <a:close/>
-              </a:path>
-              <a:path w="3474720" h="18288" stroke="0" extrusionOk="0">
-                <a:moveTo>
-                  <a:pt x="0" y="0"/>
-                </a:moveTo>
-                <a:cubicBezTo>
-                  <a:pt x="202328" y="-14716"/>
-                  <a:pt x="332722" y="-11499"/>
-                  <a:pt x="625450" y="0"/>
-                </a:cubicBezTo>
-                <a:cubicBezTo>
-                  <a:pt x="918178" y="11499"/>
-                  <a:pt x="1096688" y="5123"/>
-                  <a:pt x="1389888" y="0"/>
-                </a:cubicBezTo>
-                <a:cubicBezTo>
-                  <a:pt x="1683088" y="-5123"/>
-                  <a:pt x="1835981" y="-14038"/>
-                  <a:pt x="1980590" y="0"/>
-                </a:cubicBezTo>
-                <a:cubicBezTo>
-                  <a:pt x="2125199" y="14038"/>
-                  <a:pt x="2396099" y="-7203"/>
-                  <a:pt x="2571293" y="0"/>
-                </a:cubicBezTo>
-                <a:cubicBezTo>
-                  <a:pt x="2746487" y="7203"/>
-                  <a:pt x="3041609" y="-12036"/>
-                  <a:pt x="3474720" y="0"/>
-                </a:cubicBezTo>
-                <a:cubicBezTo>
-                  <a:pt x="3474638" y="4406"/>
-                  <a:pt x="3474631" y="9982"/>
-                  <a:pt x="3474720" y="18288"/>
-                </a:cubicBezTo>
-                <a:cubicBezTo>
-                  <a:pt x="3324873" y="21876"/>
-                  <a:pt x="3136771" y="12587"/>
-                  <a:pt x="2814523" y="18288"/>
-                </a:cubicBezTo>
-                <a:cubicBezTo>
-                  <a:pt x="2492275" y="23989"/>
-                  <a:pt x="2294402" y="47111"/>
-                  <a:pt x="2154326" y="18288"/>
-                </a:cubicBezTo>
-                <a:cubicBezTo>
-                  <a:pt x="2014250" y="-10535"/>
-                  <a:pt x="1820317" y="33903"/>
-                  <a:pt x="1494130" y="18288"/>
-                </a:cubicBezTo>
-                <a:cubicBezTo>
-                  <a:pt x="1167943" y="2673"/>
-                  <a:pt x="948432" y="14868"/>
-                  <a:pt x="729691" y="18288"/>
-                </a:cubicBezTo>
-                <a:cubicBezTo>
-                  <a:pt x="510950" y="21708"/>
-                  <a:pt x="264032" y="24354"/>
-                  <a:pt x="0" y="18288"/>
-                </a:cubicBezTo>
-                <a:cubicBezTo>
-                  <a:pt x="189" y="14288"/>
-                  <a:pt x="-703" y="3747"/>
-                  <a:pt x="0" y="0"/>
-                </a:cubicBezTo>
-                <a:close/>
-              </a:path>
-            </a:pathLst>
-          </a:custGeom>
+          </a:prstGeom>
           <a:solidFill>
-            <a:schemeClr val="accent2"/>
+            <a:schemeClr val="accent1">
+              <a:alpha val="30000"/>
+            </a:schemeClr>
           </a:solidFill>
-          <a:ln w="44450" cap="rnd">
-            <a:solidFill>
-              <a:schemeClr val="accent2"/>
-            </a:solidFill>
-            <a:round/>
-            <a:extLst>
-              <a:ext uri="{C807C97D-BFC1-408E-A445-0C87EB9F89A2}">
-                <ask:lineSketchStyleProps xmlns:ask="http://schemas.microsoft.com/office/drawing/2018/sketchyshapes" sd="2863741219">
-                  <a:prstGeom prst="rect">
-                    <a:avLst/>
-                  </a:prstGeom>
-                  <ask:type>
-                    <ask:lineSketchFreehand/>
-                  </ask:type>
-                </ask:lineSketchStyleProps>
-              </a:ext>
-            </a:extLst>
+          <a:ln>
+            <a:noFill/>
           </a:ln>
         </p:spPr>
         <p:style>
@@ -5945,10 +4761,315 @@
       </p:sp>
       <p:sp>
         <p:nvSpPr>
-          <p:cNvPr id="3" name="Content Placeholder 2">
-            <a:extLst>
-              <a:ext uri="{FF2B5EF4-FFF2-40B4-BE49-F238E27FC236}">
-                <a16:creationId xmlns:a16="http://schemas.microsoft.com/office/drawing/2014/main" id="{112776E7-483C-2307-459B-C1B07BFA770F}"/>
+          <p:cNvPr id="16" name="Rectangle 15">
+            <a:extLst>
+              <a:ext uri="{FF2B5EF4-FFF2-40B4-BE49-F238E27FC236}">
+                <a16:creationId xmlns:a16="http://schemas.microsoft.com/office/drawing/2014/main" id="{3783CA14-24A1-485C-8B30-D6A5D87987AD}"/>
+              </a:ext>
+              <a:ext uri="{C183D7F6-B498-43B3-948B-1728B52AA6E4}">
+                <adec:decorative xmlns:adec="http://schemas.microsoft.com/office/drawing/2017/decorative" val="1"/>
+              </a:ext>
+            </a:extLst>
+          </p:cNvPr>
+          <p:cNvSpPr>
+            <a:spLocks noGrp="1" noRot="1" noChangeAspect="1" noMove="1" noResize="1" noEditPoints="1" noAdjustHandles="1" noChangeArrowheads="1" noChangeShapeType="1" noTextEdit="1"/>
+          </p:cNvSpPr>
+          <p:nvPr>
+            <p:extLst>
+              <p:ext uri="{386F3935-93C4-4BCD-93E2-E3B085C9AB24}">
+                <p16:designElem xmlns:p16="http://schemas.microsoft.com/office/powerpoint/2015/main" val="1"/>
+              </p:ext>
+            </p:extLst>
+          </p:nvPr>
+        </p:nvSpPr>
+        <p:spPr>
+          <a:xfrm rot="18900000" flipH="1">
+            <a:off x="10043482" y="655140"/>
+            <a:ext cx="687472" cy="687472"/>
+          </a:xfrm>
+          <a:prstGeom prst="rect">
+            <a:avLst/>
+          </a:prstGeom>
+          <a:solidFill>
+            <a:schemeClr val="accent4">
+              <a:alpha val="30000"/>
+            </a:schemeClr>
+          </a:solidFill>
+          <a:ln>
+            <a:noFill/>
+          </a:ln>
+        </p:spPr>
+        <p:style>
+          <a:lnRef idx="2">
+            <a:schemeClr val="accent1">
+              <a:shade val="50000"/>
+            </a:schemeClr>
+          </a:lnRef>
+          <a:fillRef idx="1">
+            <a:schemeClr val="accent1"/>
+          </a:fillRef>
+          <a:effectRef idx="0">
+            <a:schemeClr val="accent1"/>
+          </a:effectRef>
+          <a:fontRef idx="minor">
+            <a:schemeClr val="lt1"/>
+          </a:fontRef>
+        </p:style>
+        <p:txBody>
+          <a:bodyPr rtlCol="0" anchor="ctr"/>
+          <a:lstStyle/>
+          <a:p>
+            <a:pPr algn="ctr"/>
+            <a:endParaRPr lang="en-US"/>
+          </a:p>
+        </p:txBody>
+      </p:sp>
+      <p:sp>
+        <p:nvSpPr>
+          <p:cNvPr id="18" name="Freeform: Shape 17">
+            <a:extLst>
+              <a:ext uri="{FF2B5EF4-FFF2-40B4-BE49-F238E27FC236}">
+                <a16:creationId xmlns:a16="http://schemas.microsoft.com/office/drawing/2014/main" id="{9A97C86A-04D6-40F7-AE84-31AB43E6A846}"/>
+              </a:ext>
+              <a:ext uri="{C183D7F6-B498-43B3-948B-1728B52AA6E4}">
+                <adec:decorative xmlns:adec="http://schemas.microsoft.com/office/drawing/2017/decorative" val="1"/>
+              </a:ext>
+            </a:extLst>
+          </p:cNvPr>
+          <p:cNvSpPr>
+            <a:spLocks noGrp="1" noRot="1" noChangeAspect="1" noMove="1" noResize="1" noEditPoints="1" noAdjustHandles="1" noChangeArrowheads="1" noChangeShapeType="1" noTextEdit="1"/>
+          </p:cNvSpPr>
+          <p:nvPr>
+            <p:extLst>
+              <p:ext uri="{386F3935-93C4-4BCD-93E2-E3B085C9AB24}">
+                <p16:designElem xmlns:p16="http://schemas.microsoft.com/office/powerpoint/2015/main" val="1"/>
+              </p:ext>
+            </p:extLst>
+          </p:nvPr>
+        </p:nvSpPr>
+        <p:spPr>
+          <a:xfrm rot="10800000" flipH="1">
+            <a:off x="9356643" y="0"/>
+            <a:ext cx="2835357" cy="1480837"/>
+          </a:xfrm>
+          <a:custGeom>
+            <a:avLst/>
+            <a:gdLst>
+              <a:gd name="connsiteX0" fmla="*/ 2835357 w 2835357"/>
+              <a:gd name="connsiteY0" fmla="*/ 1480837 h 1480837"/>
+              <a:gd name="connsiteX1" fmla="*/ 0 w 2835357"/>
+              <a:gd name="connsiteY1" fmla="*/ 1480837 h 1480837"/>
+              <a:gd name="connsiteX2" fmla="*/ 1552727 w 2835357"/>
+              <a:gd name="connsiteY2" fmla="*/ 0 h 1480837"/>
+              <a:gd name="connsiteX3" fmla="*/ 2835357 w 2835357"/>
+              <a:gd name="connsiteY3" fmla="*/ 1223245 h 1480837"/>
+            </a:gdLst>
+            <a:ahLst/>
+            <a:cxnLst>
+              <a:cxn ang="0">
+                <a:pos x="connsiteX0" y="connsiteY0"/>
+              </a:cxn>
+              <a:cxn ang="0">
+                <a:pos x="connsiteX1" y="connsiteY1"/>
+              </a:cxn>
+              <a:cxn ang="0">
+                <a:pos x="connsiteX2" y="connsiteY2"/>
+              </a:cxn>
+              <a:cxn ang="0">
+                <a:pos x="connsiteX3" y="connsiteY3"/>
+              </a:cxn>
+            </a:cxnLst>
+            <a:rect l="l" t="t" r="r" b="b"/>
+            <a:pathLst>
+              <a:path w="2835357" h="1480837">
+                <a:moveTo>
+                  <a:pt x="2835357" y="1480837"/>
+                </a:moveTo>
+                <a:lnTo>
+                  <a:pt x="0" y="1480837"/>
+                </a:lnTo>
+                <a:lnTo>
+                  <a:pt x="1552727" y="0"/>
+                </a:lnTo>
+                <a:lnTo>
+                  <a:pt x="2835357" y="1223245"/>
+                </a:lnTo>
+                <a:close/>
+              </a:path>
+            </a:pathLst>
+          </a:custGeom>
+          <a:solidFill>
+            <a:schemeClr val="accent4">
+              <a:alpha val="30000"/>
+            </a:schemeClr>
+          </a:solidFill>
+          <a:ln>
+            <a:noFill/>
+          </a:ln>
+        </p:spPr>
+        <p:style>
+          <a:lnRef idx="2">
+            <a:schemeClr val="accent1">
+              <a:shade val="50000"/>
+            </a:schemeClr>
+          </a:lnRef>
+          <a:fillRef idx="1">
+            <a:schemeClr val="accent1"/>
+          </a:fillRef>
+          <a:effectRef idx="0">
+            <a:schemeClr val="accent1"/>
+          </a:effectRef>
+          <a:fontRef idx="minor">
+            <a:schemeClr val="lt1"/>
+          </a:fontRef>
+        </p:style>
+        <p:txBody>
+          <a:bodyPr wrap="square" rtlCol="0" anchor="ctr">
+            <a:noAutofit/>
+          </a:bodyPr>
+          <a:lstStyle/>
+          <a:p>
+            <a:pPr algn="ctr"/>
+            <a:endParaRPr lang="en-US" dirty="0"/>
+          </a:p>
+        </p:txBody>
+      </p:sp>
+      <p:sp>
+        <p:nvSpPr>
+          <p:cNvPr id="20" name="Isosceles Triangle 19">
+            <a:extLst>
+              <a:ext uri="{FF2B5EF4-FFF2-40B4-BE49-F238E27FC236}">
+                <a16:creationId xmlns:a16="http://schemas.microsoft.com/office/drawing/2014/main" id="{FF9F2414-84E8-453E-B1F3-389FDE8192D9}"/>
+              </a:ext>
+              <a:ext uri="{C183D7F6-B498-43B3-948B-1728B52AA6E4}">
+                <adec:decorative xmlns:adec="http://schemas.microsoft.com/office/drawing/2017/decorative" val="1"/>
+              </a:ext>
+            </a:extLst>
+          </p:cNvPr>
+          <p:cNvSpPr>
+            <a:spLocks noGrp="1" noRot="1" noChangeAspect="1" noMove="1" noResize="1" noEditPoints="1" noAdjustHandles="1" noChangeArrowheads="1" noChangeShapeType="1" noTextEdit="1"/>
+          </p:cNvSpPr>
+          <p:nvPr>
+            <p:extLst>
+              <p:ext uri="{386F3935-93C4-4BCD-93E2-E3B085C9AB24}">
+                <p16:designElem xmlns:p16="http://schemas.microsoft.com/office/powerpoint/2015/main" val="1"/>
+              </p:ext>
+            </p:extLst>
+          </p:nvPr>
+        </p:nvSpPr>
+        <p:spPr>
+          <a:xfrm flipH="1">
+            <a:off x="7976344" y="6115501"/>
+            <a:ext cx="1494513" cy="742499"/>
+          </a:xfrm>
+          <a:prstGeom prst="triangle">
+            <a:avLst/>
+          </a:prstGeom>
+          <a:solidFill>
+            <a:schemeClr val="accent1">
+              <a:alpha val="30000"/>
+            </a:schemeClr>
+          </a:solidFill>
+          <a:ln>
+            <a:noFill/>
+          </a:ln>
+        </p:spPr>
+        <p:style>
+          <a:lnRef idx="2">
+            <a:schemeClr val="accent1">
+              <a:shade val="50000"/>
+            </a:schemeClr>
+          </a:lnRef>
+          <a:fillRef idx="1">
+            <a:schemeClr val="accent1"/>
+          </a:fillRef>
+          <a:effectRef idx="0">
+            <a:schemeClr val="accent1"/>
+          </a:effectRef>
+          <a:fontRef idx="minor">
+            <a:schemeClr val="lt1"/>
+          </a:fontRef>
+        </p:style>
+        <p:txBody>
+          <a:bodyPr rtlCol="0" anchor="ctr"/>
+          <a:lstStyle/>
+          <a:p>
+            <a:pPr algn="ctr"/>
+            <a:endParaRPr lang="en-US"/>
+          </a:p>
+        </p:txBody>
+      </p:sp>
+      <p:sp>
+        <p:nvSpPr>
+          <p:cNvPr id="22" name="Isosceles Triangle 21">
+            <a:extLst>
+              <a:ext uri="{FF2B5EF4-FFF2-40B4-BE49-F238E27FC236}">
+                <a16:creationId xmlns:a16="http://schemas.microsoft.com/office/drawing/2014/main" id="{3ECA69A1-7536-43AC-85EF-C7106179F5ED}"/>
+              </a:ext>
+              <a:ext uri="{C183D7F6-B498-43B3-948B-1728B52AA6E4}">
+                <adec:decorative xmlns:adec="http://schemas.microsoft.com/office/drawing/2017/decorative" val="1"/>
+              </a:ext>
+            </a:extLst>
+          </p:cNvPr>
+          <p:cNvSpPr>
+            <a:spLocks noGrp="1" noRot="1" noChangeAspect="1" noMove="1" noResize="1" noEditPoints="1" noAdjustHandles="1" noChangeArrowheads="1" noChangeShapeType="1" noTextEdit="1"/>
+          </p:cNvSpPr>
+          <p:nvPr>
+            <p:extLst>
+              <p:ext uri="{386F3935-93C4-4BCD-93E2-E3B085C9AB24}">
+                <p16:designElem xmlns:p16="http://schemas.microsoft.com/office/powerpoint/2015/main" val="1"/>
+              </p:ext>
+            </p:extLst>
+          </p:nvPr>
+        </p:nvSpPr>
+        <p:spPr>
+          <a:xfrm flipH="1">
+            <a:off x="7604080" y="6453143"/>
+            <a:ext cx="814903" cy="404857"/>
+          </a:xfrm>
+          <a:prstGeom prst="triangle">
+            <a:avLst/>
+          </a:prstGeom>
+          <a:solidFill>
+            <a:schemeClr val="accent1">
+              <a:alpha val="30000"/>
+            </a:schemeClr>
+          </a:solidFill>
+          <a:ln>
+            <a:noFill/>
+          </a:ln>
+        </p:spPr>
+        <p:style>
+          <a:lnRef idx="2">
+            <a:schemeClr val="accent1">
+              <a:shade val="50000"/>
+            </a:schemeClr>
+          </a:lnRef>
+          <a:fillRef idx="1">
+            <a:schemeClr val="accent1"/>
+          </a:fillRef>
+          <a:effectRef idx="0">
+            <a:schemeClr val="accent1"/>
+          </a:effectRef>
+          <a:fontRef idx="minor">
+            <a:schemeClr val="lt1"/>
+          </a:fontRef>
+        </p:style>
+        <p:txBody>
+          <a:bodyPr rtlCol="0" anchor="ctr"/>
+          <a:lstStyle/>
+          <a:p>
+            <a:pPr algn="ctr"/>
+            <a:endParaRPr lang="en-US"/>
+          </a:p>
+        </p:txBody>
+      </p:sp>
+      <p:sp>
+        <p:nvSpPr>
+          <p:cNvPr id="2" name="Title 1">
+            <a:extLst>
+              <a:ext uri="{FF2B5EF4-FFF2-40B4-BE49-F238E27FC236}">
+                <a16:creationId xmlns:a16="http://schemas.microsoft.com/office/drawing/2014/main" id="{1728A245-1B48-D256-FEE6-8BCDE7CC4F8B}"/>
               </a:ext>
             </a:extLst>
           </p:cNvPr>
@@ -5956,17 +5077,55 @@
             <a:spLocks noGrp="1"/>
           </p:cNvSpPr>
           <p:nvPr>
-            <p:ph idx="1"/>
+            <p:ph type="title"/>
           </p:nvPr>
         </p:nvSpPr>
         <p:spPr>
           <a:xfrm>
-            <a:off x="640080" y="2872899"/>
-            <a:ext cx="4243589" cy="3320668"/>
+            <a:off x="838200" y="365125"/>
+            <a:ext cx="10515600" cy="1828444"/>
           </a:xfrm>
         </p:spPr>
         <p:txBody>
-          <a:bodyPr>
+          <a:bodyPr vert="horz" lIns="91440" tIns="45720" rIns="91440" bIns="45720" rtlCol="0" anchor="ctr">
+            <a:normAutofit/>
+          </a:bodyPr>
+          <a:lstStyle/>
+          <a:p>
+            <a:r>
+              <a:rPr lang="en-US" sz="5400" dirty="0">
+                <a:latin typeface="+mn-lt"/>
+                <a:cs typeface="Arial" panose="020B0604020202020204" pitchFamily="34" charset="0"/>
+              </a:rPr>
+              <a:t>Recommendations</a:t>
+            </a:r>
+          </a:p>
+        </p:txBody>
+      </p:sp>
+      <p:sp>
+        <p:nvSpPr>
+          <p:cNvPr id="3" name="Content Placeholder 2">
+            <a:extLst>
+              <a:ext uri="{FF2B5EF4-FFF2-40B4-BE49-F238E27FC236}">
+                <a16:creationId xmlns:a16="http://schemas.microsoft.com/office/drawing/2014/main" id="{E2891075-8E00-26B7-C3CB-42365B2C21D1}"/>
+              </a:ext>
+            </a:extLst>
+          </p:cNvPr>
+          <p:cNvSpPr>
+            <a:spLocks noGrp="1"/>
+          </p:cNvSpPr>
+          <p:nvPr>
+            <p:ph idx="1"/>
+          </p:nvPr>
+        </p:nvSpPr>
+        <p:spPr>
+          <a:xfrm>
+            <a:off x="838200" y="2233733"/>
+            <a:ext cx="5158427" cy="4094249"/>
+          </a:xfrm>
+        </p:spPr>
+        <p:txBody>
+          <a:bodyPr vert="horz" lIns="91440" tIns="45720" rIns="91440" bIns="45720" rtlCol="0">
             <a:noAutofit/>
           </a:bodyPr>
           <a:lstStyle/>
@@ -5976,8 +5135,8 @@
               <a:buChar char="q"/>
             </a:pPr>
             <a:r>
-              <a:rPr lang="en-US" sz="2200" dirty="0"/>
-              <a:t>Facilities Investments</a:t>
+              <a:rPr lang="en-US" dirty="0"/>
+              <a:t>Pricing Strategy</a:t>
             </a:r>
           </a:p>
           <a:p>
@@ -5986,8 +5145,211 @@
               <a:buChar char="Ø"/>
             </a:pPr>
             <a:r>
-              <a:rPr lang="en-US" sz="2200" dirty="0"/>
-              <a:t> close one least used run, which will not influence the revenue.</a:t>
+              <a:rPr lang="en-US" dirty="0"/>
+              <a:t>the model suggest the ticket price of Big Mountain should be $95.87±10.39, first increase the ticket price from $81 to $85.48 and monitor the increase of revenue and validate with sale information. If it continues, increase the price to maximum of $106.26.</a:t>
+            </a:r>
+          </a:p>
+        </p:txBody>
+      </p:sp>
+      <p:sp>
+        <p:nvSpPr>
+          <p:cNvPr id="4" name="Content Placeholder 2">
+            <a:extLst>
+              <a:ext uri="{FF2B5EF4-FFF2-40B4-BE49-F238E27FC236}">
+                <a16:creationId xmlns:a16="http://schemas.microsoft.com/office/drawing/2014/main" id="{F1F38405-87C4-2B69-11E2-DCD04826AEBE}"/>
+              </a:ext>
+            </a:extLst>
+          </p:cNvPr>
+          <p:cNvSpPr txBox="1">
+            <a:spLocks/>
+          </p:cNvSpPr>
+          <p:nvPr/>
+        </p:nvSpPr>
+        <p:spPr>
+          <a:xfrm>
+            <a:off x="6094476" y="2233732"/>
+            <a:ext cx="5164645" cy="4624267"/>
+          </a:xfrm>
+          <a:prstGeom prst="rect">
+            <a:avLst/>
+          </a:prstGeom>
+        </p:spPr>
+        <p:txBody>
+          <a:bodyPr vert="horz" lIns="91440" tIns="45720" rIns="91440" bIns="45720" rtlCol="0">
+            <a:noAutofit/>
+          </a:bodyPr>
+          <a:lstStyle>
+            <a:lvl1pPr marL="228600" indent="-228600" algn="l" defTabSz="914400" rtl="0" eaLnBrk="1" latinLnBrk="0" hangingPunct="1">
+              <a:lnSpc>
+                <a:spcPct val="90000"/>
+              </a:lnSpc>
+              <a:spcBef>
+                <a:spcPts val="1000"/>
+              </a:spcBef>
+              <a:buFont typeface="Arial" panose="020B0604020202020204" pitchFamily="34" charset="0"/>
+              <a:buChar char="•"/>
+              <a:defRPr sz="2800" kern="1200">
+                <a:solidFill>
+                  <a:schemeClr val="tx1"/>
+                </a:solidFill>
+                <a:latin typeface="+mn-lt"/>
+                <a:ea typeface="+mn-ea"/>
+                <a:cs typeface="+mn-cs"/>
+              </a:defRPr>
+            </a:lvl1pPr>
+            <a:lvl2pPr marL="685800" indent="-228600" algn="l" defTabSz="914400" rtl="0" eaLnBrk="1" latinLnBrk="0" hangingPunct="1">
+              <a:lnSpc>
+                <a:spcPct val="90000"/>
+              </a:lnSpc>
+              <a:spcBef>
+                <a:spcPts val="500"/>
+              </a:spcBef>
+              <a:buFont typeface="Arial" panose="020B0604020202020204" pitchFamily="34" charset="0"/>
+              <a:buChar char="•"/>
+              <a:defRPr sz="2400" kern="1200">
+                <a:solidFill>
+                  <a:schemeClr val="tx1"/>
+                </a:solidFill>
+                <a:latin typeface="+mn-lt"/>
+                <a:ea typeface="+mn-ea"/>
+                <a:cs typeface="+mn-cs"/>
+              </a:defRPr>
+            </a:lvl2pPr>
+            <a:lvl3pPr marL="1143000" indent="-228600" algn="l" defTabSz="914400" rtl="0" eaLnBrk="1" latinLnBrk="0" hangingPunct="1">
+              <a:lnSpc>
+                <a:spcPct val="90000"/>
+              </a:lnSpc>
+              <a:spcBef>
+                <a:spcPts val="500"/>
+              </a:spcBef>
+              <a:buFont typeface="Arial" panose="020B0604020202020204" pitchFamily="34" charset="0"/>
+              <a:buChar char="•"/>
+              <a:defRPr sz="2000" kern="1200">
+                <a:solidFill>
+                  <a:schemeClr val="tx1"/>
+                </a:solidFill>
+                <a:latin typeface="+mn-lt"/>
+                <a:ea typeface="+mn-ea"/>
+                <a:cs typeface="+mn-cs"/>
+              </a:defRPr>
+            </a:lvl3pPr>
+            <a:lvl4pPr marL="1600200" indent="-228600" algn="l" defTabSz="914400" rtl="0" eaLnBrk="1" latinLnBrk="0" hangingPunct="1">
+              <a:lnSpc>
+                <a:spcPct val="90000"/>
+              </a:lnSpc>
+              <a:spcBef>
+                <a:spcPts val="500"/>
+              </a:spcBef>
+              <a:buFont typeface="Arial" panose="020B0604020202020204" pitchFamily="34" charset="0"/>
+              <a:buChar char="•"/>
+              <a:defRPr sz="1800" kern="1200">
+                <a:solidFill>
+                  <a:schemeClr val="tx1"/>
+                </a:solidFill>
+                <a:latin typeface="+mn-lt"/>
+                <a:ea typeface="+mn-ea"/>
+                <a:cs typeface="+mn-cs"/>
+              </a:defRPr>
+            </a:lvl4pPr>
+            <a:lvl5pPr marL="2057400" indent="-228600" algn="l" defTabSz="914400" rtl="0" eaLnBrk="1" latinLnBrk="0" hangingPunct="1">
+              <a:lnSpc>
+                <a:spcPct val="90000"/>
+              </a:lnSpc>
+              <a:spcBef>
+                <a:spcPts val="500"/>
+              </a:spcBef>
+              <a:buFont typeface="Arial" panose="020B0604020202020204" pitchFamily="34" charset="0"/>
+              <a:buChar char="•"/>
+              <a:defRPr sz="1800" kern="1200">
+                <a:solidFill>
+                  <a:schemeClr val="tx1"/>
+                </a:solidFill>
+                <a:latin typeface="+mn-lt"/>
+                <a:ea typeface="+mn-ea"/>
+                <a:cs typeface="+mn-cs"/>
+              </a:defRPr>
+            </a:lvl5pPr>
+            <a:lvl6pPr marL="2514600" indent="-228600" algn="l" defTabSz="914400" rtl="0" eaLnBrk="1" latinLnBrk="0" hangingPunct="1">
+              <a:lnSpc>
+                <a:spcPct val="90000"/>
+              </a:lnSpc>
+              <a:spcBef>
+                <a:spcPts val="500"/>
+              </a:spcBef>
+              <a:buFont typeface="Arial" panose="020B0604020202020204" pitchFamily="34" charset="0"/>
+              <a:buChar char="•"/>
+              <a:defRPr sz="1800" kern="1200">
+                <a:solidFill>
+                  <a:schemeClr val="tx1"/>
+                </a:solidFill>
+                <a:latin typeface="+mn-lt"/>
+                <a:ea typeface="+mn-ea"/>
+                <a:cs typeface="+mn-cs"/>
+              </a:defRPr>
+            </a:lvl6pPr>
+            <a:lvl7pPr marL="2971800" indent="-228600" algn="l" defTabSz="914400" rtl="0" eaLnBrk="1" latinLnBrk="0" hangingPunct="1">
+              <a:lnSpc>
+                <a:spcPct val="90000"/>
+              </a:lnSpc>
+              <a:spcBef>
+                <a:spcPts val="500"/>
+              </a:spcBef>
+              <a:buFont typeface="Arial" panose="020B0604020202020204" pitchFamily="34" charset="0"/>
+              <a:buChar char="•"/>
+              <a:defRPr sz="1800" kern="1200">
+                <a:solidFill>
+                  <a:schemeClr val="tx1"/>
+                </a:solidFill>
+                <a:latin typeface="+mn-lt"/>
+                <a:ea typeface="+mn-ea"/>
+                <a:cs typeface="+mn-cs"/>
+              </a:defRPr>
+            </a:lvl7pPr>
+            <a:lvl8pPr marL="3429000" indent="-228600" algn="l" defTabSz="914400" rtl="0" eaLnBrk="1" latinLnBrk="0" hangingPunct="1">
+              <a:lnSpc>
+                <a:spcPct val="90000"/>
+              </a:lnSpc>
+              <a:spcBef>
+                <a:spcPts val="500"/>
+              </a:spcBef>
+              <a:buFont typeface="Arial" panose="020B0604020202020204" pitchFamily="34" charset="0"/>
+              <a:buChar char="•"/>
+              <a:defRPr sz="1800" kern="1200">
+                <a:solidFill>
+                  <a:schemeClr val="tx1"/>
+                </a:solidFill>
+                <a:latin typeface="+mn-lt"/>
+                <a:ea typeface="+mn-ea"/>
+                <a:cs typeface="+mn-cs"/>
+              </a:defRPr>
+            </a:lvl8pPr>
+            <a:lvl9pPr marL="3886200" indent="-228600" algn="l" defTabSz="914400" rtl="0" eaLnBrk="1" latinLnBrk="0" hangingPunct="1">
+              <a:lnSpc>
+                <a:spcPct val="90000"/>
+              </a:lnSpc>
+              <a:spcBef>
+                <a:spcPts val="500"/>
+              </a:spcBef>
+              <a:buFont typeface="Arial" panose="020B0604020202020204" pitchFamily="34" charset="0"/>
+              <a:buChar char="•"/>
+              <a:defRPr sz="1800" kern="1200">
+                <a:solidFill>
+                  <a:schemeClr val="tx1"/>
+                </a:solidFill>
+                <a:latin typeface="+mn-lt"/>
+                <a:ea typeface="+mn-ea"/>
+                <a:cs typeface="+mn-cs"/>
+              </a:defRPr>
+            </a:lvl9pPr>
+          </a:lstStyle>
+          <a:p>
+            <a:pPr>
+              <a:buFont typeface="Wingdings" pitchFamily="2" charset="2"/>
+              <a:buChar char="q"/>
+            </a:pPr>
+            <a:r>
+              <a:rPr lang="en-US" dirty="0"/>
+              <a:t>Facilities Investments</a:t>
             </a:r>
           </a:p>
           <a:p>
@@ -5996,8 +5358,28 @@
               <a:buChar char="Ø"/>
             </a:pPr>
             <a:r>
-              <a:rPr lang="en-US" sz="2200" dirty="0"/>
-              <a:t> increase the vertical drop by adding a run to a point 150 feet lower down with installation of an additional chair lift without additional snow making coverage, which will increase revenue roughly $3 million.</a:t>
+              <a:rPr lang="en-US" dirty="0"/>
+              <a:t>close one least used run.</a:t>
+            </a:r>
+          </a:p>
+          <a:p>
+            <a:pPr>
+              <a:buFont typeface="Wingdings" pitchFamily="2" charset="2"/>
+              <a:buChar char="Ø"/>
+            </a:pPr>
+            <a:r>
+              <a:rPr lang="en-US" dirty="0"/>
+              <a:t>close five least used run and monitor the reduce of operation cost and revenue changes.</a:t>
+            </a:r>
+          </a:p>
+          <a:p>
+            <a:pPr>
+              <a:buFont typeface="Wingdings" pitchFamily="2" charset="2"/>
+              <a:buChar char="Ø"/>
+            </a:pPr>
+            <a:r>
+              <a:rPr lang="en-US" dirty="0"/>
+              <a:t> increase the vertical drop by adding a run to a point 150 feet lower down with additional chair lift without snow making area change, which will increase revenue roughly $3 million.</a:t>
             </a:r>
           </a:p>
         </p:txBody>
@@ -6005,7 +5387,7 @@
     </p:spTree>
     <p:extLst>
       <p:ext uri="{BB962C8B-B14F-4D97-AF65-F5344CB8AC3E}">
-        <p14:creationId xmlns:p14="http://schemas.microsoft.com/office/powerpoint/2010/main" val="3146456457"/>
+        <p14:creationId xmlns:p14="http://schemas.microsoft.com/office/powerpoint/2010/main" val="952735841"/>
       </p:ext>
     </p:extLst>
   </p:cSld>
@@ -6221,11 +5603,7 @@
                                           </p:stCondLst>
                                         </p:cTn>
                                         <p:tgtEl>
-                                          <p:spTgt spid="3">
-                                            <p:txEl>
-                                              <p:pRg st="2" end="2"/>
-                                            </p:txEl>
-                                          </p:spTgt>
+                                          <p:spTgt spid="4"/>
                                         </p:tgtEl>
                                         <p:attrNameLst>
                                           <p:attrName>style.visibility</p:attrName>
@@ -6239,11 +5617,7 @@
                                       <p:cBhvr>
                                         <p:cTn id="22" dur="500"/>
                                         <p:tgtEl>
-                                          <p:spTgt spid="3">
-                                            <p:txEl>
-                                              <p:pRg st="2" end="2"/>
-                                            </p:txEl>
-                                          </p:spTgt>
+                                          <p:spTgt spid="4"/>
                                         </p:tgtEl>
                                       </p:cBhvr>
                                     </p:animEffect>
@@ -6280,12 +5654,13 @@
     <p:bldLst>
       <p:bldP spid="2" grpId="0"/>
       <p:bldP spid="3" grpId="0" build="p"/>
+      <p:bldP spid="4" grpId="0"/>
     </p:bldLst>
   </p:timing>
 </p:sld>
 </file>
 
-<file path=ppt/slides/slide5.xml><?xml version="1.0" encoding="utf-8"?>
+<file path=ppt/slides/slide4.xml><?xml version="1.0" encoding="utf-8"?>
 <p:sld xmlns:a="http://schemas.openxmlformats.org/drawingml/2006/main" xmlns:r="http://schemas.openxmlformats.org/officeDocument/2006/relationships" xmlns:p="http://schemas.openxmlformats.org/presentationml/2006/main">
   <p:cSld>
     <p:bg>
@@ -6310,12 +5685,561 @@
           <a:chExt cx="0" cy="0"/>
         </a:xfrm>
       </p:grpSpPr>
+      <p:sp>
+        <p:nvSpPr>
+          <p:cNvPr id="10" name="Rectangle 9">
+            <a:extLst>
+              <a:ext uri="{FF2B5EF4-FFF2-40B4-BE49-F238E27FC236}">
+                <a16:creationId xmlns:a16="http://schemas.microsoft.com/office/drawing/2014/main" id="{F3060C83-F051-4F0E-ABAD-AA0DFC48B218}"/>
+              </a:ext>
+              <a:ext uri="{C183D7F6-B498-43B3-948B-1728B52AA6E4}">
+                <adec:decorative xmlns:adec="http://schemas.microsoft.com/office/drawing/2017/decorative" val="1"/>
+              </a:ext>
+            </a:extLst>
+          </p:cNvPr>
+          <p:cNvSpPr>
+            <a:spLocks noGrp="1" noRot="1" noChangeAspect="1" noMove="1" noResize="1" noEditPoints="1" noAdjustHandles="1" noChangeArrowheads="1" noChangeShapeType="1" noTextEdit="1"/>
+          </p:cNvSpPr>
+          <p:nvPr>
+            <p:extLst>
+              <p:ext uri="{386F3935-93C4-4BCD-93E2-E3B085C9AB24}">
+                <p16:designElem xmlns:p16="http://schemas.microsoft.com/office/powerpoint/2015/main" val="1"/>
+              </p:ext>
+            </p:extLst>
+          </p:nvPr>
+        </p:nvSpPr>
+        <p:spPr>
+          <a:xfrm>
+            <a:off x="0" y="0"/>
+            <a:ext cx="12192000" cy="6858000"/>
+          </a:xfrm>
+          <a:prstGeom prst="rect">
+            <a:avLst/>
+          </a:prstGeom>
+          <a:solidFill>
+            <a:schemeClr val="bg1"/>
+          </a:solidFill>
+          <a:ln>
+            <a:noFill/>
+          </a:ln>
+        </p:spPr>
+        <p:style>
+          <a:lnRef idx="2">
+            <a:schemeClr val="accent1">
+              <a:shade val="50000"/>
+            </a:schemeClr>
+          </a:lnRef>
+          <a:fillRef idx="1">
+            <a:schemeClr val="accent1"/>
+          </a:fillRef>
+          <a:effectRef idx="0">
+            <a:schemeClr val="accent1"/>
+          </a:effectRef>
+          <a:fontRef idx="minor">
+            <a:schemeClr val="lt1"/>
+          </a:fontRef>
+        </p:style>
+        <p:txBody>
+          <a:bodyPr rtlCol="0" anchor="ctr"/>
+          <a:lstStyle/>
+          <a:p>
+            <a:pPr algn="ctr"/>
+            <a:endParaRPr lang="en-US" dirty="0"/>
+          </a:p>
+        </p:txBody>
+      </p:sp>
+      <p:sp>
+        <p:nvSpPr>
+          <p:cNvPr id="12" name="Freeform: Shape 11">
+            <a:extLst>
+              <a:ext uri="{FF2B5EF4-FFF2-40B4-BE49-F238E27FC236}">
+                <a16:creationId xmlns:a16="http://schemas.microsoft.com/office/drawing/2014/main" id="{83C98ABE-055B-441F-B07E-44F97F083C39}"/>
+              </a:ext>
+              <a:ext uri="{C183D7F6-B498-43B3-948B-1728B52AA6E4}">
+                <adec:decorative xmlns:adec="http://schemas.microsoft.com/office/drawing/2017/decorative" val="1"/>
+              </a:ext>
+            </a:extLst>
+          </p:cNvPr>
+          <p:cNvSpPr>
+            <a:spLocks noGrp="1" noRot="1" noChangeAspect="1" noMove="1" noResize="1" noEditPoints="1" noAdjustHandles="1" noChangeArrowheads="1" noChangeShapeType="1" noTextEdit="1"/>
+          </p:cNvSpPr>
+          <p:nvPr>
+            <p:extLst>
+              <p:ext uri="{386F3935-93C4-4BCD-93E2-E3B085C9AB24}">
+                <p16:designElem xmlns:p16="http://schemas.microsoft.com/office/powerpoint/2015/main" val="1"/>
+              </p:ext>
+            </p:extLst>
+          </p:nvPr>
+        </p:nvSpPr>
+        <p:spPr>
+          <a:xfrm rot="18900000" flipH="1">
+            <a:off x="-376156" y="-253670"/>
+            <a:ext cx="1827638" cy="1376989"/>
+          </a:xfrm>
+          <a:custGeom>
+            <a:avLst/>
+            <a:gdLst>
+              <a:gd name="connsiteX0" fmla="*/ 0 w 1827638"/>
+              <a:gd name="connsiteY0" fmla="*/ 987379 h 1376989"/>
+              <a:gd name="connsiteX1" fmla="*/ 987379 w 1827638"/>
+              <a:gd name="connsiteY1" fmla="*/ 0 h 1376989"/>
+              <a:gd name="connsiteX2" fmla="*/ 1827638 w 1827638"/>
+              <a:gd name="connsiteY2" fmla="*/ 840260 h 1376989"/>
+              <a:gd name="connsiteX3" fmla="*/ 1827638 w 1827638"/>
+              <a:gd name="connsiteY3" fmla="*/ 1376989 h 1376989"/>
+              <a:gd name="connsiteX4" fmla="*/ 0 w 1827638"/>
+              <a:gd name="connsiteY4" fmla="*/ 1376989 h 1376989"/>
+            </a:gdLst>
+            <a:ahLst/>
+            <a:cxnLst>
+              <a:cxn ang="0">
+                <a:pos x="connsiteX0" y="connsiteY0"/>
+              </a:cxn>
+              <a:cxn ang="0">
+                <a:pos x="connsiteX1" y="connsiteY1"/>
+              </a:cxn>
+              <a:cxn ang="0">
+                <a:pos x="connsiteX2" y="connsiteY2"/>
+              </a:cxn>
+              <a:cxn ang="0">
+                <a:pos x="connsiteX3" y="connsiteY3"/>
+              </a:cxn>
+              <a:cxn ang="0">
+                <a:pos x="connsiteX4" y="connsiteY4"/>
+              </a:cxn>
+            </a:cxnLst>
+            <a:rect l="l" t="t" r="r" b="b"/>
+            <a:pathLst>
+              <a:path w="1827638" h="1376989">
+                <a:moveTo>
+                  <a:pt x="0" y="987379"/>
+                </a:moveTo>
+                <a:lnTo>
+                  <a:pt x="987379" y="0"/>
+                </a:lnTo>
+                <a:lnTo>
+                  <a:pt x="1827638" y="840260"/>
+                </a:lnTo>
+                <a:lnTo>
+                  <a:pt x="1827638" y="1376989"/>
+                </a:lnTo>
+                <a:lnTo>
+                  <a:pt x="0" y="1376989"/>
+                </a:lnTo>
+                <a:close/>
+              </a:path>
+            </a:pathLst>
+          </a:custGeom>
+          <a:solidFill>
+            <a:schemeClr val="accent1">
+              <a:alpha val="30000"/>
+            </a:schemeClr>
+          </a:solidFill>
+          <a:ln>
+            <a:noFill/>
+          </a:ln>
+        </p:spPr>
+        <p:style>
+          <a:lnRef idx="2">
+            <a:schemeClr val="accent1">
+              <a:shade val="50000"/>
+            </a:schemeClr>
+          </a:lnRef>
+          <a:fillRef idx="1">
+            <a:schemeClr val="accent1"/>
+          </a:fillRef>
+          <a:effectRef idx="0">
+            <a:schemeClr val="accent1"/>
+          </a:effectRef>
+          <a:fontRef idx="minor">
+            <a:schemeClr val="lt1"/>
+          </a:fontRef>
+        </p:style>
+        <p:txBody>
+          <a:bodyPr rtlCol="0" anchor="ctr"/>
+          <a:lstStyle/>
+          <a:p>
+            <a:pPr algn="ctr"/>
+            <a:endParaRPr lang="en-US" dirty="0"/>
+          </a:p>
+        </p:txBody>
+      </p:sp>
+      <p:sp>
+        <p:nvSpPr>
+          <p:cNvPr id="14" name="Rectangle 13">
+            <a:extLst>
+              <a:ext uri="{FF2B5EF4-FFF2-40B4-BE49-F238E27FC236}">
+                <a16:creationId xmlns:a16="http://schemas.microsoft.com/office/drawing/2014/main" id="{29FDB030-9B49-4CED-8CCD-4D99382388AC}"/>
+              </a:ext>
+              <a:ext uri="{C183D7F6-B498-43B3-948B-1728B52AA6E4}">
+                <adec:decorative xmlns:adec="http://schemas.microsoft.com/office/drawing/2017/decorative" val="1"/>
+              </a:ext>
+            </a:extLst>
+          </p:cNvPr>
+          <p:cNvSpPr>
+            <a:spLocks noGrp="1" noRot="1" noChangeAspect="1" noMove="1" noResize="1" noEditPoints="1" noAdjustHandles="1" noChangeArrowheads="1" noChangeShapeType="1" noTextEdit="1"/>
+          </p:cNvSpPr>
+          <p:nvPr>
+            <p:extLst>
+              <p:ext uri="{386F3935-93C4-4BCD-93E2-E3B085C9AB24}">
+                <p16:designElem xmlns:p16="http://schemas.microsoft.com/office/powerpoint/2015/main" val="1"/>
+              </p:ext>
+            </p:extLst>
+          </p:nvPr>
+        </p:nvSpPr>
+        <p:spPr>
+          <a:xfrm rot="18900000" flipH="1">
+            <a:off x="891641" y="422146"/>
+            <a:ext cx="645368" cy="645368"/>
+          </a:xfrm>
+          <a:prstGeom prst="rect">
+            <a:avLst/>
+          </a:prstGeom>
+          <a:solidFill>
+            <a:schemeClr val="accent1">
+              <a:alpha val="30000"/>
+            </a:schemeClr>
+          </a:solidFill>
+          <a:ln>
+            <a:noFill/>
+          </a:ln>
+        </p:spPr>
+        <p:style>
+          <a:lnRef idx="2">
+            <a:schemeClr val="accent1">
+              <a:shade val="50000"/>
+            </a:schemeClr>
+          </a:lnRef>
+          <a:fillRef idx="1">
+            <a:schemeClr val="accent1"/>
+          </a:fillRef>
+          <a:effectRef idx="0">
+            <a:schemeClr val="accent1"/>
+          </a:effectRef>
+          <a:fontRef idx="minor">
+            <a:schemeClr val="lt1"/>
+          </a:fontRef>
+        </p:style>
+        <p:txBody>
+          <a:bodyPr rtlCol="0" anchor="ctr"/>
+          <a:lstStyle/>
+          <a:p>
+            <a:pPr algn="ctr"/>
+            <a:endParaRPr lang="en-US"/>
+          </a:p>
+        </p:txBody>
+      </p:sp>
+      <p:sp>
+        <p:nvSpPr>
+          <p:cNvPr id="16" name="Rectangle 15">
+            <a:extLst>
+              <a:ext uri="{FF2B5EF4-FFF2-40B4-BE49-F238E27FC236}">
+                <a16:creationId xmlns:a16="http://schemas.microsoft.com/office/drawing/2014/main" id="{3783CA14-24A1-485C-8B30-D6A5D87987AD}"/>
+              </a:ext>
+              <a:ext uri="{C183D7F6-B498-43B3-948B-1728B52AA6E4}">
+                <adec:decorative xmlns:adec="http://schemas.microsoft.com/office/drawing/2017/decorative" val="1"/>
+              </a:ext>
+            </a:extLst>
+          </p:cNvPr>
+          <p:cNvSpPr>
+            <a:spLocks noGrp="1" noRot="1" noChangeAspect="1" noMove="1" noResize="1" noEditPoints="1" noAdjustHandles="1" noChangeArrowheads="1" noChangeShapeType="1" noTextEdit="1"/>
+          </p:cNvSpPr>
+          <p:nvPr>
+            <p:extLst>
+              <p:ext uri="{386F3935-93C4-4BCD-93E2-E3B085C9AB24}">
+                <p16:designElem xmlns:p16="http://schemas.microsoft.com/office/powerpoint/2015/main" val="1"/>
+              </p:ext>
+            </p:extLst>
+          </p:nvPr>
+        </p:nvSpPr>
+        <p:spPr>
+          <a:xfrm rot="18900000" flipH="1">
+            <a:off x="10043482" y="655140"/>
+            <a:ext cx="687472" cy="687472"/>
+          </a:xfrm>
+          <a:prstGeom prst="rect">
+            <a:avLst/>
+          </a:prstGeom>
+          <a:solidFill>
+            <a:schemeClr val="accent4">
+              <a:alpha val="30000"/>
+            </a:schemeClr>
+          </a:solidFill>
+          <a:ln>
+            <a:noFill/>
+          </a:ln>
+        </p:spPr>
+        <p:style>
+          <a:lnRef idx="2">
+            <a:schemeClr val="accent1">
+              <a:shade val="50000"/>
+            </a:schemeClr>
+          </a:lnRef>
+          <a:fillRef idx="1">
+            <a:schemeClr val="accent1"/>
+          </a:fillRef>
+          <a:effectRef idx="0">
+            <a:schemeClr val="accent1"/>
+          </a:effectRef>
+          <a:fontRef idx="minor">
+            <a:schemeClr val="lt1"/>
+          </a:fontRef>
+        </p:style>
+        <p:txBody>
+          <a:bodyPr rtlCol="0" anchor="ctr"/>
+          <a:lstStyle/>
+          <a:p>
+            <a:pPr algn="ctr"/>
+            <a:endParaRPr lang="en-US"/>
+          </a:p>
+        </p:txBody>
+      </p:sp>
+      <p:sp>
+        <p:nvSpPr>
+          <p:cNvPr id="18" name="Freeform: Shape 17">
+            <a:extLst>
+              <a:ext uri="{FF2B5EF4-FFF2-40B4-BE49-F238E27FC236}">
+                <a16:creationId xmlns:a16="http://schemas.microsoft.com/office/drawing/2014/main" id="{9A97C86A-04D6-40F7-AE84-31AB43E6A846}"/>
+              </a:ext>
+              <a:ext uri="{C183D7F6-B498-43B3-948B-1728B52AA6E4}">
+                <adec:decorative xmlns:adec="http://schemas.microsoft.com/office/drawing/2017/decorative" val="1"/>
+              </a:ext>
+            </a:extLst>
+          </p:cNvPr>
+          <p:cNvSpPr>
+            <a:spLocks noGrp="1" noRot="1" noChangeAspect="1" noMove="1" noResize="1" noEditPoints="1" noAdjustHandles="1" noChangeArrowheads="1" noChangeShapeType="1" noTextEdit="1"/>
+          </p:cNvSpPr>
+          <p:nvPr>
+            <p:extLst>
+              <p:ext uri="{386F3935-93C4-4BCD-93E2-E3B085C9AB24}">
+                <p16:designElem xmlns:p16="http://schemas.microsoft.com/office/powerpoint/2015/main" val="1"/>
+              </p:ext>
+            </p:extLst>
+          </p:nvPr>
+        </p:nvSpPr>
+        <p:spPr>
+          <a:xfrm rot="10800000" flipH="1">
+            <a:off x="9356643" y="0"/>
+            <a:ext cx="2835357" cy="1480837"/>
+          </a:xfrm>
+          <a:custGeom>
+            <a:avLst/>
+            <a:gdLst>
+              <a:gd name="connsiteX0" fmla="*/ 2835357 w 2835357"/>
+              <a:gd name="connsiteY0" fmla="*/ 1480837 h 1480837"/>
+              <a:gd name="connsiteX1" fmla="*/ 0 w 2835357"/>
+              <a:gd name="connsiteY1" fmla="*/ 1480837 h 1480837"/>
+              <a:gd name="connsiteX2" fmla="*/ 1552727 w 2835357"/>
+              <a:gd name="connsiteY2" fmla="*/ 0 h 1480837"/>
+              <a:gd name="connsiteX3" fmla="*/ 2835357 w 2835357"/>
+              <a:gd name="connsiteY3" fmla="*/ 1223245 h 1480837"/>
+            </a:gdLst>
+            <a:ahLst/>
+            <a:cxnLst>
+              <a:cxn ang="0">
+                <a:pos x="connsiteX0" y="connsiteY0"/>
+              </a:cxn>
+              <a:cxn ang="0">
+                <a:pos x="connsiteX1" y="connsiteY1"/>
+              </a:cxn>
+              <a:cxn ang="0">
+                <a:pos x="connsiteX2" y="connsiteY2"/>
+              </a:cxn>
+              <a:cxn ang="0">
+                <a:pos x="connsiteX3" y="connsiteY3"/>
+              </a:cxn>
+            </a:cxnLst>
+            <a:rect l="l" t="t" r="r" b="b"/>
+            <a:pathLst>
+              <a:path w="2835357" h="1480837">
+                <a:moveTo>
+                  <a:pt x="2835357" y="1480837"/>
+                </a:moveTo>
+                <a:lnTo>
+                  <a:pt x="0" y="1480837"/>
+                </a:lnTo>
+                <a:lnTo>
+                  <a:pt x="1552727" y="0"/>
+                </a:lnTo>
+                <a:lnTo>
+                  <a:pt x="2835357" y="1223245"/>
+                </a:lnTo>
+                <a:close/>
+              </a:path>
+            </a:pathLst>
+          </a:custGeom>
+          <a:solidFill>
+            <a:schemeClr val="accent4">
+              <a:alpha val="30000"/>
+            </a:schemeClr>
+          </a:solidFill>
+          <a:ln>
+            <a:noFill/>
+          </a:ln>
+        </p:spPr>
+        <p:style>
+          <a:lnRef idx="2">
+            <a:schemeClr val="accent1">
+              <a:shade val="50000"/>
+            </a:schemeClr>
+          </a:lnRef>
+          <a:fillRef idx="1">
+            <a:schemeClr val="accent1"/>
+          </a:fillRef>
+          <a:effectRef idx="0">
+            <a:schemeClr val="accent1"/>
+          </a:effectRef>
+          <a:fontRef idx="minor">
+            <a:schemeClr val="lt1"/>
+          </a:fontRef>
+        </p:style>
+        <p:txBody>
+          <a:bodyPr wrap="square" rtlCol="0" anchor="ctr">
+            <a:noAutofit/>
+          </a:bodyPr>
+          <a:lstStyle/>
+          <a:p>
+            <a:pPr algn="ctr"/>
+            <a:endParaRPr lang="en-US" dirty="0"/>
+          </a:p>
+        </p:txBody>
+      </p:sp>
+      <p:sp>
+        <p:nvSpPr>
+          <p:cNvPr id="20" name="Isosceles Triangle 19">
+            <a:extLst>
+              <a:ext uri="{FF2B5EF4-FFF2-40B4-BE49-F238E27FC236}">
+                <a16:creationId xmlns:a16="http://schemas.microsoft.com/office/drawing/2014/main" id="{FF9F2414-84E8-453E-B1F3-389FDE8192D9}"/>
+              </a:ext>
+              <a:ext uri="{C183D7F6-B498-43B3-948B-1728B52AA6E4}">
+                <adec:decorative xmlns:adec="http://schemas.microsoft.com/office/drawing/2017/decorative" val="1"/>
+              </a:ext>
+            </a:extLst>
+          </p:cNvPr>
+          <p:cNvSpPr>
+            <a:spLocks noGrp="1" noRot="1" noChangeAspect="1" noMove="1" noResize="1" noEditPoints="1" noAdjustHandles="1" noChangeArrowheads="1" noChangeShapeType="1" noTextEdit="1"/>
+          </p:cNvSpPr>
+          <p:nvPr>
+            <p:extLst>
+              <p:ext uri="{386F3935-93C4-4BCD-93E2-E3B085C9AB24}">
+                <p16:designElem xmlns:p16="http://schemas.microsoft.com/office/powerpoint/2015/main" val="1"/>
+              </p:ext>
+            </p:extLst>
+          </p:nvPr>
+        </p:nvSpPr>
+        <p:spPr>
+          <a:xfrm flipH="1">
+            <a:off x="7976344" y="6115501"/>
+            <a:ext cx="1494513" cy="742499"/>
+          </a:xfrm>
+          <a:prstGeom prst="triangle">
+            <a:avLst/>
+          </a:prstGeom>
+          <a:solidFill>
+            <a:schemeClr val="accent1">
+              <a:alpha val="30000"/>
+            </a:schemeClr>
+          </a:solidFill>
+          <a:ln>
+            <a:noFill/>
+          </a:ln>
+        </p:spPr>
+        <p:style>
+          <a:lnRef idx="2">
+            <a:schemeClr val="accent1">
+              <a:shade val="50000"/>
+            </a:schemeClr>
+          </a:lnRef>
+          <a:fillRef idx="1">
+            <a:schemeClr val="accent1"/>
+          </a:fillRef>
+          <a:effectRef idx="0">
+            <a:schemeClr val="accent1"/>
+          </a:effectRef>
+          <a:fontRef idx="minor">
+            <a:schemeClr val="lt1"/>
+          </a:fontRef>
+        </p:style>
+        <p:txBody>
+          <a:bodyPr rtlCol="0" anchor="ctr"/>
+          <a:lstStyle/>
+          <a:p>
+            <a:pPr algn="ctr"/>
+            <a:endParaRPr lang="en-US"/>
+          </a:p>
+        </p:txBody>
+      </p:sp>
+      <p:sp>
+        <p:nvSpPr>
+          <p:cNvPr id="22" name="Isosceles Triangle 21">
+            <a:extLst>
+              <a:ext uri="{FF2B5EF4-FFF2-40B4-BE49-F238E27FC236}">
+                <a16:creationId xmlns:a16="http://schemas.microsoft.com/office/drawing/2014/main" id="{3ECA69A1-7536-43AC-85EF-C7106179F5ED}"/>
+              </a:ext>
+              <a:ext uri="{C183D7F6-B498-43B3-948B-1728B52AA6E4}">
+                <adec:decorative xmlns:adec="http://schemas.microsoft.com/office/drawing/2017/decorative" val="1"/>
+              </a:ext>
+            </a:extLst>
+          </p:cNvPr>
+          <p:cNvSpPr>
+            <a:spLocks noGrp="1" noRot="1" noChangeAspect="1" noMove="1" noResize="1" noEditPoints="1" noAdjustHandles="1" noChangeArrowheads="1" noChangeShapeType="1" noTextEdit="1"/>
+          </p:cNvSpPr>
+          <p:nvPr>
+            <p:extLst>
+              <p:ext uri="{386F3935-93C4-4BCD-93E2-E3B085C9AB24}">
+                <p16:designElem xmlns:p16="http://schemas.microsoft.com/office/powerpoint/2015/main" val="1"/>
+              </p:ext>
+            </p:extLst>
+          </p:nvPr>
+        </p:nvSpPr>
+        <p:spPr>
+          <a:xfrm flipH="1">
+            <a:off x="7604080" y="6453143"/>
+            <a:ext cx="814903" cy="404857"/>
+          </a:xfrm>
+          <a:prstGeom prst="triangle">
+            <a:avLst/>
+          </a:prstGeom>
+          <a:solidFill>
+            <a:schemeClr val="accent1">
+              <a:alpha val="30000"/>
+            </a:schemeClr>
+          </a:solidFill>
+          <a:ln>
+            <a:noFill/>
+          </a:ln>
+        </p:spPr>
+        <p:style>
+          <a:lnRef idx="2">
+            <a:schemeClr val="accent1">
+              <a:shade val="50000"/>
+            </a:schemeClr>
+          </a:lnRef>
+          <a:fillRef idx="1">
+            <a:schemeClr val="accent1"/>
+          </a:fillRef>
+          <a:effectRef idx="0">
+            <a:schemeClr val="accent1"/>
+          </a:effectRef>
+          <a:fontRef idx="minor">
+            <a:schemeClr val="lt1"/>
+          </a:fontRef>
+        </p:style>
+        <p:txBody>
+          <a:bodyPr rtlCol="0" anchor="ctr"/>
+          <a:lstStyle/>
+          <a:p>
+            <a:pPr algn="ctr"/>
+            <a:endParaRPr lang="en-US"/>
+          </a:p>
+        </p:txBody>
+      </p:sp>
       <p:pic>
         <p:nvPicPr>
-          <p:cNvPr id="15" name="Picture 14" descr="A graph of a number of blue and red bars&#10;&#10;Description automatically generated">
-            <a:extLst>
-              <a:ext uri="{FF2B5EF4-FFF2-40B4-BE49-F238E27FC236}">
-                <a16:creationId xmlns:a16="http://schemas.microsoft.com/office/drawing/2014/main" id="{D7CEA2D1-EA7A-EE38-42A1-E047C1A0A9A0}"/>
+          <p:cNvPr id="2" name="Picture 1" descr="A graph of a number of blue and red bars&#10;&#10;Description automatically generated">
+            <a:extLst>
+              <a:ext uri="{FF2B5EF4-FFF2-40B4-BE49-F238E27FC236}">
+                <a16:creationId xmlns:a16="http://schemas.microsoft.com/office/drawing/2014/main" id="{E10CFBBC-F81D-2A21-B61E-8223D4576A55}"/>
               </a:ext>
             </a:extLst>
           </p:cNvPr>
@@ -6342,10 +6266,10 @@
       </p:pic>
       <p:pic>
         <p:nvPicPr>
-          <p:cNvPr id="17" name="Picture 16" descr="A graph of a bar graph&#10;&#10;Description automatically generated with medium confidence">
-            <a:extLst>
-              <a:ext uri="{FF2B5EF4-FFF2-40B4-BE49-F238E27FC236}">
-                <a16:creationId xmlns:a16="http://schemas.microsoft.com/office/drawing/2014/main" id="{22F6911D-9F7A-FC6F-9D83-444A81D709D8}"/>
+          <p:cNvPr id="3" name="Picture 2" descr="A graph of a bar graph&#10;&#10;Description automatically generated with medium confidence">
+            <a:extLst>
+              <a:ext uri="{FF2B5EF4-FFF2-40B4-BE49-F238E27FC236}">
+                <a16:creationId xmlns:a16="http://schemas.microsoft.com/office/drawing/2014/main" id="{A88BAB62-C1B3-1DB5-41CC-71576E9486BF}"/>
               </a:ext>
             </a:extLst>
           </p:cNvPr>
@@ -6372,10 +6296,10 @@
       </p:pic>
       <p:sp>
         <p:nvSpPr>
-          <p:cNvPr id="18" name="Title 1">
-            <a:extLst>
-              <a:ext uri="{FF2B5EF4-FFF2-40B4-BE49-F238E27FC236}">
-                <a16:creationId xmlns:a16="http://schemas.microsoft.com/office/drawing/2014/main" id="{AC7E46E1-A036-8216-7765-2CBE689D1ACC}"/>
+          <p:cNvPr id="4" name="Title 1">
+            <a:extLst>
+              <a:ext uri="{FF2B5EF4-FFF2-40B4-BE49-F238E27FC236}">
+                <a16:creationId xmlns:a16="http://schemas.microsoft.com/office/drawing/2014/main" id="{96EC6140-051C-F6C5-5562-8A3821F05830}"/>
               </a:ext>
             </a:extLst>
           </p:cNvPr>
@@ -6409,10 +6333,10 @@
       </p:sp>
       <p:sp>
         <p:nvSpPr>
-          <p:cNvPr id="19" name="Title 1">
-            <a:extLst>
-              <a:ext uri="{FF2B5EF4-FFF2-40B4-BE49-F238E27FC236}">
-                <a16:creationId xmlns:a16="http://schemas.microsoft.com/office/drawing/2014/main" id="{CC99FE75-516F-3DCE-6080-7FE02D010618}"/>
+          <p:cNvPr id="6" name="Title 1">
+            <a:extLst>
+              <a:ext uri="{FF2B5EF4-FFF2-40B4-BE49-F238E27FC236}">
+                <a16:creationId xmlns:a16="http://schemas.microsoft.com/office/drawing/2014/main" id="{C57A64DF-93FF-F784-5BF1-68B448FE12B9}"/>
               </a:ext>
             </a:extLst>
           </p:cNvPr>
@@ -6466,7 +6390,7 @@
     </p:spTree>
     <p:extLst>
       <p:ext uri="{BB962C8B-B14F-4D97-AF65-F5344CB8AC3E}">
-        <p14:creationId xmlns:p14="http://schemas.microsoft.com/office/powerpoint/2010/main" val="2009463096"/>
+        <p14:creationId xmlns:p14="http://schemas.microsoft.com/office/powerpoint/2010/main" val="2243286638"/>
       </p:ext>
     </p:extLst>
   </p:cSld>
@@ -6507,7 +6431,7 @@
                                           </p:stCondLst>
                                         </p:cTn>
                                         <p:tgtEl>
-                                          <p:spTgt spid="18"/>
+                                          <p:spTgt spid="4"/>
                                         </p:tgtEl>
                                         <p:attrNameLst>
                                           <p:attrName>style.visibility</p:attrName>
@@ -6521,7 +6445,7 @@
                                       <p:cBhvr>
                                         <p:cTn id="7" dur="500"/>
                                         <p:tgtEl>
-                                          <p:spTgt spid="18"/>
+                                          <p:spTgt spid="4"/>
                                         </p:tgtEl>
                                       </p:cBhvr>
                                     </p:animEffect>
@@ -6560,7 +6484,7 @@
                                           </p:stCondLst>
                                         </p:cTn>
                                         <p:tgtEl>
-                                          <p:spTgt spid="19"/>
+                                          <p:spTgt spid="6"/>
                                         </p:tgtEl>
                                         <p:attrNameLst>
                                           <p:attrName>style.visibility</p:attrName>
@@ -6574,7 +6498,7 @@
                                       <p:cBhvr>
                                         <p:cTn id="12" dur="500"/>
                                         <p:tgtEl>
-                                          <p:spTgt spid="19"/>
+                                          <p:spTgt spid="6"/>
                                         </p:tgtEl>
                                       </p:cBhvr>
                                     </p:animEffect>
@@ -6609,16 +6533,24 @@
       </p:par>
     </p:tnLst>
     <p:bldLst>
-      <p:bldP spid="18" grpId="0"/>
-      <p:bldP spid="19" grpId="0"/>
+      <p:bldP spid="4" grpId="0"/>
+      <p:bldP spid="6" grpId="0"/>
     </p:bldLst>
   </p:timing>
 </p:sld>
 </file>
 
-<file path=ppt/slides/slide6.xml><?xml version="1.0" encoding="utf-8"?>
+<file path=ppt/slides/slide5.xml><?xml version="1.0" encoding="utf-8"?>
 <p:sld xmlns:a="http://schemas.openxmlformats.org/drawingml/2006/main" xmlns:r="http://schemas.openxmlformats.org/officeDocument/2006/relationships" xmlns:p="http://schemas.openxmlformats.org/presentationml/2006/main">
   <p:cSld>
+    <p:bg>
+      <p:bgPr>
+        <a:solidFill>
+          <a:schemeClr val="bg1"/>
+        </a:solidFill>
+        <a:effectLst/>
+      </p:bgPr>
+    </p:bg>
     <p:spTree>
       <p:nvGrpSpPr>
         <p:cNvPr id="1" name=""/>
@@ -6633,12 +6565,561 @@
           <a:chExt cx="0" cy="0"/>
         </a:xfrm>
       </p:grpSpPr>
+      <p:sp>
+        <p:nvSpPr>
+          <p:cNvPr id="10" name="Rectangle 9">
+            <a:extLst>
+              <a:ext uri="{FF2B5EF4-FFF2-40B4-BE49-F238E27FC236}">
+                <a16:creationId xmlns:a16="http://schemas.microsoft.com/office/drawing/2014/main" id="{F3060C83-F051-4F0E-ABAD-AA0DFC48B218}"/>
+              </a:ext>
+              <a:ext uri="{C183D7F6-B498-43B3-948B-1728B52AA6E4}">
+                <adec:decorative xmlns:adec="http://schemas.microsoft.com/office/drawing/2017/decorative" val="1"/>
+              </a:ext>
+            </a:extLst>
+          </p:cNvPr>
+          <p:cNvSpPr>
+            <a:spLocks noGrp="1" noRot="1" noChangeAspect="1" noMove="1" noResize="1" noEditPoints="1" noAdjustHandles="1" noChangeArrowheads="1" noChangeShapeType="1" noTextEdit="1"/>
+          </p:cNvSpPr>
+          <p:nvPr>
+            <p:extLst>
+              <p:ext uri="{386F3935-93C4-4BCD-93E2-E3B085C9AB24}">
+                <p16:designElem xmlns:p16="http://schemas.microsoft.com/office/powerpoint/2015/main" val="1"/>
+              </p:ext>
+            </p:extLst>
+          </p:nvPr>
+        </p:nvSpPr>
+        <p:spPr>
+          <a:xfrm>
+            <a:off x="0" y="0"/>
+            <a:ext cx="12192000" cy="6858000"/>
+          </a:xfrm>
+          <a:prstGeom prst="rect">
+            <a:avLst/>
+          </a:prstGeom>
+          <a:solidFill>
+            <a:schemeClr val="bg1"/>
+          </a:solidFill>
+          <a:ln>
+            <a:noFill/>
+          </a:ln>
+        </p:spPr>
+        <p:style>
+          <a:lnRef idx="2">
+            <a:schemeClr val="accent1">
+              <a:shade val="50000"/>
+            </a:schemeClr>
+          </a:lnRef>
+          <a:fillRef idx="1">
+            <a:schemeClr val="accent1"/>
+          </a:fillRef>
+          <a:effectRef idx="0">
+            <a:schemeClr val="accent1"/>
+          </a:effectRef>
+          <a:fontRef idx="minor">
+            <a:schemeClr val="lt1"/>
+          </a:fontRef>
+        </p:style>
+        <p:txBody>
+          <a:bodyPr rtlCol="0" anchor="ctr"/>
+          <a:lstStyle/>
+          <a:p>
+            <a:pPr algn="ctr"/>
+            <a:endParaRPr lang="en-US" dirty="0"/>
+          </a:p>
+        </p:txBody>
+      </p:sp>
+      <p:sp>
+        <p:nvSpPr>
+          <p:cNvPr id="12" name="Freeform: Shape 11">
+            <a:extLst>
+              <a:ext uri="{FF2B5EF4-FFF2-40B4-BE49-F238E27FC236}">
+                <a16:creationId xmlns:a16="http://schemas.microsoft.com/office/drawing/2014/main" id="{83C98ABE-055B-441F-B07E-44F97F083C39}"/>
+              </a:ext>
+              <a:ext uri="{C183D7F6-B498-43B3-948B-1728B52AA6E4}">
+                <adec:decorative xmlns:adec="http://schemas.microsoft.com/office/drawing/2017/decorative" val="1"/>
+              </a:ext>
+            </a:extLst>
+          </p:cNvPr>
+          <p:cNvSpPr>
+            <a:spLocks noGrp="1" noRot="1" noChangeAspect="1" noMove="1" noResize="1" noEditPoints="1" noAdjustHandles="1" noChangeArrowheads="1" noChangeShapeType="1" noTextEdit="1"/>
+          </p:cNvSpPr>
+          <p:nvPr>
+            <p:extLst>
+              <p:ext uri="{386F3935-93C4-4BCD-93E2-E3B085C9AB24}">
+                <p16:designElem xmlns:p16="http://schemas.microsoft.com/office/powerpoint/2015/main" val="1"/>
+              </p:ext>
+            </p:extLst>
+          </p:nvPr>
+        </p:nvSpPr>
+        <p:spPr>
+          <a:xfrm rot="18900000" flipH="1">
+            <a:off x="-376156" y="-253670"/>
+            <a:ext cx="1827638" cy="1376989"/>
+          </a:xfrm>
+          <a:custGeom>
+            <a:avLst/>
+            <a:gdLst>
+              <a:gd name="connsiteX0" fmla="*/ 0 w 1827638"/>
+              <a:gd name="connsiteY0" fmla="*/ 987379 h 1376989"/>
+              <a:gd name="connsiteX1" fmla="*/ 987379 w 1827638"/>
+              <a:gd name="connsiteY1" fmla="*/ 0 h 1376989"/>
+              <a:gd name="connsiteX2" fmla="*/ 1827638 w 1827638"/>
+              <a:gd name="connsiteY2" fmla="*/ 840260 h 1376989"/>
+              <a:gd name="connsiteX3" fmla="*/ 1827638 w 1827638"/>
+              <a:gd name="connsiteY3" fmla="*/ 1376989 h 1376989"/>
+              <a:gd name="connsiteX4" fmla="*/ 0 w 1827638"/>
+              <a:gd name="connsiteY4" fmla="*/ 1376989 h 1376989"/>
+            </a:gdLst>
+            <a:ahLst/>
+            <a:cxnLst>
+              <a:cxn ang="0">
+                <a:pos x="connsiteX0" y="connsiteY0"/>
+              </a:cxn>
+              <a:cxn ang="0">
+                <a:pos x="connsiteX1" y="connsiteY1"/>
+              </a:cxn>
+              <a:cxn ang="0">
+                <a:pos x="connsiteX2" y="connsiteY2"/>
+              </a:cxn>
+              <a:cxn ang="0">
+                <a:pos x="connsiteX3" y="connsiteY3"/>
+              </a:cxn>
+              <a:cxn ang="0">
+                <a:pos x="connsiteX4" y="connsiteY4"/>
+              </a:cxn>
+            </a:cxnLst>
+            <a:rect l="l" t="t" r="r" b="b"/>
+            <a:pathLst>
+              <a:path w="1827638" h="1376989">
+                <a:moveTo>
+                  <a:pt x="0" y="987379"/>
+                </a:moveTo>
+                <a:lnTo>
+                  <a:pt x="987379" y="0"/>
+                </a:lnTo>
+                <a:lnTo>
+                  <a:pt x="1827638" y="840260"/>
+                </a:lnTo>
+                <a:lnTo>
+                  <a:pt x="1827638" y="1376989"/>
+                </a:lnTo>
+                <a:lnTo>
+                  <a:pt x="0" y="1376989"/>
+                </a:lnTo>
+                <a:close/>
+              </a:path>
+            </a:pathLst>
+          </a:custGeom>
+          <a:solidFill>
+            <a:schemeClr val="accent1">
+              <a:alpha val="30000"/>
+            </a:schemeClr>
+          </a:solidFill>
+          <a:ln>
+            <a:noFill/>
+          </a:ln>
+        </p:spPr>
+        <p:style>
+          <a:lnRef idx="2">
+            <a:schemeClr val="accent1">
+              <a:shade val="50000"/>
+            </a:schemeClr>
+          </a:lnRef>
+          <a:fillRef idx="1">
+            <a:schemeClr val="accent1"/>
+          </a:fillRef>
+          <a:effectRef idx="0">
+            <a:schemeClr val="accent1"/>
+          </a:effectRef>
+          <a:fontRef idx="minor">
+            <a:schemeClr val="lt1"/>
+          </a:fontRef>
+        </p:style>
+        <p:txBody>
+          <a:bodyPr rtlCol="0" anchor="ctr"/>
+          <a:lstStyle/>
+          <a:p>
+            <a:pPr algn="ctr"/>
+            <a:endParaRPr lang="en-US" dirty="0"/>
+          </a:p>
+        </p:txBody>
+      </p:sp>
+      <p:sp>
+        <p:nvSpPr>
+          <p:cNvPr id="14" name="Rectangle 13">
+            <a:extLst>
+              <a:ext uri="{FF2B5EF4-FFF2-40B4-BE49-F238E27FC236}">
+                <a16:creationId xmlns:a16="http://schemas.microsoft.com/office/drawing/2014/main" id="{29FDB030-9B49-4CED-8CCD-4D99382388AC}"/>
+              </a:ext>
+              <a:ext uri="{C183D7F6-B498-43B3-948B-1728B52AA6E4}">
+                <adec:decorative xmlns:adec="http://schemas.microsoft.com/office/drawing/2017/decorative" val="1"/>
+              </a:ext>
+            </a:extLst>
+          </p:cNvPr>
+          <p:cNvSpPr>
+            <a:spLocks noGrp="1" noRot="1" noChangeAspect="1" noMove="1" noResize="1" noEditPoints="1" noAdjustHandles="1" noChangeArrowheads="1" noChangeShapeType="1" noTextEdit="1"/>
+          </p:cNvSpPr>
+          <p:nvPr>
+            <p:extLst>
+              <p:ext uri="{386F3935-93C4-4BCD-93E2-E3B085C9AB24}">
+                <p16:designElem xmlns:p16="http://schemas.microsoft.com/office/powerpoint/2015/main" val="1"/>
+              </p:ext>
+            </p:extLst>
+          </p:nvPr>
+        </p:nvSpPr>
+        <p:spPr>
+          <a:xfrm rot="18900000" flipH="1">
+            <a:off x="891641" y="422146"/>
+            <a:ext cx="645368" cy="645368"/>
+          </a:xfrm>
+          <a:prstGeom prst="rect">
+            <a:avLst/>
+          </a:prstGeom>
+          <a:solidFill>
+            <a:schemeClr val="accent1">
+              <a:alpha val="30000"/>
+            </a:schemeClr>
+          </a:solidFill>
+          <a:ln>
+            <a:noFill/>
+          </a:ln>
+        </p:spPr>
+        <p:style>
+          <a:lnRef idx="2">
+            <a:schemeClr val="accent1">
+              <a:shade val="50000"/>
+            </a:schemeClr>
+          </a:lnRef>
+          <a:fillRef idx="1">
+            <a:schemeClr val="accent1"/>
+          </a:fillRef>
+          <a:effectRef idx="0">
+            <a:schemeClr val="accent1"/>
+          </a:effectRef>
+          <a:fontRef idx="minor">
+            <a:schemeClr val="lt1"/>
+          </a:fontRef>
+        </p:style>
+        <p:txBody>
+          <a:bodyPr rtlCol="0" anchor="ctr"/>
+          <a:lstStyle/>
+          <a:p>
+            <a:pPr algn="ctr"/>
+            <a:endParaRPr lang="en-US"/>
+          </a:p>
+        </p:txBody>
+      </p:sp>
+      <p:sp>
+        <p:nvSpPr>
+          <p:cNvPr id="16" name="Rectangle 15">
+            <a:extLst>
+              <a:ext uri="{FF2B5EF4-FFF2-40B4-BE49-F238E27FC236}">
+                <a16:creationId xmlns:a16="http://schemas.microsoft.com/office/drawing/2014/main" id="{3783CA14-24A1-485C-8B30-D6A5D87987AD}"/>
+              </a:ext>
+              <a:ext uri="{C183D7F6-B498-43B3-948B-1728B52AA6E4}">
+                <adec:decorative xmlns:adec="http://schemas.microsoft.com/office/drawing/2017/decorative" val="1"/>
+              </a:ext>
+            </a:extLst>
+          </p:cNvPr>
+          <p:cNvSpPr>
+            <a:spLocks noGrp="1" noRot="1" noChangeAspect="1" noMove="1" noResize="1" noEditPoints="1" noAdjustHandles="1" noChangeArrowheads="1" noChangeShapeType="1" noTextEdit="1"/>
+          </p:cNvSpPr>
+          <p:nvPr>
+            <p:extLst>
+              <p:ext uri="{386F3935-93C4-4BCD-93E2-E3B085C9AB24}">
+                <p16:designElem xmlns:p16="http://schemas.microsoft.com/office/powerpoint/2015/main" val="1"/>
+              </p:ext>
+            </p:extLst>
+          </p:nvPr>
+        </p:nvSpPr>
+        <p:spPr>
+          <a:xfrm rot="18900000" flipH="1">
+            <a:off x="10043482" y="655140"/>
+            <a:ext cx="687472" cy="687472"/>
+          </a:xfrm>
+          <a:prstGeom prst="rect">
+            <a:avLst/>
+          </a:prstGeom>
+          <a:solidFill>
+            <a:schemeClr val="accent4">
+              <a:alpha val="30000"/>
+            </a:schemeClr>
+          </a:solidFill>
+          <a:ln>
+            <a:noFill/>
+          </a:ln>
+        </p:spPr>
+        <p:style>
+          <a:lnRef idx="2">
+            <a:schemeClr val="accent1">
+              <a:shade val="50000"/>
+            </a:schemeClr>
+          </a:lnRef>
+          <a:fillRef idx="1">
+            <a:schemeClr val="accent1"/>
+          </a:fillRef>
+          <a:effectRef idx="0">
+            <a:schemeClr val="accent1"/>
+          </a:effectRef>
+          <a:fontRef idx="minor">
+            <a:schemeClr val="lt1"/>
+          </a:fontRef>
+        </p:style>
+        <p:txBody>
+          <a:bodyPr rtlCol="0" anchor="ctr"/>
+          <a:lstStyle/>
+          <a:p>
+            <a:pPr algn="ctr"/>
+            <a:endParaRPr lang="en-US"/>
+          </a:p>
+        </p:txBody>
+      </p:sp>
+      <p:sp>
+        <p:nvSpPr>
+          <p:cNvPr id="18" name="Freeform: Shape 17">
+            <a:extLst>
+              <a:ext uri="{FF2B5EF4-FFF2-40B4-BE49-F238E27FC236}">
+                <a16:creationId xmlns:a16="http://schemas.microsoft.com/office/drawing/2014/main" id="{9A97C86A-04D6-40F7-AE84-31AB43E6A846}"/>
+              </a:ext>
+              <a:ext uri="{C183D7F6-B498-43B3-948B-1728B52AA6E4}">
+                <adec:decorative xmlns:adec="http://schemas.microsoft.com/office/drawing/2017/decorative" val="1"/>
+              </a:ext>
+            </a:extLst>
+          </p:cNvPr>
+          <p:cNvSpPr>
+            <a:spLocks noGrp="1" noRot="1" noChangeAspect="1" noMove="1" noResize="1" noEditPoints="1" noAdjustHandles="1" noChangeArrowheads="1" noChangeShapeType="1" noTextEdit="1"/>
+          </p:cNvSpPr>
+          <p:nvPr>
+            <p:extLst>
+              <p:ext uri="{386F3935-93C4-4BCD-93E2-E3B085C9AB24}">
+                <p16:designElem xmlns:p16="http://schemas.microsoft.com/office/powerpoint/2015/main" val="1"/>
+              </p:ext>
+            </p:extLst>
+          </p:nvPr>
+        </p:nvSpPr>
+        <p:spPr>
+          <a:xfrm rot="10800000" flipH="1">
+            <a:off x="9356643" y="0"/>
+            <a:ext cx="2835357" cy="1480837"/>
+          </a:xfrm>
+          <a:custGeom>
+            <a:avLst/>
+            <a:gdLst>
+              <a:gd name="connsiteX0" fmla="*/ 2835357 w 2835357"/>
+              <a:gd name="connsiteY0" fmla="*/ 1480837 h 1480837"/>
+              <a:gd name="connsiteX1" fmla="*/ 0 w 2835357"/>
+              <a:gd name="connsiteY1" fmla="*/ 1480837 h 1480837"/>
+              <a:gd name="connsiteX2" fmla="*/ 1552727 w 2835357"/>
+              <a:gd name="connsiteY2" fmla="*/ 0 h 1480837"/>
+              <a:gd name="connsiteX3" fmla="*/ 2835357 w 2835357"/>
+              <a:gd name="connsiteY3" fmla="*/ 1223245 h 1480837"/>
+            </a:gdLst>
+            <a:ahLst/>
+            <a:cxnLst>
+              <a:cxn ang="0">
+                <a:pos x="connsiteX0" y="connsiteY0"/>
+              </a:cxn>
+              <a:cxn ang="0">
+                <a:pos x="connsiteX1" y="connsiteY1"/>
+              </a:cxn>
+              <a:cxn ang="0">
+                <a:pos x="connsiteX2" y="connsiteY2"/>
+              </a:cxn>
+              <a:cxn ang="0">
+                <a:pos x="connsiteX3" y="connsiteY3"/>
+              </a:cxn>
+            </a:cxnLst>
+            <a:rect l="l" t="t" r="r" b="b"/>
+            <a:pathLst>
+              <a:path w="2835357" h="1480837">
+                <a:moveTo>
+                  <a:pt x="2835357" y="1480837"/>
+                </a:moveTo>
+                <a:lnTo>
+                  <a:pt x="0" y="1480837"/>
+                </a:lnTo>
+                <a:lnTo>
+                  <a:pt x="1552727" y="0"/>
+                </a:lnTo>
+                <a:lnTo>
+                  <a:pt x="2835357" y="1223245"/>
+                </a:lnTo>
+                <a:close/>
+              </a:path>
+            </a:pathLst>
+          </a:custGeom>
+          <a:solidFill>
+            <a:schemeClr val="accent4">
+              <a:alpha val="30000"/>
+            </a:schemeClr>
+          </a:solidFill>
+          <a:ln>
+            <a:noFill/>
+          </a:ln>
+        </p:spPr>
+        <p:style>
+          <a:lnRef idx="2">
+            <a:schemeClr val="accent1">
+              <a:shade val="50000"/>
+            </a:schemeClr>
+          </a:lnRef>
+          <a:fillRef idx="1">
+            <a:schemeClr val="accent1"/>
+          </a:fillRef>
+          <a:effectRef idx="0">
+            <a:schemeClr val="accent1"/>
+          </a:effectRef>
+          <a:fontRef idx="minor">
+            <a:schemeClr val="lt1"/>
+          </a:fontRef>
+        </p:style>
+        <p:txBody>
+          <a:bodyPr wrap="square" rtlCol="0" anchor="ctr">
+            <a:noAutofit/>
+          </a:bodyPr>
+          <a:lstStyle/>
+          <a:p>
+            <a:pPr algn="ctr"/>
+            <a:endParaRPr lang="en-US" dirty="0"/>
+          </a:p>
+        </p:txBody>
+      </p:sp>
+      <p:sp>
+        <p:nvSpPr>
+          <p:cNvPr id="20" name="Isosceles Triangle 19">
+            <a:extLst>
+              <a:ext uri="{FF2B5EF4-FFF2-40B4-BE49-F238E27FC236}">
+                <a16:creationId xmlns:a16="http://schemas.microsoft.com/office/drawing/2014/main" id="{FF9F2414-84E8-453E-B1F3-389FDE8192D9}"/>
+              </a:ext>
+              <a:ext uri="{C183D7F6-B498-43B3-948B-1728B52AA6E4}">
+                <adec:decorative xmlns:adec="http://schemas.microsoft.com/office/drawing/2017/decorative" val="1"/>
+              </a:ext>
+            </a:extLst>
+          </p:cNvPr>
+          <p:cNvSpPr>
+            <a:spLocks noGrp="1" noRot="1" noChangeAspect="1" noMove="1" noResize="1" noEditPoints="1" noAdjustHandles="1" noChangeArrowheads="1" noChangeShapeType="1" noTextEdit="1"/>
+          </p:cNvSpPr>
+          <p:nvPr>
+            <p:extLst>
+              <p:ext uri="{386F3935-93C4-4BCD-93E2-E3B085C9AB24}">
+                <p16:designElem xmlns:p16="http://schemas.microsoft.com/office/powerpoint/2015/main" val="1"/>
+              </p:ext>
+            </p:extLst>
+          </p:nvPr>
+        </p:nvSpPr>
+        <p:spPr>
+          <a:xfrm flipH="1">
+            <a:off x="7976344" y="6115501"/>
+            <a:ext cx="1494513" cy="742499"/>
+          </a:xfrm>
+          <a:prstGeom prst="triangle">
+            <a:avLst/>
+          </a:prstGeom>
+          <a:solidFill>
+            <a:schemeClr val="accent1">
+              <a:alpha val="30000"/>
+            </a:schemeClr>
+          </a:solidFill>
+          <a:ln>
+            <a:noFill/>
+          </a:ln>
+        </p:spPr>
+        <p:style>
+          <a:lnRef idx="2">
+            <a:schemeClr val="accent1">
+              <a:shade val="50000"/>
+            </a:schemeClr>
+          </a:lnRef>
+          <a:fillRef idx="1">
+            <a:schemeClr val="accent1"/>
+          </a:fillRef>
+          <a:effectRef idx="0">
+            <a:schemeClr val="accent1"/>
+          </a:effectRef>
+          <a:fontRef idx="minor">
+            <a:schemeClr val="lt1"/>
+          </a:fontRef>
+        </p:style>
+        <p:txBody>
+          <a:bodyPr rtlCol="0" anchor="ctr"/>
+          <a:lstStyle/>
+          <a:p>
+            <a:pPr algn="ctr"/>
+            <a:endParaRPr lang="en-US"/>
+          </a:p>
+        </p:txBody>
+      </p:sp>
+      <p:sp>
+        <p:nvSpPr>
+          <p:cNvPr id="22" name="Isosceles Triangle 21">
+            <a:extLst>
+              <a:ext uri="{FF2B5EF4-FFF2-40B4-BE49-F238E27FC236}">
+                <a16:creationId xmlns:a16="http://schemas.microsoft.com/office/drawing/2014/main" id="{3ECA69A1-7536-43AC-85EF-C7106179F5ED}"/>
+              </a:ext>
+              <a:ext uri="{C183D7F6-B498-43B3-948B-1728B52AA6E4}">
+                <adec:decorative xmlns:adec="http://schemas.microsoft.com/office/drawing/2017/decorative" val="1"/>
+              </a:ext>
+            </a:extLst>
+          </p:cNvPr>
+          <p:cNvSpPr>
+            <a:spLocks noGrp="1" noRot="1" noChangeAspect="1" noMove="1" noResize="1" noEditPoints="1" noAdjustHandles="1" noChangeArrowheads="1" noChangeShapeType="1" noTextEdit="1"/>
+          </p:cNvSpPr>
+          <p:nvPr>
+            <p:extLst>
+              <p:ext uri="{386F3935-93C4-4BCD-93E2-E3B085C9AB24}">
+                <p16:designElem xmlns:p16="http://schemas.microsoft.com/office/powerpoint/2015/main" val="1"/>
+              </p:ext>
+            </p:extLst>
+          </p:nvPr>
+        </p:nvSpPr>
+        <p:spPr>
+          <a:xfrm flipH="1">
+            <a:off x="7604080" y="6453143"/>
+            <a:ext cx="814903" cy="404857"/>
+          </a:xfrm>
+          <a:prstGeom prst="triangle">
+            <a:avLst/>
+          </a:prstGeom>
+          <a:solidFill>
+            <a:schemeClr val="accent1">
+              <a:alpha val="30000"/>
+            </a:schemeClr>
+          </a:solidFill>
+          <a:ln>
+            <a:noFill/>
+          </a:ln>
+        </p:spPr>
+        <p:style>
+          <a:lnRef idx="2">
+            <a:schemeClr val="accent1">
+              <a:shade val="50000"/>
+            </a:schemeClr>
+          </a:lnRef>
+          <a:fillRef idx="1">
+            <a:schemeClr val="accent1"/>
+          </a:fillRef>
+          <a:effectRef idx="0">
+            <a:schemeClr val="accent1"/>
+          </a:effectRef>
+          <a:fontRef idx="minor">
+            <a:schemeClr val="lt1"/>
+          </a:fontRef>
+        </p:style>
+        <p:txBody>
+          <a:bodyPr rtlCol="0" anchor="ctr"/>
+          <a:lstStyle/>
+          <a:p>
+            <a:pPr algn="ctr"/>
+            <a:endParaRPr lang="en-US"/>
+          </a:p>
+        </p:txBody>
+      </p:sp>
       <p:pic>
         <p:nvPicPr>
-          <p:cNvPr id="15" name="Picture 14">
-            <a:extLst>
-              <a:ext uri="{FF2B5EF4-FFF2-40B4-BE49-F238E27FC236}">
-                <a16:creationId xmlns:a16="http://schemas.microsoft.com/office/drawing/2014/main" id="{D7CEA2D1-EA7A-EE38-42A1-E047C1A0A9A0}"/>
+          <p:cNvPr id="2" name="Picture 1">
+            <a:extLst>
+              <a:ext uri="{FF2B5EF4-FFF2-40B4-BE49-F238E27FC236}">
+                <a16:creationId xmlns:a16="http://schemas.microsoft.com/office/drawing/2014/main" id="{051BFC47-9B83-EE31-3143-6829A82C88BE}"/>
               </a:ext>
             </a:extLst>
           </p:cNvPr>
@@ -6654,7 +7135,7 @@
         </p:blipFill>
         <p:spPr>
           <a:xfrm>
-            <a:off x="6437437" y="226196"/>
+            <a:off x="6433204" y="226196"/>
             <a:ext cx="5758796" cy="3195079"/>
           </a:xfrm>
           <a:prstGeom prst="rect">
@@ -6664,10 +7145,10 @@
       </p:pic>
       <p:pic>
         <p:nvPicPr>
-          <p:cNvPr id="17" name="Picture 16">
-            <a:extLst>
-              <a:ext uri="{FF2B5EF4-FFF2-40B4-BE49-F238E27FC236}">
-                <a16:creationId xmlns:a16="http://schemas.microsoft.com/office/drawing/2014/main" id="{22F6911D-9F7A-FC6F-9D83-444A81D709D8}"/>
+          <p:cNvPr id="3" name="Picture 2">
+            <a:extLst>
+              <a:ext uri="{FF2B5EF4-FFF2-40B4-BE49-F238E27FC236}">
+                <a16:creationId xmlns:a16="http://schemas.microsoft.com/office/drawing/2014/main" id="{4AAD68C9-5AAF-75E3-1CBB-C2F1AA8D824F}"/>
               </a:ext>
             </a:extLst>
           </p:cNvPr>
@@ -6683,7 +7164,7 @@
         </p:blipFill>
         <p:spPr>
           <a:xfrm>
-            <a:off x="6437437" y="3664743"/>
+            <a:off x="6433204" y="3664743"/>
             <a:ext cx="5754564" cy="3192731"/>
           </a:xfrm>
           <a:prstGeom prst="rect">
@@ -6693,10 +7174,10 @@
       </p:pic>
       <p:sp>
         <p:nvSpPr>
-          <p:cNvPr id="18" name="Title 1">
-            <a:extLst>
-              <a:ext uri="{FF2B5EF4-FFF2-40B4-BE49-F238E27FC236}">
-                <a16:creationId xmlns:a16="http://schemas.microsoft.com/office/drawing/2014/main" id="{AC7E46E1-A036-8216-7765-2CBE689D1ACC}"/>
+          <p:cNvPr id="4" name="Title 1">
+            <a:extLst>
+              <a:ext uri="{FF2B5EF4-FFF2-40B4-BE49-F238E27FC236}">
+                <a16:creationId xmlns:a16="http://schemas.microsoft.com/office/drawing/2014/main" id="{A840EB78-DFB4-6DB5-7F6A-67BD7DF8C20A}"/>
               </a:ext>
             </a:extLst>
           </p:cNvPr>
@@ -6709,7 +7190,7 @@
         </p:nvSpPr>
         <p:spPr>
           <a:xfrm>
-            <a:off x="488519" y="959948"/>
+            <a:off x="484286" y="959948"/>
             <a:ext cx="5266045" cy="1727574"/>
           </a:xfrm>
         </p:spPr>
@@ -6730,10 +7211,10 @@
       </p:sp>
       <p:sp>
         <p:nvSpPr>
-          <p:cNvPr id="19" name="Title 1">
-            <a:extLst>
-              <a:ext uri="{FF2B5EF4-FFF2-40B4-BE49-F238E27FC236}">
-                <a16:creationId xmlns:a16="http://schemas.microsoft.com/office/drawing/2014/main" id="{CC99FE75-516F-3DCE-6080-7FE02D010618}"/>
+          <p:cNvPr id="6" name="Title 1">
+            <a:extLst>
+              <a:ext uri="{FF2B5EF4-FFF2-40B4-BE49-F238E27FC236}">
+                <a16:creationId xmlns:a16="http://schemas.microsoft.com/office/drawing/2014/main" id="{B3A45ECB-C8DA-E847-8BF9-61F0062A3774}"/>
               </a:ext>
             </a:extLst>
           </p:cNvPr>
@@ -6744,7 +7225,7 @@
         </p:nvSpPr>
         <p:spPr>
           <a:xfrm>
-            <a:off x="488519" y="4634562"/>
+            <a:off x="484286" y="4634562"/>
             <a:ext cx="5266045" cy="1253092"/>
           </a:xfrm>
           <a:prstGeom prst="rect">
@@ -6787,7 +7268,7 @@
     </p:spTree>
     <p:extLst>
       <p:ext uri="{BB962C8B-B14F-4D97-AF65-F5344CB8AC3E}">
-        <p14:creationId xmlns:p14="http://schemas.microsoft.com/office/powerpoint/2010/main" val="1713891478"/>
+        <p14:creationId xmlns:p14="http://schemas.microsoft.com/office/powerpoint/2010/main" val="2926262402"/>
       </p:ext>
     </p:extLst>
   </p:cSld>
@@ -6828,7 +7309,7 @@
                                           </p:stCondLst>
                                         </p:cTn>
                                         <p:tgtEl>
-                                          <p:spTgt spid="18"/>
+                                          <p:spTgt spid="4"/>
                                         </p:tgtEl>
                                         <p:attrNameLst>
                                           <p:attrName>style.visibility</p:attrName>
@@ -6842,7 +7323,7 @@
                                       <p:cBhvr>
                                         <p:cTn id="7" dur="500"/>
                                         <p:tgtEl>
-                                          <p:spTgt spid="18"/>
+                                          <p:spTgt spid="4"/>
                                         </p:tgtEl>
                                       </p:cBhvr>
                                     </p:animEffect>
@@ -6881,7 +7362,7 @@
                                           </p:stCondLst>
                                         </p:cTn>
                                         <p:tgtEl>
-                                          <p:spTgt spid="19"/>
+                                          <p:spTgt spid="6"/>
                                         </p:tgtEl>
                                         <p:attrNameLst>
                                           <p:attrName>style.visibility</p:attrName>
@@ -6895,7 +7376,7 @@
                                       <p:cBhvr>
                                         <p:cTn id="12" dur="500"/>
                                         <p:tgtEl>
-                                          <p:spTgt spid="19"/>
+                                          <p:spTgt spid="6"/>
                                         </p:tgtEl>
                                       </p:cBhvr>
                                     </p:animEffect>
@@ -6930,16 +7411,24 @@
       </p:par>
     </p:tnLst>
     <p:bldLst>
-      <p:bldP spid="18" grpId="0"/>
-      <p:bldP spid="19" grpId="0"/>
+      <p:bldP spid="4" grpId="0"/>
+      <p:bldP spid="6" grpId="0"/>
     </p:bldLst>
   </p:timing>
 </p:sld>
 </file>
 
-<file path=ppt/slides/slide7.xml><?xml version="1.0" encoding="utf-8"?>
+<file path=ppt/slides/slide6.xml><?xml version="1.0" encoding="utf-8"?>
 <p:sld xmlns:a="http://schemas.openxmlformats.org/drawingml/2006/main" xmlns:r="http://schemas.openxmlformats.org/officeDocument/2006/relationships" xmlns:p="http://schemas.openxmlformats.org/presentationml/2006/main">
   <p:cSld>
+    <p:bg>
+      <p:bgPr>
+        <a:solidFill>
+          <a:schemeClr val="bg1"/>
+        </a:solidFill>
+        <a:effectLst/>
+      </p:bgPr>
+    </p:bg>
     <p:spTree>
       <p:nvGrpSpPr>
         <p:cNvPr id="1" name=""/>
@@ -6954,12 +7443,561 @@
           <a:chExt cx="0" cy="0"/>
         </a:xfrm>
       </p:grpSpPr>
+      <p:sp>
+        <p:nvSpPr>
+          <p:cNvPr id="10" name="Rectangle 9">
+            <a:extLst>
+              <a:ext uri="{FF2B5EF4-FFF2-40B4-BE49-F238E27FC236}">
+                <a16:creationId xmlns:a16="http://schemas.microsoft.com/office/drawing/2014/main" id="{F3060C83-F051-4F0E-ABAD-AA0DFC48B218}"/>
+              </a:ext>
+              <a:ext uri="{C183D7F6-B498-43B3-948B-1728B52AA6E4}">
+                <adec:decorative xmlns:adec="http://schemas.microsoft.com/office/drawing/2017/decorative" val="1"/>
+              </a:ext>
+            </a:extLst>
+          </p:cNvPr>
+          <p:cNvSpPr>
+            <a:spLocks noGrp="1" noRot="1" noChangeAspect="1" noMove="1" noResize="1" noEditPoints="1" noAdjustHandles="1" noChangeArrowheads="1" noChangeShapeType="1" noTextEdit="1"/>
+          </p:cNvSpPr>
+          <p:nvPr>
+            <p:extLst>
+              <p:ext uri="{386F3935-93C4-4BCD-93E2-E3B085C9AB24}">
+                <p16:designElem xmlns:p16="http://schemas.microsoft.com/office/powerpoint/2015/main" val="1"/>
+              </p:ext>
+            </p:extLst>
+          </p:nvPr>
+        </p:nvSpPr>
+        <p:spPr>
+          <a:xfrm>
+            <a:off x="0" y="0"/>
+            <a:ext cx="12192000" cy="6858000"/>
+          </a:xfrm>
+          <a:prstGeom prst="rect">
+            <a:avLst/>
+          </a:prstGeom>
+          <a:solidFill>
+            <a:schemeClr val="bg1"/>
+          </a:solidFill>
+          <a:ln>
+            <a:noFill/>
+          </a:ln>
+        </p:spPr>
+        <p:style>
+          <a:lnRef idx="2">
+            <a:schemeClr val="accent1">
+              <a:shade val="50000"/>
+            </a:schemeClr>
+          </a:lnRef>
+          <a:fillRef idx="1">
+            <a:schemeClr val="accent1"/>
+          </a:fillRef>
+          <a:effectRef idx="0">
+            <a:schemeClr val="accent1"/>
+          </a:effectRef>
+          <a:fontRef idx="minor">
+            <a:schemeClr val="lt1"/>
+          </a:fontRef>
+        </p:style>
+        <p:txBody>
+          <a:bodyPr rtlCol="0" anchor="ctr"/>
+          <a:lstStyle/>
+          <a:p>
+            <a:pPr algn="ctr"/>
+            <a:endParaRPr lang="en-US" dirty="0"/>
+          </a:p>
+        </p:txBody>
+      </p:sp>
+      <p:sp>
+        <p:nvSpPr>
+          <p:cNvPr id="12" name="Freeform: Shape 11">
+            <a:extLst>
+              <a:ext uri="{FF2B5EF4-FFF2-40B4-BE49-F238E27FC236}">
+                <a16:creationId xmlns:a16="http://schemas.microsoft.com/office/drawing/2014/main" id="{83C98ABE-055B-441F-B07E-44F97F083C39}"/>
+              </a:ext>
+              <a:ext uri="{C183D7F6-B498-43B3-948B-1728B52AA6E4}">
+                <adec:decorative xmlns:adec="http://schemas.microsoft.com/office/drawing/2017/decorative" val="1"/>
+              </a:ext>
+            </a:extLst>
+          </p:cNvPr>
+          <p:cNvSpPr>
+            <a:spLocks noGrp="1" noRot="1" noChangeAspect="1" noMove="1" noResize="1" noEditPoints="1" noAdjustHandles="1" noChangeArrowheads="1" noChangeShapeType="1" noTextEdit="1"/>
+          </p:cNvSpPr>
+          <p:nvPr>
+            <p:extLst>
+              <p:ext uri="{386F3935-93C4-4BCD-93E2-E3B085C9AB24}">
+                <p16:designElem xmlns:p16="http://schemas.microsoft.com/office/powerpoint/2015/main" val="1"/>
+              </p:ext>
+            </p:extLst>
+          </p:nvPr>
+        </p:nvSpPr>
+        <p:spPr>
+          <a:xfrm rot="18900000" flipH="1">
+            <a:off x="-376156" y="-253670"/>
+            <a:ext cx="1827638" cy="1376989"/>
+          </a:xfrm>
+          <a:custGeom>
+            <a:avLst/>
+            <a:gdLst>
+              <a:gd name="connsiteX0" fmla="*/ 0 w 1827638"/>
+              <a:gd name="connsiteY0" fmla="*/ 987379 h 1376989"/>
+              <a:gd name="connsiteX1" fmla="*/ 987379 w 1827638"/>
+              <a:gd name="connsiteY1" fmla="*/ 0 h 1376989"/>
+              <a:gd name="connsiteX2" fmla="*/ 1827638 w 1827638"/>
+              <a:gd name="connsiteY2" fmla="*/ 840260 h 1376989"/>
+              <a:gd name="connsiteX3" fmla="*/ 1827638 w 1827638"/>
+              <a:gd name="connsiteY3" fmla="*/ 1376989 h 1376989"/>
+              <a:gd name="connsiteX4" fmla="*/ 0 w 1827638"/>
+              <a:gd name="connsiteY4" fmla="*/ 1376989 h 1376989"/>
+            </a:gdLst>
+            <a:ahLst/>
+            <a:cxnLst>
+              <a:cxn ang="0">
+                <a:pos x="connsiteX0" y="connsiteY0"/>
+              </a:cxn>
+              <a:cxn ang="0">
+                <a:pos x="connsiteX1" y="connsiteY1"/>
+              </a:cxn>
+              <a:cxn ang="0">
+                <a:pos x="connsiteX2" y="connsiteY2"/>
+              </a:cxn>
+              <a:cxn ang="0">
+                <a:pos x="connsiteX3" y="connsiteY3"/>
+              </a:cxn>
+              <a:cxn ang="0">
+                <a:pos x="connsiteX4" y="connsiteY4"/>
+              </a:cxn>
+            </a:cxnLst>
+            <a:rect l="l" t="t" r="r" b="b"/>
+            <a:pathLst>
+              <a:path w="1827638" h="1376989">
+                <a:moveTo>
+                  <a:pt x="0" y="987379"/>
+                </a:moveTo>
+                <a:lnTo>
+                  <a:pt x="987379" y="0"/>
+                </a:lnTo>
+                <a:lnTo>
+                  <a:pt x="1827638" y="840260"/>
+                </a:lnTo>
+                <a:lnTo>
+                  <a:pt x="1827638" y="1376989"/>
+                </a:lnTo>
+                <a:lnTo>
+                  <a:pt x="0" y="1376989"/>
+                </a:lnTo>
+                <a:close/>
+              </a:path>
+            </a:pathLst>
+          </a:custGeom>
+          <a:solidFill>
+            <a:schemeClr val="accent1">
+              <a:alpha val="30000"/>
+            </a:schemeClr>
+          </a:solidFill>
+          <a:ln>
+            <a:noFill/>
+          </a:ln>
+        </p:spPr>
+        <p:style>
+          <a:lnRef idx="2">
+            <a:schemeClr val="accent1">
+              <a:shade val="50000"/>
+            </a:schemeClr>
+          </a:lnRef>
+          <a:fillRef idx="1">
+            <a:schemeClr val="accent1"/>
+          </a:fillRef>
+          <a:effectRef idx="0">
+            <a:schemeClr val="accent1"/>
+          </a:effectRef>
+          <a:fontRef idx="minor">
+            <a:schemeClr val="lt1"/>
+          </a:fontRef>
+        </p:style>
+        <p:txBody>
+          <a:bodyPr rtlCol="0" anchor="ctr"/>
+          <a:lstStyle/>
+          <a:p>
+            <a:pPr algn="ctr"/>
+            <a:endParaRPr lang="en-US" dirty="0"/>
+          </a:p>
+        </p:txBody>
+      </p:sp>
+      <p:sp>
+        <p:nvSpPr>
+          <p:cNvPr id="14" name="Rectangle 13">
+            <a:extLst>
+              <a:ext uri="{FF2B5EF4-FFF2-40B4-BE49-F238E27FC236}">
+                <a16:creationId xmlns:a16="http://schemas.microsoft.com/office/drawing/2014/main" id="{29FDB030-9B49-4CED-8CCD-4D99382388AC}"/>
+              </a:ext>
+              <a:ext uri="{C183D7F6-B498-43B3-948B-1728B52AA6E4}">
+                <adec:decorative xmlns:adec="http://schemas.microsoft.com/office/drawing/2017/decorative" val="1"/>
+              </a:ext>
+            </a:extLst>
+          </p:cNvPr>
+          <p:cNvSpPr>
+            <a:spLocks noGrp="1" noRot="1" noChangeAspect="1" noMove="1" noResize="1" noEditPoints="1" noAdjustHandles="1" noChangeArrowheads="1" noChangeShapeType="1" noTextEdit="1"/>
+          </p:cNvSpPr>
+          <p:nvPr>
+            <p:extLst>
+              <p:ext uri="{386F3935-93C4-4BCD-93E2-E3B085C9AB24}">
+                <p16:designElem xmlns:p16="http://schemas.microsoft.com/office/powerpoint/2015/main" val="1"/>
+              </p:ext>
+            </p:extLst>
+          </p:nvPr>
+        </p:nvSpPr>
+        <p:spPr>
+          <a:xfrm rot="18900000" flipH="1">
+            <a:off x="891641" y="422146"/>
+            <a:ext cx="645368" cy="645368"/>
+          </a:xfrm>
+          <a:prstGeom prst="rect">
+            <a:avLst/>
+          </a:prstGeom>
+          <a:solidFill>
+            <a:schemeClr val="accent1">
+              <a:alpha val="30000"/>
+            </a:schemeClr>
+          </a:solidFill>
+          <a:ln>
+            <a:noFill/>
+          </a:ln>
+        </p:spPr>
+        <p:style>
+          <a:lnRef idx="2">
+            <a:schemeClr val="accent1">
+              <a:shade val="50000"/>
+            </a:schemeClr>
+          </a:lnRef>
+          <a:fillRef idx="1">
+            <a:schemeClr val="accent1"/>
+          </a:fillRef>
+          <a:effectRef idx="0">
+            <a:schemeClr val="accent1"/>
+          </a:effectRef>
+          <a:fontRef idx="minor">
+            <a:schemeClr val="lt1"/>
+          </a:fontRef>
+        </p:style>
+        <p:txBody>
+          <a:bodyPr rtlCol="0" anchor="ctr"/>
+          <a:lstStyle/>
+          <a:p>
+            <a:pPr algn="ctr"/>
+            <a:endParaRPr lang="en-US"/>
+          </a:p>
+        </p:txBody>
+      </p:sp>
+      <p:sp>
+        <p:nvSpPr>
+          <p:cNvPr id="16" name="Rectangle 15">
+            <a:extLst>
+              <a:ext uri="{FF2B5EF4-FFF2-40B4-BE49-F238E27FC236}">
+                <a16:creationId xmlns:a16="http://schemas.microsoft.com/office/drawing/2014/main" id="{3783CA14-24A1-485C-8B30-D6A5D87987AD}"/>
+              </a:ext>
+              <a:ext uri="{C183D7F6-B498-43B3-948B-1728B52AA6E4}">
+                <adec:decorative xmlns:adec="http://schemas.microsoft.com/office/drawing/2017/decorative" val="1"/>
+              </a:ext>
+            </a:extLst>
+          </p:cNvPr>
+          <p:cNvSpPr>
+            <a:spLocks noGrp="1" noRot="1" noChangeAspect="1" noMove="1" noResize="1" noEditPoints="1" noAdjustHandles="1" noChangeArrowheads="1" noChangeShapeType="1" noTextEdit="1"/>
+          </p:cNvSpPr>
+          <p:nvPr>
+            <p:extLst>
+              <p:ext uri="{386F3935-93C4-4BCD-93E2-E3B085C9AB24}">
+                <p16:designElem xmlns:p16="http://schemas.microsoft.com/office/powerpoint/2015/main" val="1"/>
+              </p:ext>
+            </p:extLst>
+          </p:nvPr>
+        </p:nvSpPr>
+        <p:spPr>
+          <a:xfrm rot="18900000" flipH="1">
+            <a:off x="10043482" y="655140"/>
+            <a:ext cx="687472" cy="687472"/>
+          </a:xfrm>
+          <a:prstGeom prst="rect">
+            <a:avLst/>
+          </a:prstGeom>
+          <a:solidFill>
+            <a:schemeClr val="accent4">
+              <a:alpha val="30000"/>
+            </a:schemeClr>
+          </a:solidFill>
+          <a:ln>
+            <a:noFill/>
+          </a:ln>
+        </p:spPr>
+        <p:style>
+          <a:lnRef idx="2">
+            <a:schemeClr val="accent1">
+              <a:shade val="50000"/>
+            </a:schemeClr>
+          </a:lnRef>
+          <a:fillRef idx="1">
+            <a:schemeClr val="accent1"/>
+          </a:fillRef>
+          <a:effectRef idx="0">
+            <a:schemeClr val="accent1"/>
+          </a:effectRef>
+          <a:fontRef idx="minor">
+            <a:schemeClr val="lt1"/>
+          </a:fontRef>
+        </p:style>
+        <p:txBody>
+          <a:bodyPr rtlCol="0" anchor="ctr"/>
+          <a:lstStyle/>
+          <a:p>
+            <a:pPr algn="ctr"/>
+            <a:endParaRPr lang="en-US"/>
+          </a:p>
+        </p:txBody>
+      </p:sp>
+      <p:sp>
+        <p:nvSpPr>
+          <p:cNvPr id="18" name="Freeform: Shape 17">
+            <a:extLst>
+              <a:ext uri="{FF2B5EF4-FFF2-40B4-BE49-F238E27FC236}">
+                <a16:creationId xmlns:a16="http://schemas.microsoft.com/office/drawing/2014/main" id="{9A97C86A-04D6-40F7-AE84-31AB43E6A846}"/>
+              </a:ext>
+              <a:ext uri="{C183D7F6-B498-43B3-948B-1728B52AA6E4}">
+                <adec:decorative xmlns:adec="http://schemas.microsoft.com/office/drawing/2017/decorative" val="1"/>
+              </a:ext>
+            </a:extLst>
+          </p:cNvPr>
+          <p:cNvSpPr>
+            <a:spLocks noGrp="1" noRot="1" noChangeAspect="1" noMove="1" noResize="1" noEditPoints="1" noAdjustHandles="1" noChangeArrowheads="1" noChangeShapeType="1" noTextEdit="1"/>
+          </p:cNvSpPr>
+          <p:nvPr>
+            <p:extLst>
+              <p:ext uri="{386F3935-93C4-4BCD-93E2-E3B085C9AB24}">
+                <p16:designElem xmlns:p16="http://schemas.microsoft.com/office/powerpoint/2015/main" val="1"/>
+              </p:ext>
+            </p:extLst>
+          </p:nvPr>
+        </p:nvSpPr>
+        <p:spPr>
+          <a:xfrm rot="10800000" flipH="1">
+            <a:off x="9356643" y="0"/>
+            <a:ext cx="2835357" cy="1480837"/>
+          </a:xfrm>
+          <a:custGeom>
+            <a:avLst/>
+            <a:gdLst>
+              <a:gd name="connsiteX0" fmla="*/ 2835357 w 2835357"/>
+              <a:gd name="connsiteY0" fmla="*/ 1480837 h 1480837"/>
+              <a:gd name="connsiteX1" fmla="*/ 0 w 2835357"/>
+              <a:gd name="connsiteY1" fmla="*/ 1480837 h 1480837"/>
+              <a:gd name="connsiteX2" fmla="*/ 1552727 w 2835357"/>
+              <a:gd name="connsiteY2" fmla="*/ 0 h 1480837"/>
+              <a:gd name="connsiteX3" fmla="*/ 2835357 w 2835357"/>
+              <a:gd name="connsiteY3" fmla="*/ 1223245 h 1480837"/>
+            </a:gdLst>
+            <a:ahLst/>
+            <a:cxnLst>
+              <a:cxn ang="0">
+                <a:pos x="connsiteX0" y="connsiteY0"/>
+              </a:cxn>
+              <a:cxn ang="0">
+                <a:pos x="connsiteX1" y="connsiteY1"/>
+              </a:cxn>
+              <a:cxn ang="0">
+                <a:pos x="connsiteX2" y="connsiteY2"/>
+              </a:cxn>
+              <a:cxn ang="0">
+                <a:pos x="connsiteX3" y="connsiteY3"/>
+              </a:cxn>
+            </a:cxnLst>
+            <a:rect l="l" t="t" r="r" b="b"/>
+            <a:pathLst>
+              <a:path w="2835357" h="1480837">
+                <a:moveTo>
+                  <a:pt x="2835357" y="1480837"/>
+                </a:moveTo>
+                <a:lnTo>
+                  <a:pt x="0" y="1480837"/>
+                </a:lnTo>
+                <a:lnTo>
+                  <a:pt x="1552727" y="0"/>
+                </a:lnTo>
+                <a:lnTo>
+                  <a:pt x="2835357" y="1223245"/>
+                </a:lnTo>
+                <a:close/>
+              </a:path>
+            </a:pathLst>
+          </a:custGeom>
+          <a:solidFill>
+            <a:schemeClr val="accent4">
+              <a:alpha val="30000"/>
+            </a:schemeClr>
+          </a:solidFill>
+          <a:ln>
+            <a:noFill/>
+          </a:ln>
+        </p:spPr>
+        <p:style>
+          <a:lnRef idx="2">
+            <a:schemeClr val="accent1">
+              <a:shade val="50000"/>
+            </a:schemeClr>
+          </a:lnRef>
+          <a:fillRef idx="1">
+            <a:schemeClr val="accent1"/>
+          </a:fillRef>
+          <a:effectRef idx="0">
+            <a:schemeClr val="accent1"/>
+          </a:effectRef>
+          <a:fontRef idx="minor">
+            <a:schemeClr val="lt1"/>
+          </a:fontRef>
+        </p:style>
+        <p:txBody>
+          <a:bodyPr wrap="square" rtlCol="0" anchor="ctr">
+            <a:noAutofit/>
+          </a:bodyPr>
+          <a:lstStyle/>
+          <a:p>
+            <a:pPr algn="ctr"/>
+            <a:endParaRPr lang="en-US" dirty="0"/>
+          </a:p>
+        </p:txBody>
+      </p:sp>
+      <p:sp>
+        <p:nvSpPr>
+          <p:cNvPr id="20" name="Isosceles Triangle 19">
+            <a:extLst>
+              <a:ext uri="{FF2B5EF4-FFF2-40B4-BE49-F238E27FC236}">
+                <a16:creationId xmlns:a16="http://schemas.microsoft.com/office/drawing/2014/main" id="{FF9F2414-84E8-453E-B1F3-389FDE8192D9}"/>
+              </a:ext>
+              <a:ext uri="{C183D7F6-B498-43B3-948B-1728B52AA6E4}">
+                <adec:decorative xmlns:adec="http://schemas.microsoft.com/office/drawing/2017/decorative" val="1"/>
+              </a:ext>
+            </a:extLst>
+          </p:cNvPr>
+          <p:cNvSpPr>
+            <a:spLocks noGrp="1" noRot="1" noChangeAspect="1" noMove="1" noResize="1" noEditPoints="1" noAdjustHandles="1" noChangeArrowheads="1" noChangeShapeType="1" noTextEdit="1"/>
+          </p:cNvSpPr>
+          <p:nvPr>
+            <p:extLst>
+              <p:ext uri="{386F3935-93C4-4BCD-93E2-E3B085C9AB24}">
+                <p16:designElem xmlns:p16="http://schemas.microsoft.com/office/powerpoint/2015/main" val="1"/>
+              </p:ext>
+            </p:extLst>
+          </p:nvPr>
+        </p:nvSpPr>
+        <p:spPr>
+          <a:xfrm flipH="1">
+            <a:off x="7976344" y="6115501"/>
+            <a:ext cx="1494513" cy="742499"/>
+          </a:xfrm>
+          <a:prstGeom prst="triangle">
+            <a:avLst/>
+          </a:prstGeom>
+          <a:solidFill>
+            <a:schemeClr val="accent1">
+              <a:alpha val="30000"/>
+            </a:schemeClr>
+          </a:solidFill>
+          <a:ln>
+            <a:noFill/>
+          </a:ln>
+        </p:spPr>
+        <p:style>
+          <a:lnRef idx="2">
+            <a:schemeClr val="accent1">
+              <a:shade val="50000"/>
+            </a:schemeClr>
+          </a:lnRef>
+          <a:fillRef idx="1">
+            <a:schemeClr val="accent1"/>
+          </a:fillRef>
+          <a:effectRef idx="0">
+            <a:schemeClr val="accent1"/>
+          </a:effectRef>
+          <a:fontRef idx="minor">
+            <a:schemeClr val="lt1"/>
+          </a:fontRef>
+        </p:style>
+        <p:txBody>
+          <a:bodyPr rtlCol="0" anchor="ctr"/>
+          <a:lstStyle/>
+          <a:p>
+            <a:pPr algn="ctr"/>
+            <a:endParaRPr lang="en-US"/>
+          </a:p>
+        </p:txBody>
+      </p:sp>
+      <p:sp>
+        <p:nvSpPr>
+          <p:cNvPr id="22" name="Isosceles Triangle 21">
+            <a:extLst>
+              <a:ext uri="{FF2B5EF4-FFF2-40B4-BE49-F238E27FC236}">
+                <a16:creationId xmlns:a16="http://schemas.microsoft.com/office/drawing/2014/main" id="{3ECA69A1-7536-43AC-85EF-C7106179F5ED}"/>
+              </a:ext>
+              <a:ext uri="{C183D7F6-B498-43B3-948B-1728B52AA6E4}">
+                <adec:decorative xmlns:adec="http://schemas.microsoft.com/office/drawing/2017/decorative" val="1"/>
+              </a:ext>
+            </a:extLst>
+          </p:cNvPr>
+          <p:cNvSpPr>
+            <a:spLocks noGrp="1" noRot="1" noChangeAspect="1" noMove="1" noResize="1" noEditPoints="1" noAdjustHandles="1" noChangeArrowheads="1" noChangeShapeType="1" noTextEdit="1"/>
+          </p:cNvSpPr>
+          <p:nvPr>
+            <p:extLst>
+              <p:ext uri="{386F3935-93C4-4BCD-93E2-E3B085C9AB24}">
+                <p16:designElem xmlns:p16="http://schemas.microsoft.com/office/powerpoint/2015/main" val="1"/>
+              </p:ext>
+            </p:extLst>
+          </p:nvPr>
+        </p:nvSpPr>
+        <p:spPr>
+          <a:xfrm flipH="1">
+            <a:off x="7604080" y="6453143"/>
+            <a:ext cx="814903" cy="404857"/>
+          </a:xfrm>
+          <a:prstGeom prst="triangle">
+            <a:avLst/>
+          </a:prstGeom>
+          <a:solidFill>
+            <a:schemeClr val="accent1">
+              <a:alpha val="30000"/>
+            </a:schemeClr>
+          </a:solidFill>
+          <a:ln>
+            <a:noFill/>
+          </a:ln>
+        </p:spPr>
+        <p:style>
+          <a:lnRef idx="2">
+            <a:schemeClr val="accent1">
+              <a:shade val="50000"/>
+            </a:schemeClr>
+          </a:lnRef>
+          <a:fillRef idx="1">
+            <a:schemeClr val="accent1"/>
+          </a:fillRef>
+          <a:effectRef idx="0">
+            <a:schemeClr val="accent1"/>
+          </a:effectRef>
+          <a:fontRef idx="minor">
+            <a:schemeClr val="lt1"/>
+          </a:fontRef>
+        </p:style>
+        <p:txBody>
+          <a:bodyPr rtlCol="0" anchor="ctr"/>
+          <a:lstStyle/>
+          <a:p>
+            <a:pPr algn="ctr"/>
+            <a:endParaRPr lang="en-US"/>
+          </a:p>
+        </p:txBody>
+      </p:sp>
       <p:pic>
         <p:nvPicPr>
-          <p:cNvPr id="15" name="Picture 14">
-            <a:extLst>
-              <a:ext uri="{FF2B5EF4-FFF2-40B4-BE49-F238E27FC236}">
-                <a16:creationId xmlns:a16="http://schemas.microsoft.com/office/drawing/2014/main" id="{D7CEA2D1-EA7A-EE38-42A1-E047C1A0A9A0}"/>
+          <p:cNvPr id="2" name="Picture 1">
+            <a:extLst>
+              <a:ext uri="{FF2B5EF4-FFF2-40B4-BE49-F238E27FC236}">
+                <a16:creationId xmlns:a16="http://schemas.microsoft.com/office/drawing/2014/main" id="{023E6815-B04F-3924-1F8F-FEEE5E857953}"/>
               </a:ext>
             </a:extLst>
           </p:cNvPr>
@@ -6985,10 +8023,10 @@
       </p:pic>
       <p:pic>
         <p:nvPicPr>
-          <p:cNvPr id="17" name="Picture 16">
-            <a:extLst>
-              <a:ext uri="{FF2B5EF4-FFF2-40B4-BE49-F238E27FC236}">
-                <a16:creationId xmlns:a16="http://schemas.microsoft.com/office/drawing/2014/main" id="{22F6911D-9F7A-FC6F-9D83-444A81D709D8}"/>
+          <p:cNvPr id="3" name="Picture 2">
+            <a:extLst>
+              <a:ext uri="{FF2B5EF4-FFF2-40B4-BE49-F238E27FC236}">
+                <a16:creationId xmlns:a16="http://schemas.microsoft.com/office/drawing/2014/main" id="{EC65B60F-440B-36B9-9F87-840862548084}"/>
               </a:ext>
             </a:extLst>
           </p:cNvPr>
@@ -7014,10 +8052,10 @@
       </p:pic>
       <p:sp>
         <p:nvSpPr>
-          <p:cNvPr id="18" name="Title 1">
-            <a:extLst>
-              <a:ext uri="{FF2B5EF4-FFF2-40B4-BE49-F238E27FC236}">
-                <a16:creationId xmlns:a16="http://schemas.microsoft.com/office/drawing/2014/main" id="{AC7E46E1-A036-8216-7765-2CBE689D1ACC}"/>
+          <p:cNvPr id="4" name="Title 1">
+            <a:extLst>
+              <a:ext uri="{FF2B5EF4-FFF2-40B4-BE49-F238E27FC236}">
+                <a16:creationId xmlns:a16="http://schemas.microsoft.com/office/drawing/2014/main" id="{817DF52C-A81B-47E7-FDF7-274F4C757740}"/>
               </a:ext>
             </a:extLst>
           </p:cNvPr>
@@ -7051,10 +8089,10 @@
       </p:sp>
       <p:sp>
         <p:nvSpPr>
-          <p:cNvPr id="19" name="Title 1">
-            <a:extLst>
-              <a:ext uri="{FF2B5EF4-FFF2-40B4-BE49-F238E27FC236}">
-                <a16:creationId xmlns:a16="http://schemas.microsoft.com/office/drawing/2014/main" id="{CC99FE75-516F-3DCE-6080-7FE02D010618}"/>
+          <p:cNvPr id="6" name="Title 1">
+            <a:extLst>
+              <a:ext uri="{FF2B5EF4-FFF2-40B4-BE49-F238E27FC236}">
+                <a16:creationId xmlns:a16="http://schemas.microsoft.com/office/drawing/2014/main" id="{D1113E2D-9265-052C-D25B-525422D7C55A}"/>
               </a:ext>
             </a:extLst>
           </p:cNvPr>
@@ -7108,7 +8146,7 @@
     </p:spTree>
     <p:extLst>
       <p:ext uri="{BB962C8B-B14F-4D97-AF65-F5344CB8AC3E}">
-        <p14:creationId xmlns:p14="http://schemas.microsoft.com/office/powerpoint/2010/main" val="3497096138"/>
+        <p14:creationId xmlns:p14="http://schemas.microsoft.com/office/powerpoint/2010/main" val="1193511731"/>
       </p:ext>
     </p:extLst>
   </p:cSld>
@@ -7149,7 +8187,7 @@
                                           </p:stCondLst>
                                         </p:cTn>
                                         <p:tgtEl>
-                                          <p:spTgt spid="18"/>
+                                          <p:spTgt spid="4"/>
                                         </p:tgtEl>
                                         <p:attrNameLst>
                                           <p:attrName>style.visibility</p:attrName>
@@ -7163,7 +8201,7 @@
                                       <p:cBhvr>
                                         <p:cTn id="7" dur="500"/>
                                         <p:tgtEl>
-                                          <p:spTgt spid="18"/>
+                                          <p:spTgt spid="4"/>
                                         </p:tgtEl>
                                       </p:cBhvr>
                                     </p:animEffect>
@@ -7202,7 +8240,7 @@
                                           </p:stCondLst>
                                         </p:cTn>
                                         <p:tgtEl>
-                                          <p:spTgt spid="19"/>
+                                          <p:spTgt spid="6"/>
                                         </p:tgtEl>
                                         <p:attrNameLst>
                                           <p:attrName>style.visibility</p:attrName>
@@ -7216,7 +8254,7 @@
                                       <p:cBhvr>
                                         <p:cTn id="12" dur="500"/>
                                         <p:tgtEl>
-                                          <p:spTgt spid="19"/>
+                                          <p:spTgt spid="6"/>
                                         </p:tgtEl>
                                       </p:cBhvr>
                                     </p:animEffect>
@@ -7251,16 +8289,24 @@
       </p:par>
     </p:tnLst>
     <p:bldLst>
-      <p:bldP spid="18" grpId="0"/>
-      <p:bldP spid="19" grpId="0"/>
+      <p:bldP spid="4" grpId="0"/>
+      <p:bldP spid="6" grpId="0"/>
     </p:bldLst>
   </p:timing>
 </p:sld>
 </file>
 
-<file path=ppt/slides/slide8.xml><?xml version="1.0" encoding="utf-8"?>
+<file path=ppt/slides/slide7.xml><?xml version="1.0" encoding="utf-8"?>
 <p:sld xmlns:a="http://schemas.openxmlformats.org/drawingml/2006/main" xmlns:r="http://schemas.openxmlformats.org/officeDocument/2006/relationships" xmlns:p="http://schemas.openxmlformats.org/presentationml/2006/main">
   <p:cSld>
+    <p:bg>
+      <p:bgPr>
+        <a:solidFill>
+          <a:schemeClr val="bg1"/>
+        </a:solidFill>
+        <a:effectLst/>
+      </p:bgPr>
+    </p:bg>
     <p:spTree>
       <p:nvGrpSpPr>
         <p:cNvPr id="1" name=""/>
@@ -7275,12 +8321,561 @@
           <a:chExt cx="0" cy="0"/>
         </a:xfrm>
       </p:grpSpPr>
+      <p:sp>
+        <p:nvSpPr>
+          <p:cNvPr id="10" name="Rectangle 9">
+            <a:extLst>
+              <a:ext uri="{FF2B5EF4-FFF2-40B4-BE49-F238E27FC236}">
+                <a16:creationId xmlns:a16="http://schemas.microsoft.com/office/drawing/2014/main" id="{F3060C83-F051-4F0E-ABAD-AA0DFC48B218}"/>
+              </a:ext>
+              <a:ext uri="{C183D7F6-B498-43B3-948B-1728B52AA6E4}">
+                <adec:decorative xmlns:adec="http://schemas.microsoft.com/office/drawing/2017/decorative" val="1"/>
+              </a:ext>
+            </a:extLst>
+          </p:cNvPr>
+          <p:cNvSpPr>
+            <a:spLocks noGrp="1" noRot="1" noChangeAspect="1" noMove="1" noResize="1" noEditPoints="1" noAdjustHandles="1" noChangeArrowheads="1" noChangeShapeType="1" noTextEdit="1"/>
+          </p:cNvSpPr>
+          <p:nvPr>
+            <p:extLst>
+              <p:ext uri="{386F3935-93C4-4BCD-93E2-E3B085C9AB24}">
+                <p16:designElem xmlns:p16="http://schemas.microsoft.com/office/powerpoint/2015/main" val="1"/>
+              </p:ext>
+            </p:extLst>
+          </p:nvPr>
+        </p:nvSpPr>
+        <p:spPr>
+          <a:xfrm>
+            <a:off x="0" y="0"/>
+            <a:ext cx="12192000" cy="6858000"/>
+          </a:xfrm>
+          <a:prstGeom prst="rect">
+            <a:avLst/>
+          </a:prstGeom>
+          <a:solidFill>
+            <a:schemeClr val="bg1"/>
+          </a:solidFill>
+          <a:ln>
+            <a:noFill/>
+          </a:ln>
+        </p:spPr>
+        <p:style>
+          <a:lnRef idx="2">
+            <a:schemeClr val="accent1">
+              <a:shade val="50000"/>
+            </a:schemeClr>
+          </a:lnRef>
+          <a:fillRef idx="1">
+            <a:schemeClr val="accent1"/>
+          </a:fillRef>
+          <a:effectRef idx="0">
+            <a:schemeClr val="accent1"/>
+          </a:effectRef>
+          <a:fontRef idx="minor">
+            <a:schemeClr val="lt1"/>
+          </a:fontRef>
+        </p:style>
+        <p:txBody>
+          <a:bodyPr rtlCol="0" anchor="ctr"/>
+          <a:lstStyle/>
+          <a:p>
+            <a:pPr algn="ctr"/>
+            <a:endParaRPr lang="en-US" dirty="0"/>
+          </a:p>
+        </p:txBody>
+      </p:sp>
+      <p:sp>
+        <p:nvSpPr>
+          <p:cNvPr id="12" name="Freeform: Shape 11">
+            <a:extLst>
+              <a:ext uri="{FF2B5EF4-FFF2-40B4-BE49-F238E27FC236}">
+                <a16:creationId xmlns:a16="http://schemas.microsoft.com/office/drawing/2014/main" id="{83C98ABE-055B-441F-B07E-44F97F083C39}"/>
+              </a:ext>
+              <a:ext uri="{C183D7F6-B498-43B3-948B-1728B52AA6E4}">
+                <adec:decorative xmlns:adec="http://schemas.microsoft.com/office/drawing/2017/decorative" val="1"/>
+              </a:ext>
+            </a:extLst>
+          </p:cNvPr>
+          <p:cNvSpPr>
+            <a:spLocks noGrp="1" noRot="1" noChangeAspect="1" noMove="1" noResize="1" noEditPoints="1" noAdjustHandles="1" noChangeArrowheads="1" noChangeShapeType="1" noTextEdit="1"/>
+          </p:cNvSpPr>
+          <p:nvPr>
+            <p:extLst>
+              <p:ext uri="{386F3935-93C4-4BCD-93E2-E3B085C9AB24}">
+                <p16:designElem xmlns:p16="http://schemas.microsoft.com/office/powerpoint/2015/main" val="1"/>
+              </p:ext>
+            </p:extLst>
+          </p:nvPr>
+        </p:nvSpPr>
+        <p:spPr>
+          <a:xfrm rot="18900000" flipH="1">
+            <a:off x="-376156" y="-253670"/>
+            <a:ext cx="1827638" cy="1376989"/>
+          </a:xfrm>
+          <a:custGeom>
+            <a:avLst/>
+            <a:gdLst>
+              <a:gd name="connsiteX0" fmla="*/ 0 w 1827638"/>
+              <a:gd name="connsiteY0" fmla="*/ 987379 h 1376989"/>
+              <a:gd name="connsiteX1" fmla="*/ 987379 w 1827638"/>
+              <a:gd name="connsiteY1" fmla="*/ 0 h 1376989"/>
+              <a:gd name="connsiteX2" fmla="*/ 1827638 w 1827638"/>
+              <a:gd name="connsiteY2" fmla="*/ 840260 h 1376989"/>
+              <a:gd name="connsiteX3" fmla="*/ 1827638 w 1827638"/>
+              <a:gd name="connsiteY3" fmla="*/ 1376989 h 1376989"/>
+              <a:gd name="connsiteX4" fmla="*/ 0 w 1827638"/>
+              <a:gd name="connsiteY4" fmla="*/ 1376989 h 1376989"/>
+            </a:gdLst>
+            <a:ahLst/>
+            <a:cxnLst>
+              <a:cxn ang="0">
+                <a:pos x="connsiteX0" y="connsiteY0"/>
+              </a:cxn>
+              <a:cxn ang="0">
+                <a:pos x="connsiteX1" y="connsiteY1"/>
+              </a:cxn>
+              <a:cxn ang="0">
+                <a:pos x="connsiteX2" y="connsiteY2"/>
+              </a:cxn>
+              <a:cxn ang="0">
+                <a:pos x="connsiteX3" y="connsiteY3"/>
+              </a:cxn>
+              <a:cxn ang="0">
+                <a:pos x="connsiteX4" y="connsiteY4"/>
+              </a:cxn>
+            </a:cxnLst>
+            <a:rect l="l" t="t" r="r" b="b"/>
+            <a:pathLst>
+              <a:path w="1827638" h="1376989">
+                <a:moveTo>
+                  <a:pt x="0" y="987379"/>
+                </a:moveTo>
+                <a:lnTo>
+                  <a:pt x="987379" y="0"/>
+                </a:lnTo>
+                <a:lnTo>
+                  <a:pt x="1827638" y="840260"/>
+                </a:lnTo>
+                <a:lnTo>
+                  <a:pt x="1827638" y="1376989"/>
+                </a:lnTo>
+                <a:lnTo>
+                  <a:pt x="0" y="1376989"/>
+                </a:lnTo>
+                <a:close/>
+              </a:path>
+            </a:pathLst>
+          </a:custGeom>
+          <a:solidFill>
+            <a:schemeClr val="accent1">
+              <a:alpha val="30000"/>
+            </a:schemeClr>
+          </a:solidFill>
+          <a:ln>
+            <a:noFill/>
+          </a:ln>
+        </p:spPr>
+        <p:style>
+          <a:lnRef idx="2">
+            <a:schemeClr val="accent1">
+              <a:shade val="50000"/>
+            </a:schemeClr>
+          </a:lnRef>
+          <a:fillRef idx="1">
+            <a:schemeClr val="accent1"/>
+          </a:fillRef>
+          <a:effectRef idx="0">
+            <a:schemeClr val="accent1"/>
+          </a:effectRef>
+          <a:fontRef idx="minor">
+            <a:schemeClr val="lt1"/>
+          </a:fontRef>
+        </p:style>
+        <p:txBody>
+          <a:bodyPr rtlCol="0" anchor="ctr"/>
+          <a:lstStyle/>
+          <a:p>
+            <a:pPr algn="ctr"/>
+            <a:endParaRPr lang="en-US" dirty="0"/>
+          </a:p>
+        </p:txBody>
+      </p:sp>
+      <p:sp>
+        <p:nvSpPr>
+          <p:cNvPr id="14" name="Rectangle 13">
+            <a:extLst>
+              <a:ext uri="{FF2B5EF4-FFF2-40B4-BE49-F238E27FC236}">
+                <a16:creationId xmlns:a16="http://schemas.microsoft.com/office/drawing/2014/main" id="{29FDB030-9B49-4CED-8CCD-4D99382388AC}"/>
+              </a:ext>
+              <a:ext uri="{C183D7F6-B498-43B3-948B-1728B52AA6E4}">
+                <adec:decorative xmlns:adec="http://schemas.microsoft.com/office/drawing/2017/decorative" val="1"/>
+              </a:ext>
+            </a:extLst>
+          </p:cNvPr>
+          <p:cNvSpPr>
+            <a:spLocks noGrp="1" noRot="1" noChangeAspect="1" noMove="1" noResize="1" noEditPoints="1" noAdjustHandles="1" noChangeArrowheads="1" noChangeShapeType="1" noTextEdit="1"/>
+          </p:cNvSpPr>
+          <p:nvPr>
+            <p:extLst>
+              <p:ext uri="{386F3935-93C4-4BCD-93E2-E3B085C9AB24}">
+                <p16:designElem xmlns:p16="http://schemas.microsoft.com/office/powerpoint/2015/main" val="1"/>
+              </p:ext>
+            </p:extLst>
+          </p:nvPr>
+        </p:nvSpPr>
+        <p:spPr>
+          <a:xfrm rot="18900000" flipH="1">
+            <a:off x="891641" y="422146"/>
+            <a:ext cx="645368" cy="645368"/>
+          </a:xfrm>
+          <a:prstGeom prst="rect">
+            <a:avLst/>
+          </a:prstGeom>
+          <a:solidFill>
+            <a:schemeClr val="accent1">
+              <a:alpha val="30000"/>
+            </a:schemeClr>
+          </a:solidFill>
+          <a:ln>
+            <a:noFill/>
+          </a:ln>
+        </p:spPr>
+        <p:style>
+          <a:lnRef idx="2">
+            <a:schemeClr val="accent1">
+              <a:shade val="50000"/>
+            </a:schemeClr>
+          </a:lnRef>
+          <a:fillRef idx="1">
+            <a:schemeClr val="accent1"/>
+          </a:fillRef>
+          <a:effectRef idx="0">
+            <a:schemeClr val="accent1"/>
+          </a:effectRef>
+          <a:fontRef idx="minor">
+            <a:schemeClr val="lt1"/>
+          </a:fontRef>
+        </p:style>
+        <p:txBody>
+          <a:bodyPr rtlCol="0" anchor="ctr"/>
+          <a:lstStyle/>
+          <a:p>
+            <a:pPr algn="ctr"/>
+            <a:endParaRPr lang="en-US"/>
+          </a:p>
+        </p:txBody>
+      </p:sp>
+      <p:sp>
+        <p:nvSpPr>
+          <p:cNvPr id="16" name="Rectangle 15">
+            <a:extLst>
+              <a:ext uri="{FF2B5EF4-FFF2-40B4-BE49-F238E27FC236}">
+                <a16:creationId xmlns:a16="http://schemas.microsoft.com/office/drawing/2014/main" id="{3783CA14-24A1-485C-8B30-D6A5D87987AD}"/>
+              </a:ext>
+              <a:ext uri="{C183D7F6-B498-43B3-948B-1728B52AA6E4}">
+                <adec:decorative xmlns:adec="http://schemas.microsoft.com/office/drawing/2017/decorative" val="1"/>
+              </a:ext>
+            </a:extLst>
+          </p:cNvPr>
+          <p:cNvSpPr>
+            <a:spLocks noGrp="1" noRot="1" noChangeAspect="1" noMove="1" noResize="1" noEditPoints="1" noAdjustHandles="1" noChangeArrowheads="1" noChangeShapeType="1" noTextEdit="1"/>
+          </p:cNvSpPr>
+          <p:nvPr>
+            <p:extLst>
+              <p:ext uri="{386F3935-93C4-4BCD-93E2-E3B085C9AB24}">
+                <p16:designElem xmlns:p16="http://schemas.microsoft.com/office/powerpoint/2015/main" val="1"/>
+              </p:ext>
+            </p:extLst>
+          </p:nvPr>
+        </p:nvSpPr>
+        <p:spPr>
+          <a:xfrm rot="18900000" flipH="1">
+            <a:off x="10043482" y="655140"/>
+            <a:ext cx="687472" cy="687472"/>
+          </a:xfrm>
+          <a:prstGeom prst="rect">
+            <a:avLst/>
+          </a:prstGeom>
+          <a:solidFill>
+            <a:schemeClr val="accent4">
+              <a:alpha val="30000"/>
+            </a:schemeClr>
+          </a:solidFill>
+          <a:ln>
+            <a:noFill/>
+          </a:ln>
+        </p:spPr>
+        <p:style>
+          <a:lnRef idx="2">
+            <a:schemeClr val="accent1">
+              <a:shade val="50000"/>
+            </a:schemeClr>
+          </a:lnRef>
+          <a:fillRef idx="1">
+            <a:schemeClr val="accent1"/>
+          </a:fillRef>
+          <a:effectRef idx="0">
+            <a:schemeClr val="accent1"/>
+          </a:effectRef>
+          <a:fontRef idx="minor">
+            <a:schemeClr val="lt1"/>
+          </a:fontRef>
+        </p:style>
+        <p:txBody>
+          <a:bodyPr rtlCol="0" anchor="ctr"/>
+          <a:lstStyle/>
+          <a:p>
+            <a:pPr algn="ctr"/>
+            <a:endParaRPr lang="en-US"/>
+          </a:p>
+        </p:txBody>
+      </p:sp>
+      <p:sp>
+        <p:nvSpPr>
+          <p:cNvPr id="18" name="Freeform: Shape 17">
+            <a:extLst>
+              <a:ext uri="{FF2B5EF4-FFF2-40B4-BE49-F238E27FC236}">
+                <a16:creationId xmlns:a16="http://schemas.microsoft.com/office/drawing/2014/main" id="{9A97C86A-04D6-40F7-AE84-31AB43E6A846}"/>
+              </a:ext>
+              <a:ext uri="{C183D7F6-B498-43B3-948B-1728B52AA6E4}">
+                <adec:decorative xmlns:adec="http://schemas.microsoft.com/office/drawing/2017/decorative" val="1"/>
+              </a:ext>
+            </a:extLst>
+          </p:cNvPr>
+          <p:cNvSpPr>
+            <a:spLocks noGrp="1" noRot="1" noChangeAspect="1" noMove="1" noResize="1" noEditPoints="1" noAdjustHandles="1" noChangeArrowheads="1" noChangeShapeType="1" noTextEdit="1"/>
+          </p:cNvSpPr>
+          <p:nvPr>
+            <p:extLst>
+              <p:ext uri="{386F3935-93C4-4BCD-93E2-E3B085C9AB24}">
+                <p16:designElem xmlns:p16="http://schemas.microsoft.com/office/powerpoint/2015/main" val="1"/>
+              </p:ext>
+            </p:extLst>
+          </p:nvPr>
+        </p:nvSpPr>
+        <p:spPr>
+          <a:xfrm rot="10800000" flipH="1">
+            <a:off x="9356643" y="0"/>
+            <a:ext cx="2835357" cy="1480837"/>
+          </a:xfrm>
+          <a:custGeom>
+            <a:avLst/>
+            <a:gdLst>
+              <a:gd name="connsiteX0" fmla="*/ 2835357 w 2835357"/>
+              <a:gd name="connsiteY0" fmla="*/ 1480837 h 1480837"/>
+              <a:gd name="connsiteX1" fmla="*/ 0 w 2835357"/>
+              <a:gd name="connsiteY1" fmla="*/ 1480837 h 1480837"/>
+              <a:gd name="connsiteX2" fmla="*/ 1552727 w 2835357"/>
+              <a:gd name="connsiteY2" fmla="*/ 0 h 1480837"/>
+              <a:gd name="connsiteX3" fmla="*/ 2835357 w 2835357"/>
+              <a:gd name="connsiteY3" fmla="*/ 1223245 h 1480837"/>
+            </a:gdLst>
+            <a:ahLst/>
+            <a:cxnLst>
+              <a:cxn ang="0">
+                <a:pos x="connsiteX0" y="connsiteY0"/>
+              </a:cxn>
+              <a:cxn ang="0">
+                <a:pos x="connsiteX1" y="connsiteY1"/>
+              </a:cxn>
+              <a:cxn ang="0">
+                <a:pos x="connsiteX2" y="connsiteY2"/>
+              </a:cxn>
+              <a:cxn ang="0">
+                <a:pos x="connsiteX3" y="connsiteY3"/>
+              </a:cxn>
+            </a:cxnLst>
+            <a:rect l="l" t="t" r="r" b="b"/>
+            <a:pathLst>
+              <a:path w="2835357" h="1480837">
+                <a:moveTo>
+                  <a:pt x="2835357" y="1480837"/>
+                </a:moveTo>
+                <a:lnTo>
+                  <a:pt x="0" y="1480837"/>
+                </a:lnTo>
+                <a:lnTo>
+                  <a:pt x="1552727" y="0"/>
+                </a:lnTo>
+                <a:lnTo>
+                  <a:pt x="2835357" y="1223245"/>
+                </a:lnTo>
+                <a:close/>
+              </a:path>
+            </a:pathLst>
+          </a:custGeom>
+          <a:solidFill>
+            <a:schemeClr val="accent4">
+              <a:alpha val="30000"/>
+            </a:schemeClr>
+          </a:solidFill>
+          <a:ln>
+            <a:noFill/>
+          </a:ln>
+        </p:spPr>
+        <p:style>
+          <a:lnRef idx="2">
+            <a:schemeClr val="accent1">
+              <a:shade val="50000"/>
+            </a:schemeClr>
+          </a:lnRef>
+          <a:fillRef idx="1">
+            <a:schemeClr val="accent1"/>
+          </a:fillRef>
+          <a:effectRef idx="0">
+            <a:schemeClr val="accent1"/>
+          </a:effectRef>
+          <a:fontRef idx="minor">
+            <a:schemeClr val="lt1"/>
+          </a:fontRef>
+        </p:style>
+        <p:txBody>
+          <a:bodyPr wrap="square" rtlCol="0" anchor="ctr">
+            <a:noAutofit/>
+          </a:bodyPr>
+          <a:lstStyle/>
+          <a:p>
+            <a:pPr algn="ctr"/>
+            <a:endParaRPr lang="en-US" dirty="0"/>
+          </a:p>
+        </p:txBody>
+      </p:sp>
+      <p:sp>
+        <p:nvSpPr>
+          <p:cNvPr id="20" name="Isosceles Triangle 19">
+            <a:extLst>
+              <a:ext uri="{FF2B5EF4-FFF2-40B4-BE49-F238E27FC236}">
+                <a16:creationId xmlns:a16="http://schemas.microsoft.com/office/drawing/2014/main" id="{FF9F2414-84E8-453E-B1F3-389FDE8192D9}"/>
+              </a:ext>
+              <a:ext uri="{C183D7F6-B498-43B3-948B-1728B52AA6E4}">
+                <adec:decorative xmlns:adec="http://schemas.microsoft.com/office/drawing/2017/decorative" val="1"/>
+              </a:ext>
+            </a:extLst>
+          </p:cNvPr>
+          <p:cNvSpPr>
+            <a:spLocks noGrp="1" noRot="1" noChangeAspect="1" noMove="1" noResize="1" noEditPoints="1" noAdjustHandles="1" noChangeArrowheads="1" noChangeShapeType="1" noTextEdit="1"/>
+          </p:cNvSpPr>
+          <p:nvPr>
+            <p:extLst>
+              <p:ext uri="{386F3935-93C4-4BCD-93E2-E3B085C9AB24}">
+                <p16:designElem xmlns:p16="http://schemas.microsoft.com/office/powerpoint/2015/main" val="1"/>
+              </p:ext>
+            </p:extLst>
+          </p:nvPr>
+        </p:nvSpPr>
+        <p:spPr>
+          <a:xfrm flipH="1">
+            <a:off x="7976344" y="6115501"/>
+            <a:ext cx="1494513" cy="742499"/>
+          </a:xfrm>
+          <a:prstGeom prst="triangle">
+            <a:avLst/>
+          </a:prstGeom>
+          <a:solidFill>
+            <a:schemeClr val="accent1">
+              <a:alpha val="30000"/>
+            </a:schemeClr>
+          </a:solidFill>
+          <a:ln>
+            <a:noFill/>
+          </a:ln>
+        </p:spPr>
+        <p:style>
+          <a:lnRef idx="2">
+            <a:schemeClr val="accent1">
+              <a:shade val="50000"/>
+            </a:schemeClr>
+          </a:lnRef>
+          <a:fillRef idx="1">
+            <a:schemeClr val="accent1"/>
+          </a:fillRef>
+          <a:effectRef idx="0">
+            <a:schemeClr val="accent1"/>
+          </a:effectRef>
+          <a:fontRef idx="minor">
+            <a:schemeClr val="lt1"/>
+          </a:fontRef>
+        </p:style>
+        <p:txBody>
+          <a:bodyPr rtlCol="0" anchor="ctr"/>
+          <a:lstStyle/>
+          <a:p>
+            <a:pPr algn="ctr"/>
+            <a:endParaRPr lang="en-US"/>
+          </a:p>
+        </p:txBody>
+      </p:sp>
+      <p:sp>
+        <p:nvSpPr>
+          <p:cNvPr id="22" name="Isosceles Triangle 21">
+            <a:extLst>
+              <a:ext uri="{FF2B5EF4-FFF2-40B4-BE49-F238E27FC236}">
+                <a16:creationId xmlns:a16="http://schemas.microsoft.com/office/drawing/2014/main" id="{3ECA69A1-7536-43AC-85EF-C7106179F5ED}"/>
+              </a:ext>
+              <a:ext uri="{C183D7F6-B498-43B3-948B-1728B52AA6E4}">
+                <adec:decorative xmlns:adec="http://schemas.microsoft.com/office/drawing/2017/decorative" val="1"/>
+              </a:ext>
+            </a:extLst>
+          </p:cNvPr>
+          <p:cNvSpPr>
+            <a:spLocks noGrp="1" noRot="1" noChangeAspect="1" noMove="1" noResize="1" noEditPoints="1" noAdjustHandles="1" noChangeArrowheads="1" noChangeShapeType="1" noTextEdit="1"/>
+          </p:cNvSpPr>
+          <p:nvPr>
+            <p:extLst>
+              <p:ext uri="{386F3935-93C4-4BCD-93E2-E3B085C9AB24}">
+                <p16:designElem xmlns:p16="http://schemas.microsoft.com/office/powerpoint/2015/main" val="1"/>
+              </p:ext>
+            </p:extLst>
+          </p:nvPr>
+        </p:nvSpPr>
+        <p:spPr>
+          <a:xfrm flipH="1">
+            <a:off x="7604080" y="6453143"/>
+            <a:ext cx="814903" cy="404857"/>
+          </a:xfrm>
+          <a:prstGeom prst="triangle">
+            <a:avLst/>
+          </a:prstGeom>
+          <a:solidFill>
+            <a:schemeClr val="accent1">
+              <a:alpha val="30000"/>
+            </a:schemeClr>
+          </a:solidFill>
+          <a:ln>
+            <a:noFill/>
+          </a:ln>
+        </p:spPr>
+        <p:style>
+          <a:lnRef idx="2">
+            <a:schemeClr val="accent1">
+              <a:shade val="50000"/>
+            </a:schemeClr>
+          </a:lnRef>
+          <a:fillRef idx="1">
+            <a:schemeClr val="accent1"/>
+          </a:fillRef>
+          <a:effectRef idx="0">
+            <a:schemeClr val="accent1"/>
+          </a:effectRef>
+          <a:fontRef idx="minor">
+            <a:schemeClr val="lt1"/>
+          </a:fontRef>
+        </p:style>
+        <p:txBody>
+          <a:bodyPr rtlCol="0" anchor="ctr"/>
+          <a:lstStyle/>
+          <a:p>
+            <a:pPr algn="ctr"/>
+            <a:endParaRPr lang="en-US"/>
+          </a:p>
+        </p:txBody>
+      </p:sp>
       <p:pic>
         <p:nvPicPr>
-          <p:cNvPr id="15" name="Picture 14">
-            <a:extLst>
-              <a:ext uri="{FF2B5EF4-FFF2-40B4-BE49-F238E27FC236}">
-                <a16:creationId xmlns:a16="http://schemas.microsoft.com/office/drawing/2014/main" id="{D7CEA2D1-EA7A-EE38-42A1-E047C1A0A9A0}"/>
+          <p:cNvPr id="2" name="Picture 1">
+            <a:extLst>
+              <a:ext uri="{FF2B5EF4-FFF2-40B4-BE49-F238E27FC236}">
+                <a16:creationId xmlns:a16="http://schemas.microsoft.com/office/drawing/2014/main" id="{009B122D-F402-37D3-C38E-167CDFA62533}"/>
               </a:ext>
             </a:extLst>
           </p:cNvPr>
@@ -7306,10 +8901,10 @@
       </p:pic>
       <p:pic>
         <p:nvPicPr>
-          <p:cNvPr id="17" name="Picture 16">
-            <a:extLst>
-              <a:ext uri="{FF2B5EF4-FFF2-40B4-BE49-F238E27FC236}">
-                <a16:creationId xmlns:a16="http://schemas.microsoft.com/office/drawing/2014/main" id="{22F6911D-9F7A-FC6F-9D83-444A81D709D8}"/>
+          <p:cNvPr id="3" name="Picture 2">
+            <a:extLst>
+              <a:ext uri="{FF2B5EF4-FFF2-40B4-BE49-F238E27FC236}">
+                <a16:creationId xmlns:a16="http://schemas.microsoft.com/office/drawing/2014/main" id="{0CE0CE14-4B7C-1568-EBE9-ECFB6C666B4E}"/>
               </a:ext>
             </a:extLst>
           </p:cNvPr>
@@ -7335,10 +8930,10 @@
       </p:pic>
       <p:sp>
         <p:nvSpPr>
-          <p:cNvPr id="18" name="Title 1">
-            <a:extLst>
-              <a:ext uri="{FF2B5EF4-FFF2-40B4-BE49-F238E27FC236}">
-                <a16:creationId xmlns:a16="http://schemas.microsoft.com/office/drawing/2014/main" id="{AC7E46E1-A036-8216-7765-2CBE689D1ACC}"/>
+          <p:cNvPr id="4" name="Title 1">
+            <a:extLst>
+              <a:ext uri="{FF2B5EF4-FFF2-40B4-BE49-F238E27FC236}">
+                <a16:creationId xmlns:a16="http://schemas.microsoft.com/office/drawing/2014/main" id="{6C155E3B-1313-CA6C-AD31-79207C934BDF}"/>
               </a:ext>
             </a:extLst>
           </p:cNvPr>
@@ -7372,10 +8967,10 @@
       </p:sp>
       <p:sp>
         <p:nvSpPr>
-          <p:cNvPr id="19" name="Title 1">
-            <a:extLst>
-              <a:ext uri="{FF2B5EF4-FFF2-40B4-BE49-F238E27FC236}">
-                <a16:creationId xmlns:a16="http://schemas.microsoft.com/office/drawing/2014/main" id="{CC99FE75-516F-3DCE-6080-7FE02D010618}"/>
+          <p:cNvPr id="6" name="Title 1">
+            <a:extLst>
+              <a:ext uri="{FF2B5EF4-FFF2-40B4-BE49-F238E27FC236}">
+                <a16:creationId xmlns:a16="http://schemas.microsoft.com/office/drawing/2014/main" id="{9FC2FFBE-F1A6-087A-E126-D4DC1E9F1A14}"/>
               </a:ext>
             </a:extLst>
           </p:cNvPr>
@@ -7429,7 +9024,7 @@
     </p:spTree>
     <p:extLst>
       <p:ext uri="{BB962C8B-B14F-4D97-AF65-F5344CB8AC3E}">
-        <p14:creationId xmlns:p14="http://schemas.microsoft.com/office/powerpoint/2010/main" val="3688093235"/>
+        <p14:creationId xmlns:p14="http://schemas.microsoft.com/office/powerpoint/2010/main" val="4151668622"/>
       </p:ext>
     </p:extLst>
   </p:cSld>
@@ -7470,7 +9065,7 @@
                                           </p:stCondLst>
                                         </p:cTn>
                                         <p:tgtEl>
-                                          <p:spTgt spid="18"/>
+                                          <p:spTgt spid="4"/>
                                         </p:tgtEl>
                                         <p:attrNameLst>
                                           <p:attrName>style.visibility</p:attrName>
@@ -7484,7 +9079,7 @@
                                       <p:cBhvr>
                                         <p:cTn id="7" dur="500"/>
                                         <p:tgtEl>
-                                          <p:spTgt spid="18"/>
+                                          <p:spTgt spid="4"/>
                                         </p:tgtEl>
                                       </p:cBhvr>
                                     </p:animEffect>
@@ -7523,7 +9118,7 @@
                                           </p:stCondLst>
                                         </p:cTn>
                                         <p:tgtEl>
-                                          <p:spTgt spid="19"/>
+                                          <p:spTgt spid="6"/>
                                         </p:tgtEl>
                                         <p:attrNameLst>
                                           <p:attrName>style.visibility</p:attrName>
@@ -7537,7 +9132,7 @@
                                       <p:cBhvr>
                                         <p:cTn id="12" dur="500"/>
                                         <p:tgtEl>
-                                          <p:spTgt spid="19"/>
+                                          <p:spTgt spid="6"/>
                                         </p:tgtEl>
                                       </p:cBhvr>
                                     </p:animEffect>
@@ -7572,8 +9167,819 @@
       </p:par>
     </p:tnLst>
     <p:bldLst>
-      <p:bldP spid="18" grpId="0"/>
-      <p:bldP spid="19" grpId="0"/>
+      <p:bldP spid="4" grpId="0"/>
+      <p:bldP spid="6" grpId="0"/>
+    </p:bldLst>
+  </p:timing>
+</p:sld>
+</file>
+
+<file path=ppt/slides/slide8.xml><?xml version="1.0" encoding="utf-8"?>
+<p:sld xmlns:a="http://schemas.openxmlformats.org/drawingml/2006/main" xmlns:r="http://schemas.openxmlformats.org/officeDocument/2006/relationships" xmlns:p="http://schemas.openxmlformats.org/presentationml/2006/main">
+  <p:cSld>
+    <p:bg>
+      <p:bgPr>
+        <a:solidFill>
+          <a:schemeClr val="bg1"/>
+        </a:solidFill>
+        <a:effectLst/>
+      </p:bgPr>
+    </p:bg>
+    <p:spTree>
+      <p:nvGrpSpPr>
+        <p:cNvPr id="1" name=""/>
+        <p:cNvGrpSpPr/>
+        <p:nvPr/>
+      </p:nvGrpSpPr>
+      <p:grpSpPr>
+        <a:xfrm>
+          <a:off x="0" y="0"/>
+          <a:ext cx="0" cy="0"/>
+          <a:chOff x="0" y="0"/>
+          <a:chExt cx="0" cy="0"/>
+        </a:xfrm>
+      </p:grpSpPr>
+      <p:sp>
+        <p:nvSpPr>
+          <p:cNvPr id="10" name="Rectangle 9">
+            <a:extLst>
+              <a:ext uri="{FF2B5EF4-FFF2-40B4-BE49-F238E27FC236}">
+                <a16:creationId xmlns:a16="http://schemas.microsoft.com/office/drawing/2014/main" id="{F3060C83-F051-4F0E-ABAD-AA0DFC48B218}"/>
+              </a:ext>
+              <a:ext uri="{C183D7F6-B498-43B3-948B-1728B52AA6E4}">
+                <adec:decorative xmlns:adec="http://schemas.microsoft.com/office/drawing/2017/decorative" val="1"/>
+              </a:ext>
+            </a:extLst>
+          </p:cNvPr>
+          <p:cNvSpPr>
+            <a:spLocks noGrp="1" noRot="1" noChangeAspect="1" noMove="1" noResize="1" noEditPoints="1" noAdjustHandles="1" noChangeArrowheads="1" noChangeShapeType="1" noTextEdit="1"/>
+          </p:cNvSpPr>
+          <p:nvPr>
+            <p:extLst>
+              <p:ext uri="{386F3935-93C4-4BCD-93E2-E3B085C9AB24}">
+                <p16:designElem xmlns:p16="http://schemas.microsoft.com/office/powerpoint/2015/main" val="1"/>
+              </p:ext>
+            </p:extLst>
+          </p:nvPr>
+        </p:nvSpPr>
+        <p:spPr>
+          <a:xfrm>
+            <a:off x="0" y="0"/>
+            <a:ext cx="12192000" cy="6858000"/>
+          </a:xfrm>
+          <a:prstGeom prst="rect">
+            <a:avLst/>
+          </a:prstGeom>
+          <a:solidFill>
+            <a:schemeClr val="bg1"/>
+          </a:solidFill>
+          <a:ln>
+            <a:noFill/>
+          </a:ln>
+        </p:spPr>
+        <p:style>
+          <a:lnRef idx="2">
+            <a:schemeClr val="accent1">
+              <a:shade val="50000"/>
+            </a:schemeClr>
+          </a:lnRef>
+          <a:fillRef idx="1">
+            <a:schemeClr val="accent1"/>
+          </a:fillRef>
+          <a:effectRef idx="0">
+            <a:schemeClr val="accent1"/>
+          </a:effectRef>
+          <a:fontRef idx="minor">
+            <a:schemeClr val="lt1"/>
+          </a:fontRef>
+        </p:style>
+        <p:txBody>
+          <a:bodyPr rtlCol="0" anchor="ctr"/>
+          <a:lstStyle/>
+          <a:p>
+            <a:pPr algn="ctr"/>
+            <a:endParaRPr lang="en-US" dirty="0"/>
+          </a:p>
+        </p:txBody>
+      </p:sp>
+      <p:sp>
+        <p:nvSpPr>
+          <p:cNvPr id="12" name="Freeform: Shape 11">
+            <a:extLst>
+              <a:ext uri="{FF2B5EF4-FFF2-40B4-BE49-F238E27FC236}">
+                <a16:creationId xmlns:a16="http://schemas.microsoft.com/office/drawing/2014/main" id="{83C98ABE-055B-441F-B07E-44F97F083C39}"/>
+              </a:ext>
+              <a:ext uri="{C183D7F6-B498-43B3-948B-1728B52AA6E4}">
+                <adec:decorative xmlns:adec="http://schemas.microsoft.com/office/drawing/2017/decorative" val="1"/>
+              </a:ext>
+            </a:extLst>
+          </p:cNvPr>
+          <p:cNvSpPr>
+            <a:spLocks noGrp="1" noRot="1" noChangeAspect="1" noMove="1" noResize="1" noEditPoints="1" noAdjustHandles="1" noChangeArrowheads="1" noChangeShapeType="1" noTextEdit="1"/>
+          </p:cNvSpPr>
+          <p:nvPr>
+            <p:extLst>
+              <p:ext uri="{386F3935-93C4-4BCD-93E2-E3B085C9AB24}">
+                <p16:designElem xmlns:p16="http://schemas.microsoft.com/office/powerpoint/2015/main" val="1"/>
+              </p:ext>
+            </p:extLst>
+          </p:nvPr>
+        </p:nvSpPr>
+        <p:spPr>
+          <a:xfrm rot="18900000" flipH="1">
+            <a:off x="-376156" y="-253670"/>
+            <a:ext cx="1827638" cy="1376989"/>
+          </a:xfrm>
+          <a:custGeom>
+            <a:avLst/>
+            <a:gdLst>
+              <a:gd name="connsiteX0" fmla="*/ 0 w 1827638"/>
+              <a:gd name="connsiteY0" fmla="*/ 987379 h 1376989"/>
+              <a:gd name="connsiteX1" fmla="*/ 987379 w 1827638"/>
+              <a:gd name="connsiteY1" fmla="*/ 0 h 1376989"/>
+              <a:gd name="connsiteX2" fmla="*/ 1827638 w 1827638"/>
+              <a:gd name="connsiteY2" fmla="*/ 840260 h 1376989"/>
+              <a:gd name="connsiteX3" fmla="*/ 1827638 w 1827638"/>
+              <a:gd name="connsiteY3" fmla="*/ 1376989 h 1376989"/>
+              <a:gd name="connsiteX4" fmla="*/ 0 w 1827638"/>
+              <a:gd name="connsiteY4" fmla="*/ 1376989 h 1376989"/>
+            </a:gdLst>
+            <a:ahLst/>
+            <a:cxnLst>
+              <a:cxn ang="0">
+                <a:pos x="connsiteX0" y="connsiteY0"/>
+              </a:cxn>
+              <a:cxn ang="0">
+                <a:pos x="connsiteX1" y="connsiteY1"/>
+              </a:cxn>
+              <a:cxn ang="0">
+                <a:pos x="connsiteX2" y="connsiteY2"/>
+              </a:cxn>
+              <a:cxn ang="0">
+                <a:pos x="connsiteX3" y="connsiteY3"/>
+              </a:cxn>
+              <a:cxn ang="0">
+                <a:pos x="connsiteX4" y="connsiteY4"/>
+              </a:cxn>
+            </a:cxnLst>
+            <a:rect l="l" t="t" r="r" b="b"/>
+            <a:pathLst>
+              <a:path w="1827638" h="1376989">
+                <a:moveTo>
+                  <a:pt x="0" y="987379"/>
+                </a:moveTo>
+                <a:lnTo>
+                  <a:pt x="987379" y="0"/>
+                </a:lnTo>
+                <a:lnTo>
+                  <a:pt x="1827638" y="840260"/>
+                </a:lnTo>
+                <a:lnTo>
+                  <a:pt x="1827638" y="1376989"/>
+                </a:lnTo>
+                <a:lnTo>
+                  <a:pt x="0" y="1376989"/>
+                </a:lnTo>
+                <a:close/>
+              </a:path>
+            </a:pathLst>
+          </a:custGeom>
+          <a:solidFill>
+            <a:schemeClr val="accent1">
+              <a:alpha val="30000"/>
+            </a:schemeClr>
+          </a:solidFill>
+          <a:ln>
+            <a:noFill/>
+          </a:ln>
+        </p:spPr>
+        <p:style>
+          <a:lnRef idx="2">
+            <a:schemeClr val="accent1">
+              <a:shade val="50000"/>
+            </a:schemeClr>
+          </a:lnRef>
+          <a:fillRef idx="1">
+            <a:schemeClr val="accent1"/>
+          </a:fillRef>
+          <a:effectRef idx="0">
+            <a:schemeClr val="accent1"/>
+          </a:effectRef>
+          <a:fontRef idx="minor">
+            <a:schemeClr val="lt1"/>
+          </a:fontRef>
+        </p:style>
+        <p:txBody>
+          <a:bodyPr rtlCol="0" anchor="ctr"/>
+          <a:lstStyle/>
+          <a:p>
+            <a:pPr algn="ctr"/>
+            <a:endParaRPr lang="en-US" dirty="0"/>
+          </a:p>
+        </p:txBody>
+      </p:sp>
+      <p:sp>
+        <p:nvSpPr>
+          <p:cNvPr id="14" name="Rectangle 13">
+            <a:extLst>
+              <a:ext uri="{FF2B5EF4-FFF2-40B4-BE49-F238E27FC236}">
+                <a16:creationId xmlns:a16="http://schemas.microsoft.com/office/drawing/2014/main" id="{29FDB030-9B49-4CED-8CCD-4D99382388AC}"/>
+              </a:ext>
+              <a:ext uri="{C183D7F6-B498-43B3-948B-1728B52AA6E4}">
+                <adec:decorative xmlns:adec="http://schemas.microsoft.com/office/drawing/2017/decorative" val="1"/>
+              </a:ext>
+            </a:extLst>
+          </p:cNvPr>
+          <p:cNvSpPr>
+            <a:spLocks noGrp="1" noRot="1" noChangeAspect="1" noMove="1" noResize="1" noEditPoints="1" noAdjustHandles="1" noChangeArrowheads="1" noChangeShapeType="1" noTextEdit="1"/>
+          </p:cNvSpPr>
+          <p:nvPr>
+            <p:extLst>
+              <p:ext uri="{386F3935-93C4-4BCD-93E2-E3B085C9AB24}">
+                <p16:designElem xmlns:p16="http://schemas.microsoft.com/office/powerpoint/2015/main" val="1"/>
+              </p:ext>
+            </p:extLst>
+          </p:nvPr>
+        </p:nvSpPr>
+        <p:spPr>
+          <a:xfrm rot="18900000" flipH="1">
+            <a:off x="891641" y="422146"/>
+            <a:ext cx="645368" cy="645368"/>
+          </a:xfrm>
+          <a:prstGeom prst="rect">
+            <a:avLst/>
+          </a:prstGeom>
+          <a:solidFill>
+            <a:schemeClr val="accent1">
+              <a:alpha val="30000"/>
+            </a:schemeClr>
+          </a:solidFill>
+          <a:ln>
+            <a:noFill/>
+          </a:ln>
+        </p:spPr>
+        <p:style>
+          <a:lnRef idx="2">
+            <a:schemeClr val="accent1">
+              <a:shade val="50000"/>
+            </a:schemeClr>
+          </a:lnRef>
+          <a:fillRef idx="1">
+            <a:schemeClr val="accent1"/>
+          </a:fillRef>
+          <a:effectRef idx="0">
+            <a:schemeClr val="accent1"/>
+          </a:effectRef>
+          <a:fontRef idx="minor">
+            <a:schemeClr val="lt1"/>
+          </a:fontRef>
+        </p:style>
+        <p:txBody>
+          <a:bodyPr rtlCol="0" anchor="ctr"/>
+          <a:lstStyle/>
+          <a:p>
+            <a:pPr algn="ctr"/>
+            <a:endParaRPr lang="en-US"/>
+          </a:p>
+        </p:txBody>
+      </p:sp>
+      <p:sp>
+        <p:nvSpPr>
+          <p:cNvPr id="16" name="Rectangle 15">
+            <a:extLst>
+              <a:ext uri="{FF2B5EF4-FFF2-40B4-BE49-F238E27FC236}">
+                <a16:creationId xmlns:a16="http://schemas.microsoft.com/office/drawing/2014/main" id="{3783CA14-24A1-485C-8B30-D6A5D87987AD}"/>
+              </a:ext>
+              <a:ext uri="{C183D7F6-B498-43B3-948B-1728B52AA6E4}">
+                <adec:decorative xmlns:adec="http://schemas.microsoft.com/office/drawing/2017/decorative" val="1"/>
+              </a:ext>
+            </a:extLst>
+          </p:cNvPr>
+          <p:cNvSpPr>
+            <a:spLocks noGrp="1" noRot="1" noChangeAspect="1" noMove="1" noResize="1" noEditPoints="1" noAdjustHandles="1" noChangeArrowheads="1" noChangeShapeType="1" noTextEdit="1"/>
+          </p:cNvSpPr>
+          <p:nvPr>
+            <p:extLst>
+              <p:ext uri="{386F3935-93C4-4BCD-93E2-E3B085C9AB24}">
+                <p16:designElem xmlns:p16="http://schemas.microsoft.com/office/powerpoint/2015/main" val="1"/>
+              </p:ext>
+            </p:extLst>
+          </p:nvPr>
+        </p:nvSpPr>
+        <p:spPr>
+          <a:xfrm rot="18900000" flipH="1">
+            <a:off x="10043482" y="655140"/>
+            <a:ext cx="687472" cy="687472"/>
+          </a:xfrm>
+          <a:prstGeom prst="rect">
+            <a:avLst/>
+          </a:prstGeom>
+          <a:solidFill>
+            <a:schemeClr val="accent4">
+              <a:alpha val="30000"/>
+            </a:schemeClr>
+          </a:solidFill>
+          <a:ln>
+            <a:noFill/>
+          </a:ln>
+        </p:spPr>
+        <p:style>
+          <a:lnRef idx="2">
+            <a:schemeClr val="accent1">
+              <a:shade val="50000"/>
+            </a:schemeClr>
+          </a:lnRef>
+          <a:fillRef idx="1">
+            <a:schemeClr val="accent1"/>
+          </a:fillRef>
+          <a:effectRef idx="0">
+            <a:schemeClr val="accent1"/>
+          </a:effectRef>
+          <a:fontRef idx="minor">
+            <a:schemeClr val="lt1"/>
+          </a:fontRef>
+        </p:style>
+        <p:txBody>
+          <a:bodyPr rtlCol="0" anchor="ctr"/>
+          <a:lstStyle/>
+          <a:p>
+            <a:pPr algn="ctr"/>
+            <a:endParaRPr lang="en-US"/>
+          </a:p>
+        </p:txBody>
+      </p:sp>
+      <p:sp>
+        <p:nvSpPr>
+          <p:cNvPr id="18" name="Freeform: Shape 17">
+            <a:extLst>
+              <a:ext uri="{FF2B5EF4-FFF2-40B4-BE49-F238E27FC236}">
+                <a16:creationId xmlns:a16="http://schemas.microsoft.com/office/drawing/2014/main" id="{9A97C86A-04D6-40F7-AE84-31AB43E6A846}"/>
+              </a:ext>
+              <a:ext uri="{C183D7F6-B498-43B3-948B-1728B52AA6E4}">
+                <adec:decorative xmlns:adec="http://schemas.microsoft.com/office/drawing/2017/decorative" val="1"/>
+              </a:ext>
+            </a:extLst>
+          </p:cNvPr>
+          <p:cNvSpPr>
+            <a:spLocks noGrp="1" noRot="1" noChangeAspect="1" noMove="1" noResize="1" noEditPoints="1" noAdjustHandles="1" noChangeArrowheads="1" noChangeShapeType="1" noTextEdit="1"/>
+          </p:cNvSpPr>
+          <p:nvPr>
+            <p:extLst>
+              <p:ext uri="{386F3935-93C4-4BCD-93E2-E3B085C9AB24}">
+                <p16:designElem xmlns:p16="http://schemas.microsoft.com/office/powerpoint/2015/main" val="1"/>
+              </p:ext>
+            </p:extLst>
+          </p:nvPr>
+        </p:nvSpPr>
+        <p:spPr>
+          <a:xfrm rot="10800000" flipH="1">
+            <a:off x="9356643" y="0"/>
+            <a:ext cx="2835357" cy="1480837"/>
+          </a:xfrm>
+          <a:custGeom>
+            <a:avLst/>
+            <a:gdLst>
+              <a:gd name="connsiteX0" fmla="*/ 2835357 w 2835357"/>
+              <a:gd name="connsiteY0" fmla="*/ 1480837 h 1480837"/>
+              <a:gd name="connsiteX1" fmla="*/ 0 w 2835357"/>
+              <a:gd name="connsiteY1" fmla="*/ 1480837 h 1480837"/>
+              <a:gd name="connsiteX2" fmla="*/ 1552727 w 2835357"/>
+              <a:gd name="connsiteY2" fmla="*/ 0 h 1480837"/>
+              <a:gd name="connsiteX3" fmla="*/ 2835357 w 2835357"/>
+              <a:gd name="connsiteY3" fmla="*/ 1223245 h 1480837"/>
+            </a:gdLst>
+            <a:ahLst/>
+            <a:cxnLst>
+              <a:cxn ang="0">
+                <a:pos x="connsiteX0" y="connsiteY0"/>
+              </a:cxn>
+              <a:cxn ang="0">
+                <a:pos x="connsiteX1" y="connsiteY1"/>
+              </a:cxn>
+              <a:cxn ang="0">
+                <a:pos x="connsiteX2" y="connsiteY2"/>
+              </a:cxn>
+              <a:cxn ang="0">
+                <a:pos x="connsiteX3" y="connsiteY3"/>
+              </a:cxn>
+            </a:cxnLst>
+            <a:rect l="l" t="t" r="r" b="b"/>
+            <a:pathLst>
+              <a:path w="2835357" h="1480837">
+                <a:moveTo>
+                  <a:pt x="2835357" y="1480837"/>
+                </a:moveTo>
+                <a:lnTo>
+                  <a:pt x="0" y="1480837"/>
+                </a:lnTo>
+                <a:lnTo>
+                  <a:pt x="1552727" y="0"/>
+                </a:lnTo>
+                <a:lnTo>
+                  <a:pt x="2835357" y="1223245"/>
+                </a:lnTo>
+                <a:close/>
+              </a:path>
+            </a:pathLst>
+          </a:custGeom>
+          <a:solidFill>
+            <a:schemeClr val="accent4">
+              <a:alpha val="30000"/>
+            </a:schemeClr>
+          </a:solidFill>
+          <a:ln>
+            <a:noFill/>
+          </a:ln>
+        </p:spPr>
+        <p:style>
+          <a:lnRef idx="2">
+            <a:schemeClr val="accent1">
+              <a:shade val="50000"/>
+            </a:schemeClr>
+          </a:lnRef>
+          <a:fillRef idx="1">
+            <a:schemeClr val="accent1"/>
+          </a:fillRef>
+          <a:effectRef idx="0">
+            <a:schemeClr val="accent1"/>
+          </a:effectRef>
+          <a:fontRef idx="minor">
+            <a:schemeClr val="lt1"/>
+          </a:fontRef>
+        </p:style>
+        <p:txBody>
+          <a:bodyPr wrap="square" rtlCol="0" anchor="ctr">
+            <a:noAutofit/>
+          </a:bodyPr>
+          <a:lstStyle/>
+          <a:p>
+            <a:pPr algn="ctr"/>
+            <a:endParaRPr lang="en-US" dirty="0"/>
+          </a:p>
+        </p:txBody>
+      </p:sp>
+      <p:sp>
+        <p:nvSpPr>
+          <p:cNvPr id="20" name="Isosceles Triangle 19">
+            <a:extLst>
+              <a:ext uri="{FF2B5EF4-FFF2-40B4-BE49-F238E27FC236}">
+                <a16:creationId xmlns:a16="http://schemas.microsoft.com/office/drawing/2014/main" id="{FF9F2414-84E8-453E-B1F3-389FDE8192D9}"/>
+              </a:ext>
+              <a:ext uri="{C183D7F6-B498-43B3-948B-1728B52AA6E4}">
+                <adec:decorative xmlns:adec="http://schemas.microsoft.com/office/drawing/2017/decorative" val="1"/>
+              </a:ext>
+            </a:extLst>
+          </p:cNvPr>
+          <p:cNvSpPr>
+            <a:spLocks noGrp="1" noRot="1" noChangeAspect="1" noMove="1" noResize="1" noEditPoints="1" noAdjustHandles="1" noChangeArrowheads="1" noChangeShapeType="1" noTextEdit="1"/>
+          </p:cNvSpPr>
+          <p:nvPr>
+            <p:extLst>
+              <p:ext uri="{386F3935-93C4-4BCD-93E2-E3B085C9AB24}">
+                <p16:designElem xmlns:p16="http://schemas.microsoft.com/office/powerpoint/2015/main" val="1"/>
+              </p:ext>
+            </p:extLst>
+          </p:nvPr>
+        </p:nvSpPr>
+        <p:spPr>
+          <a:xfrm flipH="1">
+            <a:off x="7976344" y="6115501"/>
+            <a:ext cx="1494513" cy="742499"/>
+          </a:xfrm>
+          <a:prstGeom prst="triangle">
+            <a:avLst/>
+          </a:prstGeom>
+          <a:solidFill>
+            <a:schemeClr val="accent1">
+              <a:alpha val="30000"/>
+            </a:schemeClr>
+          </a:solidFill>
+          <a:ln>
+            <a:noFill/>
+          </a:ln>
+        </p:spPr>
+        <p:style>
+          <a:lnRef idx="2">
+            <a:schemeClr val="accent1">
+              <a:shade val="50000"/>
+            </a:schemeClr>
+          </a:lnRef>
+          <a:fillRef idx="1">
+            <a:schemeClr val="accent1"/>
+          </a:fillRef>
+          <a:effectRef idx="0">
+            <a:schemeClr val="accent1"/>
+          </a:effectRef>
+          <a:fontRef idx="minor">
+            <a:schemeClr val="lt1"/>
+          </a:fontRef>
+        </p:style>
+        <p:txBody>
+          <a:bodyPr rtlCol="0" anchor="ctr"/>
+          <a:lstStyle/>
+          <a:p>
+            <a:pPr algn="ctr"/>
+            <a:endParaRPr lang="en-US"/>
+          </a:p>
+        </p:txBody>
+      </p:sp>
+      <p:pic>
+        <p:nvPicPr>
+          <p:cNvPr id="5" name="Picture 4" descr="A graph of a price&#10;&#10;Description automatically generated with medium confidence">
+            <a:extLst>
+              <a:ext uri="{FF2B5EF4-FFF2-40B4-BE49-F238E27FC236}">
+                <a16:creationId xmlns:a16="http://schemas.microsoft.com/office/drawing/2014/main" id="{1938546B-12F8-BBCE-6032-03338A9301E5}"/>
+              </a:ext>
+            </a:extLst>
+          </p:cNvPr>
+          <p:cNvPicPr>
+            <a:picLocks noChangeAspect="1"/>
+          </p:cNvPicPr>
+          <p:nvPr/>
+        </p:nvPicPr>
+        <p:blipFill>
+          <a:blip r:embed="rId2"/>
+          <a:stretch>
+            <a:fillRect/>
+          </a:stretch>
+        </p:blipFill>
+        <p:spPr>
+          <a:xfrm>
+            <a:off x="6396668" y="3092"/>
+            <a:ext cx="5795332" cy="3129480"/>
+          </a:xfrm>
+          <a:prstGeom prst="rect">
+            <a:avLst/>
+          </a:prstGeom>
+          <a:ln>
+            <a:noFill/>
+          </a:ln>
+        </p:spPr>
+      </p:pic>
+      <p:sp>
+        <p:nvSpPr>
+          <p:cNvPr id="22" name="Isosceles Triangle 21">
+            <a:extLst>
+              <a:ext uri="{FF2B5EF4-FFF2-40B4-BE49-F238E27FC236}">
+                <a16:creationId xmlns:a16="http://schemas.microsoft.com/office/drawing/2014/main" id="{3ECA69A1-7536-43AC-85EF-C7106179F5ED}"/>
+              </a:ext>
+              <a:ext uri="{C183D7F6-B498-43B3-948B-1728B52AA6E4}">
+                <adec:decorative xmlns:adec="http://schemas.microsoft.com/office/drawing/2017/decorative" val="1"/>
+              </a:ext>
+            </a:extLst>
+          </p:cNvPr>
+          <p:cNvSpPr>
+            <a:spLocks noGrp="1" noRot="1" noChangeAspect="1" noMove="1" noResize="1" noEditPoints="1" noAdjustHandles="1" noChangeArrowheads="1" noChangeShapeType="1" noTextEdit="1"/>
+          </p:cNvSpPr>
+          <p:nvPr>
+            <p:extLst>
+              <p:ext uri="{386F3935-93C4-4BCD-93E2-E3B085C9AB24}">
+                <p16:designElem xmlns:p16="http://schemas.microsoft.com/office/powerpoint/2015/main" val="1"/>
+              </p:ext>
+            </p:extLst>
+          </p:nvPr>
+        </p:nvSpPr>
+        <p:spPr>
+          <a:xfrm flipH="1">
+            <a:off x="7604080" y="6453143"/>
+            <a:ext cx="814903" cy="404857"/>
+          </a:xfrm>
+          <a:prstGeom prst="triangle">
+            <a:avLst/>
+          </a:prstGeom>
+          <a:solidFill>
+            <a:schemeClr val="accent1">
+              <a:alpha val="30000"/>
+            </a:schemeClr>
+          </a:solidFill>
+          <a:ln>
+            <a:noFill/>
+          </a:ln>
+        </p:spPr>
+        <p:style>
+          <a:lnRef idx="2">
+            <a:schemeClr val="accent1">
+              <a:shade val="50000"/>
+            </a:schemeClr>
+          </a:lnRef>
+          <a:fillRef idx="1">
+            <a:schemeClr val="accent1"/>
+          </a:fillRef>
+          <a:effectRef idx="0">
+            <a:schemeClr val="accent1"/>
+          </a:effectRef>
+          <a:fontRef idx="minor">
+            <a:schemeClr val="lt1"/>
+          </a:fontRef>
+        </p:style>
+        <p:txBody>
+          <a:bodyPr rtlCol="0" anchor="ctr"/>
+          <a:lstStyle/>
+          <a:p>
+            <a:pPr algn="ctr"/>
+            <a:endParaRPr lang="en-US"/>
+          </a:p>
+        </p:txBody>
+      </p:sp>
+      <p:pic>
+        <p:nvPicPr>
+          <p:cNvPr id="7" name="Picture 6" descr="A graph with a line and a blue line&#10;&#10;Description automatically generated">
+            <a:extLst>
+              <a:ext uri="{FF2B5EF4-FFF2-40B4-BE49-F238E27FC236}">
+                <a16:creationId xmlns:a16="http://schemas.microsoft.com/office/drawing/2014/main" id="{AE2F603F-807A-BDD4-7C8C-08592972320F}"/>
+              </a:ext>
+            </a:extLst>
+          </p:cNvPr>
+          <p:cNvPicPr>
+            <a:picLocks noChangeAspect="1"/>
+          </p:cNvPicPr>
+          <p:nvPr/>
+        </p:nvPicPr>
+        <p:blipFill>
+          <a:blip r:embed="rId3"/>
+          <a:stretch>
+            <a:fillRect/>
+          </a:stretch>
+        </p:blipFill>
+        <p:spPr>
+          <a:xfrm>
+            <a:off x="6396669" y="3455876"/>
+            <a:ext cx="5795332" cy="3384401"/>
+          </a:xfrm>
+          <a:prstGeom prst="rect">
+            <a:avLst/>
+          </a:prstGeom>
+        </p:spPr>
+      </p:pic>
+      <p:sp>
+        <p:nvSpPr>
+          <p:cNvPr id="8" name="Title 1">
+            <a:extLst>
+              <a:ext uri="{FF2B5EF4-FFF2-40B4-BE49-F238E27FC236}">
+                <a16:creationId xmlns:a16="http://schemas.microsoft.com/office/drawing/2014/main" id="{FDA3FC06-9027-916B-695A-F2A96F0E4392}"/>
+              </a:ext>
+            </a:extLst>
+          </p:cNvPr>
+          <p:cNvSpPr>
+            <a:spLocks noGrp="1"/>
+          </p:cNvSpPr>
+          <p:nvPr>
+            <p:ph type="title"/>
+          </p:nvPr>
+        </p:nvSpPr>
+        <p:spPr>
+          <a:xfrm>
+            <a:off x="565312" y="478904"/>
+            <a:ext cx="5266045" cy="2177856"/>
+          </a:xfrm>
+        </p:spPr>
+        <p:txBody>
+          <a:bodyPr anchor="b">
+            <a:noAutofit/>
+          </a:bodyPr>
+          <a:lstStyle/>
+          <a:p>
+            <a:r>
+              <a:rPr lang="en-US" sz="3000" dirty="0">
+                <a:latin typeface="+mn-lt"/>
+              </a:rPr>
+              <a:t>Close one least used run or close five least used run and monitor the reduce of operation cost and revenue changes. </a:t>
+            </a:r>
+          </a:p>
+        </p:txBody>
+      </p:sp>
+      <p:sp>
+        <p:nvSpPr>
+          <p:cNvPr id="11" name="TextBox 10">
+            <a:extLst>
+              <a:ext uri="{FF2B5EF4-FFF2-40B4-BE49-F238E27FC236}">
+                <a16:creationId xmlns:a16="http://schemas.microsoft.com/office/drawing/2014/main" id="{9C2A2039-23DF-6A01-0983-7768AB772FF8}"/>
+              </a:ext>
+            </a:extLst>
+          </p:cNvPr>
+          <p:cNvSpPr txBox="1"/>
+          <p:nvPr/>
+        </p:nvSpPr>
+        <p:spPr>
+          <a:xfrm>
+            <a:off x="537663" y="3778259"/>
+            <a:ext cx="5859005" cy="2862322"/>
+          </a:xfrm>
+          <a:prstGeom prst="rect">
+            <a:avLst/>
+          </a:prstGeom>
+          <a:noFill/>
+        </p:spPr>
+        <p:txBody>
+          <a:bodyPr wrap="square">
+            <a:spAutoFit/>
+          </a:bodyPr>
+          <a:lstStyle/>
+          <a:p>
+            <a:r>
+              <a:rPr lang="en-US" sz="3000" dirty="0">
+                <a:ea typeface="+mj-ea"/>
+                <a:cs typeface="+mj-cs"/>
+              </a:rPr>
+              <a:t>Increase the vertical drop by adding a run to a point 150 feet lower down with additional chair lift without snow making area change, which will increase revenue roughly $3 million.</a:t>
+            </a:r>
+          </a:p>
+        </p:txBody>
+      </p:sp>
+    </p:spTree>
+    <p:extLst>
+      <p:ext uri="{BB962C8B-B14F-4D97-AF65-F5344CB8AC3E}">
+        <p14:creationId xmlns:p14="http://schemas.microsoft.com/office/powerpoint/2010/main" val="3717560043"/>
+      </p:ext>
+    </p:extLst>
+  </p:cSld>
+  <p:clrMapOvr>
+    <a:masterClrMapping/>
+  </p:clrMapOvr>
+  <p:timing>
+    <p:tnLst>
+      <p:par>
+        <p:cTn id="1" dur="indefinite" restart="never" nodeType="tmRoot">
+          <p:childTnLst>
+            <p:seq concurrent="1" nextAc="seek">
+              <p:cTn id="2" dur="indefinite" nodeType="mainSeq">
+                <p:childTnLst>
+                  <p:par>
+                    <p:cTn id="3" fill="hold">
+                      <p:stCondLst>
+                        <p:cond delay="indefinite"/>
+                      </p:stCondLst>
+                      <p:childTnLst>
+                        <p:par>
+                          <p:cTn id="4" fill="hold">
+                            <p:stCondLst>
+                              <p:cond delay="0"/>
+                            </p:stCondLst>
+                            <p:childTnLst>
+                              <p:par>
+                                <p:cTn id="5" presetID="10" presetClass="entr" presetSubtype="0" fill="hold" grpId="0" nodeType="clickEffect">
+                                  <p:stCondLst>
+                                    <p:cond delay="0"/>
+                                  </p:stCondLst>
+                                  <p:childTnLst>
+                                    <p:set>
+                                      <p:cBhvr>
+                                        <p:cTn id="6" dur="1" fill="hold">
+                                          <p:stCondLst>
+                                            <p:cond delay="0"/>
+                                          </p:stCondLst>
+                                        </p:cTn>
+                                        <p:tgtEl>
+                                          <p:spTgt spid="8"/>
+                                        </p:tgtEl>
+                                        <p:attrNameLst>
+                                          <p:attrName>style.visibility</p:attrName>
+                                        </p:attrNameLst>
+                                      </p:cBhvr>
+                                      <p:to>
+                                        <p:strVal val="visible"/>
+                                      </p:to>
+                                    </p:set>
+                                    <p:animEffect transition="in" filter="fade">
+                                      <p:cBhvr>
+                                        <p:cTn id="7" dur="500"/>
+                                        <p:tgtEl>
+                                          <p:spTgt spid="8"/>
+                                        </p:tgtEl>
+                                      </p:cBhvr>
+                                    </p:animEffect>
+                                  </p:childTnLst>
+                                </p:cTn>
+                              </p:par>
+                            </p:childTnLst>
+                          </p:cTn>
+                        </p:par>
+                      </p:childTnLst>
+                    </p:cTn>
+                  </p:par>
+                </p:childTnLst>
+              </p:cTn>
+              <p:prevCondLst>
+                <p:cond evt="onPrev" delay="0">
+                  <p:tgtEl>
+                    <p:sldTgt/>
+                  </p:tgtEl>
+                </p:cond>
+              </p:prevCondLst>
+              <p:nextCondLst>
+                <p:cond evt="onNext" delay="0">
+                  <p:tgtEl>
+                    <p:sldTgt/>
+                  </p:tgtEl>
+                </p:cond>
+              </p:nextCondLst>
+            </p:seq>
+          </p:childTnLst>
+        </p:cTn>
+      </p:par>
+    </p:tnLst>
+    <p:bldLst>
+      <p:bldP spid="8" grpId="0"/>
     </p:bldLst>
   </p:timing>
 </p:sld>
